--- a/jaws.pptx
+++ b/jaws.pptx
@@ -5,24 +5,27 @@
     <p:sldMasterId id="2147483756" r:id="rId4"/>
   </p:sldMasterIdLst>
   <p:notesMasterIdLst>
-    <p:notesMasterId r:id="rId17"/>
+    <p:notesMasterId r:id="rId20"/>
   </p:notesMasterIdLst>
   <p:handoutMasterIdLst>
-    <p:handoutMasterId r:id="rId18"/>
+    <p:handoutMasterId r:id="rId21"/>
   </p:handoutMasterIdLst>
   <p:sldIdLst>
     <p:sldId id="259" r:id="rId5"/>
     <p:sldId id="260" r:id="rId6"/>
-    <p:sldId id="266" r:id="rId7"/>
-    <p:sldId id="264" r:id="rId8"/>
-    <p:sldId id="267" r:id="rId9"/>
-    <p:sldId id="270" r:id="rId10"/>
-    <p:sldId id="268" r:id="rId11"/>
-    <p:sldId id="265" r:id="rId12"/>
-    <p:sldId id="269" r:id="rId13"/>
-    <p:sldId id="261" r:id="rId14"/>
-    <p:sldId id="262" r:id="rId15"/>
-    <p:sldId id="263" r:id="rId16"/>
+    <p:sldId id="264" r:id="rId7"/>
+    <p:sldId id="273" r:id="rId8"/>
+    <p:sldId id="272" r:id="rId9"/>
+    <p:sldId id="271" r:id="rId10"/>
+    <p:sldId id="266" r:id="rId11"/>
+    <p:sldId id="267" r:id="rId12"/>
+    <p:sldId id="270" r:id="rId13"/>
+    <p:sldId id="268" r:id="rId14"/>
+    <p:sldId id="265" r:id="rId15"/>
+    <p:sldId id="269" r:id="rId16"/>
+    <p:sldId id="261" r:id="rId17"/>
+    <p:sldId id="262" r:id="rId18"/>
+    <p:sldId id="263" r:id="rId19"/>
   </p:sldIdLst>
   <p:sldSz cx="12192000" cy="6858000"/>
   <p:notesSz cx="6858000" cy="9144000"/>
@@ -4371,7 +4374,7 @@
           <a:p>
             <a:fld id="{50FABAFA-9D90-4B6C-95A1-503043E46FAB}" type="datetimeFigureOut">
               <a:rPr lang="en-US" smtClean="0"/>
-              <a:t>12/18/2018</a:t>
+              <a:t>12/19/2018</a:t>
             </a:fld>
             <a:endParaRPr lang="en-US"/>
           </a:p>
@@ -4536,7 +4539,7 @@
           <a:p>
             <a:fld id="{AC15EB1F-8DE4-48C3-A804-A05846A4049F}" type="datetimeFigureOut">
               <a:rPr lang="en-US" smtClean="0"/>
-              <a:t>12/18/2018</a:t>
+              <a:t>12/19/2018</a:t>
             </a:fld>
             <a:endParaRPr lang="en-US"/>
           </a:p>
@@ -4952,7 +4955,7 @@
           <a:p>
             <a:fld id="{8AD115C9-E24C-4512-AA8B-319BB49F77B5}" type="slidenum">
               <a:rPr lang="en-US" smtClean="0"/>
-              <a:t>6</a:t>
+              <a:t>9</a:t>
             </a:fld>
             <a:endParaRPr lang="en-US"/>
           </a:p>
@@ -5212,7 +5215,7 @@
           <a:p>
             <a:fld id="{CE5E0A0C-FFF2-4105-9F07-796FCC3D8DE3}" type="datetime1">
               <a:rPr lang="en-US" smtClean="0"/>
-              <a:t>12/18/2018</a:t>
+              <a:t>12/19/2018</a:t>
             </a:fld>
             <a:endParaRPr lang="en-US"/>
           </a:p>
@@ -5438,7 +5441,7 @@
           <a:p>
             <a:fld id="{4A5D68D4-D432-4190-8060-492B59F98A87}" type="datetime1">
               <a:rPr lang="en-US" smtClean="0"/>
-              <a:t>12/18/2018</a:t>
+              <a:t>12/19/2018</a:t>
             </a:fld>
             <a:endParaRPr lang="en-US"/>
           </a:p>
@@ -5674,7 +5677,7 @@
           <a:p>
             <a:fld id="{5AF4EF83-7D73-495D-9915-41737B990DFC}" type="datetime1">
               <a:rPr lang="en-US" smtClean="0"/>
-              <a:t>12/18/2018</a:t>
+              <a:t>12/19/2018</a:t>
             </a:fld>
             <a:endParaRPr lang="en-US"/>
           </a:p>
@@ -6011,7 +6014,7 @@
           <a:p>
             <a:fld id="{73DF2905-D7E2-4171-961B-8EB802C66F9A}" type="datetime1">
               <a:rPr lang="en-US" smtClean="0"/>
-              <a:t>12/18/2018</a:t>
+              <a:t>12/19/2018</a:t>
             </a:fld>
             <a:endParaRPr lang="en-US"/>
           </a:p>
@@ -6274,7 +6277,7 @@
           <a:p>
             <a:fld id="{82C1B47C-16BC-4A9F-9E6E-9D1F33DC8ABD}" type="datetime1">
               <a:rPr lang="en-US" smtClean="0"/>
-              <a:t>12/18/2018</a:t>
+              <a:t>12/19/2018</a:t>
             </a:fld>
             <a:endParaRPr lang="en-US"/>
           </a:p>
@@ -6690,7 +6693,7 @@
           <a:p>
             <a:fld id="{0C073DF2-DD31-447B-89F4-CEF82A94D7A7}" type="datetime1">
               <a:rPr lang="en-US" smtClean="0"/>
-              <a:t>12/18/2018</a:t>
+              <a:t>12/19/2018</a:t>
             </a:fld>
             <a:endParaRPr lang="en-US"/>
           </a:p>
@@ -7222,7 +7225,7 @@
           <a:p>
             <a:fld id="{1551BB0C-CFA8-4A1F-9AAE-D6B32E8256E7}" type="datetime1">
               <a:rPr lang="en-US" smtClean="0"/>
-              <a:t>12/18/2018</a:t>
+              <a:t>12/19/2018</a:t>
             </a:fld>
             <a:endParaRPr lang="en-US"/>
           </a:p>
@@ -7360,7 +7363,7 @@
           <a:p>
             <a:fld id="{2752348D-B72F-4FC3-A127-851C5E7B3A9E}" type="datetime1">
               <a:rPr lang="en-US" smtClean="0"/>
-              <a:t>12/18/2018</a:t>
+              <a:t>12/19/2018</a:t>
             </a:fld>
             <a:endParaRPr lang="en-US"/>
           </a:p>
@@ -7470,7 +7473,7 @@
           <a:p>
             <a:fld id="{D666EB1B-704A-4D5E-8D5F-456104532486}" type="datetime1">
               <a:rPr lang="en-US" smtClean="0"/>
-              <a:t>12/18/2018</a:t>
+              <a:t>12/19/2018</a:t>
             </a:fld>
             <a:endParaRPr lang="en-US"/>
           </a:p>
@@ -7783,7 +7786,7 @@
           <a:p>
             <a:fld id="{D96AFBEB-CD4D-45C5-9851-D1FF1EB5AB85}" type="datetime1">
               <a:rPr lang="en-US" smtClean="0"/>
-              <a:t>12/18/2018</a:t>
+              <a:t>12/19/2018</a:t>
             </a:fld>
             <a:endParaRPr lang="en-US"/>
           </a:p>
@@ -8031,7 +8034,7 @@
           <a:p>
             <a:fld id="{B285B7EB-0ACD-4247-AA3F-1B0B49109B84}" type="datetime1">
               <a:rPr lang="en-US" smtClean="0"/>
-              <a:t>12/18/2018</a:t>
+              <a:t>12/19/2018</a:t>
             </a:fld>
             <a:endParaRPr lang="en-US"/>
           </a:p>
@@ -8331,7 +8334,7 @@
             <a:fld id="{8254F2F0-E062-4E41-9176-AEE9734E64AC}" type="datetime1">
               <a:rPr lang="en-US" smtClean="0"/>
               <a:pPr/>
-              <a:t>12/18/2018</a:t>
+              <a:t>12/19/2018</a:t>
             </a:fld>
             <a:endParaRPr lang="en-US" dirty="0"/>
           </a:p>
@@ -8937,6 +8940,205 @@
           <a:chExt cx="0" cy="0"/>
         </a:xfrm>
       </p:grpSpPr>
+    </p:spTree>
+    <p:extLst>
+      <p:ext uri="{BB962C8B-B14F-4D97-AF65-F5344CB8AC3E}">
+        <p14:creationId xmlns:p14="http://schemas.microsoft.com/office/powerpoint/2010/main" val="1220452376"/>
+      </p:ext>
+    </p:extLst>
+  </p:cSld>
+  <p:clrMapOvr>
+    <a:masterClrMapping/>
+  </p:clrMapOvr>
+  <mc:AlternateContent xmlns:mc="http://schemas.openxmlformats.org/markup-compatibility/2006" xmlns:p14="http://schemas.microsoft.com/office/powerpoint/2010/main">
+    <mc:Choice Requires="p14">
+      <p:transition spd="med" p14:dur="700">
+        <p:fade/>
+      </p:transition>
+    </mc:Choice>
+    <mc:Fallback xmlns="">
+      <p:transition spd="med">
+        <p:fade/>
+      </p:transition>
+    </mc:Fallback>
+  </mc:AlternateContent>
+</p:sld>
+</file>
+
+<file path=ppt/slides/slide11.xml><?xml version="1.0" encoding="utf-8"?>
+<p:sld xmlns:a="http://schemas.openxmlformats.org/drawingml/2006/main" xmlns:r="http://schemas.openxmlformats.org/officeDocument/2006/relationships" xmlns:p="http://schemas.openxmlformats.org/presentationml/2006/main">
+  <p:cSld>
+    <p:spTree>
+      <p:nvGrpSpPr>
+        <p:cNvPr id="1" name=""/>
+        <p:cNvGrpSpPr/>
+        <p:nvPr/>
+      </p:nvGrpSpPr>
+      <p:grpSpPr>
+        <a:xfrm>
+          <a:off x="0" y="0"/>
+          <a:ext cx="0" cy="0"/>
+          <a:chOff x="0" y="0"/>
+          <a:chExt cx="0" cy="0"/>
+        </a:xfrm>
+      </p:grpSpPr>
+    </p:spTree>
+    <p:extLst>
+      <p:ext uri="{BB962C8B-B14F-4D97-AF65-F5344CB8AC3E}">
+        <p14:creationId xmlns:p14="http://schemas.microsoft.com/office/powerpoint/2010/main" val="4079847625"/>
+      </p:ext>
+    </p:extLst>
+  </p:cSld>
+  <p:clrMapOvr>
+    <a:masterClrMapping/>
+  </p:clrMapOvr>
+  <mc:AlternateContent xmlns:mc="http://schemas.openxmlformats.org/markup-compatibility/2006" xmlns:p14="http://schemas.microsoft.com/office/powerpoint/2010/main">
+    <mc:Choice Requires="p14">
+      <p:transition spd="med" p14:dur="700">
+        <p:fade/>
+      </p:transition>
+    </mc:Choice>
+    <mc:Fallback xmlns="">
+      <p:transition spd="med">
+        <p:fade/>
+      </p:transition>
+    </mc:Fallback>
+  </mc:AlternateContent>
+</p:sld>
+</file>
+
+<file path=ppt/slides/slide12.xml><?xml version="1.0" encoding="utf-8"?>
+<p:sld xmlns:a="http://schemas.openxmlformats.org/drawingml/2006/main" xmlns:r="http://schemas.openxmlformats.org/officeDocument/2006/relationships" xmlns:p="http://schemas.openxmlformats.org/presentationml/2006/main">
+  <p:cSld>
+    <p:spTree>
+      <p:nvGrpSpPr>
+        <p:cNvPr id="1" name=""/>
+        <p:cNvGrpSpPr/>
+        <p:nvPr/>
+      </p:nvGrpSpPr>
+      <p:grpSpPr>
+        <a:xfrm>
+          <a:off x="0" y="0"/>
+          <a:ext cx="0" cy="0"/>
+          <a:chOff x="0" y="0"/>
+          <a:chExt cx="0" cy="0"/>
+        </a:xfrm>
+      </p:grpSpPr>
+      <p:sp>
+        <p:nvSpPr>
+          <p:cNvPr id="13" name="Title 12"/>
+          <p:cNvSpPr>
+            <a:spLocks noGrp="1"/>
+          </p:cNvSpPr>
+          <p:nvPr>
+            <p:ph type="title"/>
+          </p:nvPr>
+        </p:nvSpPr>
+        <p:spPr/>
+        <p:txBody>
+          <a:bodyPr/>
+          <a:lstStyle/>
+          <a:p>
+            <a:r>
+              <a:rPr lang="en-US" dirty="0"/>
+              <a:t>Title and Content Layout with List</a:t>
+            </a:r>
+          </a:p>
+        </p:txBody>
+      </p:sp>
+      <p:sp>
+        <p:nvSpPr>
+          <p:cNvPr id="14" name="Content Placeholder 13"/>
+          <p:cNvSpPr>
+            <a:spLocks noGrp="1"/>
+          </p:cNvSpPr>
+          <p:nvPr>
+            <p:ph sz="quarter" idx="13"/>
+          </p:nvPr>
+        </p:nvSpPr>
+        <p:spPr/>
+        <p:txBody>
+          <a:bodyPr/>
+          <a:lstStyle/>
+          <a:p>
+            <a:pPr lvl="0"/>
+            <a:r>
+              <a:rPr lang="en-US" dirty="0"/>
+              <a:t>Click to edit Master text styles</a:t>
+            </a:r>
+          </a:p>
+          <a:p>
+            <a:pPr lvl="1"/>
+            <a:r>
+              <a:rPr lang="en-US" dirty="0"/>
+              <a:t>Second level</a:t>
+            </a:r>
+          </a:p>
+          <a:p>
+            <a:pPr lvl="2"/>
+            <a:r>
+              <a:rPr lang="en-US" dirty="0"/>
+              <a:t>Third level</a:t>
+            </a:r>
+          </a:p>
+          <a:p>
+            <a:pPr lvl="3"/>
+            <a:r>
+              <a:rPr lang="en-US" dirty="0"/>
+              <a:t>Fourth level</a:t>
+            </a:r>
+          </a:p>
+          <a:p>
+            <a:pPr lvl="4"/>
+            <a:r>
+              <a:rPr lang="en-US" dirty="0"/>
+              <a:t>Fifth level</a:t>
+            </a:r>
+          </a:p>
+        </p:txBody>
+      </p:sp>
+    </p:spTree>
+    <p:extLst>
+      <p:ext uri="{BB962C8B-B14F-4D97-AF65-F5344CB8AC3E}">
+        <p14:creationId xmlns:p14="http://schemas.microsoft.com/office/powerpoint/2010/main" val="1030499500"/>
+      </p:ext>
+    </p:extLst>
+  </p:cSld>
+  <p:clrMapOvr>
+    <a:masterClrMapping/>
+  </p:clrMapOvr>
+  <mc:AlternateContent xmlns:mc="http://schemas.openxmlformats.org/markup-compatibility/2006" xmlns:p14="http://schemas.microsoft.com/office/powerpoint/2010/main">
+    <mc:Choice Requires="p14">
+      <p:transition spd="med" p14:dur="700">
+        <p:fade/>
+      </p:transition>
+    </mc:Choice>
+    <mc:Fallback xmlns="">
+      <p:transition spd="med">
+        <p:fade/>
+      </p:transition>
+    </mc:Fallback>
+  </mc:AlternateContent>
+</p:sld>
+</file>
+
+<file path=ppt/slides/slide13.xml><?xml version="1.0" encoding="utf-8"?>
+<p:sld xmlns:a="http://schemas.openxmlformats.org/drawingml/2006/main" xmlns:r="http://schemas.openxmlformats.org/officeDocument/2006/relationships" xmlns:p="http://schemas.openxmlformats.org/presentationml/2006/main">
+  <p:cSld>
+    <p:spTree>
+      <p:nvGrpSpPr>
+        <p:cNvPr id="1" name=""/>
+        <p:cNvGrpSpPr/>
+        <p:nvPr/>
+      </p:nvGrpSpPr>
+      <p:grpSpPr>
+        <a:xfrm>
+          <a:off x="0" y="0"/>
+          <a:ext cx="0" cy="0"/>
+          <a:chOff x="0" y="0"/>
+          <a:chExt cx="0" cy="0"/>
+        </a:xfrm>
+      </p:grpSpPr>
       <p:sp>
         <p:nvSpPr>
           <p:cNvPr id="2" name="Title 1"/>
@@ -9009,7 +9211,7 @@
 </p:sld>
 </file>
 
-<file path=ppt/slides/slide11.xml><?xml version="1.0" encoding="utf-8"?>
+<file path=ppt/slides/slide14.xml><?xml version="1.0" encoding="utf-8"?>
 <p:sld xmlns:a="http://schemas.openxmlformats.org/drawingml/2006/main" xmlns:r="http://schemas.openxmlformats.org/officeDocument/2006/relationships" xmlns:p="http://schemas.openxmlformats.org/presentationml/2006/main">
   <p:cSld>
     <p:spTree>
@@ -9352,7 +9554,7 @@
 </p:sld>
 </file>
 
-<file path=ppt/slides/slide12.xml><?xml version="1.0" encoding="utf-8"?>
+<file path=ppt/slides/slide15.xml><?xml version="1.0" encoding="utf-8"?>
 <p:sld xmlns:a="http://schemas.openxmlformats.org/drawingml/2006/main" xmlns:r="http://schemas.openxmlformats.org/officeDocument/2006/relationships" xmlns:p="http://schemas.openxmlformats.org/presentationml/2006/main">
   <p:cSld>
     <p:spTree>
@@ -9478,6 +9680,660 @@
 </file>
 
 <file path=ppt/slides/slide2.xml><?xml version="1.0" encoding="utf-8"?>
+<p:sld xmlns:a="http://schemas.openxmlformats.org/drawingml/2006/main" xmlns:r="http://schemas.openxmlformats.org/officeDocument/2006/relationships" xmlns:p="http://schemas.openxmlformats.org/presentationml/2006/main">
+  <p:cSld>
+    <p:spTree>
+      <p:nvGrpSpPr>
+        <p:cNvPr id="1" name=""/>
+        <p:cNvGrpSpPr/>
+        <p:nvPr/>
+      </p:nvGrpSpPr>
+      <p:grpSpPr>
+        <a:xfrm>
+          <a:off x="0" y="0"/>
+          <a:ext cx="0" cy="0"/>
+          <a:chOff x="0" y="0"/>
+          <a:chExt cx="0" cy="0"/>
+        </a:xfrm>
+      </p:grpSpPr>
+      <p:sp>
+        <p:nvSpPr>
+          <p:cNvPr id="11" name="Subtitle 2">
+            <a:extLst>
+              <a:ext uri="{FF2B5EF4-FFF2-40B4-BE49-F238E27FC236}">
+                <a16:creationId xmlns:a16="http://schemas.microsoft.com/office/drawing/2014/main" id="{571E64A8-E580-44F6-BD8C-392C75A4403F}"/>
+              </a:ext>
+            </a:extLst>
+          </p:cNvPr>
+          <p:cNvSpPr txBox="1">
+            <a:spLocks/>
+          </p:cNvSpPr>
+          <p:nvPr/>
+        </p:nvSpPr>
+        <p:spPr>
+          <a:xfrm>
+            <a:off x="1433871" y="984045"/>
+            <a:ext cx="8534400" cy="5873956"/>
+          </a:xfrm>
+          <a:prstGeom prst="rect">
+            <a:avLst/>
+          </a:prstGeom>
+        </p:spPr>
+        <p:txBody>
+          <a:bodyPr/>
+          <a:lstStyle>
+            <a:lvl1pPr marL="342900" indent="-342900" algn="l" defTabSz="914400" rtl="0" eaLnBrk="1" latinLnBrk="0" hangingPunct="1">
+              <a:lnSpc>
+                <a:spcPct val="100000"/>
+              </a:lnSpc>
+              <a:spcBef>
+                <a:spcPct val="20000"/>
+              </a:spcBef>
+              <a:spcAft>
+                <a:spcPts val="600"/>
+              </a:spcAft>
+              <a:buClr>
+                <a:schemeClr val="tx1"/>
+              </a:buClr>
+              <a:buFont typeface="Arial" pitchFamily="34" charset="0"/>
+              <a:buChar char="•"/>
+              <a:defRPr sz="2000" kern="1200" spc="30" baseline="0">
+                <a:solidFill>
+                  <a:schemeClr val="tx2">
+                    <a:lumMod val="50000"/>
+                  </a:schemeClr>
+                </a:solidFill>
+                <a:latin typeface="+mn-lt"/>
+                <a:ea typeface="+mn-ea"/>
+                <a:cs typeface="+mn-cs"/>
+              </a:defRPr>
+            </a:lvl1pPr>
+            <a:lvl2pPr marL="742950" indent="-285750" algn="l" defTabSz="914400" rtl="0" eaLnBrk="1" latinLnBrk="0" hangingPunct="1">
+              <a:lnSpc>
+                <a:spcPct val="100000"/>
+              </a:lnSpc>
+              <a:spcBef>
+                <a:spcPct val="20000"/>
+              </a:spcBef>
+              <a:spcAft>
+                <a:spcPts val="600"/>
+              </a:spcAft>
+              <a:buClr>
+                <a:schemeClr val="tx1"/>
+              </a:buClr>
+              <a:buFont typeface="Arial" pitchFamily="34" charset="0"/>
+              <a:buChar char="•"/>
+              <a:defRPr sz="2000" kern="1200" spc="30" baseline="0">
+                <a:solidFill>
+                  <a:schemeClr val="tx2">
+                    <a:lumMod val="50000"/>
+                  </a:schemeClr>
+                </a:solidFill>
+                <a:latin typeface="+mn-lt"/>
+                <a:ea typeface="+mn-ea"/>
+                <a:cs typeface="+mn-cs"/>
+              </a:defRPr>
+            </a:lvl2pPr>
+            <a:lvl3pPr marL="1143000" indent="-228600" algn="l" defTabSz="914400" rtl="0" eaLnBrk="1" latinLnBrk="0" hangingPunct="1">
+              <a:lnSpc>
+                <a:spcPct val="100000"/>
+              </a:lnSpc>
+              <a:spcBef>
+                <a:spcPct val="20000"/>
+              </a:spcBef>
+              <a:spcAft>
+                <a:spcPts val="600"/>
+              </a:spcAft>
+              <a:buClr>
+                <a:schemeClr val="tx2">
+                  <a:lumMod val="50000"/>
+                </a:schemeClr>
+              </a:buClr>
+              <a:buFont typeface="Arial" pitchFamily="34" charset="0"/>
+              <a:buChar char="•"/>
+              <a:defRPr sz="2000" kern="1200" spc="30" baseline="0">
+                <a:solidFill>
+                  <a:schemeClr val="tx2">
+                    <a:lumMod val="50000"/>
+                  </a:schemeClr>
+                </a:solidFill>
+                <a:latin typeface="+mn-lt"/>
+                <a:ea typeface="+mn-ea"/>
+                <a:cs typeface="+mn-cs"/>
+              </a:defRPr>
+            </a:lvl3pPr>
+            <a:lvl4pPr marL="1600200" indent="-228600" algn="l" defTabSz="914400" rtl="0" eaLnBrk="1" latinLnBrk="0" hangingPunct="1">
+              <a:lnSpc>
+                <a:spcPct val="100000"/>
+              </a:lnSpc>
+              <a:spcBef>
+                <a:spcPct val="20000"/>
+              </a:spcBef>
+              <a:spcAft>
+                <a:spcPts val="600"/>
+              </a:spcAft>
+              <a:buClr>
+                <a:schemeClr val="tx1"/>
+              </a:buClr>
+              <a:buFont typeface="Arial" pitchFamily="34" charset="0"/>
+              <a:buChar char="•"/>
+              <a:defRPr sz="2000" kern="1200" spc="30" baseline="0">
+                <a:solidFill>
+                  <a:schemeClr val="tx2">
+                    <a:lumMod val="50000"/>
+                  </a:schemeClr>
+                </a:solidFill>
+                <a:latin typeface="+mn-lt"/>
+                <a:ea typeface="+mn-ea"/>
+                <a:cs typeface="+mn-cs"/>
+              </a:defRPr>
+            </a:lvl4pPr>
+            <a:lvl5pPr marL="2057400" indent="-228600" algn="l" defTabSz="914400" rtl="0" eaLnBrk="1" latinLnBrk="0" hangingPunct="1">
+              <a:lnSpc>
+                <a:spcPct val="100000"/>
+              </a:lnSpc>
+              <a:spcBef>
+                <a:spcPct val="20000"/>
+              </a:spcBef>
+              <a:spcAft>
+                <a:spcPts val="600"/>
+              </a:spcAft>
+              <a:buClr>
+                <a:schemeClr val="tx1"/>
+              </a:buClr>
+              <a:buFont typeface="Arial" pitchFamily="34" charset="0"/>
+              <a:buChar char="•"/>
+              <a:defRPr sz="2000" kern="1200" spc="30" baseline="0">
+                <a:solidFill>
+                  <a:schemeClr val="tx2">
+                    <a:lumMod val="50000"/>
+                  </a:schemeClr>
+                </a:solidFill>
+                <a:latin typeface="+mn-lt"/>
+                <a:ea typeface="+mn-ea"/>
+                <a:cs typeface="+mn-cs"/>
+              </a:defRPr>
+            </a:lvl5pPr>
+            <a:lvl6pPr marL="2514600" indent="-228600" algn="l" defTabSz="914400" rtl="0" eaLnBrk="1" latinLnBrk="0" hangingPunct="1">
+              <a:lnSpc>
+                <a:spcPct val="100000"/>
+              </a:lnSpc>
+              <a:spcBef>
+                <a:spcPct val="20000"/>
+              </a:spcBef>
+              <a:spcAft>
+                <a:spcPts val="600"/>
+              </a:spcAft>
+              <a:buClr>
+                <a:schemeClr val="tx2">
+                  <a:lumMod val="50000"/>
+                </a:schemeClr>
+              </a:buClr>
+              <a:buFont typeface="Arial" pitchFamily="34" charset="0"/>
+              <a:buChar char="•"/>
+              <a:defRPr sz="1700" kern="1200">
+                <a:solidFill>
+                  <a:schemeClr val="tx2">
+                    <a:lumMod val="50000"/>
+                  </a:schemeClr>
+                </a:solidFill>
+                <a:latin typeface="+mn-lt"/>
+                <a:ea typeface="+mn-ea"/>
+                <a:cs typeface="+mn-cs"/>
+              </a:defRPr>
+            </a:lvl6pPr>
+            <a:lvl7pPr marL="2971800" indent="-228600" algn="l" defTabSz="914400" rtl="0" eaLnBrk="1" latinLnBrk="0" hangingPunct="1">
+              <a:lnSpc>
+                <a:spcPct val="100000"/>
+              </a:lnSpc>
+              <a:spcBef>
+                <a:spcPct val="20000"/>
+              </a:spcBef>
+              <a:spcAft>
+                <a:spcPts val="600"/>
+              </a:spcAft>
+              <a:buClr>
+                <a:schemeClr val="tx2">
+                  <a:lumMod val="50000"/>
+                </a:schemeClr>
+              </a:buClr>
+              <a:buFont typeface="Arial" pitchFamily="34" charset="0"/>
+              <a:buChar char="•"/>
+              <a:defRPr sz="1700" kern="1200">
+                <a:solidFill>
+                  <a:schemeClr val="tx2">
+                    <a:lumMod val="50000"/>
+                  </a:schemeClr>
+                </a:solidFill>
+                <a:latin typeface="+mn-lt"/>
+                <a:ea typeface="+mn-ea"/>
+                <a:cs typeface="+mn-cs"/>
+              </a:defRPr>
+            </a:lvl7pPr>
+            <a:lvl8pPr marL="3429000" indent="-228600" algn="l" defTabSz="914400" rtl="0" eaLnBrk="1" latinLnBrk="0" hangingPunct="1">
+              <a:lnSpc>
+                <a:spcPct val="100000"/>
+              </a:lnSpc>
+              <a:spcBef>
+                <a:spcPct val="20000"/>
+              </a:spcBef>
+              <a:spcAft>
+                <a:spcPts val="600"/>
+              </a:spcAft>
+              <a:buClr>
+                <a:schemeClr val="tx2">
+                  <a:lumMod val="50000"/>
+                </a:schemeClr>
+              </a:buClr>
+              <a:buFont typeface="Arial" pitchFamily="34" charset="0"/>
+              <a:buChar char="•"/>
+              <a:defRPr sz="1700" kern="1200">
+                <a:solidFill>
+                  <a:schemeClr val="tx2">
+                    <a:lumMod val="50000"/>
+                  </a:schemeClr>
+                </a:solidFill>
+                <a:latin typeface="+mn-lt"/>
+                <a:ea typeface="+mn-ea"/>
+                <a:cs typeface="+mn-cs"/>
+              </a:defRPr>
+            </a:lvl8pPr>
+            <a:lvl9pPr marL="3886200" indent="-228600" algn="l" defTabSz="914400" rtl="0" eaLnBrk="1" latinLnBrk="0" hangingPunct="1">
+              <a:lnSpc>
+                <a:spcPct val="100000"/>
+              </a:lnSpc>
+              <a:spcBef>
+                <a:spcPct val="20000"/>
+              </a:spcBef>
+              <a:spcAft>
+                <a:spcPts val="600"/>
+              </a:spcAft>
+              <a:buClr>
+                <a:schemeClr val="tx2">
+                  <a:lumMod val="50000"/>
+                </a:schemeClr>
+              </a:buClr>
+              <a:buFont typeface="Arial" pitchFamily="34" charset="0"/>
+              <a:buChar char="•"/>
+              <a:defRPr sz="1700" kern="1200">
+                <a:solidFill>
+                  <a:schemeClr val="tx2">
+                    <a:lumMod val="50000"/>
+                  </a:schemeClr>
+                </a:solidFill>
+                <a:latin typeface="+mn-lt"/>
+                <a:ea typeface="+mn-ea"/>
+                <a:cs typeface="+mn-cs"/>
+              </a:defRPr>
+            </a:lvl9pPr>
+          </a:lstStyle>
+          <a:p>
+            <a:pPr marL="0" indent="0">
+              <a:buNone/>
+            </a:pPr>
+            <a:r>
+              <a:rPr lang="en-US" b="1" dirty="0"/>
+              <a:t>In this session you will learn how to:</a:t>
+            </a:r>
+            <a:endParaRPr lang="en-US" dirty="0"/>
+          </a:p>
+          <a:p>
+            <a:r>
+              <a:rPr lang="en-US" dirty="0"/>
+              <a:t>Install the AWS CLI.</a:t>
+            </a:r>
+          </a:p>
+          <a:p>
+            <a:r>
+              <a:rPr lang="en-US" dirty="0"/>
+              <a:t>Use the extensive help system hierarchy.</a:t>
+            </a:r>
+          </a:p>
+          <a:p>
+            <a:r>
+              <a:rPr lang="en-US" dirty="0"/>
+              <a:t>Configure a profile that automatically connects to GovCloud and displays output in different formats.</a:t>
+            </a:r>
+          </a:p>
+          <a:p>
+            <a:r>
+              <a:rPr lang="en-US" dirty="0"/>
+              <a:t>Programmatically create and delete security groups.</a:t>
+            </a:r>
+          </a:p>
+          <a:p>
+            <a:r>
+              <a:rPr lang="en-US" dirty="0"/>
+              <a:t>Set up and configure a security group/firewall.</a:t>
+            </a:r>
+          </a:p>
+          <a:p>
+            <a:r>
+              <a:rPr lang="en-US" dirty="0"/>
+              <a:t>Quickly and easily access information about subnets and security groups.</a:t>
+            </a:r>
+          </a:p>
+          <a:p>
+            <a:r>
+              <a:rPr lang="en-US" dirty="0"/>
+              <a:t>Configure, start, stop, delete and query information on EC2 instances.</a:t>
+            </a:r>
+          </a:p>
+          <a:p>
+            <a:r>
+              <a:rPr lang="en-US" dirty="0"/>
+              <a:t>Create an Amazon PostgreSQL database.</a:t>
+            </a:r>
+          </a:p>
+          <a:p>
+            <a:r>
+              <a:rPr lang="en-US" dirty="0"/>
+              <a:t>Apply tags to resources.</a:t>
+            </a:r>
+          </a:p>
+        </p:txBody>
+      </p:sp>
+    </p:spTree>
+    <p:extLst>
+      <p:ext uri="{BB962C8B-B14F-4D97-AF65-F5344CB8AC3E}">
+        <p14:creationId xmlns:p14="http://schemas.microsoft.com/office/powerpoint/2010/main" val="833507040"/>
+      </p:ext>
+    </p:extLst>
+  </p:cSld>
+  <p:clrMapOvr>
+    <a:masterClrMapping/>
+  </p:clrMapOvr>
+  <mc:AlternateContent xmlns:mc="http://schemas.openxmlformats.org/markup-compatibility/2006" xmlns:p14="http://schemas.microsoft.com/office/powerpoint/2010/main">
+    <mc:Choice Requires="p14">
+      <p:transition spd="med" p14:dur="700">
+        <p:fade/>
+      </p:transition>
+    </mc:Choice>
+    <mc:Fallback xmlns="">
+      <p:transition spd="med">
+        <p:fade/>
+      </p:transition>
+    </mc:Fallback>
+  </mc:AlternateContent>
+</p:sld>
+</file>
+
+<file path=ppt/slides/slide3.xml><?xml version="1.0" encoding="utf-8"?>
+<p:sld xmlns:a="http://schemas.openxmlformats.org/drawingml/2006/main" xmlns:r="http://schemas.openxmlformats.org/officeDocument/2006/relationships" xmlns:p="http://schemas.openxmlformats.org/presentationml/2006/main">
+  <p:cSld>
+    <p:spTree>
+      <p:nvGrpSpPr>
+        <p:cNvPr id="1" name=""/>
+        <p:cNvGrpSpPr/>
+        <p:nvPr/>
+      </p:nvGrpSpPr>
+      <p:grpSpPr>
+        <a:xfrm>
+          <a:off x="0" y="0"/>
+          <a:ext cx="0" cy="0"/>
+          <a:chOff x="0" y="0"/>
+          <a:chExt cx="0" cy="0"/>
+        </a:xfrm>
+      </p:grpSpPr>
+      <p:sp>
+        <p:nvSpPr>
+          <p:cNvPr id="14" name="Content Placeholder 13"/>
+          <p:cNvSpPr>
+            <a:spLocks noGrp="1"/>
+          </p:cNvSpPr>
+          <p:nvPr>
+            <p:ph sz="quarter" idx="13"/>
+          </p:nvPr>
+        </p:nvSpPr>
+        <p:spPr>
+          <a:xfrm>
+            <a:off x="427702" y="2352366"/>
+            <a:ext cx="11636479" cy="2352368"/>
+          </a:xfrm>
+        </p:spPr>
+        <p:txBody>
+          <a:bodyPr>
+            <a:normAutofit/>
+          </a:bodyPr>
+          <a:lstStyle/>
+          <a:p>
+            <a:pPr marL="0" lvl="0" indent="0">
+              <a:buNone/>
+            </a:pPr>
+            <a:r>
+              <a:rPr lang="en-US" sz="3200" dirty="0"/>
+              <a:t>AWS CLI Command Reference:</a:t>
+            </a:r>
+          </a:p>
+          <a:p>
+            <a:pPr marL="0" lvl="0" indent="0">
+              <a:buNone/>
+            </a:pPr>
+            <a:r>
+              <a:rPr lang="en-US" sz="3200" dirty="0"/>
+              <a:t>https://docs.aws.amazon.com/cli/latest/reference/index.html</a:t>
+            </a:r>
+          </a:p>
+          <a:p>
+            <a:pPr lvl="0"/>
+            <a:endParaRPr lang="en-US" sz="3200" dirty="0"/>
+          </a:p>
+          <a:p>
+            <a:pPr lvl="0"/>
+            <a:endParaRPr lang="en-US" sz="3200" dirty="0"/>
+          </a:p>
+        </p:txBody>
+      </p:sp>
+    </p:spTree>
+    <p:extLst>
+      <p:ext uri="{BB962C8B-B14F-4D97-AF65-F5344CB8AC3E}">
+        <p14:creationId xmlns:p14="http://schemas.microsoft.com/office/powerpoint/2010/main" val="3943051287"/>
+      </p:ext>
+    </p:extLst>
+  </p:cSld>
+  <p:clrMapOvr>
+    <a:masterClrMapping/>
+  </p:clrMapOvr>
+  <mc:AlternateContent xmlns:mc="http://schemas.openxmlformats.org/markup-compatibility/2006" xmlns:p14="http://schemas.microsoft.com/office/powerpoint/2010/main">
+    <mc:Choice Requires="p14">
+      <p:transition spd="med" p14:dur="700">
+        <p:fade/>
+      </p:transition>
+    </mc:Choice>
+    <mc:Fallback xmlns="">
+      <p:transition spd="med">
+        <p:fade/>
+      </p:transition>
+    </mc:Fallback>
+  </mc:AlternateContent>
+</p:sld>
+</file>
+
+<file path=ppt/slides/slide4.xml><?xml version="1.0" encoding="utf-8"?>
+<p:sld xmlns:a="http://schemas.openxmlformats.org/drawingml/2006/main" xmlns:r="http://schemas.openxmlformats.org/officeDocument/2006/relationships" xmlns:p="http://schemas.openxmlformats.org/presentationml/2006/main">
+  <p:cSld>
+    <p:spTree>
+      <p:nvGrpSpPr>
+        <p:cNvPr id="1" name=""/>
+        <p:cNvGrpSpPr/>
+        <p:nvPr/>
+      </p:nvGrpSpPr>
+      <p:grpSpPr>
+        <a:xfrm>
+          <a:off x="0" y="0"/>
+          <a:ext cx="0" cy="0"/>
+          <a:chOff x="0" y="0"/>
+          <a:chExt cx="0" cy="0"/>
+        </a:xfrm>
+      </p:grpSpPr>
+      <p:sp>
+        <p:nvSpPr>
+          <p:cNvPr id="2" name="Title 1">
+            <a:extLst>
+              <a:ext uri="{FF2B5EF4-FFF2-40B4-BE49-F238E27FC236}">
+                <a16:creationId xmlns:a16="http://schemas.microsoft.com/office/drawing/2014/main" id="{C17BA615-E3C3-4579-9EC2-CFCE37CF9604}"/>
+              </a:ext>
+            </a:extLst>
+          </p:cNvPr>
+          <p:cNvSpPr>
+            <a:spLocks noGrp="1"/>
+          </p:cNvSpPr>
+          <p:nvPr>
+            <p:ph type="title"/>
+          </p:nvPr>
+        </p:nvSpPr>
+        <p:spPr/>
+        <p:txBody>
+          <a:bodyPr/>
+          <a:lstStyle/>
+          <a:p>
+            <a:r>
+              <a:rPr lang="en-US" dirty="0"/>
+              <a:t>Install the </a:t>
+            </a:r>
+            <a:r>
+              <a:rPr lang="en-US"/>
+              <a:t>msi</a:t>
+            </a:r>
+          </a:p>
+        </p:txBody>
+      </p:sp>
+      <p:sp>
+        <p:nvSpPr>
+          <p:cNvPr id="3" name="Content Placeholder 2">
+            <a:extLst>
+              <a:ext uri="{FF2B5EF4-FFF2-40B4-BE49-F238E27FC236}">
+                <a16:creationId xmlns:a16="http://schemas.microsoft.com/office/drawing/2014/main" id="{DCE1DDAF-AF3C-44C4-90DE-48B05C591689}"/>
+              </a:ext>
+            </a:extLst>
+          </p:cNvPr>
+          <p:cNvSpPr>
+            <a:spLocks noGrp="1"/>
+          </p:cNvSpPr>
+          <p:nvPr>
+            <p:ph sz="quarter" idx="13"/>
+          </p:nvPr>
+        </p:nvSpPr>
+        <p:spPr/>
+        <p:txBody>
+          <a:bodyPr/>
+          <a:lstStyle/>
+          <a:p>
+            <a:endParaRPr lang="en-US" dirty="0"/>
+          </a:p>
+        </p:txBody>
+      </p:sp>
+    </p:spTree>
+    <p:extLst>
+      <p:ext uri="{BB962C8B-B14F-4D97-AF65-F5344CB8AC3E}">
+        <p14:creationId xmlns:p14="http://schemas.microsoft.com/office/powerpoint/2010/main" val="1551869303"/>
+      </p:ext>
+    </p:extLst>
+  </p:cSld>
+  <p:clrMapOvr>
+    <a:masterClrMapping/>
+  </p:clrMapOvr>
+  <mc:AlternateContent xmlns:mc="http://schemas.openxmlformats.org/markup-compatibility/2006" xmlns:p14="http://schemas.microsoft.com/office/powerpoint/2010/main">
+    <mc:Choice Requires="p14">
+      <p:transition spd="med" p14:dur="700">
+        <p:fade/>
+      </p:transition>
+    </mc:Choice>
+    <mc:Fallback xmlns="">
+      <p:transition spd="med">
+        <p:fade/>
+      </p:transition>
+    </mc:Fallback>
+  </mc:AlternateContent>
+</p:sld>
+</file>
+
+<file path=ppt/slides/slide5.xml><?xml version="1.0" encoding="utf-8"?>
+<p:sld xmlns:a="http://schemas.openxmlformats.org/drawingml/2006/main" xmlns:r="http://schemas.openxmlformats.org/officeDocument/2006/relationships" xmlns:p="http://schemas.openxmlformats.org/presentationml/2006/main">
+  <p:cSld>
+    <p:spTree>
+      <p:nvGrpSpPr>
+        <p:cNvPr id="1" name=""/>
+        <p:cNvGrpSpPr/>
+        <p:nvPr/>
+      </p:nvGrpSpPr>
+      <p:grpSpPr>
+        <a:xfrm>
+          <a:off x="0" y="0"/>
+          <a:ext cx="0" cy="0"/>
+          <a:chOff x="0" y="0"/>
+          <a:chExt cx="0" cy="0"/>
+        </a:xfrm>
+      </p:grpSpPr>
+      <p:sp>
+        <p:nvSpPr>
+          <p:cNvPr id="14" name="Content Placeholder 13"/>
+          <p:cNvSpPr>
+            <a:spLocks noGrp="1"/>
+          </p:cNvSpPr>
+          <p:nvPr>
+            <p:ph sz="quarter" idx="13"/>
+          </p:nvPr>
+        </p:nvSpPr>
+        <p:spPr>
+          <a:xfrm>
+            <a:off x="427702" y="2352366"/>
+            <a:ext cx="11636479" cy="2352368"/>
+          </a:xfrm>
+        </p:spPr>
+        <p:txBody>
+          <a:bodyPr>
+            <a:normAutofit/>
+          </a:bodyPr>
+          <a:lstStyle/>
+          <a:p>
+            <a:pPr lvl="0"/>
+            <a:r>
+              <a:rPr lang="en-US" sz="2400" dirty="0"/>
+              <a:t>So instead of you having to copy anything down or me having to type much,  I've already put the entire presentation in a batch file which you can get from here:</a:t>
+            </a:r>
+          </a:p>
+          <a:p>
+            <a:pPr lvl="0"/>
+            <a:endParaRPr lang="en-US" sz="2400" dirty="0"/>
+          </a:p>
+          <a:p>
+            <a:pPr marL="0" lvl="0" indent="0">
+              <a:buNone/>
+            </a:pPr>
+            <a:r>
+              <a:rPr lang="en-US" sz="2400" dirty="0"/>
+              <a:t>https://github.com/jonathan-r-jones/Composable-Batch-Files/blob/master/jaws.bat</a:t>
+            </a:r>
+          </a:p>
+        </p:txBody>
+      </p:sp>
+    </p:spTree>
+    <p:extLst>
+      <p:ext uri="{BB962C8B-B14F-4D97-AF65-F5344CB8AC3E}">
+        <p14:creationId xmlns:p14="http://schemas.microsoft.com/office/powerpoint/2010/main" val="632758202"/>
+      </p:ext>
+    </p:extLst>
+  </p:cSld>
+  <p:clrMapOvr>
+    <a:masterClrMapping/>
+  </p:clrMapOvr>
+  <mc:AlternateContent xmlns:mc="http://schemas.openxmlformats.org/markup-compatibility/2006" xmlns:p14="http://schemas.microsoft.com/office/powerpoint/2010/main">
+    <mc:Choice Requires="p14">
+      <p:transition spd="med" p14:dur="700">
+        <p:fade/>
+      </p:transition>
+    </mc:Choice>
+    <mc:Fallback xmlns="">
+      <p:transition spd="med">
+        <p:fade/>
+      </p:transition>
+    </mc:Fallback>
+  </mc:AlternateContent>
+</p:sld>
+</file>
+
+<file path=ppt/slides/slide6.xml><?xml version="1.0" encoding="utf-8"?>
 <p:sld xmlns:a="http://schemas.openxmlformats.org/drawingml/2006/main" xmlns:r="http://schemas.openxmlformats.org/officeDocument/2006/relationships" xmlns:p="http://schemas.openxmlformats.org/presentationml/2006/main">
   <p:cSld>
     <p:spTree>
@@ -9779,7 +10635,7 @@
     </p:spTree>
     <p:extLst>
       <p:ext uri="{BB962C8B-B14F-4D97-AF65-F5344CB8AC3E}">
-        <p14:creationId xmlns:p14="http://schemas.microsoft.com/office/powerpoint/2010/main" val="833507040"/>
+        <p14:creationId xmlns:p14="http://schemas.microsoft.com/office/powerpoint/2010/main" val="890818756"/>
       </p:ext>
     </p:extLst>
   </p:cSld>
@@ -9801,7 +10657,7 @@
 </p:sld>
 </file>
 
-<file path=ppt/slides/slide3.xml><?xml version="1.0" encoding="utf-8"?>
+<file path=ppt/slides/slide7.xml><?xml version="1.0" encoding="utf-8"?>
 <p:sld xmlns:a="http://schemas.openxmlformats.org/drawingml/2006/main" xmlns:r="http://schemas.openxmlformats.org/officeDocument/2006/relationships" xmlns:p="http://schemas.openxmlformats.org/presentationml/2006/main">
   <p:cSld>
     <p:spTree>
@@ -9879,92 +10735,7 @@
 </p:sld>
 </file>
 
-<file path=ppt/slides/slide4.xml><?xml version="1.0" encoding="utf-8"?>
-<p:sld xmlns:a="http://schemas.openxmlformats.org/drawingml/2006/main" xmlns:r="http://schemas.openxmlformats.org/officeDocument/2006/relationships" xmlns:p="http://schemas.openxmlformats.org/presentationml/2006/main">
-  <p:cSld>
-    <p:spTree>
-      <p:nvGrpSpPr>
-        <p:cNvPr id="1" name=""/>
-        <p:cNvGrpSpPr/>
-        <p:nvPr/>
-      </p:nvGrpSpPr>
-      <p:grpSpPr>
-        <a:xfrm>
-          <a:off x="0" y="0"/>
-          <a:ext cx="0" cy="0"/>
-          <a:chOff x="0" y="0"/>
-          <a:chExt cx="0" cy="0"/>
-        </a:xfrm>
-      </p:grpSpPr>
-      <p:sp>
-        <p:nvSpPr>
-          <p:cNvPr id="14" name="Content Placeholder 13"/>
-          <p:cNvSpPr>
-            <a:spLocks noGrp="1"/>
-          </p:cNvSpPr>
-          <p:nvPr>
-            <p:ph sz="quarter" idx="13"/>
-          </p:nvPr>
-        </p:nvSpPr>
-        <p:spPr>
-          <a:xfrm>
-            <a:off x="427702" y="2352366"/>
-            <a:ext cx="11636479" cy="2352368"/>
-          </a:xfrm>
-        </p:spPr>
-        <p:txBody>
-          <a:bodyPr>
-            <a:normAutofit/>
-          </a:bodyPr>
-          <a:lstStyle/>
-          <a:p>
-            <a:pPr lvl="0"/>
-            <a:r>
-              <a:rPr lang="en-US" sz="2400" dirty="0"/>
-              <a:t>So instead of you having to copy anything down or me having to type much,  I've already put the entire presentation in a batch file which you can get from here:</a:t>
-            </a:r>
-          </a:p>
-          <a:p>
-            <a:pPr lvl="0"/>
-            <a:endParaRPr lang="en-US" sz="2400" dirty="0"/>
-          </a:p>
-          <a:p>
-            <a:pPr marL="0" lvl="0" indent="0">
-              <a:buNone/>
-            </a:pPr>
-            <a:r>
-              <a:rPr lang="en-US" sz="2400" dirty="0"/>
-              <a:t>https://github.com/jonathan-r-jones/Composable-Batch-Files/blob/master/jaws.bat</a:t>
-            </a:r>
-          </a:p>
-        </p:txBody>
-      </p:sp>
-    </p:spTree>
-    <p:extLst>
-      <p:ext uri="{BB962C8B-B14F-4D97-AF65-F5344CB8AC3E}">
-        <p14:creationId xmlns:p14="http://schemas.microsoft.com/office/powerpoint/2010/main" val="3943051287"/>
-      </p:ext>
-    </p:extLst>
-  </p:cSld>
-  <p:clrMapOvr>
-    <a:masterClrMapping/>
-  </p:clrMapOvr>
-  <mc:AlternateContent xmlns:mc="http://schemas.openxmlformats.org/markup-compatibility/2006" xmlns:p14="http://schemas.microsoft.com/office/powerpoint/2010/main">
-    <mc:Choice Requires="p14">
-      <p:transition spd="med" p14:dur="700">
-        <p:fade/>
-      </p:transition>
-    </mc:Choice>
-    <mc:Fallback xmlns="">
-      <p:transition spd="med">
-        <p:fade/>
-      </p:transition>
-    </mc:Fallback>
-  </mc:AlternateContent>
-</p:sld>
-</file>
-
-<file path=ppt/slides/slide5.xml><?xml version="1.0" encoding="utf-8"?>
+<file path=ppt/slides/slide8.xml><?xml version="1.0" encoding="utf-8"?>
 <p:sld xmlns:a="http://schemas.openxmlformats.org/drawingml/2006/main" xmlns:r="http://schemas.openxmlformats.org/officeDocument/2006/relationships" xmlns:p="http://schemas.openxmlformats.org/presentationml/2006/main">
   <p:cSld>
     <p:spTree>
@@ -10156,7 +10927,7 @@
 </p:sld>
 </file>
 
-<file path=ppt/slides/slide6.xml><?xml version="1.0" encoding="utf-8"?>
+<file path=ppt/slides/slide9.xml><?xml version="1.0" encoding="utf-8"?>
 <p:sld xmlns:a="http://schemas.openxmlformats.org/drawingml/2006/main" xmlns:r="http://schemas.openxmlformats.org/officeDocument/2006/relationships" xmlns:p="http://schemas.openxmlformats.org/presentationml/2006/main">
   <p:cSld>
     <p:spTree>
@@ -10481,205 +11252,6 @@
     <p:extLst>
       <p:ext uri="{BB962C8B-B14F-4D97-AF65-F5344CB8AC3E}">
         <p14:creationId xmlns:p14="http://schemas.microsoft.com/office/powerpoint/2010/main" val="4279752589"/>
-      </p:ext>
-    </p:extLst>
-  </p:cSld>
-  <p:clrMapOvr>
-    <a:masterClrMapping/>
-  </p:clrMapOvr>
-  <mc:AlternateContent xmlns:mc="http://schemas.openxmlformats.org/markup-compatibility/2006" xmlns:p14="http://schemas.microsoft.com/office/powerpoint/2010/main">
-    <mc:Choice Requires="p14">
-      <p:transition spd="med" p14:dur="700">
-        <p:fade/>
-      </p:transition>
-    </mc:Choice>
-    <mc:Fallback xmlns="">
-      <p:transition spd="med">
-        <p:fade/>
-      </p:transition>
-    </mc:Fallback>
-  </mc:AlternateContent>
-</p:sld>
-</file>
-
-<file path=ppt/slides/slide7.xml><?xml version="1.0" encoding="utf-8"?>
-<p:sld xmlns:a="http://schemas.openxmlformats.org/drawingml/2006/main" xmlns:r="http://schemas.openxmlformats.org/officeDocument/2006/relationships" xmlns:p="http://schemas.openxmlformats.org/presentationml/2006/main">
-  <p:cSld>
-    <p:spTree>
-      <p:nvGrpSpPr>
-        <p:cNvPr id="1" name=""/>
-        <p:cNvGrpSpPr/>
-        <p:nvPr/>
-      </p:nvGrpSpPr>
-      <p:grpSpPr>
-        <a:xfrm>
-          <a:off x="0" y="0"/>
-          <a:ext cx="0" cy="0"/>
-          <a:chOff x="0" y="0"/>
-          <a:chExt cx="0" cy="0"/>
-        </a:xfrm>
-      </p:grpSpPr>
-    </p:spTree>
-    <p:extLst>
-      <p:ext uri="{BB962C8B-B14F-4D97-AF65-F5344CB8AC3E}">
-        <p14:creationId xmlns:p14="http://schemas.microsoft.com/office/powerpoint/2010/main" val="1220452376"/>
-      </p:ext>
-    </p:extLst>
-  </p:cSld>
-  <p:clrMapOvr>
-    <a:masterClrMapping/>
-  </p:clrMapOvr>
-  <mc:AlternateContent xmlns:mc="http://schemas.openxmlformats.org/markup-compatibility/2006" xmlns:p14="http://schemas.microsoft.com/office/powerpoint/2010/main">
-    <mc:Choice Requires="p14">
-      <p:transition spd="med" p14:dur="700">
-        <p:fade/>
-      </p:transition>
-    </mc:Choice>
-    <mc:Fallback xmlns="">
-      <p:transition spd="med">
-        <p:fade/>
-      </p:transition>
-    </mc:Fallback>
-  </mc:AlternateContent>
-</p:sld>
-</file>
-
-<file path=ppt/slides/slide8.xml><?xml version="1.0" encoding="utf-8"?>
-<p:sld xmlns:a="http://schemas.openxmlformats.org/drawingml/2006/main" xmlns:r="http://schemas.openxmlformats.org/officeDocument/2006/relationships" xmlns:p="http://schemas.openxmlformats.org/presentationml/2006/main">
-  <p:cSld>
-    <p:spTree>
-      <p:nvGrpSpPr>
-        <p:cNvPr id="1" name=""/>
-        <p:cNvGrpSpPr/>
-        <p:nvPr/>
-      </p:nvGrpSpPr>
-      <p:grpSpPr>
-        <a:xfrm>
-          <a:off x="0" y="0"/>
-          <a:ext cx="0" cy="0"/>
-          <a:chOff x="0" y="0"/>
-          <a:chExt cx="0" cy="0"/>
-        </a:xfrm>
-      </p:grpSpPr>
-    </p:spTree>
-    <p:extLst>
-      <p:ext uri="{BB962C8B-B14F-4D97-AF65-F5344CB8AC3E}">
-        <p14:creationId xmlns:p14="http://schemas.microsoft.com/office/powerpoint/2010/main" val="4079847625"/>
-      </p:ext>
-    </p:extLst>
-  </p:cSld>
-  <p:clrMapOvr>
-    <a:masterClrMapping/>
-  </p:clrMapOvr>
-  <mc:AlternateContent xmlns:mc="http://schemas.openxmlformats.org/markup-compatibility/2006" xmlns:p14="http://schemas.microsoft.com/office/powerpoint/2010/main">
-    <mc:Choice Requires="p14">
-      <p:transition spd="med" p14:dur="700">
-        <p:fade/>
-      </p:transition>
-    </mc:Choice>
-    <mc:Fallback xmlns="">
-      <p:transition spd="med">
-        <p:fade/>
-      </p:transition>
-    </mc:Fallback>
-  </mc:AlternateContent>
-</p:sld>
-</file>
-
-<file path=ppt/slides/slide9.xml><?xml version="1.0" encoding="utf-8"?>
-<p:sld xmlns:a="http://schemas.openxmlformats.org/drawingml/2006/main" xmlns:r="http://schemas.openxmlformats.org/officeDocument/2006/relationships" xmlns:p="http://schemas.openxmlformats.org/presentationml/2006/main">
-  <p:cSld>
-    <p:spTree>
-      <p:nvGrpSpPr>
-        <p:cNvPr id="1" name=""/>
-        <p:cNvGrpSpPr/>
-        <p:nvPr/>
-      </p:nvGrpSpPr>
-      <p:grpSpPr>
-        <a:xfrm>
-          <a:off x="0" y="0"/>
-          <a:ext cx="0" cy="0"/>
-          <a:chOff x="0" y="0"/>
-          <a:chExt cx="0" cy="0"/>
-        </a:xfrm>
-      </p:grpSpPr>
-      <p:sp>
-        <p:nvSpPr>
-          <p:cNvPr id="13" name="Title 12"/>
-          <p:cNvSpPr>
-            <a:spLocks noGrp="1"/>
-          </p:cNvSpPr>
-          <p:nvPr>
-            <p:ph type="title"/>
-          </p:nvPr>
-        </p:nvSpPr>
-        <p:spPr/>
-        <p:txBody>
-          <a:bodyPr/>
-          <a:lstStyle/>
-          <a:p>
-            <a:r>
-              <a:rPr lang="en-US" dirty="0"/>
-              <a:t>Title and Content Layout with List</a:t>
-            </a:r>
-          </a:p>
-        </p:txBody>
-      </p:sp>
-      <p:sp>
-        <p:nvSpPr>
-          <p:cNvPr id="14" name="Content Placeholder 13"/>
-          <p:cNvSpPr>
-            <a:spLocks noGrp="1"/>
-          </p:cNvSpPr>
-          <p:nvPr>
-            <p:ph sz="quarter" idx="13"/>
-          </p:nvPr>
-        </p:nvSpPr>
-        <p:spPr/>
-        <p:txBody>
-          <a:bodyPr/>
-          <a:lstStyle/>
-          <a:p>
-            <a:pPr lvl="0"/>
-            <a:r>
-              <a:rPr lang="en-US" dirty="0"/>
-              <a:t>Click to edit Master text styles</a:t>
-            </a:r>
-          </a:p>
-          <a:p>
-            <a:pPr lvl="1"/>
-            <a:r>
-              <a:rPr lang="en-US" dirty="0"/>
-              <a:t>Second level</a:t>
-            </a:r>
-          </a:p>
-          <a:p>
-            <a:pPr lvl="2"/>
-            <a:r>
-              <a:rPr lang="en-US" dirty="0"/>
-              <a:t>Third level</a:t>
-            </a:r>
-          </a:p>
-          <a:p>
-            <a:pPr lvl="3"/>
-            <a:r>
-              <a:rPr lang="en-US" dirty="0"/>
-              <a:t>Fourth level</a:t>
-            </a:r>
-          </a:p>
-          <a:p>
-            <a:pPr lvl="4"/>
-            <a:r>
-              <a:rPr lang="en-US" dirty="0"/>
-              <a:t>Fifth level</a:t>
-            </a:r>
-          </a:p>
-        </p:txBody>
-      </p:sp>
-    </p:spTree>
-    <p:extLst>
-      <p:ext uri="{BB962C8B-B14F-4D97-AF65-F5344CB8AC3E}">
-        <p14:creationId xmlns:p14="http://schemas.microsoft.com/office/powerpoint/2010/main" val="1030499500"/>
       </p:ext>
     </p:extLst>
   </p:cSld>
@@ -11584,6 +12156,15 @@
 </file>
 
 <file path=customXml/item2.xml><?xml version="1.0" encoding="utf-8"?>
+<?mso-contentType ?>
+<FormTemplates xmlns="http://schemas.microsoft.com/sharepoint/v3/contenttype/forms">
+  <Display>DocumentLibraryForm</Display>
+  <Edit>DocumentLibraryForm</Edit>
+  <New>DocumentLibraryForm</New>
+</FormTemplates>
+</file>
+
+<file path=customXml/item3.xml><?xml version="1.0" encoding="utf-8"?>
 <ct:contentTypeSchema xmlns:ct="http://schemas.microsoft.com/office/2006/metadata/contentType" xmlns:ma="http://schemas.microsoft.com/office/2006/metadata/properties/metaAttributes" ct:_="" ma:_="" ma:contentTypeName="Document" ma:contentTypeID="0x010100AA3F7D94069FF64A86F7DFF56D60E3BE" ma:contentTypeVersion="6" ma:contentTypeDescription="Create a new document." ma:contentTypeScope="" ma:versionID="c32302c77d4085ecf495bdddb7f5e889">
   <xsd:schema xmlns:xsd="http://www.w3.org/2001/XMLSchema" xmlns:xs="http://www.w3.org/2001/XMLSchema" xmlns:p="http://schemas.microsoft.com/office/2006/metadata/properties" xmlns:ns2="a4f35948-e619-41b3-aa29-22878b09cfd2" xmlns:ns3="40262f94-9f35-4ac3-9a90-690165a166b7" targetNamespace="http://schemas.microsoft.com/office/2006/metadata/properties" ma:root="true" ma:fieldsID="4ab5ae46be95f9d0be6107e8200be7a2" ns2:_="" ns3:_="">
     <xsd:import namespace="a4f35948-e619-41b3-aa29-22878b09cfd2"/>
@@ -11764,15 +12345,6 @@
 </ct:contentTypeSchema>
 </file>
 
-<file path=customXml/item3.xml><?xml version="1.0" encoding="utf-8"?>
-<?mso-contentType ?>
-<FormTemplates xmlns="http://schemas.microsoft.com/sharepoint/v3/contenttype/forms">
-  <Display>DocumentLibraryForm</Display>
-  <Edit>DocumentLibraryForm</Edit>
-  <New>DocumentLibraryForm</New>
-</FormTemplates>
-</file>
-
 <file path=customXml/itemProps1.xml><?xml version="1.0" encoding="utf-8"?>
 <ds:datastoreItem xmlns:ds="http://schemas.openxmlformats.org/officeDocument/2006/customXml" ds:itemID="{28DC6412-8CE7-4C8A-96E9-2669F16D17E8}">
   <ds:schemaRefs>
@@ -11791,6 +12363,14 @@
 </file>
 
 <file path=customXml/itemProps2.xml><?xml version="1.0" encoding="utf-8"?>
+<ds:datastoreItem xmlns:ds="http://schemas.openxmlformats.org/officeDocument/2006/customXml" ds:itemID="{BED6C63E-22D9-40FD-AF90-6F5632A4309F}">
+  <ds:schemaRefs>
+    <ds:schemaRef ds:uri="http://schemas.microsoft.com/sharepoint/v3/contenttype/forms"/>
+  </ds:schemaRefs>
+</ds:datastoreItem>
+</file>
+
+<file path=customXml/itemProps3.xml><?xml version="1.0" encoding="utf-8"?>
 <ds:datastoreItem xmlns:ds="http://schemas.openxmlformats.org/officeDocument/2006/customXml" ds:itemID="{CF195433-C13C-4992-BB9A-17B0DB253FA6}">
   <ds:schemaRefs>
     <ds:schemaRef ds:uri="http://schemas.microsoft.com/office/2006/metadata/contentType"/>
@@ -11807,12 +12387,4 @@
     <ds:schemaRef ds:uri="http://schemas.microsoft.com/internal/obd"/>
   </ds:schemaRefs>
 </ds:datastoreItem>
-</file>
-
-<file path=customXml/itemProps3.xml><?xml version="1.0" encoding="utf-8"?>
-<ds:datastoreItem xmlns:ds="http://schemas.openxmlformats.org/officeDocument/2006/customXml" ds:itemID="{BED6C63E-22D9-40FD-AF90-6F5632A4309F}">
-  <ds:schemaRefs>
-    <ds:schemaRef ds:uri="http://schemas.microsoft.com/sharepoint/v3/contenttype/forms"/>
-  </ds:schemaRefs>
-</ds:datastoreItem>
 </file>
--- a/jaws.pptx
+++ b/jaws.pptx
@@ -5,27 +5,28 @@
     <p:sldMasterId id="2147483756" r:id="rId4"/>
   </p:sldMasterIdLst>
   <p:notesMasterIdLst>
-    <p:notesMasterId r:id="rId20"/>
+    <p:notesMasterId r:id="rId21"/>
   </p:notesMasterIdLst>
   <p:handoutMasterIdLst>
-    <p:handoutMasterId r:id="rId21"/>
+    <p:handoutMasterId r:id="rId22"/>
   </p:handoutMasterIdLst>
   <p:sldIdLst>
     <p:sldId id="259" r:id="rId5"/>
-    <p:sldId id="260" r:id="rId6"/>
-    <p:sldId id="264" r:id="rId7"/>
-    <p:sldId id="273" r:id="rId8"/>
-    <p:sldId id="272" r:id="rId9"/>
-    <p:sldId id="271" r:id="rId10"/>
-    <p:sldId id="266" r:id="rId11"/>
-    <p:sldId id="267" r:id="rId12"/>
-    <p:sldId id="270" r:id="rId13"/>
+    <p:sldId id="271" r:id="rId6"/>
+    <p:sldId id="260" r:id="rId7"/>
+    <p:sldId id="264" r:id="rId8"/>
+    <p:sldId id="273" r:id="rId9"/>
+    <p:sldId id="266" r:id="rId10"/>
+    <p:sldId id="267" r:id="rId11"/>
+    <p:sldId id="270" r:id="rId12"/>
+    <p:sldId id="274" r:id="rId13"/>
     <p:sldId id="268" r:id="rId14"/>
-    <p:sldId id="265" r:id="rId15"/>
-    <p:sldId id="269" r:id="rId16"/>
-    <p:sldId id="261" r:id="rId17"/>
-    <p:sldId id="262" r:id="rId18"/>
-    <p:sldId id="263" r:id="rId19"/>
+    <p:sldId id="272" r:id="rId15"/>
+    <p:sldId id="265" r:id="rId16"/>
+    <p:sldId id="269" r:id="rId17"/>
+    <p:sldId id="261" r:id="rId18"/>
+    <p:sldId id="262" r:id="rId19"/>
+    <p:sldId id="263" r:id="rId20"/>
   </p:sldIdLst>
   <p:sldSz cx="12192000" cy="6858000"/>
   <p:notesSz cx="6858000" cy="9144000"/>
@@ -4955,7 +4956,7 @@
           <a:p>
             <a:fld id="{8AD115C9-E24C-4512-AA8B-319BB49F77B5}" type="slidenum">
               <a:rPr lang="en-US" smtClean="0"/>
-              <a:t>9</a:t>
+              <a:t>8</a:t>
             </a:fld>
             <a:endParaRPr lang="en-US"/>
           </a:p>
@@ -8982,10 +8983,53 @@
           <a:chExt cx="0" cy="0"/>
         </a:xfrm>
       </p:grpSpPr>
+      <p:sp>
+        <p:nvSpPr>
+          <p:cNvPr id="14" name="Content Placeholder 13"/>
+          <p:cNvSpPr>
+            <a:spLocks noGrp="1"/>
+          </p:cNvSpPr>
+          <p:nvPr>
+            <p:ph sz="quarter" idx="13"/>
+          </p:nvPr>
+        </p:nvSpPr>
+        <p:spPr>
+          <a:xfrm>
+            <a:off x="427702" y="2352366"/>
+            <a:ext cx="11636479" cy="2352368"/>
+          </a:xfrm>
+        </p:spPr>
+        <p:txBody>
+          <a:bodyPr>
+            <a:normAutofit/>
+          </a:bodyPr>
+          <a:lstStyle/>
+          <a:p>
+            <a:pPr lvl="0"/>
+            <a:r>
+              <a:rPr lang="en-US" sz="2400" dirty="0"/>
+              <a:t>So instead of you having to copy anything down or me having to type much,  I've already put the entire presentation in a batch file which you can get from here:</a:t>
+            </a:r>
+          </a:p>
+          <a:p>
+            <a:pPr lvl="0"/>
+            <a:endParaRPr lang="en-US" sz="2400" dirty="0"/>
+          </a:p>
+          <a:p>
+            <a:pPr marL="0" lvl="0" indent="0">
+              <a:buNone/>
+            </a:pPr>
+            <a:r>
+              <a:rPr lang="en-US" sz="2400" dirty="0"/>
+              <a:t>https://github.com/jonathan-r-jones/Composable-Batch-Files/blob/master/jaws.bat</a:t>
+            </a:r>
+          </a:p>
+        </p:txBody>
+      </p:sp>
     </p:spTree>
     <p:extLst>
       <p:ext uri="{BB962C8B-B14F-4D97-AF65-F5344CB8AC3E}">
-        <p14:creationId xmlns:p14="http://schemas.microsoft.com/office/powerpoint/2010/main" val="4079847625"/>
+        <p14:creationId xmlns:p14="http://schemas.microsoft.com/office/powerpoint/2010/main" val="632758202"/>
       </p:ext>
     </p:extLst>
   </p:cSld>
@@ -9024,6 +9068,48 @@
           <a:chExt cx="0" cy="0"/>
         </a:xfrm>
       </p:grpSpPr>
+    </p:spTree>
+    <p:extLst>
+      <p:ext uri="{BB962C8B-B14F-4D97-AF65-F5344CB8AC3E}">
+        <p14:creationId xmlns:p14="http://schemas.microsoft.com/office/powerpoint/2010/main" val="4079847625"/>
+      </p:ext>
+    </p:extLst>
+  </p:cSld>
+  <p:clrMapOvr>
+    <a:masterClrMapping/>
+  </p:clrMapOvr>
+  <mc:AlternateContent xmlns:mc="http://schemas.openxmlformats.org/markup-compatibility/2006" xmlns:p14="http://schemas.microsoft.com/office/powerpoint/2010/main">
+    <mc:Choice Requires="p14">
+      <p:transition spd="med" p14:dur="700">
+        <p:fade/>
+      </p:transition>
+    </mc:Choice>
+    <mc:Fallback xmlns="">
+      <p:transition spd="med">
+        <p:fade/>
+      </p:transition>
+    </mc:Fallback>
+  </mc:AlternateContent>
+</p:sld>
+</file>
+
+<file path=ppt/slides/slide13.xml><?xml version="1.0" encoding="utf-8"?>
+<p:sld xmlns:a="http://schemas.openxmlformats.org/drawingml/2006/main" xmlns:r="http://schemas.openxmlformats.org/officeDocument/2006/relationships" xmlns:p="http://schemas.openxmlformats.org/presentationml/2006/main">
+  <p:cSld>
+    <p:spTree>
+      <p:nvGrpSpPr>
+        <p:cNvPr id="1" name=""/>
+        <p:cNvGrpSpPr/>
+        <p:nvPr/>
+      </p:nvGrpSpPr>
+      <p:grpSpPr>
+        <a:xfrm>
+          <a:off x="0" y="0"/>
+          <a:ext cx="0" cy="0"/>
+          <a:chOff x="0" y="0"/>
+          <a:chExt cx="0" cy="0"/>
+        </a:xfrm>
+      </p:grpSpPr>
       <p:sp>
         <p:nvSpPr>
           <p:cNvPr id="13" name="Title 12"/>
@@ -9122,7 +9208,7 @@
 </p:sld>
 </file>
 
-<file path=ppt/slides/slide13.xml><?xml version="1.0" encoding="utf-8"?>
+<file path=ppt/slides/slide14.xml><?xml version="1.0" encoding="utf-8"?>
 <p:sld xmlns:a="http://schemas.openxmlformats.org/drawingml/2006/main" xmlns:r="http://schemas.openxmlformats.org/officeDocument/2006/relationships" xmlns:p="http://schemas.openxmlformats.org/presentationml/2006/main">
   <p:cSld>
     <p:spTree>
@@ -9211,7 +9297,7 @@
 </p:sld>
 </file>
 
-<file path=ppt/slides/slide14.xml><?xml version="1.0" encoding="utf-8"?>
+<file path=ppt/slides/slide15.xml><?xml version="1.0" encoding="utf-8"?>
 <p:sld xmlns:a="http://schemas.openxmlformats.org/drawingml/2006/main" xmlns:r="http://schemas.openxmlformats.org/officeDocument/2006/relationships" xmlns:p="http://schemas.openxmlformats.org/presentationml/2006/main">
   <p:cSld>
     <p:spTree>
@@ -9554,7 +9640,7 @@
 </p:sld>
 </file>
 
-<file path=ppt/slides/slide15.xml><?xml version="1.0" encoding="utf-8"?>
+<file path=ppt/slides/slide16.xml><?xml version="1.0" encoding="utf-8"?>
 <p:sld xmlns:a="http://schemas.openxmlformats.org/drawingml/2006/main" xmlns:r="http://schemas.openxmlformats.org/officeDocument/2006/relationships" xmlns:p="http://schemas.openxmlformats.org/presentationml/2006/main">
   <p:cSld>
     <p:spTree>
@@ -9680,6 +9766,89 @@
 </file>
 
 <file path=ppt/slides/slide2.xml><?xml version="1.0" encoding="utf-8"?>
+<p:sld xmlns:a="http://schemas.openxmlformats.org/drawingml/2006/main" xmlns:r="http://schemas.openxmlformats.org/officeDocument/2006/relationships" xmlns:p="http://schemas.openxmlformats.org/presentationml/2006/main">
+  <p:cSld>
+    <p:spTree>
+      <p:nvGrpSpPr>
+        <p:cNvPr id="1" name=""/>
+        <p:cNvGrpSpPr/>
+        <p:nvPr/>
+      </p:nvGrpSpPr>
+      <p:grpSpPr>
+        <a:xfrm>
+          <a:off x="0" y="0"/>
+          <a:ext cx="0" cy="0"/>
+          <a:chOff x="0" y="0"/>
+          <a:chExt cx="0" cy="0"/>
+        </a:xfrm>
+      </p:grpSpPr>
+      <p:sp>
+        <p:nvSpPr>
+          <p:cNvPr id="3" name="Content Placeholder 2">
+            <a:extLst>
+              <a:ext uri="{FF2B5EF4-FFF2-40B4-BE49-F238E27FC236}">
+                <a16:creationId xmlns:a16="http://schemas.microsoft.com/office/drawing/2014/main" id="{A3BBF652-E1AD-4B4D-93B0-853AE3C72523}"/>
+              </a:ext>
+            </a:extLst>
+          </p:cNvPr>
+          <p:cNvSpPr>
+            <a:spLocks noGrp="1"/>
+          </p:cNvSpPr>
+          <p:nvPr>
+            <p:ph sz="quarter" idx="13"/>
+          </p:nvPr>
+        </p:nvSpPr>
+        <p:spPr>
+          <a:xfrm>
+            <a:off x="812800" y="1600200"/>
+            <a:ext cx="10566400" cy="4114800"/>
+          </a:xfrm>
+        </p:spPr>
+        <p:txBody>
+          <a:bodyPr>
+            <a:normAutofit/>
+          </a:bodyPr>
+          <a:lstStyle/>
+          <a:p>
+            <a:pPr marL="0" indent="0">
+              <a:buNone/>
+            </a:pPr>
+            <a:r>
+              <a:rPr lang="en-US" sz="4000" dirty="0"/>
+              <a:t>I studied Terraform and AWS CLI. Terraform syntax is a little alien. The only reason to use Terraform as far as I can tell is because it works on Azure, whereas AWS CLI does not. Well we're not using Azure.</a:t>
+            </a:r>
+          </a:p>
+          <a:p>
+            <a:endParaRPr lang="en-US" sz="4000" dirty="0"/>
+          </a:p>
+        </p:txBody>
+      </p:sp>
+    </p:spTree>
+    <p:extLst>
+      <p:ext uri="{BB962C8B-B14F-4D97-AF65-F5344CB8AC3E}">
+        <p14:creationId xmlns:p14="http://schemas.microsoft.com/office/powerpoint/2010/main" val="890818756"/>
+      </p:ext>
+    </p:extLst>
+  </p:cSld>
+  <p:clrMapOvr>
+    <a:masterClrMapping/>
+  </p:clrMapOvr>
+  <mc:AlternateContent xmlns:mc="http://schemas.openxmlformats.org/markup-compatibility/2006" xmlns:p14="http://schemas.microsoft.com/office/powerpoint/2010/main">
+    <mc:Choice Requires="p14">
+      <p:transition spd="med" p14:dur="700">
+        <p:fade/>
+      </p:transition>
+    </mc:Choice>
+    <mc:Fallback xmlns="">
+      <p:transition spd="med">
+        <p:fade/>
+      </p:transition>
+    </mc:Fallback>
+  </mc:AlternateContent>
+</p:sld>
+</file>
+
+<file path=ppt/slides/slide3.xml><?xml version="1.0" encoding="utf-8"?>
 <p:sld xmlns:a="http://schemas.openxmlformats.org/drawingml/2006/main" xmlns:r="http://schemas.openxmlformats.org/officeDocument/2006/relationships" xmlns:p="http://schemas.openxmlformats.org/presentationml/2006/main">
   <p:cSld>
     <p:spTree>
@@ -10058,7 +10227,7 @@
 </p:sld>
 </file>
 
-<file path=ppt/slides/slide3.xml><?xml version="1.0" encoding="utf-8"?>
+<file path=ppt/slides/slide4.xml><?xml version="1.0" encoding="utf-8"?>
 <p:sld xmlns:a="http://schemas.openxmlformats.org/drawingml/2006/main" xmlns:r="http://schemas.openxmlformats.org/officeDocument/2006/relationships" xmlns:p="http://schemas.openxmlformats.org/presentationml/2006/main">
   <p:cSld>
     <p:spTree>
@@ -10087,13 +10256,13 @@
         </p:nvSpPr>
         <p:spPr>
           <a:xfrm>
-            <a:off x="427702" y="2352366"/>
-            <a:ext cx="11636479" cy="2352368"/>
+            <a:off x="427702" y="901700"/>
+            <a:ext cx="11636479" cy="5003800"/>
           </a:xfrm>
         </p:spPr>
         <p:txBody>
           <a:bodyPr>
-            <a:normAutofit/>
+            <a:normAutofit fontScale="92500" lnSpcReduction="20000"/>
           </a:bodyPr>
           <a:lstStyle/>
           <a:p>
@@ -10110,12 +10279,83 @@
               <a:buNone/>
             </a:pPr>
             <a:r>
-              <a:rPr lang="en-US" sz="3200" dirty="0"/>
+              <a:rPr lang="en-US" sz="3200" dirty="0">
+                <a:hlinkClick r:id="rId2"/>
+              </a:rPr>
               <a:t>https://docs.aws.amazon.com/cli/latest/reference/index.html</a:t>
             </a:r>
-          </a:p>
-          <a:p>
-            <a:pPr lvl="0"/>
+            <a:endParaRPr lang="en-US" sz="3200" dirty="0"/>
+          </a:p>
+          <a:p>
+            <a:pPr marL="0" lvl="0" indent="0">
+              <a:buNone/>
+            </a:pPr>
+            <a:endParaRPr lang="en-US" sz="3200" dirty="0"/>
+          </a:p>
+          <a:p>
+            <a:pPr marL="0" lvl="0" indent="0">
+              <a:buNone/>
+            </a:pPr>
+            <a:r>
+              <a:rPr lang="en-US" sz="3200" dirty="0"/>
+              <a:t>This Slide Deck:</a:t>
+            </a:r>
+          </a:p>
+          <a:p>
+            <a:pPr marL="0" indent="0">
+              <a:buNone/>
+            </a:pPr>
+            <a:r>
+              <a:rPr lang="en-US" sz="3200" dirty="0">
+                <a:hlinkClick r:id="rId3"/>
+              </a:rPr>
+              <a:t>https://github.com/jonathan-r-jones/Composable-Batch-Files/blob/master/jaws.ppt</a:t>
+            </a:r>
+            <a:endParaRPr lang="en-US" sz="3200" dirty="0"/>
+          </a:p>
+          <a:p>
+            <a:pPr marL="0" indent="0">
+              <a:buNone/>
+            </a:pPr>
+            <a:endParaRPr lang="en-US" sz="3200" dirty="0"/>
+          </a:p>
+          <a:p>
+            <a:pPr marL="0" indent="0">
+              <a:buNone/>
+            </a:pPr>
+            <a:r>
+              <a:rPr lang="en-US" sz="3200" dirty="0"/>
+              <a:t>AWS CLI Demoed Code:</a:t>
+            </a:r>
+          </a:p>
+          <a:p>
+            <a:pPr marL="0" indent="0">
+              <a:buNone/>
+            </a:pPr>
+            <a:r>
+              <a:rPr lang="en-US" sz="3200" dirty="0">
+                <a:hlinkClick r:id="rId4"/>
+              </a:rPr>
+              <a:t>https://github.com/jonathan-r-jones/Composable-Batch-Files/blob/master/jaws.bat</a:t>
+            </a:r>
+            <a:endParaRPr lang="en-US" sz="3200" dirty="0"/>
+          </a:p>
+          <a:p>
+            <a:pPr marL="0" indent="0">
+              <a:buNone/>
+            </a:pPr>
+            <a:endParaRPr lang="en-US" sz="3200" dirty="0"/>
+          </a:p>
+          <a:p>
+            <a:pPr marL="0" indent="0">
+              <a:buNone/>
+            </a:pPr>
+            <a:endParaRPr lang="en-US" sz="3200" dirty="0"/>
+          </a:p>
+          <a:p>
+            <a:pPr marL="0" lvl="0" indent="0">
+              <a:buNone/>
+            </a:pPr>
             <a:endParaRPr lang="en-US" sz="3200" dirty="0"/>
           </a:p>
           <a:p>
@@ -10128,105 +10368,6 @@
     <p:extLst>
       <p:ext uri="{BB962C8B-B14F-4D97-AF65-F5344CB8AC3E}">
         <p14:creationId xmlns:p14="http://schemas.microsoft.com/office/powerpoint/2010/main" val="3943051287"/>
-      </p:ext>
-    </p:extLst>
-  </p:cSld>
-  <p:clrMapOvr>
-    <a:masterClrMapping/>
-  </p:clrMapOvr>
-  <mc:AlternateContent xmlns:mc="http://schemas.openxmlformats.org/markup-compatibility/2006" xmlns:p14="http://schemas.microsoft.com/office/powerpoint/2010/main">
-    <mc:Choice Requires="p14">
-      <p:transition spd="med" p14:dur="700">
-        <p:fade/>
-      </p:transition>
-    </mc:Choice>
-    <mc:Fallback xmlns="">
-      <p:transition spd="med">
-        <p:fade/>
-      </p:transition>
-    </mc:Fallback>
-  </mc:AlternateContent>
-</p:sld>
-</file>
-
-<file path=ppt/slides/slide4.xml><?xml version="1.0" encoding="utf-8"?>
-<p:sld xmlns:a="http://schemas.openxmlformats.org/drawingml/2006/main" xmlns:r="http://schemas.openxmlformats.org/officeDocument/2006/relationships" xmlns:p="http://schemas.openxmlformats.org/presentationml/2006/main">
-  <p:cSld>
-    <p:spTree>
-      <p:nvGrpSpPr>
-        <p:cNvPr id="1" name=""/>
-        <p:cNvGrpSpPr/>
-        <p:nvPr/>
-      </p:nvGrpSpPr>
-      <p:grpSpPr>
-        <a:xfrm>
-          <a:off x="0" y="0"/>
-          <a:ext cx="0" cy="0"/>
-          <a:chOff x="0" y="0"/>
-          <a:chExt cx="0" cy="0"/>
-        </a:xfrm>
-      </p:grpSpPr>
-      <p:sp>
-        <p:nvSpPr>
-          <p:cNvPr id="2" name="Title 1">
-            <a:extLst>
-              <a:ext uri="{FF2B5EF4-FFF2-40B4-BE49-F238E27FC236}">
-                <a16:creationId xmlns:a16="http://schemas.microsoft.com/office/drawing/2014/main" id="{C17BA615-E3C3-4579-9EC2-CFCE37CF9604}"/>
-              </a:ext>
-            </a:extLst>
-          </p:cNvPr>
-          <p:cNvSpPr>
-            <a:spLocks noGrp="1"/>
-          </p:cNvSpPr>
-          <p:nvPr>
-            <p:ph type="title"/>
-          </p:nvPr>
-        </p:nvSpPr>
-        <p:spPr/>
-        <p:txBody>
-          <a:bodyPr/>
-          <a:lstStyle/>
-          <a:p>
-            <a:r>
-              <a:rPr lang="en-US" dirty="0"/>
-              <a:t>Install the </a:t>
-            </a:r>
-            <a:r>
-              <a:rPr lang="en-US"/>
-              <a:t>msi</a:t>
-            </a:r>
-          </a:p>
-        </p:txBody>
-      </p:sp>
-      <p:sp>
-        <p:nvSpPr>
-          <p:cNvPr id="3" name="Content Placeholder 2">
-            <a:extLst>
-              <a:ext uri="{FF2B5EF4-FFF2-40B4-BE49-F238E27FC236}">
-                <a16:creationId xmlns:a16="http://schemas.microsoft.com/office/drawing/2014/main" id="{DCE1DDAF-AF3C-44C4-90DE-48B05C591689}"/>
-              </a:ext>
-            </a:extLst>
-          </p:cNvPr>
-          <p:cNvSpPr>
-            <a:spLocks noGrp="1"/>
-          </p:cNvSpPr>
-          <p:nvPr>
-            <p:ph sz="quarter" idx="13"/>
-          </p:nvPr>
-        </p:nvSpPr>
-        <p:spPr/>
-        <p:txBody>
-          <a:bodyPr/>
-          <a:lstStyle/>
-          <a:p>
-            <a:endParaRPr lang="en-US" dirty="0"/>
-          </a:p>
-        </p:txBody>
-      </p:sp>
-    </p:spTree>
-    <p:extLst>
-      <p:ext uri="{BB962C8B-B14F-4D97-AF65-F5344CB8AC3E}">
-        <p14:creationId xmlns:p14="http://schemas.microsoft.com/office/powerpoint/2010/main" val="1551869303"/>
       </p:ext>
     </p:extLst>
   </p:cSld>
@@ -10267,7 +10408,45 @@
       </p:grpSpPr>
       <p:sp>
         <p:nvSpPr>
-          <p:cNvPr id="14" name="Content Placeholder 13"/>
+          <p:cNvPr id="2" name="Title 1">
+            <a:extLst>
+              <a:ext uri="{FF2B5EF4-FFF2-40B4-BE49-F238E27FC236}">
+                <a16:creationId xmlns:a16="http://schemas.microsoft.com/office/drawing/2014/main" id="{C17BA615-E3C3-4579-9EC2-CFCE37CF9604}"/>
+              </a:ext>
+            </a:extLst>
+          </p:cNvPr>
+          <p:cNvSpPr>
+            <a:spLocks noGrp="1"/>
+          </p:cNvSpPr>
+          <p:nvPr>
+            <p:ph type="title"/>
+          </p:nvPr>
+        </p:nvSpPr>
+        <p:spPr/>
+        <p:txBody>
+          <a:bodyPr/>
+          <a:lstStyle/>
+          <a:p>
+            <a:r>
+              <a:rPr lang="en-US" dirty="0"/>
+              <a:t>Install the </a:t>
+            </a:r>
+            <a:r>
+              <a:rPr lang="en-US"/>
+              <a:t>msi</a:t>
+            </a:r>
+          </a:p>
+        </p:txBody>
+      </p:sp>
+      <p:sp>
+        <p:nvSpPr>
+          <p:cNvPr id="4" name="Content Placeholder 3">
+            <a:extLst>
+              <a:ext uri="{FF2B5EF4-FFF2-40B4-BE49-F238E27FC236}">
+                <a16:creationId xmlns:a16="http://schemas.microsoft.com/office/drawing/2014/main" id="{AC0DFCE9-079B-41C3-84E0-8CBE095D69E5}"/>
+              </a:ext>
+            </a:extLst>
+          </p:cNvPr>
           <p:cNvSpPr>
             <a:spLocks noGrp="1"/>
           </p:cNvSpPr>
@@ -10275,43 +10454,19 @@
             <p:ph sz="quarter" idx="13"/>
           </p:nvPr>
         </p:nvSpPr>
-        <p:spPr>
-          <a:xfrm>
-            <a:off x="427702" y="2352366"/>
-            <a:ext cx="11636479" cy="2352368"/>
-          </a:xfrm>
-        </p:spPr>
+        <p:spPr/>
         <p:txBody>
-          <a:bodyPr>
-            <a:normAutofit/>
-          </a:bodyPr>
+          <a:bodyPr/>
           <a:lstStyle/>
           <a:p>
-            <a:pPr lvl="0"/>
-            <a:r>
-              <a:rPr lang="en-US" sz="2400" dirty="0"/>
-              <a:t>So instead of you having to copy anything down or me having to type much,  I've already put the entire presentation in a batch file which you can get from here:</a:t>
-            </a:r>
-          </a:p>
-          <a:p>
-            <a:pPr lvl="0"/>
-            <a:endParaRPr lang="en-US" sz="2400" dirty="0"/>
-          </a:p>
-          <a:p>
-            <a:pPr marL="0" lvl="0" indent="0">
-              <a:buNone/>
-            </a:pPr>
-            <a:r>
-              <a:rPr lang="en-US" sz="2400" dirty="0"/>
-              <a:t>https://github.com/jonathan-r-jones/Composable-Batch-Files/blob/master/jaws.bat</a:t>
-            </a:r>
+            <a:endParaRPr lang="en-US"/>
           </a:p>
         </p:txBody>
       </p:sp>
     </p:spTree>
     <p:extLst>
       <p:ext uri="{BB962C8B-B14F-4D97-AF65-F5344CB8AC3E}">
-        <p14:creationId xmlns:p14="http://schemas.microsoft.com/office/powerpoint/2010/main" val="632758202"/>
+        <p14:creationId xmlns:p14="http://schemas.microsoft.com/office/powerpoint/2010/main" val="1551869303"/>
       </p:ext>
     </p:extLst>
   </p:cSld>
@@ -10350,12 +10505,48 @@
           <a:chExt cx="0" cy="0"/>
         </a:xfrm>
       </p:grpSpPr>
+      <p:pic>
+        <p:nvPicPr>
+          <p:cNvPr id="5" name="Picture 4" descr="A picture containing nature&#10;&#10;Description automatically generated">
+            <a:extLst>
+              <a:ext uri="{FF2B5EF4-FFF2-40B4-BE49-F238E27FC236}">
+                <a16:creationId xmlns:a16="http://schemas.microsoft.com/office/drawing/2014/main" id="{F17E8123-078E-4812-9E18-8B1F1FEA4DB4}"/>
+              </a:ext>
+            </a:extLst>
+          </p:cNvPr>
+          <p:cNvPicPr>
+            <a:picLocks noChangeAspect="1"/>
+          </p:cNvPicPr>
+          <p:nvPr/>
+        </p:nvPicPr>
+        <p:blipFill>
+          <a:blip r:embed="rId2">
+            <a:extLst>
+              <a:ext uri="{28A0092B-C50C-407E-A947-70E740481C1C}">
+                <a14:useLocalDpi xmlns:a14="http://schemas.microsoft.com/office/drawing/2010/main" val="0"/>
+              </a:ext>
+            </a:extLst>
+          </a:blip>
+          <a:stretch>
+            <a:fillRect/>
+          </a:stretch>
+        </p:blipFill>
+        <p:spPr>
+          <a:xfrm>
+            <a:off x="0" y="1"/>
+            <a:ext cx="12191999" cy="6857999"/>
+          </a:xfrm>
+          <a:prstGeom prst="rect">
+            <a:avLst/>
+          </a:prstGeom>
+        </p:spPr>
+      </p:pic>
       <p:sp>
         <p:nvSpPr>
-          <p:cNvPr id="11" name="Subtitle 2">
+          <p:cNvPr id="3" name="Subtitle 2">
             <a:extLst>
               <a:ext uri="{FF2B5EF4-FFF2-40B4-BE49-F238E27FC236}">
-                <a16:creationId xmlns:a16="http://schemas.microsoft.com/office/drawing/2014/main" id="{571E64A8-E580-44F6-BD8C-392C75A4403F}"/>
+                <a16:creationId xmlns:a16="http://schemas.microsoft.com/office/drawing/2014/main" id="{19E06513-8389-4331-B215-C3E27506DEC1}"/>
               </a:ext>
             </a:extLst>
           </p:cNvPr>
@@ -10366,8 +10557,8 @@
         </p:nvSpPr>
         <p:spPr>
           <a:xfrm>
-            <a:off x="1433871" y="2101645"/>
-            <a:ext cx="8534400" cy="1752600"/>
+            <a:off x="1421171" y="3168445"/>
+            <a:ext cx="8534400" cy="1073355"/>
           </a:xfrm>
           <a:prstGeom prst="rect">
             <a:avLst/>
@@ -10626,90 +10817,16 @@
               <a:buNone/>
             </a:pPr>
             <a:r>
-              <a:rPr lang="en-US" sz="4800" dirty="0"/>
+              <a:rPr lang="en-US" sz="4800" dirty="0">
+                <a:solidFill>
+                  <a:schemeClr val="bg1"/>
+                </a:solidFill>
+              </a:rPr>
               <a:t>    Jonathan + AWS = Jaws!</a:t>
             </a:r>
           </a:p>
         </p:txBody>
       </p:sp>
-    </p:spTree>
-    <p:extLst>
-      <p:ext uri="{BB962C8B-B14F-4D97-AF65-F5344CB8AC3E}">
-        <p14:creationId xmlns:p14="http://schemas.microsoft.com/office/powerpoint/2010/main" val="890818756"/>
-      </p:ext>
-    </p:extLst>
-  </p:cSld>
-  <p:clrMapOvr>
-    <a:masterClrMapping/>
-  </p:clrMapOvr>
-  <mc:AlternateContent xmlns:mc="http://schemas.openxmlformats.org/markup-compatibility/2006" xmlns:p14="http://schemas.microsoft.com/office/powerpoint/2010/main">
-    <mc:Choice Requires="p14">
-      <p:transition spd="med" p14:dur="700">
-        <p:fade/>
-      </p:transition>
-    </mc:Choice>
-    <mc:Fallback xmlns="">
-      <p:transition spd="med">
-        <p:fade/>
-      </p:transition>
-    </mc:Fallback>
-  </mc:AlternateContent>
-</p:sld>
-</file>
-
-<file path=ppt/slides/slide7.xml><?xml version="1.0" encoding="utf-8"?>
-<p:sld xmlns:a="http://schemas.openxmlformats.org/drawingml/2006/main" xmlns:r="http://schemas.openxmlformats.org/officeDocument/2006/relationships" xmlns:p="http://schemas.openxmlformats.org/presentationml/2006/main">
-  <p:cSld>
-    <p:spTree>
-      <p:nvGrpSpPr>
-        <p:cNvPr id="1" name=""/>
-        <p:cNvGrpSpPr/>
-        <p:nvPr/>
-      </p:nvGrpSpPr>
-      <p:grpSpPr>
-        <a:xfrm>
-          <a:off x="0" y="0"/>
-          <a:ext cx="0" cy="0"/>
-          <a:chOff x="0" y="0"/>
-          <a:chExt cx="0" cy="0"/>
-        </a:xfrm>
-      </p:grpSpPr>
-      <p:pic>
-        <p:nvPicPr>
-          <p:cNvPr id="5" name="Picture 4" descr="A picture containing nature&#10;&#10;Description automatically generated">
-            <a:extLst>
-              <a:ext uri="{FF2B5EF4-FFF2-40B4-BE49-F238E27FC236}">
-                <a16:creationId xmlns:a16="http://schemas.microsoft.com/office/drawing/2014/main" id="{F17E8123-078E-4812-9E18-8B1F1FEA4DB4}"/>
-              </a:ext>
-            </a:extLst>
-          </p:cNvPr>
-          <p:cNvPicPr>
-            <a:picLocks noChangeAspect="1"/>
-          </p:cNvPicPr>
-          <p:nvPr/>
-        </p:nvPicPr>
-        <p:blipFill>
-          <a:blip r:embed="rId2">
-            <a:extLst>
-              <a:ext uri="{28A0092B-C50C-407E-A947-70E740481C1C}">
-                <a14:useLocalDpi xmlns:a14="http://schemas.microsoft.com/office/drawing/2010/main" val="0"/>
-              </a:ext>
-            </a:extLst>
-          </a:blip>
-          <a:stretch>
-            <a:fillRect/>
-          </a:stretch>
-        </p:blipFill>
-        <p:spPr>
-          <a:xfrm>
-            <a:off x="0" y="0"/>
-            <a:ext cx="12191999" cy="6857999"/>
-          </a:xfrm>
-          <a:prstGeom prst="rect">
-            <a:avLst/>
-          </a:prstGeom>
-        </p:spPr>
-      </p:pic>
     </p:spTree>
     <p:extLst>
       <p:ext uri="{BB962C8B-B14F-4D97-AF65-F5344CB8AC3E}">
@@ -10735,7 +10852,7 @@
 </p:sld>
 </file>
 
-<file path=ppt/slides/slide8.xml><?xml version="1.0" encoding="utf-8"?>
+<file path=ppt/slides/slide7.xml><?xml version="1.0" encoding="utf-8"?>
 <p:sld xmlns:a="http://schemas.openxmlformats.org/drawingml/2006/main" xmlns:r="http://schemas.openxmlformats.org/officeDocument/2006/relationships" xmlns:p="http://schemas.openxmlformats.org/presentationml/2006/main">
   <p:cSld>
     <p:spTree>
@@ -10927,7 +11044,7 @@
 </p:sld>
 </file>
 
-<file path=ppt/slides/slide9.xml><?xml version="1.0" encoding="utf-8"?>
+<file path=ppt/slides/slide8.xml><?xml version="1.0" encoding="utf-8"?>
 <p:sld xmlns:a="http://schemas.openxmlformats.org/drawingml/2006/main" xmlns:r="http://schemas.openxmlformats.org/officeDocument/2006/relationships" xmlns:p="http://schemas.openxmlformats.org/presentationml/2006/main">
   <p:cSld>
     <p:spTree>
@@ -11241,10 +11358,7 @@
             <a:pPr marL="0" indent="0">
               <a:buNone/>
             </a:pPr>
-            <a:r>
-              <a:rPr lang="en-US" sz="2400" dirty="0"/>
-              <a:t>https://github.com/jonathan-r-jones/Composable-Batch-Files/blob/master/jaws.bat</a:t>
-            </a:r>
+            <a:endParaRPr lang="en-US" sz="2400" dirty="0"/>
           </a:p>
         </p:txBody>
       </p:sp>
@@ -11252,6 +11366,168 @@
     <p:extLst>
       <p:ext uri="{BB962C8B-B14F-4D97-AF65-F5344CB8AC3E}">
         <p14:creationId xmlns:p14="http://schemas.microsoft.com/office/powerpoint/2010/main" val="4279752589"/>
+      </p:ext>
+    </p:extLst>
+  </p:cSld>
+  <p:clrMapOvr>
+    <a:masterClrMapping/>
+  </p:clrMapOvr>
+  <mc:AlternateContent xmlns:mc="http://schemas.openxmlformats.org/markup-compatibility/2006" xmlns:p14="http://schemas.microsoft.com/office/powerpoint/2010/main">
+    <mc:Choice Requires="p14">
+      <p:transition spd="med" p14:dur="700">
+        <p:fade/>
+      </p:transition>
+    </mc:Choice>
+    <mc:Fallback xmlns="">
+      <p:transition spd="med">
+        <p:fade/>
+      </p:transition>
+    </mc:Fallback>
+  </mc:AlternateContent>
+</p:sld>
+</file>
+
+<file path=ppt/slides/slide9.xml><?xml version="1.0" encoding="utf-8"?>
+<p:sld xmlns:a="http://schemas.openxmlformats.org/drawingml/2006/main" xmlns:r="http://schemas.openxmlformats.org/officeDocument/2006/relationships" xmlns:p="http://schemas.openxmlformats.org/presentationml/2006/main">
+  <p:cSld>
+    <p:spTree>
+      <p:nvGrpSpPr>
+        <p:cNvPr id="1" name=""/>
+        <p:cNvGrpSpPr/>
+        <p:nvPr/>
+      </p:nvGrpSpPr>
+      <p:grpSpPr>
+        <a:xfrm>
+          <a:off x="0" y="0"/>
+          <a:ext cx="0" cy="0"/>
+          <a:chOff x="0" y="0"/>
+          <a:chExt cx="0" cy="0"/>
+        </a:xfrm>
+      </p:grpSpPr>
+      <p:sp>
+        <p:nvSpPr>
+          <p:cNvPr id="14" name="Content Placeholder 13"/>
+          <p:cNvSpPr>
+            <a:spLocks noGrp="1"/>
+          </p:cNvSpPr>
+          <p:nvPr>
+            <p:ph sz="quarter" idx="13"/>
+          </p:nvPr>
+        </p:nvSpPr>
+        <p:spPr>
+          <a:xfrm>
+            <a:off x="427702" y="901700"/>
+            <a:ext cx="11636479" cy="5003800"/>
+          </a:xfrm>
+        </p:spPr>
+        <p:txBody>
+          <a:bodyPr>
+            <a:normAutofit fontScale="92500" lnSpcReduction="20000"/>
+          </a:bodyPr>
+          <a:lstStyle/>
+          <a:p>
+            <a:pPr marL="0" lvl="0" indent="0">
+              <a:buNone/>
+            </a:pPr>
+            <a:r>
+              <a:rPr lang="en-US" sz="3200" dirty="0"/>
+              <a:t>AWS CLI Command Reference:</a:t>
+            </a:r>
+          </a:p>
+          <a:p>
+            <a:pPr marL="0" lvl="0" indent="0">
+              <a:buNone/>
+            </a:pPr>
+            <a:r>
+              <a:rPr lang="en-US" sz="3200" dirty="0">
+                <a:hlinkClick r:id="rId2"/>
+              </a:rPr>
+              <a:t>https://docs.aws.amazon.com/cli/latest/reference/index.html</a:t>
+            </a:r>
+            <a:endParaRPr lang="en-US" sz="3200" dirty="0"/>
+          </a:p>
+          <a:p>
+            <a:pPr marL="0" lvl="0" indent="0">
+              <a:buNone/>
+            </a:pPr>
+            <a:endParaRPr lang="en-US" sz="3200" dirty="0"/>
+          </a:p>
+          <a:p>
+            <a:pPr marL="0" lvl="0" indent="0">
+              <a:buNone/>
+            </a:pPr>
+            <a:r>
+              <a:rPr lang="en-US" sz="3200" dirty="0"/>
+              <a:t>This Slide Deck:</a:t>
+            </a:r>
+          </a:p>
+          <a:p>
+            <a:pPr marL="0" indent="0">
+              <a:buNone/>
+            </a:pPr>
+            <a:r>
+              <a:rPr lang="en-US" sz="3200" dirty="0">
+                <a:hlinkClick r:id="rId3"/>
+              </a:rPr>
+              <a:t>https://github.com/jonathan-r-jones/Composable-Batch-Files/blob/master/jaws.ppt</a:t>
+            </a:r>
+            <a:endParaRPr lang="en-US" sz="3200" dirty="0"/>
+          </a:p>
+          <a:p>
+            <a:pPr marL="0" indent="0">
+              <a:buNone/>
+            </a:pPr>
+            <a:endParaRPr lang="en-US" sz="3200" dirty="0"/>
+          </a:p>
+          <a:p>
+            <a:pPr marL="0" indent="0">
+              <a:buNone/>
+            </a:pPr>
+            <a:r>
+              <a:rPr lang="en-US" sz="3200" dirty="0"/>
+              <a:t>AWS CLI Demoed Code:</a:t>
+            </a:r>
+          </a:p>
+          <a:p>
+            <a:pPr marL="0" indent="0">
+              <a:buNone/>
+            </a:pPr>
+            <a:r>
+              <a:rPr lang="en-US" sz="3200" dirty="0">
+                <a:hlinkClick r:id="rId4"/>
+              </a:rPr>
+              <a:t>https://github.com/jonathan-r-jones/Composable-Batch-Files/blob/master/jaws.bat</a:t>
+            </a:r>
+            <a:endParaRPr lang="en-US" sz="3200" dirty="0"/>
+          </a:p>
+          <a:p>
+            <a:pPr marL="0" indent="0">
+              <a:buNone/>
+            </a:pPr>
+            <a:endParaRPr lang="en-US" sz="3200" dirty="0"/>
+          </a:p>
+          <a:p>
+            <a:pPr marL="0" indent="0">
+              <a:buNone/>
+            </a:pPr>
+            <a:endParaRPr lang="en-US" sz="3200" dirty="0"/>
+          </a:p>
+          <a:p>
+            <a:pPr marL="0" lvl="0" indent="0">
+              <a:buNone/>
+            </a:pPr>
+            <a:endParaRPr lang="en-US" sz="3200" dirty="0"/>
+          </a:p>
+          <a:p>
+            <a:pPr lvl="0"/>
+            <a:endParaRPr lang="en-US" sz="3200" dirty="0"/>
+          </a:p>
+        </p:txBody>
+      </p:sp>
+    </p:spTree>
+    <p:extLst>
+      <p:ext uri="{BB962C8B-B14F-4D97-AF65-F5344CB8AC3E}">
+        <p14:creationId xmlns:p14="http://schemas.microsoft.com/office/powerpoint/2010/main" val="2553842654"/>
       </p:ext>
     </p:extLst>
   </p:cSld>
@@ -12145,6 +12421,15 @@
 </file>
 
 <file path=customXml/item1.xml><?xml version="1.0" encoding="utf-8"?>
+<?mso-contentType ?>
+<FormTemplates xmlns="http://schemas.microsoft.com/sharepoint/v3/contenttype/forms">
+  <Display>DocumentLibraryForm</Display>
+  <Edit>DocumentLibraryForm</Edit>
+  <New>DocumentLibraryForm</New>
+</FormTemplates>
+</file>
+
+<file path=customXml/item2.xml><?xml version="1.0" encoding="utf-8"?>
 <p:properties xmlns:p="http://schemas.microsoft.com/office/2006/metadata/properties" xmlns:xsi="http://www.w3.org/2001/XMLSchema-instance" xmlns:pc="http://schemas.microsoft.com/office/infopath/2007/PartnerControls">
   <documentManagement>
     <VSO_x0020_item_x0020_id xmlns="40262f94-9f35-4ac3-9a90-690165a166b7" xsi:nil="true"/>
@@ -12153,15 +12438,6 @@
     <Template_x0020_details xmlns="40262f94-9f35-4ac3-9a90-690165a166b7" xsi:nil="true"/>
   </documentManagement>
 </p:properties>
-</file>
-
-<file path=customXml/item2.xml><?xml version="1.0" encoding="utf-8"?>
-<?mso-contentType ?>
-<FormTemplates xmlns="http://schemas.microsoft.com/sharepoint/v3/contenttype/forms">
-  <Display>DocumentLibraryForm</Display>
-  <Edit>DocumentLibraryForm</Edit>
-  <New>DocumentLibraryForm</New>
-</FormTemplates>
 </file>
 
 <file path=customXml/item3.xml><?xml version="1.0" encoding="utf-8"?>
@@ -12346,6 +12622,14 @@
 </file>
 
 <file path=customXml/itemProps1.xml><?xml version="1.0" encoding="utf-8"?>
+<ds:datastoreItem xmlns:ds="http://schemas.openxmlformats.org/officeDocument/2006/customXml" ds:itemID="{BED6C63E-22D9-40FD-AF90-6F5632A4309F}">
+  <ds:schemaRefs>
+    <ds:schemaRef ds:uri="http://schemas.microsoft.com/sharepoint/v3/contenttype/forms"/>
+  </ds:schemaRefs>
+</ds:datastoreItem>
+</file>
+
+<file path=customXml/itemProps2.xml><?xml version="1.0" encoding="utf-8"?>
 <ds:datastoreItem xmlns:ds="http://schemas.openxmlformats.org/officeDocument/2006/customXml" ds:itemID="{28DC6412-8CE7-4C8A-96E9-2669F16D17E8}">
   <ds:schemaRefs>
     <ds:schemaRef ds:uri="http://schemas.microsoft.com/office/2006/metadata/properties"/>
@@ -12358,14 +12642,6 @@
     <ds:schemaRef ds:uri="a4f35948-e619-41b3-aa29-22878b09cfd2"/>
     <ds:schemaRef ds:uri="http://www.w3.org/XML/1998/namespace"/>
     <ds:schemaRef ds:uri="http://purl.org/dc/dcmitype/"/>
-  </ds:schemaRefs>
-</ds:datastoreItem>
-</file>
-
-<file path=customXml/itemProps2.xml><?xml version="1.0" encoding="utf-8"?>
-<ds:datastoreItem xmlns:ds="http://schemas.openxmlformats.org/officeDocument/2006/customXml" ds:itemID="{BED6C63E-22D9-40FD-AF90-6F5632A4309F}">
-  <ds:schemaRefs>
-    <ds:schemaRef ds:uri="http://schemas.microsoft.com/sharepoint/v3/contenttype/forms"/>
   </ds:schemaRefs>
 </ds:datastoreItem>
 </file>

--- a/jaws.pptx
+++ b/jaws.pptx
@@ -18,10 +18,10 @@
     <p:sldId id="273" r:id="rId9"/>
     <p:sldId id="266" r:id="rId10"/>
     <p:sldId id="267" r:id="rId11"/>
-    <p:sldId id="270" r:id="rId12"/>
+    <p:sldId id="272" r:id="rId12"/>
     <p:sldId id="274" r:id="rId13"/>
-    <p:sldId id="268" r:id="rId14"/>
-    <p:sldId id="272" r:id="rId15"/>
+    <p:sldId id="270" r:id="rId14"/>
+    <p:sldId id="268" r:id="rId15"/>
     <p:sldId id="265" r:id="rId16"/>
     <p:sldId id="269" r:id="rId17"/>
     <p:sldId id="261" r:id="rId18"/>
@@ -4375,7 +4375,7 @@
           <a:p>
             <a:fld id="{50FABAFA-9D90-4B6C-95A1-503043E46FAB}" type="datetimeFigureOut">
               <a:rPr lang="en-US" smtClean="0"/>
-              <a:t>12/19/2018</a:t>
+              <a:t>12/20/2018</a:t>
             </a:fld>
             <a:endParaRPr lang="en-US"/>
           </a:p>
@@ -4540,7 +4540,7 @@
           <a:p>
             <a:fld id="{AC15EB1F-8DE4-48C3-A804-A05846A4049F}" type="datetimeFigureOut">
               <a:rPr lang="en-US" smtClean="0"/>
-              <a:t>12/19/2018</a:t>
+              <a:t>12/20/2018</a:t>
             </a:fld>
             <a:endParaRPr lang="en-US"/>
           </a:p>
@@ -4956,7 +4956,7 @@
           <a:p>
             <a:fld id="{8AD115C9-E24C-4512-AA8B-319BB49F77B5}" type="slidenum">
               <a:rPr lang="en-US" smtClean="0"/>
-              <a:t>8</a:t>
+              <a:t>10</a:t>
             </a:fld>
             <a:endParaRPr lang="en-US"/>
           </a:p>
@@ -5216,7 +5216,7 @@
           <a:p>
             <a:fld id="{CE5E0A0C-FFF2-4105-9F07-796FCC3D8DE3}" type="datetime1">
               <a:rPr lang="en-US" smtClean="0"/>
-              <a:t>12/19/2018</a:t>
+              <a:t>12/20/2018</a:t>
             </a:fld>
             <a:endParaRPr lang="en-US"/>
           </a:p>
@@ -5442,7 +5442,7 @@
           <a:p>
             <a:fld id="{4A5D68D4-D432-4190-8060-492B59F98A87}" type="datetime1">
               <a:rPr lang="en-US" smtClean="0"/>
-              <a:t>12/19/2018</a:t>
+              <a:t>12/20/2018</a:t>
             </a:fld>
             <a:endParaRPr lang="en-US"/>
           </a:p>
@@ -5678,7 +5678,7 @@
           <a:p>
             <a:fld id="{5AF4EF83-7D73-495D-9915-41737B990DFC}" type="datetime1">
               <a:rPr lang="en-US" smtClean="0"/>
-              <a:t>12/19/2018</a:t>
+              <a:t>12/20/2018</a:t>
             </a:fld>
             <a:endParaRPr lang="en-US"/>
           </a:p>
@@ -6015,7 +6015,7 @@
           <a:p>
             <a:fld id="{73DF2905-D7E2-4171-961B-8EB802C66F9A}" type="datetime1">
               <a:rPr lang="en-US" smtClean="0"/>
-              <a:t>12/19/2018</a:t>
+              <a:t>12/20/2018</a:t>
             </a:fld>
             <a:endParaRPr lang="en-US"/>
           </a:p>
@@ -6278,7 +6278,7 @@
           <a:p>
             <a:fld id="{82C1B47C-16BC-4A9F-9E6E-9D1F33DC8ABD}" type="datetime1">
               <a:rPr lang="en-US" smtClean="0"/>
-              <a:t>12/19/2018</a:t>
+              <a:t>12/20/2018</a:t>
             </a:fld>
             <a:endParaRPr lang="en-US"/>
           </a:p>
@@ -6694,7 +6694,7 @@
           <a:p>
             <a:fld id="{0C073DF2-DD31-447B-89F4-CEF82A94D7A7}" type="datetime1">
               <a:rPr lang="en-US" smtClean="0"/>
-              <a:t>12/19/2018</a:t>
+              <a:t>12/20/2018</a:t>
             </a:fld>
             <a:endParaRPr lang="en-US"/>
           </a:p>
@@ -7226,7 +7226,7 @@
           <a:p>
             <a:fld id="{1551BB0C-CFA8-4A1F-9AAE-D6B32E8256E7}" type="datetime1">
               <a:rPr lang="en-US" smtClean="0"/>
-              <a:t>12/19/2018</a:t>
+              <a:t>12/20/2018</a:t>
             </a:fld>
             <a:endParaRPr lang="en-US"/>
           </a:p>
@@ -7364,7 +7364,7 @@
           <a:p>
             <a:fld id="{2752348D-B72F-4FC3-A127-851C5E7B3A9E}" type="datetime1">
               <a:rPr lang="en-US" smtClean="0"/>
-              <a:t>12/19/2018</a:t>
+              <a:t>12/20/2018</a:t>
             </a:fld>
             <a:endParaRPr lang="en-US"/>
           </a:p>
@@ -7474,7 +7474,7 @@
           <a:p>
             <a:fld id="{D666EB1B-704A-4D5E-8D5F-456104532486}" type="datetime1">
               <a:rPr lang="en-US" smtClean="0"/>
-              <a:t>12/19/2018</a:t>
+              <a:t>12/20/2018</a:t>
             </a:fld>
             <a:endParaRPr lang="en-US"/>
           </a:p>
@@ -7787,7 +7787,7 @@
           <a:p>
             <a:fld id="{D96AFBEB-CD4D-45C5-9851-D1FF1EB5AB85}" type="datetime1">
               <a:rPr lang="en-US" smtClean="0"/>
-              <a:t>12/19/2018</a:t>
+              <a:t>12/20/2018</a:t>
             </a:fld>
             <a:endParaRPr lang="en-US"/>
           </a:p>
@@ -8035,7 +8035,7 @@
           <a:p>
             <a:fld id="{B285B7EB-0ACD-4247-AA3F-1B0B49109B84}" type="datetime1">
               <a:rPr lang="en-US" smtClean="0"/>
-              <a:t>12/19/2018</a:t>
+              <a:t>12/20/2018</a:t>
             </a:fld>
             <a:endParaRPr lang="en-US"/>
           </a:p>
@@ -8335,7 +8335,7 @@
             <a:fld id="{8254F2F0-E062-4E41-9176-AEE9734E64AC}" type="datetime1">
               <a:rPr lang="en-US" smtClean="0"/>
               <a:pPr/>
-              <a:t>12/19/2018</a:t>
+              <a:t>12/20/2018</a:t>
             </a:fld>
             <a:endParaRPr lang="en-US" dirty="0"/>
           </a:p>
@@ -8941,10 +8941,311 @@
           <a:chExt cx="0" cy="0"/>
         </a:xfrm>
       </p:grpSpPr>
+      <p:sp>
+        <p:nvSpPr>
+          <p:cNvPr id="3" name="Subtitle 2"/>
+          <p:cNvSpPr>
+            <a:spLocks noGrp="1"/>
+          </p:cNvSpPr>
+          <p:nvPr>
+            <p:ph type="subTitle" idx="1"/>
+          </p:nvPr>
+        </p:nvSpPr>
+        <p:spPr/>
+        <p:txBody>
+          <a:bodyPr/>
+          <a:lstStyle/>
+          <a:p>
+            <a:r>
+              <a:rPr lang="en-US" dirty="0"/>
+              <a:t>   The End</a:t>
+            </a:r>
+          </a:p>
+        </p:txBody>
+      </p:sp>
+      <p:sp>
+        <p:nvSpPr>
+          <p:cNvPr id="6" name="Subtitle 2">
+            <a:extLst>
+              <a:ext uri="{FF2B5EF4-FFF2-40B4-BE49-F238E27FC236}">
+                <a16:creationId xmlns:a16="http://schemas.microsoft.com/office/drawing/2014/main" id="{ACE8A11C-EC14-4316-AAE5-34C99A757C43}"/>
+              </a:ext>
+            </a:extLst>
+          </p:cNvPr>
+          <p:cNvSpPr txBox="1">
+            <a:spLocks/>
+          </p:cNvSpPr>
+          <p:nvPr/>
+        </p:nvSpPr>
+        <p:spPr>
+          <a:xfrm>
+            <a:off x="176980" y="2927555"/>
+            <a:ext cx="11769213" cy="641555"/>
+          </a:xfrm>
+          <a:prstGeom prst="rect">
+            <a:avLst/>
+          </a:prstGeom>
+        </p:spPr>
+        <p:txBody>
+          <a:bodyPr/>
+          <a:lstStyle>
+            <a:lvl1pPr marL="342900" indent="-342900" algn="l" defTabSz="914400" rtl="0" eaLnBrk="1" latinLnBrk="0" hangingPunct="1">
+              <a:lnSpc>
+                <a:spcPct val="100000"/>
+              </a:lnSpc>
+              <a:spcBef>
+                <a:spcPct val="20000"/>
+              </a:spcBef>
+              <a:spcAft>
+                <a:spcPts val="600"/>
+              </a:spcAft>
+              <a:buClr>
+                <a:schemeClr val="tx1"/>
+              </a:buClr>
+              <a:buFont typeface="Arial" pitchFamily="34" charset="0"/>
+              <a:buChar char="•"/>
+              <a:defRPr sz="2000" kern="1200" spc="30" baseline="0">
+                <a:solidFill>
+                  <a:schemeClr val="tx2">
+                    <a:lumMod val="50000"/>
+                  </a:schemeClr>
+                </a:solidFill>
+                <a:latin typeface="+mn-lt"/>
+                <a:ea typeface="+mn-ea"/>
+                <a:cs typeface="+mn-cs"/>
+              </a:defRPr>
+            </a:lvl1pPr>
+            <a:lvl2pPr marL="742950" indent="-285750" algn="l" defTabSz="914400" rtl="0" eaLnBrk="1" latinLnBrk="0" hangingPunct="1">
+              <a:lnSpc>
+                <a:spcPct val="100000"/>
+              </a:lnSpc>
+              <a:spcBef>
+                <a:spcPct val="20000"/>
+              </a:spcBef>
+              <a:spcAft>
+                <a:spcPts val="600"/>
+              </a:spcAft>
+              <a:buClr>
+                <a:schemeClr val="tx1"/>
+              </a:buClr>
+              <a:buFont typeface="Arial" pitchFamily="34" charset="0"/>
+              <a:buChar char="•"/>
+              <a:defRPr sz="2000" kern="1200" spc="30" baseline="0">
+                <a:solidFill>
+                  <a:schemeClr val="tx2">
+                    <a:lumMod val="50000"/>
+                  </a:schemeClr>
+                </a:solidFill>
+                <a:latin typeface="+mn-lt"/>
+                <a:ea typeface="+mn-ea"/>
+                <a:cs typeface="+mn-cs"/>
+              </a:defRPr>
+            </a:lvl2pPr>
+            <a:lvl3pPr marL="1143000" indent="-228600" algn="l" defTabSz="914400" rtl="0" eaLnBrk="1" latinLnBrk="0" hangingPunct="1">
+              <a:lnSpc>
+                <a:spcPct val="100000"/>
+              </a:lnSpc>
+              <a:spcBef>
+                <a:spcPct val="20000"/>
+              </a:spcBef>
+              <a:spcAft>
+                <a:spcPts val="600"/>
+              </a:spcAft>
+              <a:buClr>
+                <a:schemeClr val="tx2">
+                  <a:lumMod val="50000"/>
+                </a:schemeClr>
+              </a:buClr>
+              <a:buFont typeface="Arial" pitchFamily="34" charset="0"/>
+              <a:buChar char="•"/>
+              <a:defRPr sz="2000" kern="1200" spc="30" baseline="0">
+                <a:solidFill>
+                  <a:schemeClr val="tx2">
+                    <a:lumMod val="50000"/>
+                  </a:schemeClr>
+                </a:solidFill>
+                <a:latin typeface="+mn-lt"/>
+                <a:ea typeface="+mn-ea"/>
+                <a:cs typeface="+mn-cs"/>
+              </a:defRPr>
+            </a:lvl3pPr>
+            <a:lvl4pPr marL="1600200" indent="-228600" algn="l" defTabSz="914400" rtl="0" eaLnBrk="1" latinLnBrk="0" hangingPunct="1">
+              <a:lnSpc>
+                <a:spcPct val="100000"/>
+              </a:lnSpc>
+              <a:spcBef>
+                <a:spcPct val="20000"/>
+              </a:spcBef>
+              <a:spcAft>
+                <a:spcPts val="600"/>
+              </a:spcAft>
+              <a:buClr>
+                <a:schemeClr val="tx1"/>
+              </a:buClr>
+              <a:buFont typeface="Arial" pitchFamily="34" charset="0"/>
+              <a:buChar char="•"/>
+              <a:defRPr sz="2000" kern="1200" spc="30" baseline="0">
+                <a:solidFill>
+                  <a:schemeClr val="tx2">
+                    <a:lumMod val="50000"/>
+                  </a:schemeClr>
+                </a:solidFill>
+                <a:latin typeface="+mn-lt"/>
+                <a:ea typeface="+mn-ea"/>
+                <a:cs typeface="+mn-cs"/>
+              </a:defRPr>
+            </a:lvl4pPr>
+            <a:lvl5pPr marL="2057400" indent="-228600" algn="l" defTabSz="914400" rtl="0" eaLnBrk="1" latinLnBrk="0" hangingPunct="1">
+              <a:lnSpc>
+                <a:spcPct val="100000"/>
+              </a:lnSpc>
+              <a:spcBef>
+                <a:spcPct val="20000"/>
+              </a:spcBef>
+              <a:spcAft>
+                <a:spcPts val="600"/>
+              </a:spcAft>
+              <a:buClr>
+                <a:schemeClr val="tx1"/>
+              </a:buClr>
+              <a:buFont typeface="Arial" pitchFamily="34" charset="0"/>
+              <a:buChar char="•"/>
+              <a:defRPr sz="2000" kern="1200" spc="30" baseline="0">
+                <a:solidFill>
+                  <a:schemeClr val="tx2">
+                    <a:lumMod val="50000"/>
+                  </a:schemeClr>
+                </a:solidFill>
+                <a:latin typeface="+mn-lt"/>
+                <a:ea typeface="+mn-ea"/>
+                <a:cs typeface="+mn-cs"/>
+              </a:defRPr>
+            </a:lvl5pPr>
+            <a:lvl6pPr marL="2514600" indent="-228600" algn="l" defTabSz="914400" rtl="0" eaLnBrk="1" latinLnBrk="0" hangingPunct="1">
+              <a:lnSpc>
+                <a:spcPct val="100000"/>
+              </a:lnSpc>
+              <a:spcBef>
+                <a:spcPct val="20000"/>
+              </a:spcBef>
+              <a:spcAft>
+                <a:spcPts val="600"/>
+              </a:spcAft>
+              <a:buClr>
+                <a:schemeClr val="tx2">
+                  <a:lumMod val="50000"/>
+                </a:schemeClr>
+              </a:buClr>
+              <a:buFont typeface="Arial" pitchFamily="34" charset="0"/>
+              <a:buChar char="•"/>
+              <a:defRPr sz="1700" kern="1200">
+                <a:solidFill>
+                  <a:schemeClr val="tx2">
+                    <a:lumMod val="50000"/>
+                  </a:schemeClr>
+                </a:solidFill>
+                <a:latin typeface="+mn-lt"/>
+                <a:ea typeface="+mn-ea"/>
+                <a:cs typeface="+mn-cs"/>
+              </a:defRPr>
+            </a:lvl6pPr>
+            <a:lvl7pPr marL="2971800" indent="-228600" algn="l" defTabSz="914400" rtl="0" eaLnBrk="1" latinLnBrk="0" hangingPunct="1">
+              <a:lnSpc>
+                <a:spcPct val="100000"/>
+              </a:lnSpc>
+              <a:spcBef>
+                <a:spcPct val="20000"/>
+              </a:spcBef>
+              <a:spcAft>
+                <a:spcPts val="600"/>
+              </a:spcAft>
+              <a:buClr>
+                <a:schemeClr val="tx2">
+                  <a:lumMod val="50000"/>
+                </a:schemeClr>
+              </a:buClr>
+              <a:buFont typeface="Arial" pitchFamily="34" charset="0"/>
+              <a:buChar char="•"/>
+              <a:defRPr sz="1700" kern="1200">
+                <a:solidFill>
+                  <a:schemeClr val="tx2">
+                    <a:lumMod val="50000"/>
+                  </a:schemeClr>
+                </a:solidFill>
+                <a:latin typeface="+mn-lt"/>
+                <a:ea typeface="+mn-ea"/>
+                <a:cs typeface="+mn-cs"/>
+              </a:defRPr>
+            </a:lvl7pPr>
+            <a:lvl8pPr marL="3429000" indent="-228600" algn="l" defTabSz="914400" rtl="0" eaLnBrk="1" latinLnBrk="0" hangingPunct="1">
+              <a:lnSpc>
+                <a:spcPct val="100000"/>
+              </a:lnSpc>
+              <a:spcBef>
+                <a:spcPct val="20000"/>
+              </a:spcBef>
+              <a:spcAft>
+                <a:spcPts val="600"/>
+              </a:spcAft>
+              <a:buClr>
+                <a:schemeClr val="tx2">
+                  <a:lumMod val="50000"/>
+                </a:schemeClr>
+              </a:buClr>
+              <a:buFont typeface="Arial" pitchFamily="34" charset="0"/>
+              <a:buChar char="•"/>
+              <a:defRPr sz="1700" kern="1200">
+                <a:solidFill>
+                  <a:schemeClr val="tx2">
+                    <a:lumMod val="50000"/>
+                  </a:schemeClr>
+                </a:solidFill>
+                <a:latin typeface="+mn-lt"/>
+                <a:ea typeface="+mn-ea"/>
+                <a:cs typeface="+mn-cs"/>
+              </a:defRPr>
+            </a:lvl8pPr>
+            <a:lvl9pPr marL="3886200" indent="-228600" algn="l" defTabSz="914400" rtl="0" eaLnBrk="1" latinLnBrk="0" hangingPunct="1">
+              <a:lnSpc>
+                <a:spcPct val="100000"/>
+              </a:lnSpc>
+              <a:spcBef>
+                <a:spcPct val="20000"/>
+              </a:spcBef>
+              <a:spcAft>
+                <a:spcPts val="600"/>
+              </a:spcAft>
+              <a:buClr>
+                <a:schemeClr val="tx2">
+                  <a:lumMod val="50000"/>
+                </a:schemeClr>
+              </a:buClr>
+              <a:buFont typeface="Arial" pitchFamily="34" charset="0"/>
+              <a:buChar char="•"/>
+              <a:defRPr sz="1700" kern="1200">
+                <a:solidFill>
+                  <a:schemeClr val="tx2">
+                    <a:lumMod val="50000"/>
+                  </a:schemeClr>
+                </a:solidFill>
+                <a:latin typeface="+mn-lt"/>
+                <a:ea typeface="+mn-ea"/>
+                <a:cs typeface="+mn-cs"/>
+              </a:defRPr>
+            </a:lvl9pPr>
+          </a:lstStyle>
+          <a:p>
+            <a:pPr marL="0" indent="0">
+              <a:buNone/>
+            </a:pPr>
+            <a:endParaRPr lang="en-US" sz="2400" dirty="0"/>
+          </a:p>
+        </p:txBody>
+      </p:sp>
     </p:spTree>
     <p:extLst>
       <p:ext uri="{BB962C8B-B14F-4D97-AF65-F5344CB8AC3E}">
-        <p14:creationId xmlns:p14="http://schemas.microsoft.com/office/powerpoint/2010/main" val="1220452376"/>
+        <p14:creationId xmlns:p14="http://schemas.microsoft.com/office/powerpoint/2010/main" val="4279752589"/>
       </p:ext>
     </p:extLst>
   </p:cSld>
@@ -8983,53 +9284,10 @@
           <a:chExt cx="0" cy="0"/>
         </a:xfrm>
       </p:grpSpPr>
-      <p:sp>
-        <p:nvSpPr>
-          <p:cNvPr id="14" name="Content Placeholder 13"/>
-          <p:cNvSpPr>
-            <a:spLocks noGrp="1"/>
-          </p:cNvSpPr>
-          <p:nvPr>
-            <p:ph sz="quarter" idx="13"/>
-          </p:nvPr>
-        </p:nvSpPr>
-        <p:spPr>
-          <a:xfrm>
-            <a:off x="427702" y="2352366"/>
-            <a:ext cx="11636479" cy="2352368"/>
-          </a:xfrm>
-        </p:spPr>
-        <p:txBody>
-          <a:bodyPr>
-            <a:normAutofit/>
-          </a:bodyPr>
-          <a:lstStyle/>
-          <a:p>
-            <a:pPr lvl="0"/>
-            <a:r>
-              <a:rPr lang="en-US" sz="2400" dirty="0"/>
-              <a:t>So instead of you having to copy anything down or me having to type much,  I've already put the entire presentation in a batch file which you can get from here:</a:t>
-            </a:r>
-          </a:p>
-          <a:p>
-            <a:pPr lvl="0"/>
-            <a:endParaRPr lang="en-US" sz="2400" dirty="0"/>
-          </a:p>
-          <a:p>
-            <a:pPr marL="0" lvl="0" indent="0">
-              <a:buNone/>
-            </a:pPr>
-            <a:r>
-              <a:rPr lang="en-US" sz="2400" dirty="0"/>
-              <a:t>https://github.com/jonathan-r-jones/Composable-Batch-Files/blob/master/jaws.bat</a:t>
-            </a:r>
-          </a:p>
-        </p:txBody>
-      </p:sp>
     </p:spTree>
     <p:extLst>
       <p:ext uri="{BB962C8B-B14F-4D97-AF65-F5344CB8AC3E}">
-        <p14:creationId xmlns:p14="http://schemas.microsoft.com/office/powerpoint/2010/main" val="632758202"/>
+        <p14:creationId xmlns:p14="http://schemas.microsoft.com/office/powerpoint/2010/main" val="1220452376"/>
       </p:ext>
     </p:extLst>
   </p:cSld>
@@ -10432,34 +10690,10 @@
               <a:t>Install the </a:t>
             </a:r>
             <a:r>
-              <a:rPr lang="en-US"/>
+              <a:rPr lang="en-US" dirty="0" err="1"/>
               <a:t>msi</a:t>
             </a:r>
-          </a:p>
-        </p:txBody>
-      </p:sp>
-      <p:sp>
-        <p:nvSpPr>
-          <p:cNvPr id="4" name="Content Placeholder 3">
-            <a:extLst>
-              <a:ext uri="{FF2B5EF4-FFF2-40B4-BE49-F238E27FC236}">
-                <a16:creationId xmlns:a16="http://schemas.microsoft.com/office/drawing/2014/main" id="{AC0DFCE9-079B-41C3-84E0-8CBE095D69E5}"/>
-              </a:ext>
-            </a:extLst>
-          </p:cNvPr>
-          <p:cNvSpPr>
-            <a:spLocks noGrp="1"/>
-          </p:cNvSpPr>
-          <p:nvPr>
-            <p:ph sz="quarter" idx="13"/>
-          </p:nvPr>
-        </p:nvSpPr>
-        <p:spPr/>
-        <p:txBody>
-          <a:bodyPr/>
-          <a:lstStyle/>
-          <a:p>
-            <a:endParaRPr lang="en-US"/>
+            <a:endParaRPr lang="en-US" dirty="0"/>
           </a:p>
         </p:txBody>
       </p:sp>
@@ -10505,42 +10739,6 @@
           <a:chExt cx="0" cy="0"/>
         </a:xfrm>
       </p:grpSpPr>
-      <p:pic>
-        <p:nvPicPr>
-          <p:cNvPr id="5" name="Picture 4" descr="A picture containing nature&#10;&#10;Description automatically generated">
-            <a:extLst>
-              <a:ext uri="{FF2B5EF4-FFF2-40B4-BE49-F238E27FC236}">
-                <a16:creationId xmlns:a16="http://schemas.microsoft.com/office/drawing/2014/main" id="{F17E8123-078E-4812-9E18-8B1F1FEA4DB4}"/>
-              </a:ext>
-            </a:extLst>
-          </p:cNvPr>
-          <p:cNvPicPr>
-            <a:picLocks noChangeAspect="1"/>
-          </p:cNvPicPr>
-          <p:nvPr/>
-        </p:nvPicPr>
-        <p:blipFill>
-          <a:blip r:embed="rId2">
-            <a:extLst>
-              <a:ext uri="{28A0092B-C50C-407E-A947-70E740481C1C}">
-                <a14:useLocalDpi xmlns:a14="http://schemas.microsoft.com/office/drawing/2010/main" val="0"/>
-              </a:ext>
-            </a:extLst>
-          </a:blip>
-          <a:stretch>
-            <a:fillRect/>
-          </a:stretch>
-        </p:blipFill>
-        <p:spPr>
-          <a:xfrm>
-            <a:off x="0" y="1"/>
-            <a:ext cx="12191999" cy="6857999"/>
-          </a:xfrm>
-          <a:prstGeom prst="rect">
-            <a:avLst/>
-          </a:prstGeom>
-        </p:spPr>
-      </p:pic>
       <p:sp>
         <p:nvSpPr>
           <p:cNvPr id="3" name="Subtitle 2">
@@ -10819,10 +11017,10 @@
             <a:r>
               <a:rPr lang="en-US" sz="4800" dirty="0">
                 <a:solidFill>
-                  <a:schemeClr val="bg1"/>
+                  <a:schemeClr val="tx1"/>
                 </a:solidFill>
               </a:rPr>
-              <a:t>    Jonathan + AWS = Jaws!</a:t>
+              <a:t>        Jonathan + AWS = ?</a:t>
             </a:r>
           </a:p>
         </p:txBody>
@@ -10897,7 +11095,7 @@
         </p:blipFill>
         <p:spPr>
           <a:xfrm>
-            <a:off x="0" y="-117987"/>
+            <a:off x="14755" y="-265472"/>
             <a:ext cx="12191999" cy="7138219"/>
           </a:xfrm>
           <a:prstGeom prst="rect">
@@ -10921,7 +11119,7 @@
         </p:nvSpPr>
         <p:spPr>
           <a:xfrm>
-            <a:off x="914400" y="2007889"/>
+            <a:off x="914400" y="2804302"/>
             <a:ext cx="10363200" cy="1470025"/>
           </a:xfrm>
           <a:prstGeom prst="rect">
@@ -11014,7 +11212,7 @@
                   <a:srgbClr val="FF0000"/>
                 </a:solidFill>
               </a:rPr>
-              <a:t>				DEMO</a:t>
+              <a:t>			JAWS DEMO</a:t>
             </a:r>
           </a:p>
         </p:txBody>
@@ -11063,309 +11261,51 @@
       </p:grpSpPr>
       <p:sp>
         <p:nvSpPr>
-          <p:cNvPr id="3" name="Subtitle 2"/>
+          <p:cNvPr id="14" name="Content Placeholder 13"/>
           <p:cNvSpPr>
             <a:spLocks noGrp="1"/>
           </p:cNvSpPr>
           <p:nvPr>
-            <p:ph type="subTitle" idx="1"/>
+            <p:ph sz="quarter" idx="13"/>
           </p:nvPr>
-        </p:nvSpPr>
-        <p:spPr/>
-        <p:txBody>
-          <a:bodyPr/>
-          <a:lstStyle/>
-          <a:p>
-            <a:r>
-              <a:rPr lang="en-US" dirty="0"/>
-              <a:t>   The End</a:t>
-            </a:r>
-          </a:p>
-        </p:txBody>
-      </p:sp>
-      <p:sp>
-        <p:nvSpPr>
-          <p:cNvPr id="6" name="Subtitle 2">
-            <a:extLst>
-              <a:ext uri="{FF2B5EF4-FFF2-40B4-BE49-F238E27FC236}">
-                <a16:creationId xmlns:a16="http://schemas.microsoft.com/office/drawing/2014/main" id="{ACE8A11C-EC14-4316-AAE5-34C99A757C43}"/>
-              </a:ext>
-            </a:extLst>
-          </p:cNvPr>
-          <p:cNvSpPr txBox="1">
-            <a:spLocks/>
-          </p:cNvSpPr>
-          <p:nvPr/>
         </p:nvSpPr>
         <p:spPr>
           <a:xfrm>
-            <a:off x="176980" y="2927555"/>
-            <a:ext cx="11769213" cy="641555"/>
+            <a:off x="427702" y="2352366"/>
+            <a:ext cx="11636479" cy="2352368"/>
           </a:xfrm>
-          <a:prstGeom prst="rect">
-            <a:avLst/>
-          </a:prstGeom>
         </p:spPr>
         <p:txBody>
-          <a:bodyPr/>
-          <a:lstStyle>
-            <a:lvl1pPr marL="342900" indent="-342900" algn="l" defTabSz="914400" rtl="0" eaLnBrk="1" latinLnBrk="0" hangingPunct="1">
-              <a:lnSpc>
-                <a:spcPct val="100000"/>
-              </a:lnSpc>
-              <a:spcBef>
-                <a:spcPct val="20000"/>
-              </a:spcBef>
-              <a:spcAft>
-                <a:spcPts val="600"/>
-              </a:spcAft>
-              <a:buClr>
-                <a:schemeClr val="tx1"/>
-              </a:buClr>
-              <a:buFont typeface="Arial" pitchFamily="34" charset="0"/>
-              <a:buChar char="•"/>
-              <a:defRPr sz="2000" kern="1200" spc="30" baseline="0">
-                <a:solidFill>
-                  <a:schemeClr val="tx2">
-                    <a:lumMod val="50000"/>
-                  </a:schemeClr>
-                </a:solidFill>
-                <a:latin typeface="+mn-lt"/>
-                <a:ea typeface="+mn-ea"/>
-                <a:cs typeface="+mn-cs"/>
-              </a:defRPr>
-            </a:lvl1pPr>
-            <a:lvl2pPr marL="742950" indent="-285750" algn="l" defTabSz="914400" rtl="0" eaLnBrk="1" latinLnBrk="0" hangingPunct="1">
-              <a:lnSpc>
-                <a:spcPct val="100000"/>
-              </a:lnSpc>
-              <a:spcBef>
-                <a:spcPct val="20000"/>
-              </a:spcBef>
-              <a:spcAft>
-                <a:spcPts val="600"/>
-              </a:spcAft>
-              <a:buClr>
-                <a:schemeClr val="tx1"/>
-              </a:buClr>
-              <a:buFont typeface="Arial" pitchFamily="34" charset="0"/>
-              <a:buChar char="•"/>
-              <a:defRPr sz="2000" kern="1200" spc="30" baseline="0">
-                <a:solidFill>
-                  <a:schemeClr val="tx2">
-                    <a:lumMod val="50000"/>
-                  </a:schemeClr>
-                </a:solidFill>
-                <a:latin typeface="+mn-lt"/>
-                <a:ea typeface="+mn-ea"/>
-                <a:cs typeface="+mn-cs"/>
-              </a:defRPr>
-            </a:lvl2pPr>
-            <a:lvl3pPr marL="1143000" indent="-228600" algn="l" defTabSz="914400" rtl="0" eaLnBrk="1" latinLnBrk="0" hangingPunct="1">
-              <a:lnSpc>
-                <a:spcPct val="100000"/>
-              </a:lnSpc>
-              <a:spcBef>
-                <a:spcPct val="20000"/>
-              </a:spcBef>
-              <a:spcAft>
-                <a:spcPts val="600"/>
-              </a:spcAft>
-              <a:buClr>
-                <a:schemeClr val="tx2">
-                  <a:lumMod val="50000"/>
-                </a:schemeClr>
-              </a:buClr>
-              <a:buFont typeface="Arial" pitchFamily="34" charset="0"/>
-              <a:buChar char="•"/>
-              <a:defRPr sz="2000" kern="1200" spc="30" baseline="0">
-                <a:solidFill>
-                  <a:schemeClr val="tx2">
-                    <a:lumMod val="50000"/>
-                  </a:schemeClr>
-                </a:solidFill>
-                <a:latin typeface="+mn-lt"/>
-                <a:ea typeface="+mn-ea"/>
-                <a:cs typeface="+mn-cs"/>
-              </a:defRPr>
-            </a:lvl3pPr>
-            <a:lvl4pPr marL="1600200" indent="-228600" algn="l" defTabSz="914400" rtl="0" eaLnBrk="1" latinLnBrk="0" hangingPunct="1">
-              <a:lnSpc>
-                <a:spcPct val="100000"/>
-              </a:lnSpc>
-              <a:spcBef>
-                <a:spcPct val="20000"/>
-              </a:spcBef>
-              <a:spcAft>
-                <a:spcPts val="600"/>
-              </a:spcAft>
-              <a:buClr>
-                <a:schemeClr val="tx1"/>
-              </a:buClr>
-              <a:buFont typeface="Arial" pitchFamily="34" charset="0"/>
-              <a:buChar char="•"/>
-              <a:defRPr sz="2000" kern="1200" spc="30" baseline="0">
-                <a:solidFill>
-                  <a:schemeClr val="tx2">
-                    <a:lumMod val="50000"/>
-                  </a:schemeClr>
-                </a:solidFill>
-                <a:latin typeface="+mn-lt"/>
-                <a:ea typeface="+mn-ea"/>
-                <a:cs typeface="+mn-cs"/>
-              </a:defRPr>
-            </a:lvl4pPr>
-            <a:lvl5pPr marL="2057400" indent="-228600" algn="l" defTabSz="914400" rtl="0" eaLnBrk="1" latinLnBrk="0" hangingPunct="1">
-              <a:lnSpc>
-                <a:spcPct val="100000"/>
-              </a:lnSpc>
-              <a:spcBef>
-                <a:spcPct val="20000"/>
-              </a:spcBef>
-              <a:spcAft>
-                <a:spcPts val="600"/>
-              </a:spcAft>
-              <a:buClr>
-                <a:schemeClr val="tx1"/>
-              </a:buClr>
-              <a:buFont typeface="Arial" pitchFamily="34" charset="0"/>
-              <a:buChar char="•"/>
-              <a:defRPr sz="2000" kern="1200" spc="30" baseline="0">
-                <a:solidFill>
-                  <a:schemeClr val="tx2">
-                    <a:lumMod val="50000"/>
-                  </a:schemeClr>
-                </a:solidFill>
-                <a:latin typeface="+mn-lt"/>
-                <a:ea typeface="+mn-ea"/>
-                <a:cs typeface="+mn-cs"/>
-              </a:defRPr>
-            </a:lvl5pPr>
-            <a:lvl6pPr marL="2514600" indent="-228600" algn="l" defTabSz="914400" rtl="0" eaLnBrk="1" latinLnBrk="0" hangingPunct="1">
-              <a:lnSpc>
-                <a:spcPct val="100000"/>
-              </a:lnSpc>
-              <a:spcBef>
-                <a:spcPct val="20000"/>
-              </a:spcBef>
-              <a:spcAft>
-                <a:spcPts val="600"/>
-              </a:spcAft>
-              <a:buClr>
-                <a:schemeClr val="tx2">
-                  <a:lumMod val="50000"/>
-                </a:schemeClr>
-              </a:buClr>
-              <a:buFont typeface="Arial" pitchFamily="34" charset="0"/>
-              <a:buChar char="•"/>
-              <a:defRPr sz="1700" kern="1200">
-                <a:solidFill>
-                  <a:schemeClr val="tx2">
-                    <a:lumMod val="50000"/>
-                  </a:schemeClr>
-                </a:solidFill>
-                <a:latin typeface="+mn-lt"/>
-                <a:ea typeface="+mn-ea"/>
-                <a:cs typeface="+mn-cs"/>
-              </a:defRPr>
-            </a:lvl6pPr>
-            <a:lvl7pPr marL="2971800" indent="-228600" algn="l" defTabSz="914400" rtl="0" eaLnBrk="1" latinLnBrk="0" hangingPunct="1">
-              <a:lnSpc>
-                <a:spcPct val="100000"/>
-              </a:lnSpc>
-              <a:spcBef>
-                <a:spcPct val="20000"/>
-              </a:spcBef>
-              <a:spcAft>
-                <a:spcPts val="600"/>
-              </a:spcAft>
-              <a:buClr>
-                <a:schemeClr val="tx2">
-                  <a:lumMod val="50000"/>
-                </a:schemeClr>
-              </a:buClr>
-              <a:buFont typeface="Arial" pitchFamily="34" charset="0"/>
-              <a:buChar char="•"/>
-              <a:defRPr sz="1700" kern="1200">
-                <a:solidFill>
-                  <a:schemeClr val="tx2">
-                    <a:lumMod val="50000"/>
-                  </a:schemeClr>
-                </a:solidFill>
-                <a:latin typeface="+mn-lt"/>
-                <a:ea typeface="+mn-ea"/>
-                <a:cs typeface="+mn-cs"/>
-              </a:defRPr>
-            </a:lvl7pPr>
-            <a:lvl8pPr marL="3429000" indent="-228600" algn="l" defTabSz="914400" rtl="0" eaLnBrk="1" latinLnBrk="0" hangingPunct="1">
-              <a:lnSpc>
-                <a:spcPct val="100000"/>
-              </a:lnSpc>
-              <a:spcBef>
-                <a:spcPct val="20000"/>
-              </a:spcBef>
-              <a:spcAft>
-                <a:spcPts val="600"/>
-              </a:spcAft>
-              <a:buClr>
-                <a:schemeClr val="tx2">
-                  <a:lumMod val="50000"/>
-                </a:schemeClr>
-              </a:buClr>
-              <a:buFont typeface="Arial" pitchFamily="34" charset="0"/>
-              <a:buChar char="•"/>
-              <a:defRPr sz="1700" kern="1200">
-                <a:solidFill>
-                  <a:schemeClr val="tx2">
-                    <a:lumMod val="50000"/>
-                  </a:schemeClr>
-                </a:solidFill>
-                <a:latin typeface="+mn-lt"/>
-                <a:ea typeface="+mn-ea"/>
-                <a:cs typeface="+mn-cs"/>
-              </a:defRPr>
-            </a:lvl8pPr>
-            <a:lvl9pPr marL="3886200" indent="-228600" algn="l" defTabSz="914400" rtl="0" eaLnBrk="1" latinLnBrk="0" hangingPunct="1">
-              <a:lnSpc>
-                <a:spcPct val="100000"/>
-              </a:lnSpc>
-              <a:spcBef>
-                <a:spcPct val="20000"/>
-              </a:spcBef>
-              <a:spcAft>
-                <a:spcPts val="600"/>
-              </a:spcAft>
-              <a:buClr>
-                <a:schemeClr val="tx2">
-                  <a:lumMod val="50000"/>
-                </a:schemeClr>
-              </a:buClr>
-              <a:buFont typeface="Arial" pitchFamily="34" charset="0"/>
-              <a:buChar char="•"/>
-              <a:defRPr sz="1700" kern="1200">
-                <a:solidFill>
-                  <a:schemeClr val="tx2">
-                    <a:lumMod val="50000"/>
-                  </a:schemeClr>
-                </a:solidFill>
-                <a:latin typeface="+mn-lt"/>
-                <a:ea typeface="+mn-ea"/>
-                <a:cs typeface="+mn-cs"/>
-              </a:defRPr>
-            </a:lvl9pPr>
-          </a:lstStyle>
-          <a:p>
-            <a:pPr marL="0" indent="0">
+          <a:bodyPr>
+            <a:normAutofit/>
+          </a:bodyPr>
+          <a:lstStyle/>
+          <a:p>
+            <a:pPr lvl="0"/>
+            <a:r>
+              <a:rPr lang="en-US" sz="2400" dirty="0"/>
+              <a:t>So instead of you having to copy anything down or me having to type much,  I've already put the entire presentation in a batch file which you can get from here:</a:t>
+            </a:r>
+          </a:p>
+          <a:p>
+            <a:pPr lvl="0"/>
+            <a:endParaRPr lang="en-US" sz="2400" dirty="0"/>
+          </a:p>
+          <a:p>
+            <a:pPr marL="0" lvl="0" indent="0">
               <a:buNone/>
             </a:pPr>
-            <a:endParaRPr lang="en-US" sz="2400" dirty="0"/>
+            <a:r>
+              <a:rPr lang="en-US" sz="2400" dirty="0"/>
+              <a:t>https://github.com/jonathan-r-jones/Composable-Batch-Files/blob/master/jaws.bat</a:t>
+            </a:r>
           </a:p>
         </p:txBody>
       </p:sp>
     </p:spTree>
     <p:extLst>
       <p:ext uri="{BB962C8B-B14F-4D97-AF65-F5344CB8AC3E}">
-        <p14:creationId xmlns:p14="http://schemas.microsoft.com/office/powerpoint/2010/main" val="4279752589"/>
+        <p14:creationId xmlns:p14="http://schemas.microsoft.com/office/powerpoint/2010/main" val="632758202"/>
       </p:ext>
     </p:extLst>
   </p:cSld>

--- a/jaws.pptx
+++ b/jaws.pptx
@@ -10697,6 +10697,333 @@
           </a:p>
         </p:txBody>
       </p:sp>
+      <p:sp>
+        <p:nvSpPr>
+          <p:cNvPr id="3" name="Content Placeholder 2">
+            <a:extLst>
+              <a:ext uri="{FF2B5EF4-FFF2-40B4-BE49-F238E27FC236}">
+                <a16:creationId xmlns:a16="http://schemas.microsoft.com/office/drawing/2014/main" id="{F10C851C-F17E-4808-B6C8-77C2269856B3}"/>
+              </a:ext>
+            </a:extLst>
+          </p:cNvPr>
+          <p:cNvSpPr>
+            <a:spLocks noGrp="1"/>
+          </p:cNvSpPr>
+          <p:nvPr>
+            <p:ph sz="quarter" idx="13"/>
+          </p:nvPr>
+        </p:nvSpPr>
+        <p:spPr>
+          <a:xfrm>
+            <a:off x="812800" y="3554360"/>
+            <a:ext cx="10566400" cy="2160639"/>
+          </a:xfrm>
+        </p:spPr>
+        <p:txBody>
+          <a:bodyPr>
+            <a:normAutofit/>
+          </a:bodyPr>
+          <a:lstStyle/>
+          <a:p>
+            <a:r>
+              <a:rPr lang="en-US" sz="4000" dirty="0"/>
+              <a:t>If you get stuck using the command line, you can use the console for hints.</a:t>
+            </a:r>
+          </a:p>
+        </p:txBody>
+      </p:sp>
+      <p:sp>
+        <p:nvSpPr>
+          <p:cNvPr id="4" name="Content Placeholder 2">
+            <a:extLst>
+              <a:ext uri="{FF2B5EF4-FFF2-40B4-BE49-F238E27FC236}">
+                <a16:creationId xmlns:a16="http://schemas.microsoft.com/office/drawing/2014/main" id="{A3594D5A-EF03-47AC-BFB7-9C7ECD053C4A}"/>
+              </a:ext>
+            </a:extLst>
+          </p:cNvPr>
+          <p:cNvSpPr txBox="1">
+            <a:spLocks/>
+          </p:cNvSpPr>
+          <p:nvPr/>
+        </p:nvSpPr>
+        <p:spPr>
+          <a:xfrm>
+            <a:off x="965200" y="2351704"/>
+            <a:ext cx="10566400" cy="938980"/>
+          </a:xfrm>
+          <a:prstGeom prst="rect">
+            <a:avLst/>
+          </a:prstGeom>
+        </p:spPr>
+        <p:txBody>
+          <a:bodyPr vert="horz" lIns="91440" tIns="45720" rIns="91440" bIns="45720" rtlCol="0">
+            <a:normAutofit/>
+          </a:bodyPr>
+          <a:lstStyle>
+            <a:lvl1pPr marL="342900" indent="-342900" algn="l" defTabSz="914400" rtl="0" eaLnBrk="1" latinLnBrk="0" hangingPunct="1">
+              <a:lnSpc>
+                <a:spcPct val="100000"/>
+              </a:lnSpc>
+              <a:spcBef>
+                <a:spcPct val="20000"/>
+              </a:spcBef>
+              <a:spcAft>
+                <a:spcPts val="600"/>
+              </a:spcAft>
+              <a:buClr>
+                <a:schemeClr val="tx2">
+                  <a:lumMod val="50000"/>
+                </a:schemeClr>
+              </a:buClr>
+              <a:buFont typeface="Arial" pitchFamily="34" charset="0"/>
+              <a:buChar char="•"/>
+              <a:defRPr sz="2000" kern="1200" spc="30" baseline="0">
+                <a:solidFill>
+                  <a:schemeClr val="tx2">
+                    <a:lumMod val="50000"/>
+                  </a:schemeClr>
+                </a:solidFill>
+                <a:latin typeface="+mn-lt"/>
+                <a:ea typeface="+mn-ea"/>
+                <a:cs typeface="+mn-cs"/>
+              </a:defRPr>
+            </a:lvl1pPr>
+            <a:lvl2pPr marL="742950" indent="-285750" algn="l" defTabSz="914400" rtl="0" eaLnBrk="1" latinLnBrk="0" hangingPunct="1">
+              <a:lnSpc>
+                <a:spcPct val="100000"/>
+              </a:lnSpc>
+              <a:spcBef>
+                <a:spcPct val="20000"/>
+              </a:spcBef>
+              <a:spcAft>
+                <a:spcPts val="600"/>
+              </a:spcAft>
+              <a:buClr>
+                <a:schemeClr val="tx2">
+                  <a:lumMod val="50000"/>
+                </a:schemeClr>
+              </a:buClr>
+              <a:buFont typeface="Arial" pitchFamily="34" charset="0"/>
+              <a:buChar char="•"/>
+              <a:defRPr sz="2000" kern="1200" spc="30" baseline="0">
+                <a:solidFill>
+                  <a:schemeClr val="tx2">
+                    <a:lumMod val="50000"/>
+                  </a:schemeClr>
+                </a:solidFill>
+                <a:latin typeface="+mn-lt"/>
+                <a:ea typeface="+mn-ea"/>
+                <a:cs typeface="+mn-cs"/>
+              </a:defRPr>
+            </a:lvl2pPr>
+            <a:lvl3pPr marL="1143000" indent="-228600" algn="l" defTabSz="914400" rtl="0" eaLnBrk="1" latinLnBrk="0" hangingPunct="1">
+              <a:lnSpc>
+                <a:spcPct val="100000"/>
+              </a:lnSpc>
+              <a:spcBef>
+                <a:spcPct val="20000"/>
+              </a:spcBef>
+              <a:spcAft>
+                <a:spcPts val="600"/>
+              </a:spcAft>
+              <a:buClr>
+                <a:schemeClr val="tx2">
+                  <a:lumMod val="50000"/>
+                </a:schemeClr>
+              </a:buClr>
+              <a:buFont typeface="Arial" pitchFamily="34" charset="0"/>
+              <a:buChar char="•"/>
+              <a:defRPr sz="2000" kern="1200" spc="30" baseline="0">
+                <a:solidFill>
+                  <a:schemeClr val="tx2">
+                    <a:lumMod val="50000"/>
+                  </a:schemeClr>
+                </a:solidFill>
+                <a:latin typeface="+mn-lt"/>
+                <a:ea typeface="+mn-ea"/>
+                <a:cs typeface="+mn-cs"/>
+              </a:defRPr>
+            </a:lvl3pPr>
+            <a:lvl4pPr marL="1600200" indent="-228600" algn="l" defTabSz="914400" rtl="0" eaLnBrk="1" latinLnBrk="0" hangingPunct="1">
+              <a:lnSpc>
+                <a:spcPct val="100000"/>
+              </a:lnSpc>
+              <a:spcBef>
+                <a:spcPct val="20000"/>
+              </a:spcBef>
+              <a:spcAft>
+                <a:spcPts val="600"/>
+              </a:spcAft>
+              <a:buClr>
+                <a:schemeClr val="tx2">
+                  <a:lumMod val="50000"/>
+                </a:schemeClr>
+              </a:buClr>
+              <a:buFont typeface="Arial" pitchFamily="34" charset="0"/>
+              <a:buChar char="•"/>
+              <a:defRPr sz="2000" kern="1200" spc="30" baseline="0">
+                <a:solidFill>
+                  <a:schemeClr val="tx2">
+                    <a:lumMod val="50000"/>
+                  </a:schemeClr>
+                </a:solidFill>
+                <a:latin typeface="+mn-lt"/>
+                <a:ea typeface="+mn-ea"/>
+                <a:cs typeface="+mn-cs"/>
+              </a:defRPr>
+            </a:lvl4pPr>
+            <a:lvl5pPr marL="2057400" indent="-228600" algn="l" defTabSz="914400" rtl="0" eaLnBrk="1" latinLnBrk="0" hangingPunct="1">
+              <a:lnSpc>
+                <a:spcPct val="100000"/>
+              </a:lnSpc>
+              <a:spcBef>
+                <a:spcPct val="20000"/>
+              </a:spcBef>
+              <a:spcAft>
+                <a:spcPts val="600"/>
+              </a:spcAft>
+              <a:buClr>
+                <a:schemeClr val="tx2">
+                  <a:lumMod val="50000"/>
+                </a:schemeClr>
+              </a:buClr>
+              <a:buFont typeface="Arial" pitchFamily="34" charset="0"/>
+              <a:buChar char="•"/>
+              <a:defRPr sz="2000" kern="1200" spc="30" baseline="0">
+                <a:solidFill>
+                  <a:schemeClr val="tx2">
+                    <a:lumMod val="50000"/>
+                  </a:schemeClr>
+                </a:solidFill>
+                <a:latin typeface="+mn-lt"/>
+                <a:ea typeface="+mn-ea"/>
+                <a:cs typeface="+mn-cs"/>
+              </a:defRPr>
+            </a:lvl5pPr>
+            <a:lvl6pPr marL="2514600" indent="-228600" algn="l" defTabSz="914400" rtl="0" eaLnBrk="1" latinLnBrk="0" hangingPunct="1">
+              <a:lnSpc>
+                <a:spcPct val="100000"/>
+              </a:lnSpc>
+              <a:spcBef>
+                <a:spcPct val="20000"/>
+              </a:spcBef>
+              <a:spcAft>
+                <a:spcPts val="600"/>
+              </a:spcAft>
+              <a:buClr>
+                <a:schemeClr val="tx2">
+                  <a:lumMod val="50000"/>
+                </a:schemeClr>
+              </a:buClr>
+              <a:buFont typeface="Arial" pitchFamily="34" charset="0"/>
+              <a:buChar char="•"/>
+              <a:defRPr sz="1700" kern="1200">
+                <a:solidFill>
+                  <a:schemeClr val="tx2">
+                    <a:lumMod val="50000"/>
+                  </a:schemeClr>
+                </a:solidFill>
+                <a:latin typeface="+mn-lt"/>
+                <a:ea typeface="+mn-ea"/>
+                <a:cs typeface="+mn-cs"/>
+              </a:defRPr>
+            </a:lvl6pPr>
+            <a:lvl7pPr marL="2971800" indent="-228600" algn="l" defTabSz="914400" rtl="0" eaLnBrk="1" latinLnBrk="0" hangingPunct="1">
+              <a:lnSpc>
+                <a:spcPct val="100000"/>
+              </a:lnSpc>
+              <a:spcBef>
+                <a:spcPct val="20000"/>
+              </a:spcBef>
+              <a:spcAft>
+                <a:spcPts val="600"/>
+              </a:spcAft>
+              <a:buClr>
+                <a:schemeClr val="tx2">
+                  <a:lumMod val="50000"/>
+                </a:schemeClr>
+              </a:buClr>
+              <a:buFont typeface="Arial" pitchFamily="34" charset="0"/>
+              <a:buChar char="•"/>
+              <a:defRPr sz="1700" kern="1200">
+                <a:solidFill>
+                  <a:schemeClr val="tx2">
+                    <a:lumMod val="50000"/>
+                  </a:schemeClr>
+                </a:solidFill>
+                <a:latin typeface="+mn-lt"/>
+                <a:ea typeface="+mn-ea"/>
+                <a:cs typeface="+mn-cs"/>
+              </a:defRPr>
+            </a:lvl7pPr>
+            <a:lvl8pPr marL="3429000" indent="-228600" algn="l" defTabSz="914400" rtl="0" eaLnBrk="1" latinLnBrk="0" hangingPunct="1">
+              <a:lnSpc>
+                <a:spcPct val="100000"/>
+              </a:lnSpc>
+              <a:spcBef>
+                <a:spcPct val="20000"/>
+              </a:spcBef>
+              <a:spcAft>
+                <a:spcPts val="600"/>
+              </a:spcAft>
+              <a:buClr>
+                <a:schemeClr val="tx2">
+                  <a:lumMod val="50000"/>
+                </a:schemeClr>
+              </a:buClr>
+              <a:buFont typeface="Arial" pitchFamily="34" charset="0"/>
+              <a:buChar char="•"/>
+              <a:defRPr sz="1700" kern="1200">
+                <a:solidFill>
+                  <a:schemeClr val="tx2">
+                    <a:lumMod val="50000"/>
+                  </a:schemeClr>
+                </a:solidFill>
+                <a:latin typeface="+mn-lt"/>
+                <a:ea typeface="+mn-ea"/>
+                <a:cs typeface="+mn-cs"/>
+              </a:defRPr>
+            </a:lvl8pPr>
+            <a:lvl9pPr marL="3886200" indent="-228600" algn="l" defTabSz="914400" rtl="0" eaLnBrk="1" latinLnBrk="0" hangingPunct="1">
+              <a:lnSpc>
+                <a:spcPct val="100000"/>
+              </a:lnSpc>
+              <a:spcBef>
+                <a:spcPct val="20000"/>
+              </a:spcBef>
+              <a:spcAft>
+                <a:spcPts val="600"/>
+              </a:spcAft>
+              <a:buClr>
+                <a:schemeClr val="tx2">
+                  <a:lumMod val="50000"/>
+                </a:schemeClr>
+              </a:buClr>
+              <a:buFont typeface="Arial" pitchFamily="34" charset="0"/>
+              <a:buChar char="•"/>
+              <a:defRPr sz="1700" kern="1200">
+                <a:solidFill>
+                  <a:schemeClr val="tx2">
+                    <a:lumMod val="50000"/>
+                  </a:schemeClr>
+                </a:solidFill>
+                <a:latin typeface="+mn-lt"/>
+                <a:ea typeface="+mn-ea"/>
+                <a:cs typeface="+mn-cs"/>
+              </a:defRPr>
+            </a:lvl9pPr>
+          </a:lstStyle>
+          <a:p>
+            <a:pPr marL="0" indent="0">
+              <a:buNone/>
+            </a:pPr>
+            <a:r>
+              <a:rPr lang="en-US" sz="4000" dirty="0"/>
+              <a:t>Helpful Tips</a:t>
+            </a:r>
+          </a:p>
+        </p:txBody>
+      </p:sp>
     </p:spTree>
     <p:extLst>
       <p:ext uri="{BB962C8B-B14F-4D97-AF65-F5344CB8AC3E}">
@@ -12361,15 +12688,6 @@
 </file>
 
 <file path=customXml/item1.xml><?xml version="1.0" encoding="utf-8"?>
-<?mso-contentType ?>
-<FormTemplates xmlns="http://schemas.microsoft.com/sharepoint/v3/contenttype/forms">
-  <Display>DocumentLibraryForm</Display>
-  <Edit>DocumentLibraryForm</Edit>
-  <New>DocumentLibraryForm</New>
-</FormTemplates>
-</file>
-
-<file path=customXml/item2.xml><?xml version="1.0" encoding="utf-8"?>
 <p:properties xmlns:p="http://schemas.microsoft.com/office/2006/metadata/properties" xmlns:xsi="http://www.w3.org/2001/XMLSchema-instance" xmlns:pc="http://schemas.microsoft.com/office/infopath/2007/PartnerControls">
   <documentManagement>
     <VSO_x0020_item_x0020_id xmlns="40262f94-9f35-4ac3-9a90-690165a166b7" xsi:nil="true"/>
@@ -12378,6 +12696,15 @@
     <Template_x0020_details xmlns="40262f94-9f35-4ac3-9a90-690165a166b7" xsi:nil="true"/>
   </documentManagement>
 </p:properties>
+</file>
+
+<file path=customXml/item2.xml><?xml version="1.0" encoding="utf-8"?>
+<?mso-contentType ?>
+<FormTemplates xmlns="http://schemas.microsoft.com/sharepoint/v3/contenttype/forms">
+  <Display>DocumentLibraryForm</Display>
+  <Edit>DocumentLibraryForm</Edit>
+  <New>DocumentLibraryForm</New>
+</FormTemplates>
 </file>
 
 <file path=customXml/item3.xml><?xml version="1.0" encoding="utf-8"?>
@@ -12562,14 +12889,6 @@
 </file>
 
 <file path=customXml/itemProps1.xml><?xml version="1.0" encoding="utf-8"?>
-<ds:datastoreItem xmlns:ds="http://schemas.openxmlformats.org/officeDocument/2006/customXml" ds:itemID="{BED6C63E-22D9-40FD-AF90-6F5632A4309F}">
-  <ds:schemaRefs>
-    <ds:schemaRef ds:uri="http://schemas.microsoft.com/sharepoint/v3/contenttype/forms"/>
-  </ds:schemaRefs>
-</ds:datastoreItem>
-</file>
-
-<file path=customXml/itemProps2.xml><?xml version="1.0" encoding="utf-8"?>
 <ds:datastoreItem xmlns:ds="http://schemas.openxmlformats.org/officeDocument/2006/customXml" ds:itemID="{28DC6412-8CE7-4C8A-96E9-2669F16D17E8}">
   <ds:schemaRefs>
     <ds:schemaRef ds:uri="http://schemas.microsoft.com/office/2006/metadata/properties"/>
@@ -12582,6 +12901,14 @@
     <ds:schemaRef ds:uri="a4f35948-e619-41b3-aa29-22878b09cfd2"/>
     <ds:schemaRef ds:uri="http://www.w3.org/XML/1998/namespace"/>
     <ds:schemaRef ds:uri="http://purl.org/dc/dcmitype/"/>
+  </ds:schemaRefs>
+</ds:datastoreItem>
+</file>
+
+<file path=customXml/itemProps2.xml><?xml version="1.0" encoding="utf-8"?>
+<ds:datastoreItem xmlns:ds="http://schemas.openxmlformats.org/officeDocument/2006/customXml" ds:itemID="{BED6C63E-22D9-40FD-AF90-6F5632A4309F}">
+  <ds:schemaRefs>
+    <ds:schemaRef ds:uri="http://schemas.microsoft.com/sharepoint/v3/contenttype/forms"/>
   </ds:schemaRefs>
 </ds:datastoreItem>
 </file>

--- a/jaws.pptx
+++ b/jaws.pptx
@@ -4375,7 +4375,7 @@
           <a:p>
             <a:fld id="{50FABAFA-9D90-4B6C-95A1-503043E46FAB}" type="datetimeFigureOut">
               <a:rPr lang="en-US" smtClean="0"/>
-              <a:t>12/20/2018</a:t>
+              <a:t>12/27/2018</a:t>
             </a:fld>
             <a:endParaRPr lang="en-US"/>
           </a:p>
@@ -4540,7 +4540,7 @@
           <a:p>
             <a:fld id="{AC15EB1F-8DE4-48C3-A804-A05846A4049F}" type="datetimeFigureOut">
               <a:rPr lang="en-US" smtClean="0"/>
-              <a:t>12/20/2018</a:t>
+              <a:t>12/27/2018</a:t>
             </a:fld>
             <a:endParaRPr lang="en-US"/>
           </a:p>
@@ -5216,7 +5216,7 @@
           <a:p>
             <a:fld id="{CE5E0A0C-FFF2-4105-9F07-796FCC3D8DE3}" type="datetime1">
               <a:rPr lang="en-US" smtClean="0"/>
-              <a:t>12/20/2018</a:t>
+              <a:t>12/27/2018</a:t>
             </a:fld>
             <a:endParaRPr lang="en-US"/>
           </a:p>
@@ -5442,7 +5442,7 @@
           <a:p>
             <a:fld id="{4A5D68D4-D432-4190-8060-492B59F98A87}" type="datetime1">
               <a:rPr lang="en-US" smtClean="0"/>
-              <a:t>12/20/2018</a:t>
+              <a:t>12/27/2018</a:t>
             </a:fld>
             <a:endParaRPr lang="en-US"/>
           </a:p>
@@ -5678,7 +5678,7 @@
           <a:p>
             <a:fld id="{5AF4EF83-7D73-495D-9915-41737B990DFC}" type="datetime1">
               <a:rPr lang="en-US" smtClean="0"/>
-              <a:t>12/20/2018</a:t>
+              <a:t>12/27/2018</a:t>
             </a:fld>
             <a:endParaRPr lang="en-US"/>
           </a:p>
@@ -6015,7 +6015,7 @@
           <a:p>
             <a:fld id="{73DF2905-D7E2-4171-961B-8EB802C66F9A}" type="datetime1">
               <a:rPr lang="en-US" smtClean="0"/>
-              <a:t>12/20/2018</a:t>
+              <a:t>12/27/2018</a:t>
             </a:fld>
             <a:endParaRPr lang="en-US"/>
           </a:p>
@@ -6278,7 +6278,7 @@
           <a:p>
             <a:fld id="{82C1B47C-16BC-4A9F-9E6E-9D1F33DC8ABD}" type="datetime1">
               <a:rPr lang="en-US" smtClean="0"/>
-              <a:t>12/20/2018</a:t>
+              <a:t>12/27/2018</a:t>
             </a:fld>
             <a:endParaRPr lang="en-US"/>
           </a:p>
@@ -6694,7 +6694,7 @@
           <a:p>
             <a:fld id="{0C073DF2-DD31-447B-89F4-CEF82A94D7A7}" type="datetime1">
               <a:rPr lang="en-US" smtClean="0"/>
-              <a:t>12/20/2018</a:t>
+              <a:t>12/27/2018</a:t>
             </a:fld>
             <a:endParaRPr lang="en-US"/>
           </a:p>
@@ -7226,7 +7226,7 @@
           <a:p>
             <a:fld id="{1551BB0C-CFA8-4A1F-9AAE-D6B32E8256E7}" type="datetime1">
               <a:rPr lang="en-US" smtClean="0"/>
-              <a:t>12/20/2018</a:t>
+              <a:t>12/27/2018</a:t>
             </a:fld>
             <a:endParaRPr lang="en-US"/>
           </a:p>
@@ -7364,7 +7364,7 @@
           <a:p>
             <a:fld id="{2752348D-B72F-4FC3-A127-851C5E7B3A9E}" type="datetime1">
               <a:rPr lang="en-US" smtClean="0"/>
-              <a:t>12/20/2018</a:t>
+              <a:t>12/27/2018</a:t>
             </a:fld>
             <a:endParaRPr lang="en-US"/>
           </a:p>
@@ -7474,7 +7474,7 @@
           <a:p>
             <a:fld id="{D666EB1B-704A-4D5E-8D5F-456104532486}" type="datetime1">
               <a:rPr lang="en-US" smtClean="0"/>
-              <a:t>12/20/2018</a:t>
+              <a:t>12/27/2018</a:t>
             </a:fld>
             <a:endParaRPr lang="en-US"/>
           </a:p>
@@ -7787,7 +7787,7 @@
           <a:p>
             <a:fld id="{D96AFBEB-CD4D-45C5-9851-D1FF1EB5AB85}" type="datetime1">
               <a:rPr lang="en-US" smtClean="0"/>
-              <a:t>12/20/2018</a:t>
+              <a:t>12/27/2018</a:t>
             </a:fld>
             <a:endParaRPr lang="en-US"/>
           </a:p>
@@ -8035,7 +8035,7 @@
           <a:p>
             <a:fld id="{B285B7EB-0ACD-4247-AA3F-1B0B49109B84}" type="datetime1">
               <a:rPr lang="en-US" smtClean="0"/>
-              <a:t>12/20/2018</a:t>
+              <a:t>12/27/2018</a:t>
             </a:fld>
             <a:endParaRPr lang="en-US"/>
           </a:p>
@@ -8335,7 +8335,7 @@
             <a:fld id="{8254F2F0-E062-4E41-9176-AEE9734E64AC}" type="datetime1">
               <a:rPr lang="en-US" smtClean="0"/>
               <a:pPr/>
-              <a:t>12/20/2018</a:t>
+              <a:t>12/27/2018</a:t>
             </a:fld>
             <a:endParaRPr lang="en-US" dirty="0"/>
           </a:p>
@@ -8979,7 +8979,7 @@
         </p:nvSpPr>
         <p:spPr>
           <a:xfrm>
-            <a:off x="176980" y="2927555"/>
+            <a:off x="176980" y="1364222"/>
             <a:ext cx="11769213" cy="641555"/>
           </a:xfrm>
           <a:prstGeom prst="rect">
@@ -9235,10 +9235,13 @@
             </a:lvl9pPr>
           </a:lstStyle>
           <a:p>
-            <a:pPr marL="0" indent="0">
+            <a:pPr marL="0" indent="0" algn="ctr">
               <a:buNone/>
             </a:pPr>
-            <a:endParaRPr lang="en-US" sz="2400" dirty="0"/>
+            <a:r>
+              <a:rPr lang="en-US" sz="3600" dirty="0"/>
+              <a:t>Questions?</a:t>
+            </a:r>
           </a:p>
         </p:txBody>
       </p:sp>
@@ -12688,6 +12691,15 @@
 </file>
 
 <file path=customXml/item1.xml><?xml version="1.0" encoding="utf-8"?>
+<?mso-contentType ?>
+<FormTemplates xmlns="http://schemas.microsoft.com/sharepoint/v3/contenttype/forms">
+  <Display>DocumentLibraryForm</Display>
+  <Edit>DocumentLibraryForm</Edit>
+  <New>DocumentLibraryForm</New>
+</FormTemplates>
+</file>
+
+<file path=customXml/item2.xml><?xml version="1.0" encoding="utf-8"?>
 <p:properties xmlns:p="http://schemas.microsoft.com/office/2006/metadata/properties" xmlns:xsi="http://www.w3.org/2001/XMLSchema-instance" xmlns:pc="http://schemas.microsoft.com/office/infopath/2007/PartnerControls">
   <documentManagement>
     <VSO_x0020_item_x0020_id xmlns="40262f94-9f35-4ac3-9a90-690165a166b7" xsi:nil="true"/>
@@ -12696,15 +12708,6 @@
     <Template_x0020_details xmlns="40262f94-9f35-4ac3-9a90-690165a166b7" xsi:nil="true"/>
   </documentManagement>
 </p:properties>
-</file>
-
-<file path=customXml/item2.xml><?xml version="1.0" encoding="utf-8"?>
-<?mso-contentType ?>
-<FormTemplates xmlns="http://schemas.microsoft.com/sharepoint/v3/contenttype/forms">
-  <Display>DocumentLibraryForm</Display>
-  <Edit>DocumentLibraryForm</Edit>
-  <New>DocumentLibraryForm</New>
-</FormTemplates>
 </file>
 
 <file path=customXml/item3.xml><?xml version="1.0" encoding="utf-8"?>
@@ -12889,6 +12892,14 @@
 </file>
 
 <file path=customXml/itemProps1.xml><?xml version="1.0" encoding="utf-8"?>
+<ds:datastoreItem xmlns:ds="http://schemas.openxmlformats.org/officeDocument/2006/customXml" ds:itemID="{BED6C63E-22D9-40FD-AF90-6F5632A4309F}">
+  <ds:schemaRefs>
+    <ds:schemaRef ds:uri="http://schemas.microsoft.com/sharepoint/v3/contenttype/forms"/>
+  </ds:schemaRefs>
+</ds:datastoreItem>
+</file>
+
+<file path=customXml/itemProps2.xml><?xml version="1.0" encoding="utf-8"?>
 <ds:datastoreItem xmlns:ds="http://schemas.openxmlformats.org/officeDocument/2006/customXml" ds:itemID="{28DC6412-8CE7-4C8A-96E9-2669F16D17E8}">
   <ds:schemaRefs>
     <ds:schemaRef ds:uri="http://schemas.microsoft.com/office/2006/metadata/properties"/>
@@ -12901,14 +12912,6 @@
     <ds:schemaRef ds:uri="a4f35948-e619-41b3-aa29-22878b09cfd2"/>
     <ds:schemaRef ds:uri="http://www.w3.org/XML/1998/namespace"/>
     <ds:schemaRef ds:uri="http://purl.org/dc/dcmitype/"/>
-  </ds:schemaRefs>
-</ds:datastoreItem>
-</file>
-
-<file path=customXml/itemProps2.xml><?xml version="1.0" encoding="utf-8"?>
-<ds:datastoreItem xmlns:ds="http://schemas.openxmlformats.org/officeDocument/2006/customXml" ds:itemID="{BED6C63E-22D9-40FD-AF90-6F5632A4309F}">
-  <ds:schemaRefs>
-    <ds:schemaRef ds:uri="http://schemas.microsoft.com/sharepoint/v3/contenttype/forms"/>
   </ds:schemaRefs>
 </ds:datastoreItem>
 </file>

--- a/jaws.pptx
+++ b/jaws.pptx
@@ -5,28 +5,31 @@
     <p:sldMasterId id="2147483756" r:id="rId4"/>
   </p:sldMasterIdLst>
   <p:notesMasterIdLst>
-    <p:notesMasterId r:id="rId21"/>
+    <p:notesMasterId r:id="rId24"/>
   </p:notesMasterIdLst>
   <p:handoutMasterIdLst>
-    <p:handoutMasterId r:id="rId22"/>
+    <p:handoutMasterId r:id="rId25"/>
   </p:handoutMasterIdLst>
   <p:sldIdLst>
     <p:sldId id="259" r:id="rId5"/>
     <p:sldId id="271" r:id="rId6"/>
     <p:sldId id="260" r:id="rId7"/>
-    <p:sldId id="264" r:id="rId8"/>
-    <p:sldId id="273" r:id="rId9"/>
-    <p:sldId id="266" r:id="rId10"/>
-    <p:sldId id="267" r:id="rId11"/>
-    <p:sldId id="272" r:id="rId12"/>
-    <p:sldId id="274" r:id="rId13"/>
-    <p:sldId id="270" r:id="rId14"/>
-    <p:sldId id="268" r:id="rId15"/>
+    <p:sldId id="275" r:id="rId8"/>
+    <p:sldId id="277" r:id="rId9"/>
+    <p:sldId id="268" r:id="rId10"/>
+    <p:sldId id="273" r:id="rId11"/>
+    <p:sldId id="266" r:id="rId12"/>
+    <p:sldId id="267" r:id="rId13"/>
+    <p:sldId id="276" r:id="rId14"/>
+    <p:sldId id="270" r:id="rId15"/>
     <p:sldId id="265" r:id="rId16"/>
-    <p:sldId id="269" r:id="rId17"/>
-    <p:sldId id="261" r:id="rId18"/>
-    <p:sldId id="262" r:id="rId19"/>
-    <p:sldId id="263" r:id="rId20"/>
+    <p:sldId id="278" r:id="rId17"/>
+    <p:sldId id="279" r:id="rId18"/>
+    <p:sldId id="272" r:id="rId19"/>
+    <p:sldId id="269" r:id="rId20"/>
+    <p:sldId id="261" r:id="rId21"/>
+    <p:sldId id="262" r:id="rId22"/>
+    <p:sldId id="263" r:id="rId23"/>
   </p:sldIdLst>
   <p:sldSz cx="12192000" cy="6858000"/>
   <p:notesSz cx="6858000" cy="9144000"/>
@@ -4375,7 +4378,7 @@
           <a:p>
             <a:fld id="{50FABAFA-9D90-4B6C-95A1-503043E46FAB}" type="datetimeFigureOut">
               <a:rPr lang="en-US" smtClean="0"/>
-              <a:t>12/27/2018</a:t>
+              <a:t>12/28/2018</a:t>
             </a:fld>
             <a:endParaRPr lang="en-US"/>
           </a:p>
@@ -4540,7 +4543,7 @@
           <a:p>
             <a:fld id="{AC15EB1F-8DE4-48C3-A804-A05846A4049F}" type="datetimeFigureOut">
               <a:rPr lang="en-US" smtClean="0"/>
-              <a:t>12/27/2018</a:t>
+              <a:t>12/28/2018</a:t>
             </a:fld>
             <a:endParaRPr lang="en-US"/>
           </a:p>
@@ -4956,7 +4959,7 @@
           <a:p>
             <a:fld id="{8AD115C9-E24C-4512-AA8B-319BB49F77B5}" type="slidenum">
               <a:rPr lang="en-US" smtClean="0"/>
-              <a:t>10</a:t>
+              <a:t>11</a:t>
             </a:fld>
             <a:endParaRPr lang="en-US"/>
           </a:p>
@@ -5216,7 +5219,7 @@
           <a:p>
             <a:fld id="{CE5E0A0C-FFF2-4105-9F07-796FCC3D8DE3}" type="datetime1">
               <a:rPr lang="en-US" smtClean="0"/>
-              <a:t>12/27/2018</a:t>
+              <a:t>12/28/2018</a:t>
             </a:fld>
             <a:endParaRPr lang="en-US"/>
           </a:p>
@@ -5442,7 +5445,7 @@
           <a:p>
             <a:fld id="{4A5D68D4-D432-4190-8060-492B59F98A87}" type="datetime1">
               <a:rPr lang="en-US" smtClean="0"/>
-              <a:t>12/27/2018</a:t>
+              <a:t>12/28/2018</a:t>
             </a:fld>
             <a:endParaRPr lang="en-US"/>
           </a:p>
@@ -5678,7 +5681,7 @@
           <a:p>
             <a:fld id="{5AF4EF83-7D73-495D-9915-41737B990DFC}" type="datetime1">
               <a:rPr lang="en-US" smtClean="0"/>
-              <a:t>12/27/2018</a:t>
+              <a:t>12/28/2018</a:t>
             </a:fld>
             <a:endParaRPr lang="en-US"/>
           </a:p>
@@ -6015,7 +6018,7 @@
           <a:p>
             <a:fld id="{73DF2905-D7E2-4171-961B-8EB802C66F9A}" type="datetime1">
               <a:rPr lang="en-US" smtClean="0"/>
-              <a:t>12/27/2018</a:t>
+              <a:t>12/28/2018</a:t>
             </a:fld>
             <a:endParaRPr lang="en-US"/>
           </a:p>
@@ -6278,7 +6281,7 @@
           <a:p>
             <a:fld id="{82C1B47C-16BC-4A9F-9E6E-9D1F33DC8ABD}" type="datetime1">
               <a:rPr lang="en-US" smtClean="0"/>
-              <a:t>12/27/2018</a:t>
+              <a:t>12/28/2018</a:t>
             </a:fld>
             <a:endParaRPr lang="en-US"/>
           </a:p>
@@ -6694,7 +6697,7 @@
           <a:p>
             <a:fld id="{0C073DF2-DD31-447B-89F4-CEF82A94D7A7}" type="datetime1">
               <a:rPr lang="en-US" smtClean="0"/>
-              <a:t>12/27/2018</a:t>
+              <a:t>12/28/2018</a:t>
             </a:fld>
             <a:endParaRPr lang="en-US"/>
           </a:p>
@@ -7226,7 +7229,7 @@
           <a:p>
             <a:fld id="{1551BB0C-CFA8-4A1F-9AAE-D6B32E8256E7}" type="datetime1">
               <a:rPr lang="en-US" smtClean="0"/>
-              <a:t>12/27/2018</a:t>
+              <a:t>12/28/2018</a:t>
             </a:fld>
             <a:endParaRPr lang="en-US"/>
           </a:p>
@@ -7364,7 +7367,7 @@
           <a:p>
             <a:fld id="{2752348D-B72F-4FC3-A127-851C5E7B3A9E}" type="datetime1">
               <a:rPr lang="en-US" smtClean="0"/>
-              <a:t>12/27/2018</a:t>
+              <a:t>12/28/2018</a:t>
             </a:fld>
             <a:endParaRPr lang="en-US"/>
           </a:p>
@@ -7474,7 +7477,7 @@
           <a:p>
             <a:fld id="{D666EB1B-704A-4D5E-8D5F-456104532486}" type="datetime1">
               <a:rPr lang="en-US" smtClean="0"/>
-              <a:t>12/27/2018</a:t>
+              <a:t>12/28/2018</a:t>
             </a:fld>
             <a:endParaRPr lang="en-US"/>
           </a:p>
@@ -7787,7 +7790,7 @@
           <a:p>
             <a:fld id="{D96AFBEB-CD4D-45C5-9851-D1FF1EB5AB85}" type="datetime1">
               <a:rPr lang="en-US" smtClean="0"/>
-              <a:t>12/27/2018</a:t>
+              <a:t>12/28/2018</a:t>
             </a:fld>
             <a:endParaRPr lang="en-US"/>
           </a:p>
@@ -8035,7 +8038,7 @@
           <a:p>
             <a:fld id="{B285B7EB-0ACD-4247-AA3F-1B0B49109B84}" type="datetime1">
               <a:rPr lang="en-US" smtClean="0"/>
-              <a:t>12/27/2018</a:t>
+              <a:t>12/28/2018</a:t>
             </a:fld>
             <a:endParaRPr lang="en-US"/>
           </a:p>
@@ -8335,7 +8338,7 @@
             <a:fld id="{8254F2F0-E062-4E41-9176-AEE9734E64AC}" type="datetime1">
               <a:rPr lang="en-US" smtClean="0"/>
               <a:pPr/>
-              <a:t>12/27/2018</a:t>
+              <a:t>12/28/2018</a:t>
             </a:fld>
             <a:endParaRPr lang="en-US" dirty="0"/>
           </a:p>
@@ -8872,7 +8875,7 @@
           <a:p>
             <a:r>
               <a:rPr lang="en-US" dirty="0"/>
-              <a:t>AWS CLI</a:t>
+              <a:t>AWS CLI Jump-start</a:t>
             </a:r>
           </a:p>
         </p:txBody>
@@ -8889,11 +8892,13 @@
         </p:nvSpPr>
         <p:spPr/>
         <p:txBody>
-          <a:bodyPr/>
+          <a:bodyPr>
+            <a:normAutofit/>
+          </a:bodyPr>
           <a:lstStyle/>
           <a:p>
             <a:r>
-              <a:rPr lang="en-US" dirty="0"/>
+              <a:rPr lang="en-US" sz="3600" dirty="0"/>
               <a:t>    Automate or Die</a:t>
             </a:r>
           </a:p>
@@ -8925,6 +8930,168 @@
 </file>
 
 <file path=ppt/slides/slide10.xml><?xml version="1.0" encoding="utf-8"?>
+<p:sld xmlns:a="http://schemas.openxmlformats.org/drawingml/2006/main" xmlns:r="http://schemas.openxmlformats.org/officeDocument/2006/relationships" xmlns:p="http://schemas.openxmlformats.org/presentationml/2006/main">
+  <p:cSld>
+    <p:spTree>
+      <p:nvGrpSpPr>
+        <p:cNvPr id="1" name=""/>
+        <p:cNvGrpSpPr/>
+        <p:nvPr/>
+      </p:nvGrpSpPr>
+      <p:grpSpPr>
+        <a:xfrm>
+          <a:off x="0" y="0"/>
+          <a:ext cx="0" cy="0"/>
+          <a:chOff x="0" y="0"/>
+          <a:chExt cx="0" cy="0"/>
+        </a:xfrm>
+      </p:grpSpPr>
+      <p:sp>
+        <p:nvSpPr>
+          <p:cNvPr id="14" name="Content Placeholder 13"/>
+          <p:cNvSpPr>
+            <a:spLocks noGrp="1"/>
+          </p:cNvSpPr>
+          <p:nvPr>
+            <p:ph sz="quarter" idx="13"/>
+          </p:nvPr>
+        </p:nvSpPr>
+        <p:spPr>
+          <a:xfrm>
+            <a:off x="427702" y="901700"/>
+            <a:ext cx="11636479" cy="5003800"/>
+          </a:xfrm>
+        </p:spPr>
+        <p:txBody>
+          <a:bodyPr>
+            <a:normAutofit fontScale="92500" lnSpcReduction="20000"/>
+          </a:bodyPr>
+          <a:lstStyle/>
+          <a:p>
+            <a:pPr marL="0" lvl="0" indent="0">
+              <a:buNone/>
+            </a:pPr>
+            <a:r>
+              <a:rPr lang="en-US" sz="3200" dirty="0"/>
+              <a:t>AWS CLI Command Reference:</a:t>
+            </a:r>
+          </a:p>
+          <a:p>
+            <a:pPr marL="0" lvl="0" indent="0">
+              <a:buNone/>
+            </a:pPr>
+            <a:r>
+              <a:rPr lang="en-US" sz="3200" dirty="0">
+                <a:hlinkClick r:id="rId2"/>
+              </a:rPr>
+              <a:t>https://docs.aws.amazon.com/cli/latest/reference/index.html</a:t>
+            </a:r>
+            <a:endParaRPr lang="en-US" sz="3200" dirty="0"/>
+          </a:p>
+          <a:p>
+            <a:pPr marL="0" lvl="0" indent="0">
+              <a:buNone/>
+            </a:pPr>
+            <a:endParaRPr lang="en-US" sz="3200" dirty="0"/>
+          </a:p>
+          <a:p>
+            <a:pPr marL="0" lvl="0" indent="0">
+              <a:buNone/>
+            </a:pPr>
+            <a:r>
+              <a:rPr lang="en-US" sz="3200" dirty="0"/>
+              <a:t>This Slide Deck:</a:t>
+            </a:r>
+          </a:p>
+          <a:p>
+            <a:pPr marL="0" indent="0">
+              <a:buNone/>
+            </a:pPr>
+            <a:r>
+              <a:rPr lang="en-US" sz="3200" dirty="0">
+                <a:hlinkClick r:id="rId3"/>
+              </a:rPr>
+              <a:t>https://github.com/jonathan-r-jones/Composable-Batch-Files/raw/master/jaws.pptx</a:t>
+            </a:r>
+            <a:endParaRPr lang="en-US" sz="3200" dirty="0"/>
+          </a:p>
+          <a:p>
+            <a:pPr marL="0" indent="0">
+              <a:buNone/>
+            </a:pPr>
+            <a:endParaRPr lang="en-US" sz="3200" dirty="0"/>
+          </a:p>
+          <a:p>
+            <a:pPr marL="0" indent="0">
+              <a:buNone/>
+            </a:pPr>
+            <a:r>
+              <a:rPr lang="en-US" sz="3200" dirty="0"/>
+              <a:t>AWS CLI Demoed Code:</a:t>
+            </a:r>
+          </a:p>
+          <a:p>
+            <a:pPr marL="0" indent="0">
+              <a:buNone/>
+            </a:pPr>
+            <a:r>
+              <a:rPr lang="en-US" sz="3200" dirty="0">
+                <a:hlinkClick r:id="rId4"/>
+              </a:rPr>
+              <a:t>https://github.com/jonathan-r-jones/Composable-Batch-Files/blob/master/jaws.bat</a:t>
+            </a:r>
+            <a:endParaRPr lang="en-US" sz="3200" dirty="0"/>
+          </a:p>
+          <a:p>
+            <a:pPr marL="0" indent="0">
+              <a:buNone/>
+            </a:pPr>
+            <a:endParaRPr lang="en-US" sz="3200" dirty="0"/>
+          </a:p>
+          <a:p>
+            <a:pPr marL="0" indent="0">
+              <a:buNone/>
+            </a:pPr>
+            <a:endParaRPr lang="en-US" sz="3200" dirty="0"/>
+          </a:p>
+          <a:p>
+            <a:pPr marL="0" lvl="0" indent="0">
+              <a:buNone/>
+            </a:pPr>
+            <a:endParaRPr lang="en-US" sz="3200" dirty="0"/>
+          </a:p>
+          <a:p>
+            <a:pPr lvl="0"/>
+            <a:endParaRPr lang="en-US" sz="3200" dirty="0"/>
+          </a:p>
+        </p:txBody>
+      </p:sp>
+    </p:spTree>
+    <p:extLst>
+      <p:ext uri="{BB962C8B-B14F-4D97-AF65-F5344CB8AC3E}">
+        <p14:creationId xmlns:p14="http://schemas.microsoft.com/office/powerpoint/2010/main" val="3846270424"/>
+      </p:ext>
+    </p:extLst>
+  </p:cSld>
+  <p:clrMapOvr>
+    <a:masterClrMapping/>
+  </p:clrMapOvr>
+  <mc:AlternateContent xmlns:mc="http://schemas.openxmlformats.org/markup-compatibility/2006" xmlns:p14="http://schemas.microsoft.com/office/powerpoint/2010/main">
+    <mc:Choice Requires="p14">
+      <p:transition spd="med" p14:dur="700">
+        <p:fade/>
+      </p:transition>
+    </mc:Choice>
+    <mc:Fallback xmlns="">
+      <p:transition spd="med">
+        <p:fade/>
+      </p:transition>
+    </mc:Fallback>
+  </mc:AlternateContent>
+</p:sld>
+</file>
+
+<file path=ppt/slides/slide11.xml><?xml version="1.0" encoding="utf-8"?>
 <p:sld xmlns:a="http://schemas.openxmlformats.org/drawingml/2006/main" xmlns:r="http://schemas.openxmlformats.org/officeDocument/2006/relationships" xmlns:p="http://schemas.openxmlformats.org/presentationml/2006/main">
   <p:cSld>
     <p:spTree>
@@ -9270,48 +9437,6 @@
 </p:sld>
 </file>
 
-<file path=ppt/slides/slide11.xml><?xml version="1.0" encoding="utf-8"?>
-<p:sld xmlns:a="http://schemas.openxmlformats.org/drawingml/2006/main" xmlns:r="http://schemas.openxmlformats.org/officeDocument/2006/relationships" xmlns:p="http://schemas.openxmlformats.org/presentationml/2006/main">
-  <p:cSld>
-    <p:spTree>
-      <p:nvGrpSpPr>
-        <p:cNvPr id="1" name=""/>
-        <p:cNvGrpSpPr/>
-        <p:nvPr/>
-      </p:nvGrpSpPr>
-      <p:grpSpPr>
-        <a:xfrm>
-          <a:off x="0" y="0"/>
-          <a:ext cx="0" cy="0"/>
-          <a:chOff x="0" y="0"/>
-          <a:chExt cx="0" cy="0"/>
-        </a:xfrm>
-      </p:grpSpPr>
-    </p:spTree>
-    <p:extLst>
-      <p:ext uri="{BB962C8B-B14F-4D97-AF65-F5344CB8AC3E}">
-        <p14:creationId xmlns:p14="http://schemas.microsoft.com/office/powerpoint/2010/main" val="1220452376"/>
-      </p:ext>
-    </p:extLst>
-  </p:cSld>
-  <p:clrMapOvr>
-    <a:masterClrMapping/>
-  </p:clrMapOvr>
-  <mc:AlternateContent xmlns:mc="http://schemas.openxmlformats.org/markup-compatibility/2006" xmlns:p14="http://schemas.microsoft.com/office/powerpoint/2010/main">
-    <mc:Choice Requires="p14">
-      <p:transition spd="med" p14:dur="700">
-        <p:fade/>
-      </p:transition>
-    </mc:Choice>
-    <mc:Fallback xmlns="">
-      <p:transition spd="med">
-        <p:fade/>
-      </p:transition>
-    </mc:Fallback>
-  </mc:AlternateContent>
-</p:sld>
-</file>
-
 <file path=ppt/slides/slide12.xml><?xml version="1.0" encoding="utf-8"?>
 <p:sld xmlns:a="http://schemas.openxmlformats.org/drawingml/2006/main" xmlns:r="http://schemas.openxmlformats.org/officeDocument/2006/relationships" xmlns:p="http://schemas.openxmlformats.org/presentationml/2006/main">
   <p:cSld>
@@ -9371,6 +9496,175 @@
           <a:chExt cx="0" cy="0"/>
         </a:xfrm>
       </p:grpSpPr>
+    </p:spTree>
+    <p:extLst>
+      <p:ext uri="{BB962C8B-B14F-4D97-AF65-F5344CB8AC3E}">
+        <p14:creationId xmlns:p14="http://schemas.microsoft.com/office/powerpoint/2010/main" val="1237991964"/>
+      </p:ext>
+    </p:extLst>
+  </p:cSld>
+  <p:clrMapOvr>
+    <a:masterClrMapping/>
+  </p:clrMapOvr>
+  <mc:AlternateContent xmlns:mc="http://schemas.openxmlformats.org/markup-compatibility/2006" xmlns:p14="http://schemas.microsoft.com/office/powerpoint/2010/main">
+    <mc:Choice Requires="p14">
+      <p:transition spd="med" p14:dur="700">
+        <p:fade/>
+      </p:transition>
+    </mc:Choice>
+    <mc:Fallback xmlns="">
+      <p:transition spd="med">
+        <p:fade/>
+      </p:transition>
+    </mc:Fallback>
+  </mc:AlternateContent>
+</p:sld>
+</file>
+
+<file path=ppt/slides/slide14.xml><?xml version="1.0" encoding="utf-8"?>
+<p:sld xmlns:a="http://schemas.openxmlformats.org/drawingml/2006/main" xmlns:r="http://schemas.openxmlformats.org/officeDocument/2006/relationships" xmlns:p="http://schemas.openxmlformats.org/presentationml/2006/main">
+  <p:cSld>
+    <p:spTree>
+      <p:nvGrpSpPr>
+        <p:cNvPr id="1" name=""/>
+        <p:cNvGrpSpPr/>
+        <p:nvPr/>
+      </p:nvGrpSpPr>
+      <p:grpSpPr>
+        <a:xfrm>
+          <a:off x="0" y="0"/>
+          <a:ext cx="0" cy="0"/>
+          <a:chOff x="0" y="0"/>
+          <a:chExt cx="0" cy="0"/>
+        </a:xfrm>
+      </p:grpSpPr>
+    </p:spTree>
+    <p:extLst>
+      <p:ext uri="{BB962C8B-B14F-4D97-AF65-F5344CB8AC3E}">
+        <p14:creationId xmlns:p14="http://schemas.microsoft.com/office/powerpoint/2010/main" val="1697413467"/>
+      </p:ext>
+    </p:extLst>
+  </p:cSld>
+  <p:clrMapOvr>
+    <a:masterClrMapping/>
+  </p:clrMapOvr>
+  <mc:AlternateContent xmlns:mc="http://schemas.openxmlformats.org/markup-compatibility/2006" xmlns:p14="http://schemas.microsoft.com/office/powerpoint/2010/main">
+    <mc:Choice Requires="p14">
+      <p:transition spd="med" p14:dur="700">
+        <p:fade/>
+      </p:transition>
+    </mc:Choice>
+    <mc:Fallback xmlns="">
+      <p:transition spd="med">
+        <p:fade/>
+      </p:transition>
+    </mc:Fallback>
+  </mc:AlternateContent>
+</p:sld>
+</file>
+
+<file path=ppt/slides/slide15.xml><?xml version="1.0" encoding="utf-8"?>
+<p:sld xmlns:a="http://schemas.openxmlformats.org/drawingml/2006/main" xmlns:r="http://schemas.openxmlformats.org/officeDocument/2006/relationships" xmlns:p="http://schemas.openxmlformats.org/presentationml/2006/main">
+  <p:cSld>
+    <p:spTree>
+      <p:nvGrpSpPr>
+        <p:cNvPr id="1" name=""/>
+        <p:cNvGrpSpPr/>
+        <p:nvPr/>
+      </p:nvGrpSpPr>
+      <p:grpSpPr>
+        <a:xfrm>
+          <a:off x="0" y="0"/>
+          <a:ext cx="0" cy="0"/>
+          <a:chOff x="0" y="0"/>
+          <a:chExt cx="0" cy="0"/>
+        </a:xfrm>
+      </p:grpSpPr>
+      <p:sp>
+        <p:nvSpPr>
+          <p:cNvPr id="14" name="Content Placeholder 13"/>
+          <p:cNvSpPr>
+            <a:spLocks noGrp="1"/>
+          </p:cNvSpPr>
+          <p:nvPr>
+            <p:ph sz="quarter" idx="13"/>
+          </p:nvPr>
+        </p:nvSpPr>
+        <p:spPr>
+          <a:xfrm>
+            <a:off x="427702" y="2352366"/>
+            <a:ext cx="11636479" cy="2352368"/>
+          </a:xfrm>
+        </p:spPr>
+        <p:txBody>
+          <a:bodyPr>
+            <a:normAutofit/>
+          </a:bodyPr>
+          <a:lstStyle/>
+          <a:p>
+            <a:pPr lvl="0"/>
+            <a:r>
+              <a:rPr lang="en-US" sz="2400" dirty="0"/>
+              <a:t>So instead of you having to copy anything down or me having to type much,  I've already put the entire presentation in a batch file which you can get from here:</a:t>
+            </a:r>
+          </a:p>
+          <a:p>
+            <a:pPr lvl="0"/>
+            <a:endParaRPr lang="en-US" sz="2400" dirty="0"/>
+          </a:p>
+          <a:p>
+            <a:pPr marL="0" lvl="0" indent="0">
+              <a:buNone/>
+            </a:pPr>
+            <a:r>
+              <a:rPr lang="en-US" sz="2400" dirty="0"/>
+              <a:t>https://github.com/jonathan-r-jones/Composable-Batch-Files/blob/master/jaws.bat</a:t>
+            </a:r>
+          </a:p>
+        </p:txBody>
+      </p:sp>
+    </p:spTree>
+    <p:extLst>
+      <p:ext uri="{BB962C8B-B14F-4D97-AF65-F5344CB8AC3E}">
+        <p14:creationId xmlns:p14="http://schemas.microsoft.com/office/powerpoint/2010/main" val="632758202"/>
+      </p:ext>
+    </p:extLst>
+  </p:cSld>
+  <p:clrMapOvr>
+    <a:masterClrMapping/>
+  </p:clrMapOvr>
+  <mc:AlternateContent xmlns:mc="http://schemas.openxmlformats.org/markup-compatibility/2006" xmlns:p14="http://schemas.microsoft.com/office/powerpoint/2010/main">
+    <mc:Choice Requires="p14">
+      <p:transition spd="med" p14:dur="700">
+        <p:fade/>
+      </p:transition>
+    </mc:Choice>
+    <mc:Fallback xmlns="">
+      <p:transition spd="med">
+        <p:fade/>
+      </p:transition>
+    </mc:Fallback>
+  </mc:AlternateContent>
+</p:sld>
+</file>
+
+<file path=ppt/slides/slide16.xml><?xml version="1.0" encoding="utf-8"?>
+<p:sld xmlns:a="http://schemas.openxmlformats.org/drawingml/2006/main" xmlns:r="http://schemas.openxmlformats.org/officeDocument/2006/relationships" xmlns:p="http://schemas.openxmlformats.org/presentationml/2006/main">
+  <p:cSld>
+    <p:spTree>
+      <p:nvGrpSpPr>
+        <p:cNvPr id="1" name=""/>
+        <p:cNvGrpSpPr/>
+        <p:nvPr/>
+      </p:nvGrpSpPr>
+      <p:grpSpPr>
+        <a:xfrm>
+          <a:off x="0" y="0"/>
+          <a:ext cx="0" cy="0"/>
+          <a:chOff x="0" y="0"/>
+          <a:chExt cx="0" cy="0"/>
+        </a:xfrm>
+      </p:grpSpPr>
       <p:sp>
         <p:nvSpPr>
           <p:cNvPr id="13" name="Title 12"/>
@@ -9469,7 +9763,7 @@
 </p:sld>
 </file>
 
-<file path=ppt/slides/slide14.xml><?xml version="1.0" encoding="utf-8"?>
+<file path=ppt/slides/slide17.xml><?xml version="1.0" encoding="utf-8"?>
 <p:sld xmlns:a="http://schemas.openxmlformats.org/drawingml/2006/main" xmlns:r="http://schemas.openxmlformats.org/officeDocument/2006/relationships" xmlns:p="http://schemas.openxmlformats.org/presentationml/2006/main">
   <p:cSld>
     <p:spTree>
@@ -9558,7 +9852,7 @@
 </p:sld>
 </file>
 
-<file path=ppt/slides/slide15.xml><?xml version="1.0" encoding="utf-8"?>
+<file path=ppt/slides/slide18.xml><?xml version="1.0" encoding="utf-8"?>
 <p:sld xmlns:a="http://schemas.openxmlformats.org/drawingml/2006/main" xmlns:r="http://schemas.openxmlformats.org/officeDocument/2006/relationships" xmlns:p="http://schemas.openxmlformats.org/presentationml/2006/main">
   <p:cSld>
     <p:spTree>
@@ -9901,7 +10195,7 @@
 </p:sld>
 </file>
 
-<file path=ppt/slides/slide16.xml><?xml version="1.0" encoding="utf-8"?>
+<file path=ppt/slides/slide19.xml><?xml version="1.0" encoding="utf-8"?>
 <p:sld xmlns:a="http://schemas.openxmlformats.org/drawingml/2006/main" xmlns:r="http://schemas.openxmlformats.org/officeDocument/2006/relationships" xmlns:p="http://schemas.openxmlformats.org/presentationml/2006/main">
   <p:cSld>
     <p:spTree>
@@ -10075,12 +10369,12 @@
               <a:buNone/>
             </a:pPr>
             <a:r>
-              <a:rPr lang="en-US" sz="4000" dirty="0"/>
-              <a:t>I studied Terraform and AWS CLI. Terraform syntax is a little alien. The only reason to use Terraform as far as I can tell is because it works on Azure, whereas AWS CLI does not. Well we're not using Azure.</a:t>
+              <a:rPr lang="en-US" sz="3600" dirty="0"/>
+              <a:t>I studied Terraform and AWS CLI. I find Terraform syntax to be a little alien. The only reason to use Terraform as far as I can tell is because it works on Azure, whereas AWS CLI does not. Well we're not using Azure. Are we?</a:t>
             </a:r>
           </a:p>
           <a:p>
-            <a:endParaRPr lang="en-US" sz="4000" dirty="0"/>
+            <a:endParaRPr lang="en-US" sz="3600" dirty="0"/>
           </a:p>
         </p:txBody>
       </p:sp>
@@ -10142,8 +10436,8 @@
         </p:nvSpPr>
         <p:spPr>
           <a:xfrm>
-            <a:off x="1433871" y="984045"/>
-            <a:ext cx="8534400" cy="5873956"/>
+            <a:off x="1433871" y="294968"/>
+            <a:ext cx="8534400" cy="6563033"/>
           </a:xfrm>
           <a:prstGeom prst="rect">
             <a:avLst/>
@@ -10402,62 +10696,62 @@
               <a:buNone/>
             </a:pPr>
             <a:r>
-              <a:rPr lang="en-US" b="1" dirty="0"/>
+              <a:rPr lang="en-US" sz="2400" b="1" dirty="0"/>
               <a:t>In this session you will learn how to:</a:t>
             </a:r>
-            <a:endParaRPr lang="en-US" dirty="0"/>
+            <a:endParaRPr lang="en-US" sz="2400" dirty="0"/>
           </a:p>
           <a:p>
             <a:r>
-              <a:rPr lang="en-US" dirty="0"/>
+              <a:rPr lang="en-US" sz="2400" dirty="0"/>
               <a:t>Install the AWS CLI.</a:t>
             </a:r>
           </a:p>
           <a:p>
             <a:r>
-              <a:rPr lang="en-US" dirty="0"/>
+              <a:rPr lang="en-US" sz="2400" dirty="0"/>
               <a:t>Use the extensive help system hierarchy.</a:t>
             </a:r>
           </a:p>
           <a:p>
             <a:r>
-              <a:rPr lang="en-US" dirty="0"/>
+              <a:rPr lang="en-US" sz="2400" dirty="0"/>
               <a:t>Configure a profile that automatically connects to GovCloud and displays output in different formats.</a:t>
             </a:r>
           </a:p>
           <a:p>
             <a:r>
-              <a:rPr lang="en-US" dirty="0"/>
+              <a:rPr lang="en-US" sz="2400" dirty="0"/>
               <a:t>Programmatically create and delete security groups.</a:t>
             </a:r>
           </a:p>
           <a:p>
             <a:r>
-              <a:rPr lang="en-US" dirty="0"/>
+              <a:rPr lang="en-US" sz="2400" dirty="0"/>
               <a:t>Set up and configure a security group/firewall.</a:t>
             </a:r>
           </a:p>
           <a:p>
             <a:r>
-              <a:rPr lang="en-US" dirty="0"/>
+              <a:rPr lang="en-US" sz="2400" dirty="0"/>
               <a:t>Quickly and easily access information about subnets and security groups.</a:t>
             </a:r>
           </a:p>
           <a:p>
             <a:r>
-              <a:rPr lang="en-US" dirty="0"/>
+              <a:rPr lang="en-US" sz="2400" dirty="0"/>
               <a:t>Configure, start, stop, delete and query information on EC2 instances.</a:t>
             </a:r>
           </a:p>
           <a:p>
             <a:r>
-              <a:rPr lang="en-US" dirty="0"/>
+              <a:rPr lang="en-US" sz="2400" dirty="0"/>
               <a:t>Create an Amazon PostgreSQL database.</a:t>
             </a:r>
           </a:p>
           <a:p>
             <a:r>
-              <a:rPr lang="en-US" dirty="0"/>
+              <a:rPr lang="en-US" sz="2400" dirty="0"/>
               <a:t>Apply tags to resources.</a:t>
             </a:r>
           </a:p>
@@ -10507,168 +10801,6 @@
       </p:grpSpPr>
       <p:sp>
         <p:nvSpPr>
-          <p:cNvPr id="14" name="Content Placeholder 13"/>
-          <p:cNvSpPr>
-            <a:spLocks noGrp="1"/>
-          </p:cNvSpPr>
-          <p:nvPr>
-            <p:ph sz="quarter" idx="13"/>
-          </p:nvPr>
-        </p:nvSpPr>
-        <p:spPr>
-          <a:xfrm>
-            <a:off x="427702" y="901700"/>
-            <a:ext cx="11636479" cy="5003800"/>
-          </a:xfrm>
-        </p:spPr>
-        <p:txBody>
-          <a:bodyPr>
-            <a:normAutofit fontScale="92500" lnSpcReduction="20000"/>
-          </a:bodyPr>
-          <a:lstStyle/>
-          <a:p>
-            <a:pPr marL="0" lvl="0" indent="0">
-              <a:buNone/>
-            </a:pPr>
-            <a:r>
-              <a:rPr lang="en-US" sz="3200" dirty="0"/>
-              <a:t>AWS CLI Command Reference:</a:t>
-            </a:r>
-          </a:p>
-          <a:p>
-            <a:pPr marL="0" lvl="0" indent="0">
-              <a:buNone/>
-            </a:pPr>
-            <a:r>
-              <a:rPr lang="en-US" sz="3200" dirty="0">
-                <a:hlinkClick r:id="rId2"/>
-              </a:rPr>
-              <a:t>https://docs.aws.amazon.com/cli/latest/reference/index.html</a:t>
-            </a:r>
-            <a:endParaRPr lang="en-US" sz="3200" dirty="0"/>
-          </a:p>
-          <a:p>
-            <a:pPr marL="0" lvl="0" indent="0">
-              <a:buNone/>
-            </a:pPr>
-            <a:endParaRPr lang="en-US" sz="3200" dirty="0"/>
-          </a:p>
-          <a:p>
-            <a:pPr marL="0" lvl="0" indent="0">
-              <a:buNone/>
-            </a:pPr>
-            <a:r>
-              <a:rPr lang="en-US" sz="3200" dirty="0"/>
-              <a:t>This Slide Deck:</a:t>
-            </a:r>
-          </a:p>
-          <a:p>
-            <a:pPr marL="0" indent="0">
-              <a:buNone/>
-            </a:pPr>
-            <a:r>
-              <a:rPr lang="en-US" sz="3200" dirty="0">
-                <a:hlinkClick r:id="rId3"/>
-              </a:rPr>
-              <a:t>https://github.com/jonathan-r-jones/Composable-Batch-Files/blob/master/jaws.ppt</a:t>
-            </a:r>
-            <a:endParaRPr lang="en-US" sz="3200" dirty="0"/>
-          </a:p>
-          <a:p>
-            <a:pPr marL="0" indent="0">
-              <a:buNone/>
-            </a:pPr>
-            <a:endParaRPr lang="en-US" sz="3200" dirty="0"/>
-          </a:p>
-          <a:p>
-            <a:pPr marL="0" indent="0">
-              <a:buNone/>
-            </a:pPr>
-            <a:r>
-              <a:rPr lang="en-US" sz="3200" dirty="0"/>
-              <a:t>AWS CLI Demoed Code:</a:t>
-            </a:r>
-          </a:p>
-          <a:p>
-            <a:pPr marL="0" indent="0">
-              <a:buNone/>
-            </a:pPr>
-            <a:r>
-              <a:rPr lang="en-US" sz="3200" dirty="0">
-                <a:hlinkClick r:id="rId4"/>
-              </a:rPr>
-              <a:t>https://github.com/jonathan-r-jones/Composable-Batch-Files/blob/master/jaws.bat</a:t>
-            </a:r>
-            <a:endParaRPr lang="en-US" sz="3200" dirty="0"/>
-          </a:p>
-          <a:p>
-            <a:pPr marL="0" indent="0">
-              <a:buNone/>
-            </a:pPr>
-            <a:endParaRPr lang="en-US" sz="3200" dirty="0"/>
-          </a:p>
-          <a:p>
-            <a:pPr marL="0" indent="0">
-              <a:buNone/>
-            </a:pPr>
-            <a:endParaRPr lang="en-US" sz="3200" dirty="0"/>
-          </a:p>
-          <a:p>
-            <a:pPr marL="0" lvl="0" indent="0">
-              <a:buNone/>
-            </a:pPr>
-            <a:endParaRPr lang="en-US" sz="3200" dirty="0"/>
-          </a:p>
-          <a:p>
-            <a:pPr lvl="0"/>
-            <a:endParaRPr lang="en-US" sz="3200" dirty="0"/>
-          </a:p>
-        </p:txBody>
-      </p:sp>
-    </p:spTree>
-    <p:extLst>
-      <p:ext uri="{BB962C8B-B14F-4D97-AF65-F5344CB8AC3E}">
-        <p14:creationId xmlns:p14="http://schemas.microsoft.com/office/powerpoint/2010/main" val="3943051287"/>
-      </p:ext>
-    </p:extLst>
-  </p:cSld>
-  <p:clrMapOvr>
-    <a:masterClrMapping/>
-  </p:clrMapOvr>
-  <mc:AlternateContent xmlns:mc="http://schemas.openxmlformats.org/markup-compatibility/2006" xmlns:p14="http://schemas.microsoft.com/office/powerpoint/2010/main">
-    <mc:Choice Requires="p14">
-      <p:transition spd="med" p14:dur="700">
-        <p:fade/>
-      </p:transition>
-    </mc:Choice>
-    <mc:Fallback xmlns="">
-      <p:transition spd="med">
-        <p:fade/>
-      </p:transition>
-    </mc:Fallback>
-  </mc:AlternateContent>
-</p:sld>
-</file>
-
-<file path=ppt/slides/slide5.xml><?xml version="1.0" encoding="utf-8"?>
-<p:sld xmlns:a="http://schemas.openxmlformats.org/drawingml/2006/main" xmlns:r="http://schemas.openxmlformats.org/officeDocument/2006/relationships" xmlns:p="http://schemas.openxmlformats.org/presentationml/2006/main">
-  <p:cSld>
-    <p:spTree>
-      <p:nvGrpSpPr>
-        <p:cNvPr id="1" name=""/>
-        <p:cNvGrpSpPr/>
-        <p:nvPr/>
-      </p:nvGrpSpPr>
-      <p:grpSpPr>
-        <a:xfrm>
-          <a:off x="0" y="0"/>
-          <a:ext cx="0" cy="0"/>
-          <a:chOff x="0" y="0"/>
-          <a:chExt cx="0" cy="0"/>
-        </a:xfrm>
-      </p:grpSpPr>
-      <p:sp>
-        <p:nvSpPr>
           <p:cNvPr id="2" name="Title 1">
             <a:extLst>
               <a:ext uri="{FF2B5EF4-FFF2-40B4-BE49-F238E27FC236}">
@@ -10683,54 +10815,19 @@
             <p:ph type="title"/>
           </p:nvPr>
         </p:nvSpPr>
-        <p:spPr/>
+        <p:spPr>
+          <a:xfrm>
+            <a:off x="802972" y="746579"/>
+            <a:ext cx="10566400" cy="1143000"/>
+          </a:xfrm>
+        </p:spPr>
         <p:txBody>
           <a:bodyPr/>
           <a:lstStyle/>
           <a:p>
             <a:r>
               <a:rPr lang="en-US" dirty="0"/>
-              <a:t>Install the </a:t>
-            </a:r>
-            <a:r>
-              <a:rPr lang="en-US" dirty="0" err="1"/>
-              <a:t>msi</a:t>
-            </a:r>
-            <a:endParaRPr lang="en-US" dirty="0"/>
-          </a:p>
-        </p:txBody>
-      </p:sp>
-      <p:sp>
-        <p:nvSpPr>
-          <p:cNvPr id="3" name="Content Placeholder 2">
-            <a:extLst>
-              <a:ext uri="{FF2B5EF4-FFF2-40B4-BE49-F238E27FC236}">
-                <a16:creationId xmlns:a16="http://schemas.microsoft.com/office/drawing/2014/main" id="{F10C851C-F17E-4808-B6C8-77C2269856B3}"/>
-              </a:ext>
-            </a:extLst>
-          </p:cNvPr>
-          <p:cNvSpPr>
-            <a:spLocks noGrp="1"/>
-          </p:cNvSpPr>
-          <p:nvPr>
-            <p:ph sz="quarter" idx="13"/>
-          </p:nvPr>
-        </p:nvSpPr>
-        <p:spPr>
-          <a:xfrm>
-            <a:off x="812800" y="3554360"/>
-            <a:ext cx="10566400" cy="2160639"/>
-          </a:xfrm>
-        </p:spPr>
-        <p:txBody>
-          <a:bodyPr>
-            <a:normAutofit/>
-          </a:bodyPr>
-          <a:lstStyle/>
-          <a:p>
-            <a:r>
-              <a:rPr lang="en-US" sz="4000" dirty="0"/>
-              <a:t>If you get stuck using the command line, you can use the console for hints.</a:t>
+              <a:t>Download and Run the AWS CLI msi</a:t>
             </a:r>
           </a:p>
         </p:txBody>
@@ -10751,8 +10848,309 @@
         </p:nvSpPr>
         <p:spPr>
           <a:xfrm>
-            <a:off x="965200" y="2351704"/>
+            <a:off x="812800" y="2413817"/>
             <a:ext cx="10566400" cy="938980"/>
+          </a:xfrm>
+          <a:prstGeom prst="rect">
+            <a:avLst/>
+          </a:prstGeom>
+        </p:spPr>
+        <p:txBody>
+          <a:bodyPr vert="horz" lIns="91440" tIns="45720" rIns="91440" bIns="45720" rtlCol="0">
+            <a:noAutofit/>
+          </a:bodyPr>
+          <a:lstStyle>
+            <a:lvl1pPr marL="342900" indent="-342900" algn="l" defTabSz="914400" rtl="0" eaLnBrk="1" latinLnBrk="0" hangingPunct="1">
+              <a:lnSpc>
+                <a:spcPct val="100000"/>
+              </a:lnSpc>
+              <a:spcBef>
+                <a:spcPct val="20000"/>
+              </a:spcBef>
+              <a:spcAft>
+                <a:spcPts val="600"/>
+              </a:spcAft>
+              <a:buClr>
+                <a:schemeClr val="tx2">
+                  <a:lumMod val="50000"/>
+                </a:schemeClr>
+              </a:buClr>
+              <a:buFont typeface="Arial" pitchFamily="34" charset="0"/>
+              <a:buChar char="•"/>
+              <a:defRPr sz="2000" kern="1200" spc="30" baseline="0">
+                <a:solidFill>
+                  <a:schemeClr val="tx2">
+                    <a:lumMod val="50000"/>
+                  </a:schemeClr>
+                </a:solidFill>
+                <a:latin typeface="+mn-lt"/>
+                <a:ea typeface="+mn-ea"/>
+                <a:cs typeface="+mn-cs"/>
+              </a:defRPr>
+            </a:lvl1pPr>
+            <a:lvl2pPr marL="742950" indent="-285750" algn="l" defTabSz="914400" rtl="0" eaLnBrk="1" latinLnBrk="0" hangingPunct="1">
+              <a:lnSpc>
+                <a:spcPct val="100000"/>
+              </a:lnSpc>
+              <a:spcBef>
+                <a:spcPct val="20000"/>
+              </a:spcBef>
+              <a:spcAft>
+                <a:spcPts val="600"/>
+              </a:spcAft>
+              <a:buClr>
+                <a:schemeClr val="tx2">
+                  <a:lumMod val="50000"/>
+                </a:schemeClr>
+              </a:buClr>
+              <a:buFont typeface="Arial" pitchFamily="34" charset="0"/>
+              <a:buChar char="•"/>
+              <a:defRPr sz="2000" kern="1200" spc="30" baseline="0">
+                <a:solidFill>
+                  <a:schemeClr val="tx2">
+                    <a:lumMod val="50000"/>
+                  </a:schemeClr>
+                </a:solidFill>
+                <a:latin typeface="+mn-lt"/>
+                <a:ea typeface="+mn-ea"/>
+                <a:cs typeface="+mn-cs"/>
+              </a:defRPr>
+            </a:lvl2pPr>
+            <a:lvl3pPr marL="1143000" indent="-228600" algn="l" defTabSz="914400" rtl="0" eaLnBrk="1" latinLnBrk="0" hangingPunct="1">
+              <a:lnSpc>
+                <a:spcPct val="100000"/>
+              </a:lnSpc>
+              <a:spcBef>
+                <a:spcPct val="20000"/>
+              </a:spcBef>
+              <a:spcAft>
+                <a:spcPts val="600"/>
+              </a:spcAft>
+              <a:buClr>
+                <a:schemeClr val="tx2">
+                  <a:lumMod val="50000"/>
+                </a:schemeClr>
+              </a:buClr>
+              <a:buFont typeface="Arial" pitchFamily="34" charset="0"/>
+              <a:buChar char="•"/>
+              <a:defRPr sz="2000" kern="1200" spc="30" baseline="0">
+                <a:solidFill>
+                  <a:schemeClr val="tx2">
+                    <a:lumMod val="50000"/>
+                  </a:schemeClr>
+                </a:solidFill>
+                <a:latin typeface="+mn-lt"/>
+                <a:ea typeface="+mn-ea"/>
+                <a:cs typeface="+mn-cs"/>
+              </a:defRPr>
+            </a:lvl3pPr>
+            <a:lvl4pPr marL="1600200" indent="-228600" algn="l" defTabSz="914400" rtl="0" eaLnBrk="1" latinLnBrk="0" hangingPunct="1">
+              <a:lnSpc>
+                <a:spcPct val="100000"/>
+              </a:lnSpc>
+              <a:spcBef>
+                <a:spcPct val="20000"/>
+              </a:spcBef>
+              <a:spcAft>
+                <a:spcPts val="600"/>
+              </a:spcAft>
+              <a:buClr>
+                <a:schemeClr val="tx2">
+                  <a:lumMod val="50000"/>
+                </a:schemeClr>
+              </a:buClr>
+              <a:buFont typeface="Arial" pitchFamily="34" charset="0"/>
+              <a:buChar char="•"/>
+              <a:defRPr sz="2000" kern="1200" spc="30" baseline="0">
+                <a:solidFill>
+                  <a:schemeClr val="tx2">
+                    <a:lumMod val="50000"/>
+                  </a:schemeClr>
+                </a:solidFill>
+                <a:latin typeface="+mn-lt"/>
+                <a:ea typeface="+mn-ea"/>
+                <a:cs typeface="+mn-cs"/>
+              </a:defRPr>
+            </a:lvl4pPr>
+            <a:lvl5pPr marL="2057400" indent="-228600" algn="l" defTabSz="914400" rtl="0" eaLnBrk="1" latinLnBrk="0" hangingPunct="1">
+              <a:lnSpc>
+                <a:spcPct val="100000"/>
+              </a:lnSpc>
+              <a:spcBef>
+                <a:spcPct val="20000"/>
+              </a:spcBef>
+              <a:spcAft>
+                <a:spcPts val="600"/>
+              </a:spcAft>
+              <a:buClr>
+                <a:schemeClr val="tx2">
+                  <a:lumMod val="50000"/>
+                </a:schemeClr>
+              </a:buClr>
+              <a:buFont typeface="Arial" pitchFamily="34" charset="0"/>
+              <a:buChar char="•"/>
+              <a:defRPr sz="2000" kern="1200" spc="30" baseline="0">
+                <a:solidFill>
+                  <a:schemeClr val="tx2">
+                    <a:lumMod val="50000"/>
+                  </a:schemeClr>
+                </a:solidFill>
+                <a:latin typeface="+mn-lt"/>
+                <a:ea typeface="+mn-ea"/>
+                <a:cs typeface="+mn-cs"/>
+              </a:defRPr>
+            </a:lvl5pPr>
+            <a:lvl6pPr marL="2514600" indent="-228600" algn="l" defTabSz="914400" rtl="0" eaLnBrk="1" latinLnBrk="0" hangingPunct="1">
+              <a:lnSpc>
+                <a:spcPct val="100000"/>
+              </a:lnSpc>
+              <a:spcBef>
+                <a:spcPct val="20000"/>
+              </a:spcBef>
+              <a:spcAft>
+                <a:spcPts val="600"/>
+              </a:spcAft>
+              <a:buClr>
+                <a:schemeClr val="tx2">
+                  <a:lumMod val="50000"/>
+                </a:schemeClr>
+              </a:buClr>
+              <a:buFont typeface="Arial" pitchFamily="34" charset="0"/>
+              <a:buChar char="•"/>
+              <a:defRPr sz="1700" kern="1200">
+                <a:solidFill>
+                  <a:schemeClr val="tx2">
+                    <a:lumMod val="50000"/>
+                  </a:schemeClr>
+                </a:solidFill>
+                <a:latin typeface="+mn-lt"/>
+                <a:ea typeface="+mn-ea"/>
+                <a:cs typeface="+mn-cs"/>
+              </a:defRPr>
+            </a:lvl6pPr>
+            <a:lvl7pPr marL="2971800" indent="-228600" algn="l" defTabSz="914400" rtl="0" eaLnBrk="1" latinLnBrk="0" hangingPunct="1">
+              <a:lnSpc>
+                <a:spcPct val="100000"/>
+              </a:lnSpc>
+              <a:spcBef>
+                <a:spcPct val="20000"/>
+              </a:spcBef>
+              <a:spcAft>
+                <a:spcPts val="600"/>
+              </a:spcAft>
+              <a:buClr>
+                <a:schemeClr val="tx2">
+                  <a:lumMod val="50000"/>
+                </a:schemeClr>
+              </a:buClr>
+              <a:buFont typeface="Arial" pitchFamily="34" charset="0"/>
+              <a:buChar char="•"/>
+              <a:defRPr sz="1700" kern="1200">
+                <a:solidFill>
+                  <a:schemeClr val="tx2">
+                    <a:lumMod val="50000"/>
+                  </a:schemeClr>
+                </a:solidFill>
+                <a:latin typeface="+mn-lt"/>
+                <a:ea typeface="+mn-ea"/>
+                <a:cs typeface="+mn-cs"/>
+              </a:defRPr>
+            </a:lvl7pPr>
+            <a:lvl8pPr marL="3429000" indent="-228600" algn="l" defTabSz="914400" rtl="0" eaLnBrk="1" latinLnBrk="0" hangingPunct="1">
+              <a:lnSpc>
+                <a:spcPct val="100000"/>
+              </a:lnSpc>
+              <a:spcBef>
+                <a:spcPct val="20000"/>
+              </a:spcBef>
+              <a:spcAft>
+                <a:spcPts val="600"/>
+              </a:spcAft>
+              <a:buClr>
+                <a:schemeClr val="tx2">
+                  <a:lumMod val="50000"/>
+                </a:schemeClr>
+              </a:buClr>
+              <a:buFont typeface="Arial" pitchFamily="34" charset="0"/>
+              <a:buChar char="•"/>
+              <a:defRPr sz="1700" kern="1200">
+                <a:solidFill>
+                  <a:schemeClr val="tx2">
+                    <a:lumMod val="50000"/>
+                  </a:schemeClr>
+                </a:solidFill>
+                <a:latin typeface="+mn-lt"/>
+                <a:ea typeface="+mn-ea"/>
+                <a:cs typeface="+mn-cs"/>
+              </a:defRPr>
+            </a:lvl8pPr>
+            <a:lvl9pPr marL="3886200" indent="-228600" algn="l" defTabSz="914400" rtl="0" eaLnBrk="1" latinLnBrk="0" hangingPunct="1">
+              <a:lnSpc>
+                <a:spcPct val="100000"/>
+              </a:lnSpc>
+              <a:spcBef>
+                <a:spcPct val="20000"/>
+              </a:spcBef>
+              <a:spcAft>
+                <a:spcPts val="600"/>
+              </a:spcAft>
+              <a:buClr>
+                <a:schemeClr val="tx2">
+                  <a:lumMod val="50000"/>
+                </a:schemeClr>
+              </a:buClr>
+              <a:buFont typeface="Arial" pitchFamily="34" charset="0"/>
+              <a:buChar char="•"/>
+              <a:defRPr sz="1700" kern="1200">
+                <a:solidFill>
+                  <a:schemeClr val="tx2">
+                    <a:lumMod val="50000"/>
+                  </a:schemeClr>
+                </a:solidFill>
+                <a:latin typeface="+mn-lt"/>
+                <a:ea typeface="+mn-ea"/>
+                <a:cs typeface="+mn-cs"/>
+              </a:defRPr>
+            </a:lvl9pPr>
+          </a:lstStyle>
+          <a:p>
+            <a:pPr marL="0" indent="0">
+              <a:buNone/>
+            </a:pPr>
+            <a:r>
+              <a:rPr lang="en-US" sz="3600" dirty="0">
+                <a:hlinkClick r:id="rId2"/>
+              </a:rPr>
+              <a:t>https://docs.aws.amazon.com/cli/latest/userguide/install-windows.html#install-msi-on-windows</a:t>
+            </a:r>
+            <a:endParaRPr lang="en-US" sz="3600" dirty="0"/>
+          </a:p>
+          <a:p>
+            <a:pPr marL="0" indent="0">
+              <a:buNone/>
+            </a:pPr>
+            <a:endParaRPr lang="en-US" sz="3600" dirty="0"/>
+          </a:p>
+        </p:txBody>
+      </p:sp>
+      <p:sp>
+        <p:nvSpPr>
+          <p:cNvPr id="9" name="Content Placeholder 2">
+            <a:extLst>
+              <a:ext uri="{FF2B5EF4-FFF2-40B4-BE49-F238E27FC236}">
+                <a16:creationId xmlns:a16="http://schemas.microsoft.com/office/drawing/2014/main" id="{82D45AB6-E6C4-4696-A3FA-C1356B6D4A13}"/>
+              </a:ext>
+            </a:extLst>
+          </p:cNvPr>
+          <p:cNvSpPr txBox="1">
+            <a:spLocks/>
+          </p:cNvSpPr>
+          <p:nvPr/>
+        </p:nvSpPr>
+        <p:spPr>
+          <a:xfrm>
+            <a:off x="847216" y="3878828"/>
+            <a:ext cx="10566400" cy="1371598"/>
           </a:xfrm>
           <a:prstGeom prst="rect">
             <a:avLst/>
@@ -11021,8 +11419,550 @@
               <a:buNone/>
             </a:pPr>
             <a:r>
-              <a:rPr lang="en-US" sz="4000" dirty="0"/>
-              <a:t>Helpful Tips</a:t>
+              <a:rPr lang="en-US" sz="3600" dirty="0"/>
+              <a:t>If you can type “c:\aws” and get back AWS help text, AWS CLI is installed and working.</a:t>
+            </a:r>
+          </a:p>
+        </p:txBody>
+      </p:sp>
+    </p:spTree>
+    <p:extLst>
+      <p:ext uri="{BB962C8B-B14F-4D97-AF65-F5344CB8AC3E}">
+        <p14:creationId xmlns:p14="http://schemas.microsoft.com/office/powerpoint/2010/main" val="2814950278"/>
+      </p:ext>
+    </p:extLst>
+  </p:cSld>
+  <p:clrMapOvr>
+    <a:masterClrMapping/>
+  </p:clrMapOvr>
+  <mc:AlternateContent xmlns:mc="http://schemas.openxmlformats.org/markup-compatibility/2006" xmlns:p14="http://schemas.microsoft.com/office/powerpoint/2010/main">
+    <mc:Choice Requires="p14">
+      <p:transition spd="med" p14:dur="700">
+        <p:fade/>
+      </p:transition>
+    </mc:Choice>
+    <mc:Fallback xmlns="">
+      <p:transition spd="med">
+        <p:fade/>
+      </p:transition>
+    </mc:Fallback>
+  </mc:AlternateContent>
+</p:sld>
+</file>
+
+<file path=ppt/slides/slide5.xml><?xml version="1.0" encoding="utf-8"?>
+<p:sld xmlns:a="http://schemas.openxmlformats.org/drawingml/2006/main" xmlns:r="http://schemas.openxmlformats.org/officeDocument/2006/relationships" xmlns:p="http://schemas.openxmlformats.org/presentationml/2006/main">
+  <p:cSld>
+    <p:spTree>
+      <p:nvGrpSpPr>
+        <p:cNvPr id="1" name=""/>
+        <p:cNvGrpSpPr/>
+        <p:nvPr/>
+      </p:nvGrpSpPr>
+      <p:grpSpPr>
+        <a:xfrm>
+          <a:off x="0" y="0"/>
+          <a:ext cx="0" cy="0"/>
+          <a:chOff x="0" y="0"/>
+          <a:chExt cx="0" cy="0"/>
+        </a:xfrm>
+      </p:grpSpPr>
+      <p:sp>
+        <p:nvSpPr>
+          <p:cNvPr id="3" name="Content Placeholder 2">
+            <a:extLst>
+              <a:ext uri="{FF2B5EF4-FFF2-40B4-BE49-F238E27FC236}">
+                <a16:creationId xmlns:a16="http://schemas.microsoft.com/office/drawing/2014/main" id="{A3BBF652-E1AD-4B4D-93B0-853AE3C72523}"/>
+              </a:ext>
+            </a:extLst>
+          </p:cNvPr>
+          <p:cNvSpPr>
+            <a:spLocks noGrp="1"/>
+          </p:cNvSpPr>
+          <p:nvPr>
+            <p:ph sz="quarter" idx="13"/>
+          </p:nvPr>
+        </p:nvSpPr>
+        <p:spPr>
+          <a:xfrm>
+            <a:off x="812800" y="914400"/>
+            <a:ext cx="10566400" cy="4800600"/>
+          </a:xfrm>
+        </p:spPr>
+        <p:txBody>
+          <a:bodyPr>
+            <a:normAutofit/>
+          </a:bodyPr>
+          <a:lstStyle/>
+          <a:p>
+            <a:pPr marL="0" indent="0">
+              <a:buNone/>
+            </a:pPr>
+            <a:r>
+              <a:rPr lang="en-US" sz="3600" dirty="0"/>
+              <a:t>Now that we have a working command line, we need a user.</a:t>
+            </a:r>
+          </a:p>
+          <a:p>
+            <a:pPr marL="0" indent="0">
+              <a:buNone/>
+            </a:pPr>
+            <a:r>
+              <a:rPr lang="en-US" sz="3600" dirty="0"/>
+              <a:t>There are 2 types of AWS users:</a:t>
+            </a:r>
+          </a:p>
+          <a:p>
+            <a:r>
+              <a:rPr lang="en-US" sz="3600" dirty="0"/>
+              <a:t>Console: For navigating the AWS website.</a:t>
+            </a:r>
+          </a:p>
+          <a:p>
+            <a:r>
+              <a:rPr lang="en-US" sz="3600" dirty="0"/>
+              <a:t>Programmatic: Necessary for running commands at in the AWS CLI, AWS SDK, etc.  So this is what we need.</a:t>
+            </a:r>
+          </a:p>
+        </p:txBody>
+      </p:sp>
+    </p:spTree>
+    <p:extLst>
+      <p:ext uri="{BB962C8B-B14F-4D97-AF65-F5344CB8AC3E}">
+        <p14:creationId xmlns:p14="http://schemas.microsoft.com/office/powerpoint/2010/main" val="2837592923"/>
+      </p:ext>
+    </p:extLst>
+  </p:cSld>
+  <p:clrMapOvr>
+    <a:masterClrMapping/>
+  </p:clrMapOvr>
+  <mc:AlternateContent xmlns:mc="http://schemas.openxmlformats.org/markup-compatibility/2006" xmlns:p14="http://schemas.microsoft.com/office/powerpoint/2010/main">
+    <mc:Choice Requires="p14">
+      <p:transition spd="med" p14:dur="700">
+        <p:fade/>
+      </p:transition>
+    </mc:Choice>
+    <mc:Fallback xmlns="">
+      <p:transition spd="med">
+        <p:fade/>
+      </p:transition>
+    </mc:Fallback>
+  </mc:AlternateContent>
+</p:sld>
+</file>
+
+<file path=ppt/slides/slide6.xml><?xml version="1.0" encoding="utf-8"?>
+<p:sld xmlns:a="http://schemas.openxmlformats.org/drawingml/2006/main" xmlns:r="http://schemas.openxmlformats.org/officeDocument/2006/relationships" xmlns:p="http://schemas.openxmlformats.org/presentationml/2006/main">
+  <p:cSld>
+    <p:spTree>
+      <p:nvGrpSpPr>
+        <p:cNvPr id="1" name=""/>
+        <p:cNvGrpSpPr/>
+        <p:nvPr/>
+      </p:nvGrpSpPr>
+      <p:grpSpPr>
+        <a:xfrm>
+          <a:off x="0" y="0"/>
+          <a:ext cx="0" cy="0"/>
+          <a:chOff x="0" y="0"/>
+          <a:chExt cx="0" cy="0"/>
+        </a:xfrm>
+      </p:grpSpPr>
+      <p:pic>
+        <p:nvPicPr>
+          <p:cNvPr id="2" name="Picture 1">
+            <a:extLst>
+              <a:ext uri="{FF2B5EF4-FFF2-40B4-BE49-F238E27FC236}">
+                <a16:creationId xmlns:a16="http://schemas.microsoft.com/office/drawing/2014/main" id="{D9BE62EB-9979-4CE9-A38C-ECA5658342D5}"/>
+              </a:ext>
+            </a:extLst>
+          </p:cNvPr>
+          <p:cNvPicPr>
+            <a:picLocks noChangeAspect="1"/>
+          </p:cNvPicPr>
+          <p:nvPr/>
+        </p:nvPicPr>
+        <p:blipFill>
+          <a:blip r:embed="rId2"/>
+          <a:stretch>
+            <a:fillRect/>
+          </a:stretch>
+        </p:blipFill>
+        <p:spPr>
+          <a:xfrm>
+            <a:off x="985837" y="366712"/>
+            <a:ext cx="10220325" cy="6124575"/>
+          </a:xfrm>
+          <a:prstGeom prst="rect">
+            <a:avLst/>
+          </a:prstGeom>
+        </p:spPr>
+      </p:pic>
+    </p:spTree>
+    <p:extLst>
+      <p:ext uri="{BB962C8B-B14F-4D97-AF65-F5344CB8AC3E}">
+        <p14:creationId xmlns:p14="http://schemas.microsoft.com/office/powerpoint/2010/main" val="1220452376"/>
+      </p:ext>
+    </p:extLst>
+  </p:cSld>
+  <p:clrMapOvr>
+    <a:masterClrMapping/>
+  </p:clrMapOvr>
+  <mc:AlternateContent xmlns:mc="http://schemas.openxmlformats.org/markup-compatibility/2006" xmlns:p14="http://schemas.microsoft.com/office/powerpoint/2010/main">
+    <mc:Choice Requires="p14">
+      <p:transition spd="med" p14:dur="700">
+        <p:fade/>
+      </p:transition>
+    </mc:Choice>
+    <mc:Fallback xmlns="">
+      <p:transition spd="med">
+        <p:fade/>
+      </p:transition>
+    </mc:Fallback>
+  </mc:AlternateContent>
+</p:sld>
+</file>
+
+<file path=ppt/slides/slide7.xml><?xml version="1.0" encoding="utf-8"?>
+<p:sld xmlns:a="http://schemas.openxmlformats.org/drawingml/2006/main" xmlns:r="http://schemas.openxmlformats.org/officeDocument/2006/relationships" xmlns:p="http://schemas.openxmlformats.org/presentationml/2006/main">
+  <p:cSld>
+    <p:spTree>
+      <p:nvGrpSpPr>
+        <p:cNvPr id="1" name=""/>
+        <p:cNvGrpSpPr/>
+        <p:nvPr/>
+      </p:nvGrpSpPr>
+      <p:grpSpPr>
+        <a:xfrm>
+          <a:off x="0" y="0"/>
+          <a:ext cx="0" cy="0"/>
+          <a:chOff x="0" y="0"/>
+          <a:chExt cx="0" cy="0"/>
+        </a:xfrm>
+      </p:grpSpPr>
+      <p:sp>
+        <p:nvSpPr>
+          <p:cNvPr id="3" name="Content Placeholder 2">
+            <a:extLst>
+              <a:ext uri="{FF2B5EF4-FFF2-40B4-BE49-F238E27FC236}">
+                <a16:creationId xmlns:a16="http://schemas.microsoft.com/office/drawing/2014/main" id="{F10C851C-F17E-4808-B6C8-77C2269856B3}"/>
+              </a:ext>
+            </a:extLst>
+          </p:cNvPr>
+          <p:cNvSpPr>
+            <a:spLocks noGrp="1"/>
+          </p:cNvSpPr>
+          <p:nvPr>
+            <p:ph sz="quarter" idx="13"/>
+          </p:nvPr>
+        </p:nvSpPr>
+        <p:spPr>
+          <a:xfrm>
+            <a:off x="812800" y="1814051"/>
+            <a:ext cx="10566400" cy="2160639"/>
+          </a:xfrm>
+        </p:spPr>
+        <p:txBody>
+          <a:bodyPr>
+            <a:noAutofit/>
+          </a:bodyPr>
+          <a:lstStyle/>
+          <a:p>
+            <a:r>
+              <a:rPr lang="en-US" sz="3600" dirty="0"/>
+              <a:t>Use the right tool for the job. If you get stuck using the command line, you can use the console for hints. I like to use the command line for repeatable tasks.</a:t>
+            </a:r>
+          </a:p>
+        </p:txBody>
+      </p:sp>
+      <p:sp>
+        <p:nvSpPr>
+          <p:cNvPr id="4" name="Content Placeholder 2">
+            <a:extLst>
+              <a:ext uri="{FF2B5EF4-FFF2-40B4-BE49-F238E27FC236}">
+                <a16:creationId xmlns:a16="http://schemas.microsoft.com/office/drawing/2014/main" id="{A3594D5A-EF03-47AC-BFB7-9C7ECD053C4A}"/>
+              </a:ext>
+            </a:extLst>
+          </p:cNvPr>
+          <p:cNvSpPr txBox="1">
+            <a:spLocks/>
+          </p:cNvSpPr>
+          <p:nvPr/>
+        </p:nvSpPr>
+        <p:spPr>
+          <a:xfrm>
+            <a:off x="965200" y="685125"/>
+            <a:ext cx="10199329" cy="938980"/>
+          </a:xfrm>
+          <a:prstGeom prst="rect">
+            <a:avLst/>
+          </a:prstGeom>
+        </p:spPr>
+        <p:txBody>
+          <a:bodyPr vert="horz" lIns="91440" tIns="45720" rIns="91440" bIns="45720" rtlCol="0">
+            <a:normAutofit/>
+          </a:bodyPr>
+          <a:lstStyle>
+            <a:lvl1pPr marL="342900" indent="-342900" algn="l" defTabSz="914400" rtl="0" eaLnBrk="1" latinLnBrk="0" hangingPunct="1">
+              <a:lnSpc>
+                <a:spcPct val="100000"/>
+              </a:lnSpc>
+              <a:spcBef>
+                <a:spcPct val="20000"/>
+              </a:spcBef>
+              <a:spcAft>
+                <a:spcPts val="600"/>
+              </a:spcAft>
+              <a:buClr>
+                <a:schemeClr val="tx2">
+                  <a:lumMod val="50000"/>
+                </a:schemeClr>
+              </a:buClr>
+              <a:buFont typeface="Arial" pitchFamily="34" charset="0"/>
+              <a:buChar char="•"/>
+              <a:defRPr sz="2000" kern="1200" spc="30" baseline="0">
+                <a:solidFill>
+                  <a:schemeClr val="tx2">
+                    <a:lumMod val="50000"/>
+                  </a:schemeClr>
+                </a:solidFill>
+                <a:latin typeface="+mn-lt"/>
+                <a:ea typeface="+mn-ea"/>
+                <a:cs typeface="+mn-cs"/>
+              </a:defRPr>
+            </a:lvl1pPr>
+            <a:lvl2pPr marL="742950" indent="-285750" algn="l" defTabSz="914400" rtl="0" eaLnBrk="1" latinLnBrk="0" hangingPunct="1">
+              <a:lnSpc>
+                <a:spcPct val="100000"/>
+              </a:lnSpc>
+              <a:spcBef>
+                <a:spcPct val="20000"/>
+              </a:spcBef>
+              <a:spcAft>
+                <a:spcPts val="600"/>
+              </a:spcAft>
+              <a:buClr>
+                <a:schemeClr val="tx2">
+                  <a:lumMod val="50000"/>
+                </a:schemeClr>
+              </a:buClr>
+              <a:buFont typeface="Arial" pitchFamily="34" charset="0"/>
+              <a:buChar char="•"/>
+              <a:defRPr sz="2000" kern="1200" spc="30" baseline="0">
+                <a:solidFill>
+                  <a:schemeClr val="tx2">
+                    <a:lumMod val="50000"/>
+                  </a:schemeClr>
+                </a:solidFill>
+                <a:latin typeface="+mn-lt"/>
+                <a:ea typeface="+mn-ea"/>
+                <a:cs typeface="+mn-cs"/>
+              </a:defRPr>
+            </a:lvl2pPr>
+            <a:lvl3pPr marL="1143000" indent="-228600" algn="l" defTabSz="914400" rtl="0" eaLnBrk="1" latinLnBrk="0" hangingPunct="1">
+              <a:lnSpc>
+                <a:spcPct val="100000"/>
+              </a:lnSpc>
+              <a:spcBef>
+                <a:spcPct val="20000"/>
+              </a:spcBef>
+              <a:spcAft>
+                <a:spcPts val="600"/>
+              </a:spcAft>
+              <a:buClr>
+                <a:schemeClr val="tx2">
+                  <a:lumMod val="50000"/>
+                </a:schemeClr>
+              </a:buClr>
+              <a:buFont typeface="Arial" pitchFamily="34" charset="0"/>
+              <a:buChar char="•"/>
+              <a:defRPr sz="2000" kern="1200" spc="30" baseline="0">
+                <a:solidFill>
+                  <a:schemeClr val="tx2">
+                    <a:lumMod val="50000"/>
+                  </a:schemeClr>
+                </a:solidFill>
+                <a:latin typeface="+mn-lt"/>
+                <a:ea typeface="+mn-ea"/>
+                <a:cs typeface="+mn-cs"/>
+              </a:defRPr>
+            </a:lvl3pPr>
+            <a:lvl4pPr marL="1600200" indent="-228600" algn="l" defTabSz="914400" rtl="0" eaLnBrk="1" latinLnBrk="0" hangingPunct="1">
+              <a:lnSpc>
+                <a:spcPct val="100000"/>
+              </a:lnSpc>
+              <a:spcBef>
+                <a:spcPct val="20000"/>
+              </a:spcBef>
+              <a:spcAft>
+                <a:spcPts val="600"/>
+              </a:spcAft>
+              <a:buClr>
+                <a:schemeClr val="tx2">
+                  <a:lumMod val="50000"/>
+                </a:schemeClr>
+              </a:buClr>
+              <a:buFont typeface="Arial" pitchFamily="34" charset="0"/>
+              <a:buChar char="•"/>
+              <a:defRPr sz="2000" kern="1200" spc="30" baseline="0">
+                <a:solidFill>
+                  <a:schemeClr val="tx2">
+                    <a:lumMod val="50000"/>
+                  </a:schemeClr>
+                </a:solidFill>
+                <a:latin typeface="+mn-lt"/>
+                <a:ea typeface="+mn-ea"/>
+                <a:cs typeface="+mn-cs"/>
+              </a:defRPr>
+            </a:lvl4pPr>
+            <a:lvl5pPr marL="2057400" indent="-228600" algn="l" defTabSz="914400" rtl="0" eaLnBrk="1" latinLnBrk="0" hangingPunct="1">
+              <a:lnSpc>
+                <a:spcPct val="100000"/>
+              </a:lnSpc>
+              <a:spcBef>
+                <a:spcPct val="20000"/>
+              </a:spcBef>
+              <a:spcAft>
+                <a:spcPts val="600"/>
+              </a:spcAft>
+              <a:buClr>
+                <a:schemeClr val="tx2">
+                  <a:lumMod val="50000"/>
+                </a:schemeClr>
+              </a:buClr>
+              <a:buFont typeface="Arial" pitchFamily="34" charset="0"/>
+              <a:buChar char="•"/>
+              <a:defRPr sz="2000" kern="1200" spc="30" baseline="0">
+                <a:solidFill>
+                  <a:schemeClr val="tx2">
+                    <a:lumMod val="50000"/>
+                  </a:schemeClr>
+                </a:solidFill>
+                <a:latin typeface="+mn-lt"/>
+                <a:ea typeface="+mn-ea"/>
+                <a:cs typeface="+mn-cs"/>
+              </a:defRPr>
+            </a:lvl5pPr>
+            <a:lvl6pPr marL="2514600" indent="-228600" algn="l" defTabSz="914400" rtl="0" eaLnBrk="1" latinLnBrk="0" hangingPunct="1">
+              <a:lnSpc>
+                <a:spcPct val="100000"/>
+              </a:lnSpc>
+              <a:spcBef>
+                <a:spcPct val="20000"/>
+              </a:spcBef>
+              <a:spcAft>
+                <a:spcPts val="600"/>
+              </a:spcAft>
+              <a:buClr>
+                <a:schemeClr val="tx2">
+                  <a:lumMod val="50000"/>
+                </a:schemeClr>
+              </a:buClr>
+              <a:buFont typeface="Arial" pitchFamily="34" charset="0"/>
+              <a:buChar char="•"/>
+              <a:defRPr sz="1700" kern="1200">
+                <a:solidFill>
+                  <a:schemeClr val="tx2">
+                    <a:lumMod val="50000"/>
+                  </a:schemeClr>
+                </a:solidFill>
+                <a:latin typeface="+mn-lt"/>
+                <a:ea typeface="+mn-ea"/>
+                <a:cs typeface="+mn-cs"/>
+              </a:defRPr>
+            </a:lvl6pPr>
+            <a:lvl7pPr marL="2971800" indent="-228600" algn="l" defTabSz="914400" rtl="0" eaLnBrk="1" latinLnBrk="0" hangingPunct="1">
+              <a:lnSpc>
+                <a:spcPct val="100000"/>
+              </a:lnSpc>
+              <a:spcBef>
+                <a:spcPct val="20000"/>
+              </a:spcBef>
+              <a:spcAft>
+                <a:spcPts val="600"/>
+              </a:spcAft>
+              <a:buClr>
+                <a:schemeClr val="tx2">
+                  <a:lumMod val="50000"/>
+                </a:schemeClr>
+              </a:buClr>
+              <a:buFont typeface="Arial" pitchFamily="34" charset="0"/>
+              <a:buChar char="•"/>
+              <a:defRPr sz="1700" kern="1200">
+                <a:solidFill>
+                  <a:schemeClr val="tx2">
+                    <a:lumMod val="50000"/>
+                  </a:schemeClr>
+                </a:solidFill>
+                <a:latin typeface="+mn-lt"/>
+                <a:ea typeface="+mn-ea"/>
+                <a:cs typeface="+mn-cs"/>
+              </a:defRPr>
+            </a:lvl7pPr>
+            <a:lvl8pPr marL="3429000" indent="-228600" algn="l" defTabSz="914400" rtl="0" eaLnBrk="1" latinLnBrk="0" hangingPunct="1">
+              <a:lnSpc>
+                <a:spcPct val="100000"/>
+              </a:lnSpc>
+              <a:spcBef>
+                <a:spcPct val="20000"/>
+              </a:spcBef>
+              <a:spcAft>
+                <a:spcPts val="600"/>
+              </a:spcAft>
+              <a:buClr>
+                <a:schemeClr val="tx2">
+                  <a:lumMod val="50000"/>
+                </a:schemeClr>
+              </a:buClr>
+              <a:buFont typeface="Arial" pitchFamily="34" charset="0"/>
+              <a:buChar char="•"/>
+              <a:defRPr sz="1700" kern="1200">
+                <a:solidFill>
+                  <a:schemeClr val="tx2">
+                    <a:lumMod val="50000"/>
+                  </a:schemeClr>
+                </a:solidFill>
+                <a:latin typeface="+mn-lt"/>
+                <a:ea typeface="+mn-ea"/>
+                <a:cs typeface="+mn-cs"/>
+              </a:defRPr>
+            </a:lvl8pPr>
+            <a:lvl9pPr marL="3886200" indent="-228600" algn="l" defTabSz="914400" rtl="0" eaLnBrk="1" latinLnBrk="0" hangingPunct="1">
+              <a:lnSpc>
+                <a:spcPct val="100000"/>
+              </a:lnSpc>
+              <a:spcBef>
+                <a:spcPct val="20000"/>
+              </a:spcBef>
+              <a:spcAft>
+                <a:spcPts val="600"/>
+              </a:spcAft>
+              <a:buClr>
+                <a:schemeClr val="tx2">
+                  <a:lumMod val="50000"/>
+                </a:schemeClr>
+              </a:buClr>
+              <a:buFont typeface="Arial" pitchFamily="34" charset="0"/>
+              <a:buChar char="•"/>
+              <a:defRPr sz="1700" kern="1200">
+                <a:solidFill>
+                  <a:schemeClr val="tx2">
+                    <a:lumMod val="50000"/>
+                  </a:schemeClr>
+                </a:solidFill>
+                <a:latin typeface="+mn-lt"/>
+                <a:ea typeface="+mn-ea"/>
+                <a:cs typeface="+mn-cs"/>
+              </a:defRPr>
+            </a:lvl9pPr>
+          </a:lstStyle>
+          <a:p>
+            <a:pPr marL="0" indent="0" algn="ctr">
+              <a:buNone/>
+            </a:pPr>
+            <a:r>
+              <a:rPr lang="en-US" sz="3600" dirty="0"/>
+              <a:t>Tips</a:t>
             </a:r>
           </a:p>
         </p:txBody>
@@ -11052,7 +11992,7 @@
 </p:sld>
 </file>
 
-<file path=ppt/slides/slide6.xml><?xml version="1.0" encoding="utf-8"?>
+<file path=ppt/slides/slide8.xml><?xml version="1.0" encoding="utf-8"?>
 <p:sld xmlns:a="http://schemas.openxmlformats.org/drawingml/2006/main" xmlns:r="http://schemas.openxmlformats.org/officeDocument/2006/relationships" xmlns:p="http://schemas.openxmlformats.org/presentationml/2006/main">
   <p:cSld>
     <p:spTree>
@@ -11341,16 +12281,16 @@
             </a:lvl9pPr>
           </a:lstStyle>
           <a:p>
-            <a:pPr marL="0" indent="0">
+            <a:pPr marL="0" indent="0" algn="ctr">
               <a:buNone/>
             </a:pPr>
             <a:r>
-              <a:rPr lang="en-US" sz="4800" dirty="0">
+              <a:rPr lang="en-US" sz="3600" dirty="0">
                 <a:solidFill>
                   <a:schemeClr val="tx1"/>
                 </a:solidFill>
               </a:rPr>
-              <a:t>        Jonathan + AWS = ?</a:t>
+              <a:t>Jonathan + AWS = ?</a:t>
             </a:r>
           </a:p>
         </p:txBody>
@@ -11380,7 +12320,7 @@
 </p:sld>
 </file>
 
-<file path=ppt/slides/slide7.xml><?xml version="1.0" encoding="utf-8"?>
+<file path=ppt/slides/slide9.xml><?xml version="1.0" encoding="utf-8"?>
 <p:sld xmlns:a="http://schemas.openxmlformats.org/drawingml/2006/main" xmlns:r="http://schemas.openxmlformats.org/officeDocument/2006/relationships" xmlns:p="http://schemas.openxmlformats.org/presentationml/2006/main">
   <p:cSld>
     <p:spTree>
@@ -11425,7 +12365,7 @@
         </p:blipFill>
         <p:spPr>
           <a:xfrm>
-            <a:off x="14755" y="-265472"/>
+            <a:off x="1" y="-280219"/>
             <a:ext cx="12191999" cy="7138219"/>
           </a:xfrm>
           <a:prstGeom prst="rect">
@@ -11449,8 +12389,8 @@
         </p:nvSpPr>
         <p:spPr>
           <a:xfrm>
-            <a:off x="914400" y="2804302"/>
-            <a:ext cx="10363200" cy="1470025"/>
+            <a:off x="914400" y="3436380"/>
+            <a:ext cx="10363200" cy="1265657"/>
           </a:xfrm>
           <a:prstGeom prst="rect">
             <a:avLst/>
@@ -11536,13 +12476,14 @@
             </a:lvl9pPr>
           </a:lstStyle>
           <a:p>
+            <a:pPr algn="ctr"/>
             <a:r>
               <a:rPr lang="en-US" sz="6600" dirty="0">
                 <a:solidFill>
                   <a:srgbClr val="FF0000"/>
                 </a:solidFill>
               </a:rPr>
-              <a:t>			JAWS DEMO</a:t>
+              <a:t>JAWS!</a:t>
             </a:r>
           </a:p>
         </p:txBody>
@@ -11551,253 +12492,6 @@
     <p:extLst>
       <p:ext uri="{BB962C8B-B14F-4D97-AF65-F5344CB8AC3E}">
         <p14:creationId xmlns:p14="http://schemas.microsoft.com/office/powerpoint/2010/main" val="3601864659"/>
-      </p:ext>
-    </p:extLst>
-  </p:cSld>
-  <p:clrMapOvr>
-    <a:masterClrMapping/>
-  </p:clrMapOvr>
-  <mc:AlternateContent xmlns:mc="http://schemas.openxmlformats.org/markup-compatibility/2006" xmlns:p14="http://schemas.microsoft.com/office/powerpoint/2010/main">
-    <mc:Choice Requires="p14">
-      <p:transition spd="med" p14:dur="700">
-        <p:fade/>
-      </p:transition>
-    </mc:Choice>
-    <mc:Fallback xmlns="">
-      <p:transition spd="med">
-        <p:fade/>
-      </p:transition>
-    </mc:Fallback>
-  </mc:AlternateContent>
-</p:sld>
-</file>
-
-<file path=ppt/slides/slide8.xml><?xml version="1.0" encoding="utf-8"?>
-<p:sld xmlns:a="http://schemas.openxmlformats.org/drawingml/2006/main" xmlns:r="http://schemas.openxmlformats.org/officeDocument/2006/relationships" xmlns:p="http://schemas.openxmlformats.org/presentationml/2006/main">
-  <p:cSld>
-    <p:spTree>
-      <p:nvGrpSpPr>
-        <p:cNvPr id="1" name=""/>
-        <p:cNvGrpSpPr/>
-        <p:nvPr/>
-      </p:nvGrpSpPr>
-      <p:grpSpPr>
-        <a:xfrm>
-          <a:off x="0" y="0"/>
-          <a:ext cx="0" cy="0"/>
-          <a:chOff x="0" y="0"/>
-          <a:chExt cx="0" cy="0"/>
-        </a:xfrm>
-      </p:grpSpPr>
-      <p:sp>
-        <p:nvSpPr>
-          <p:cNvPr id="14" name="Content Placeholder 13"/>
-          <p:cNvSpPr>
-            <a:spLocks noGrp="1"/>
-          </p:cNvSpPr>
-          <p:nvPr>
-            <p:ph sz="quarter" idx="13"/>
-          </p:nvPr>
-        </p:nvSpPr>
-        <p:spPr>
-          <a:xfrm>
-            <a:off x="427702" y="2352366"/>
-            <a:ext cx="11636479" cy="2352368"/>
-          </a:xfrm>
-        </p:spPr>
-        <p:txBody>
-          <a:bodyPr>
-            <a:normAutofit/>
-          </a:bodyPr>
-          <a:lstStyle/>
-          <a:p>
-            <a:pPr lvl="0"/>
-            <a:r>
-              <a:rPr lang="en-US" sz="2400" dirty="0"/>
-              <a:t>So instead of you having to copy anything down or me having to type much,  I've already put the entire presentation in a batch file which you can get from here:</a:t>
-            </a:r>
-          </a:p>
-          <a:p>
-            <a:pPr lvl="0"/>
-            <a:endParaRPr lang="en-US" sz="2400" dirty="0"/>
-          </a:p>
-          <a:p>
-            <a:pPr marL="0" lvl="0" indent="0">
-              <a:buNone/>
-            </a:pPr>
-            <a:r>
-              <a:rPr lang="en-US" sz="2400" dirty="0"/>
-              <a:t>https://github.com/jonathan-r-jones/Composable-Batch-Files/blob/master/jaws.bat</a:t>
-            </a:r>
-          </a:p>
-        </p:txBody>
-      </p:sp>
-    </p:spTree>
-    <p:extLst>
-      <p:ext uri="{BB962C8B-B14F-4D97-AF65-F5344CB8AC3E}">
-        <p14:creationId xmlns:p14="http://schemas.microsoft.com/office/powerpoint/2010/main" val="632758202"/>
-      </p:ext>
-    </p:extLst>
-  </p:cSld>
-  <p:clrMapOvr>
-    <a:masterClrMapping/>
-  </p:clrMapOvr>
-  <mc:AlternateContent xmlns:mc="http://schemas.openxmlformats.org/markup-compatibility/2006" xmlns:p14="http://schemas.microsoft.com/office/powerpoint/2010/main">
-    <mc:Choice Requires="p14">
-      <p:transition spd="med" p14:dur="700">
-        <p:fade/>
-      </p:transition>
-    </mc:Choice>
-    <mc:Fallback xmlns="">
-      <p:transition spd="med">
-        <p:fade/>
-      </p:transition>
-    </mc:Fallback>
-  </mc:AlternateContent>
-</p:sld>
-</file>
-
-<file path=ppt/slides/slide9.xml><?xml version="1.0" encoding="utf-8"?>
-<p:sld xmlns:a="http://schemas.openxmlformats.org/drawingml/2006/main" xmlns:r="http://schemas.openxmlformats.org/officeDocument/2006/relationships" xmlns:p="http://schemas.openxmlformats.org/presentationml/2006/main">
-  <p:cSld>
-    <p:spTree>
-      <p:nvGrpSpPr>
-        <p:cNvPr id="1" name=""/>
-        <p:cNvGrpSpPr/>
-        <p:nvPr/>
-      </p:nvGrpSpPr>
-      <p:grpSpPr>
-        <a:xfrm>
-          <a:off x="0" y="0"/>
-          <a:ext cx="0" cy="0"/>
-          <a:chOff x="0" y="0"/>
-          <a:chExt cx="0" cy="0"/>
-        </a:xfrm>
-      </p:grpSpPr>
-      <p:sp>
-        <p:nvSpPr>
-          <p:cNvPr id="14" name="Content Placeholder 13"/>
-          <p:cNvSpPr>
-            <a:spLocks noGrp="1"/>
-          </p:cNvSpPr>
-          <p:nvPr>
-            <p:ph sz="quarter" idx="13"/>
-          </p:nvPr>
-        </p:nvSpPr>
-        <p:spPr>
-          <a:xfrm>
-            <a:off x="427702" y="901700"/>
-            <a:ext cx="11636479" cy="5003800"/>
-          </a:xfrm>
-        </p:spPr>
-        <p:txBody>
-          <a:bodyPr>
-            <a:normAutofit fontScale="92500" lnSpcReduction="20000"/>
-          </a:bodyPr>
-          <a:lstStyle/>
-          <a:p>
-            <a:pPr marL="0" lvl="0" indent="0">
-              <a:buNone/>
-            </a:pPr>
-            <a:r>
-              <a:rPr lang="en-US" sz="3200" dirty="0"/>
-              <a:t>AWS CLI Command Reference:</a:t>
-            </a:r>
-          </a:p>
-          <a:p>
-            <a:pPr marL="0" lvl="0" indent="0">
-              <a:buNone/>
-            </a:pPr>
-            <a:r>
-              <a:rPr lang="en-US" sz="3200" dirty="0">
-                <a:hlinkClick r:id="rId2"/>
-              </a:rPr>
-              <a:t>https://docs.aws.amazon.com/cli/latest/reference/index.html</a:t>
-            </a:r>
-            <a:endParaRPr lang="en-US" sz="3200" dirty="0"/>
-          </a:p>
-          <a:p>
-            <a:pPr marL="0" lvl="0" indent="0">
-              <a:buNone/>
-            </a:pPr>
-            <a:endParaRPr lang="en-US" sz="3200" dirty="0"/>
-          </a:p>
-          <a:p>
-            <a:pPr marL="0" lvl="0" indent="0">
-              <a:buNone/>
-            </a:pPr>
-            <a:r>
-              <a:rPr lang="en-US" sz="3200" dirty="0"/>
-              <a:t>This Slide Deck:</a:t>
-            </a:r>
-          </a:p>
-          <a:p>
-            <a:pPr marL="0" indent="0">
-              <a:buNone/>
-            </a:pPr>
-            <a:r>
-              <a:rPr lang="en-US" sz="3200" dirty="0">
-                <a:hlinkClick r:id="rId3"/>
-              </a:rPr>
-              <a:t>https://github.com/jonathan-r-jones/Composable-Batch-Files/blob/master/jaws.ppt</a:t>
-            </a:r>
-            <a:endParaRPr lang="en-US" sz="3200" dirty="0"/>
-          </a:p>
-          <a:p>
-            <a:pPr marL="0" indent="0">
-              <a:buNone/>
-            </a:pPr>
-            <a:endParaRPr lang="en-US" sz="3200" dirty="0"/>
-          </a:p>
-          <a:p>
-            <a:pPr marL="0" indent="0">
-              <a:buNone/>
-            </a:pPr>
-            <a:r>
-              <a:rPr lang="en-US" sz="3200" dirty="0"/>
-              <a:t>AWS CLI Demoed Code:</a:t>
-            </a:r>
-          </a:p>
-          <a:p>
-            <a:pPr marL="0" indent="0">
-              <a:buNone/>
-            </a:pPr>
-            <a:r>
-              <a:rPr lang="en-US" sz="3200" dirty="0">
-                <a:hlinkClick r:id="rId4"/>
-              </a:rPr>
-              <a:t>https://github.com/jonathan-r-jones/Composable-Batch-Files/blob/master/jaws.bat</a:t>
-            </a:r>
-            <a:endParaRPr lang="en-US" sz="3200" dirty="0"/>
-          </a:p>
-          <a:p>
-            <a:pPr marL="0" indent="0">
-              <a:buNone/>
-            </a:pPr>
-            <a:endParaRPr lang="en-US" sz="3200" dirty="0"/>
-          </a:p>
-          <a:p>
-            <a:pPr marL="0" indent="0">
-              <a:buNone/>
-            </a:pPr>
-            <a:endParaRPr lang="en-US" sz="3200" dirty="0"/>
-          </a:p>
-          <a:p>
-            <a:pPr marL="0" lvl="0" indent="0">
-              <a:buNone/>
-            </a:pPr>
-            <a:endParaRPr lang="en-US" sz="3200" dirty="0"/>
-          </a:p>
-          <a:p>
-            <a:pPr lvl="0"/>
-            <a:endParaRPr lang="en-US" sz="3200" dirty="0"/>
-          </a:p>
-        </p:txBody>
-      </p:sp>
-    </p:spTree>
-    <p:extLst>
-      <p:ext uri="{BB962C8B-B14F-4D97-AF65-F5344CB8AC3E}">
-        <p14:creationId xmlns:p14="http://schemas.microsoft.com/office/powerpoint/2010/main" val="2553842654"/>
       </p:ext>
     </p:extLst>
   </p:cSld>
@@ -12691,15 +13385,6 @@
 </file>
 
 <file path=customXml/item1.xml><?xml version="1.0" encoding="utf-8"?>
-<?mso-contentType ?>
-<FormTemplates xmlns="http://schemas.microsoft.com/sharepoint/v3/contenttype/forms">
-  <Display>DocumentLibraryForm</Display>
-  <Edit>DocumentLibraryForm</Edit>
-  <New>DocumentLibraryForm</New>
-</FormTemplates>
-</file>
-
-<file path=customXml/item2.xml><?xml version="1.0" encoding="utf-8"?>
 <p:properties xmlns:p="http://schemas.microsoft.com/office/2006/metadata/properties" xmlns:xsi="http://www.w3.org/2001/XMLSchema-instance" xmlns:pc="http://schemas.microsoft.com/office/infopath/2007/PartnerControls">
   <documentManagement>
     <VSO_x0020_item_x0020_id xmlns="40262f94-9f35-4ac3-9a90-690165a166b7" xsi:nil="true"/>
@@ -12708,6 +13393,15 @@
     <Template_x0020_details xmlns="40262f94-9f35-4ac3-9a90-690165a166b7" xsi:nil="true"/>
   </documentManagement>
 </p:properties>
+</file>
+
+<file path=customXml/item2.xml><?xml version="1.0" encoding="utf-8"?>
+<?mso-contentType ?>
+<FormTemplates xmlns="http://schemas.microsoft.com/sharepoint/v3/contenttype/forms">
+  <Display>DocumentLibraryForm</Display>
+  <Edit>DocumentLibraryForm</Edit>
+  <New>DocumentLibraryForm</New>
+</FormTemplates>
 </file>
 
 <file path=customXml/item3.xml><?xml version="1.0" encoding="utf-8"?>
@@ -12892,14 +13586,6 @@
 </file>
 
 <file path=customXml/itemProps1.xml><?xml version="1.0" encoding="utf-8"?>
-<ds:datastoreItem xmlns:ds="http://schemas.openxmlformats.org/officeDocument/2006/customXml" ds:itemID="{BED6C63E-22D9-40FD-AF90-6F5632A4309F}">
-  <ds:schemaRefs>
-    <ds:schemaRef ds:uri="http://schemas.microsoft.com/sharepoint/v3/contenttype/forms"/>
-  </ds:schemaRefs>
-</ds:datastoreItem>
-</file>
-
-<file path=customXml/itemProps2.xml><?xml version="1.0" encoding="utf-8"?>
 <ds:datastoreItem xmlns:ds="http://schemas.openxmlformats.org/officeDocument/2006/customXml" ds:itemID="{28DC6412-8CE7-4C8A-96E9-2669F16D17E8}">
   <ds:schemaRefs>
     <ds:schemaRef ds:uri="http://schemas.microsoft.com/office/2006/metadata/properties"/>
@@ -12912,6 +13598,14 @@
     <ds:schemaRef ds:uri="a4f35948-e619-41b3-aa29-22878b09cfd2"/>
     <ds:schemaRef ds:uri="http://www.w3.org/XML/1998/namespace"/>
     <ds:schemaRef ds:uri="http://purl.org/dc/dcmitype/"/>
+  </ds:schemaRefs>
+</ds:datastoreItem>
+</file>
+
+<file path=customXml/itemProps2.xml><?xml version="1.0" encoding="utf-8"?>
+<ds:datastoreItem xmlns:ds="http://schemas.openxmlformats.org/officeDocument/2006/customXml" ds:itemID="{BED6C63E-22D9-40FD-AF90-6F5632A4309F}">
+  <ds:schemaRefs>
+    <ds:schemaRef ds:uri="http://schemas.microsoft.com/sharepoint/v3/contenttype/forms"/>
   </ds:schemaRefs>
 </ds:datastoreItem>
 </file>

--- a/jaws.pptx
+++ b/jaws.pptx
@@ -5,31 +5,35 @@
     <p:sldMasterId id="2147483756" r:id="rId4"/>
   </p:sldMasterIdLst>
   <p:notesMasterIdLst>
-    <p:notesMasterId r:id="rId24"/>
+    <p:notesMasterId r:id="rId28"/>
   </p:notesMasterIdLst>
   <p:handoutMasterIdLst>
-    <p:handoutMasterId r:id="rId25"/>
+    <p:handoutMasterId r:id="rId29"/>
   </p:handoutMasterIdLst>
   <p:sldIdLst>
     <p:sldId id="259" r:id="rId5"/>
     <p:sldId id="271" r:id="rId6"/>
     <p:sldId id="260" r:id="rId7"/>
     <p:sldId id="275" r:id="rId8"/>
-    <p:sldId id="277" r:id="rId9"/>
-    <p:sldId id="268" r:id="rId10"/>
-    <p:sldId id="273" r:id="rId11"/>
-    <p:sldId id="266" r:id="rId12"/>
-    <p:sldId id="267" r:id="rId13"/>
-    <p:sldId id="276" r:id="rId14"/>
-    <p:sldId id="270" r:id="rId15"/>
-    <p:sldId id="265" r:id="rId16"/>
-    <p:sldId id="278" r:id="rId17"/>
-    <p:sldId id="279" r:id="rId18"/>
-    <p:sldId id="272" r:id="rId19"/>
-    <p:sldId id="269" r:id="rId20"/>
-    <p:sldId id="261" r:id="rId21"/>
-    <p:sldId id="262" r:id="rId22"/>
-    <p:sldId id="263" r:id="rId23"/>
+    <p:sldId id="281" r:id="rId9"/>
+    <p:sldId id="277" r:id="rId10"/>
+    <p:sldId id="268" r:id="rId11"/>
+    <p:sldId id="273" r:id="rId12"/>
+    <p:sldId id="266" r:id="rId13"/>
+    <p:sldId id="267" r:id="rId14"/>
+    <p:sldId id="276" r:id="rId15"/>
+    <p:sldId id="270" r:id="rId16"/>
+    <p:sldId id="282" r:id="rId17"/>
+    <p:sldId id="283" r:id="rId18"/>
+    <p:sldId id="284" r:id="rId19"/>
+    <p:sldId id="265" r:id="rId20"/>
+    <p:sldId id="278" r:id="rId21"/>
+    <p:sldId id="279" r:id="rId22"/>
+    <p:sldId id="272" r:id="rId23"/>
+    <p:sldId id="269" r:id="rId24"/>
+    <p:sldId id="261" r:id="rId25"/>
+    <p:sldId id="262" r:id="rId26"/>
+    <p:sldId id="263" r:id="rId27"/>
   </p:sldIdLst>
   <p:sldSz cx="12192000" cy="6858000"/>
   <p:notesSz cx="6858000" cy="9144000"/>
@@ -4959,7 +4963,7 @@
           <a:p>
             <a:fld id="{8AD115C9-E24C-4512-AA8B-319BB49F77B5}" type="slidenum">
               <a:rPr lang="en-US" smtClean="0"/>
-              <a:t>11</a:t>
+              <a:t>12</a:t>
             </a:fld>
             <a:endParaRPr lang="en-US"/>
           </a:p>
@@ -4969,6 +4973,90 @@
     <p:extLst>
       <p:ext uri="{BB962C8B-B14F-4D97-AF65-F5344CB8AC3E}">
         <p14:creationId xmlns:p14="http://schemas.microsoft.com/office/powerpoint/2010/main" val="1289799364"/>
+      </p:ext>
+    </p:extLst>
+  </p:cSld>
+  <p:clrMapOvr>
+    <a:masterClrMapping/>
+  </p:clrMapOvr>
+</p:notes>
+</file>
+
+<file path=ppt/notesSlides/notesSlide3.xml><?xml version="1.0" encoding="utf-8"?>
+<p:notes xmlns:a="http://schemas.openxmlformats.org/drawingml/2006/main" xmlns:r="http://schemas.openxmlformats.org/officeDocument/2006/relationships" xmlns:p="http://schemas.openxmlformats.org/presentationml/2006/main">
+  <p:cSld>
+    <p:spTree>
+      <p:nvGrpSpPr>
+        <p:cNvPr id="1" name=""/>
+        <p:cNvGrpSpPr/>
+        <p:nvPr/>
+      </p:nvGrpSpPr>
+      <p:grpSpPr>
+        <a:xfrm>
+          <a:off x="0" y="0"/>
+          <a:ext cx="0" cy="0"/>
+          <a:chOff x="0" y="0"/>
+          <a:chExt cx="0" cy="0"/>
+        </a:xfrm>
+      </p:grpSpPr>
+      <p:sp>
+        <p:nvSpPr>
+          <p:cNvPr id="2" name="Slide Image Placeholder 1"/>
+          <p:cNvSpPr>
+            <a:spLocks noGrp="1" noRot="1" noChangeAspect="1"/>
+          </p:cNvSpPr>
+          <p:nvPr>
+            <p:ph type="sldImg"/>
+          </p:nvPr>
+        </p:nvSpPr>
+        <p:spPr/>
+      </p:sp>
+      <p:sp>
+        <p:nvSpPr>
+          <p:cNvPr id="3" name="Notes Placeholder 2"/>
+          <p:cNvSpPr>
+            <a:spLocks noGrp="1"/>
+          </p:cNvSpPr>
+          <p:nvPr>
+            <p:ph type="body" idx="1"/>
+          </p:nvPr>
+        </p:nvSpPr>
+        <p:spPr/>
+        <p:txBody>
+          <a:bodyPr/>
+          <a:lstStyle/>
+          <a:p>
+            <a:endParaRPr lang="en-US"/>
+          </a:p>
+        </p:txBody>
+      </p:sp>
+      <p:sp>
+        <p:nvSpPr>
+          <p:cNvPr id="4" name="Slide Number Placeholder 3"/>
+          <p:cNvSpPr>
+            <a:spLocks noGrp="1"/>
+          </p:cNvSpPr>
+          <p:nvPr>
+            <p:ph type="sldNum" sz="quarter" idx="10"/>
+          </p:nvPr>
+        </p:nvSpPr>
+        <p:spPr/>
+        <p:txBody>
+          <a:bodyPr/>
+          <a:lstStyle/>
+          <a:p>
+            <a:fld id="{8AD115C9-E24C-4512-AA8B-319BB49F77B5}" type="slidenum">
+              <a:rPr lang="en-US" smtClean="0"/>
+              <a:t>15</a:t>
+            </a:fld>
+            <a:endParaRPr lang="en-US"/>
+          </a:p>
+        </p:txBody>
+      </p:sp>
+    </p:spTree>
+    <p:extLst>
+      <p:ext uri="{BB962C8B-B14F-4D97-AF65-F5344CB8AC3E}">
+        <p14:creationId xmlns:p14="http://schemas.microsoft.com/office/powerpoint/2010/main" val="2541069307"/>
       </p:ext>
     </p:extLst>
   </p:cSld>
@@ -8946,6 +9034,199 @@
           <a:chExt cx="0" cy="0"/>
         </a:xfrm>
       </p:grpSpPr>
+      <p:pic>
+        <p:nvPicPr>
+          <p:cNvPr id="5" name="Picture 4" descr="A picture containing nature&#10;&#10;Description automatically generated">
+            <a:extLst>
+              <a:ext uri="{FF2B5EF4-FFF2-40B4-BE49-F238E27FC236}">
+                <a16:creationId xmlns:a16="http://schemas.microsoft.com/office/drawing/2014/main" id="{F17E8123-078E-4812-9E18-8B1F1FEA4DB4}"/>
+              </a:ext>
+            </a:extLst>
+          </p:cNvPr>
+          <p:cNvPicPr>
+            <a:picLocks noChangeAspect="1"/>
+          </p:cNvPicPr>
+          <p:nvPr/>
+        </p:nvPicPr>
+        <p:blipFill>
+          <a:blip r:embed="rId2">
+            <a:extLst>
+              <a:ext uri="{28A0092B-C50C-407E-A947-70E740481C1C}">
+                <a14:useLocalDpi xmlns:a14="http://schemas.microsoft.com/office/drawing/2010/main" val="0"/>
+              </a:ext>
+            </a:extLst>
+          </a:blip>
+          <a:stretch>
+            <a:fillRect/>
+          </a:stretch>
+        </p:blipFill>
+        <p:spPr>
+          <a:xfrm>
+            <a:off x="1" y="-280219"/>
+            <a:ext cx="12191999" cy="7138219"/>
+          </a:xfrm>
+          <a:prstGeom prst="rect">
+            <a:avLst/>
+          </a:prstGeom>
+        </p:spPr>
+      </p:pic>
+      <p:sp>
+        <p:nvSpPr>
+          <p:cNvPr id="4" name="Title 1">
+            <a:extLst>
+              <a:ext uri="{FF2B5EF4-FFF2-40B4-BE49-F238E27FC236}">
+                <a16:creationId xmlns:a16="http://schemas.microsoft.com/office/drawing/2014/main" id="{F57DD390-EE6A-42BC-85BC-DEE16AFF9CE6}"/>
+              </a:ext>
+            </a:extLst>
+          </p:cNvPr>
+          <p:cNvSpPr txBox="1">
+            <a:spLocks/>
+          </p:cNvSpPr>
+          <p:nvPr/>
+        </p:nvSpPr>
+        <p:spPr>
+          <a:xfrm>
+            <a:off x="678429" y="5058696"/>
+            <a:ext cx="10363200" cy="1265657"/>
+          </a:xfrm>
+          <a:prstGeom prst="rect">
+            <a:avLst/>
+          </a:prstGeom>
+        </p:spPr>
+        <p:txBody>
+          <a:bodyPr vert="horz" lIns="91440" tIns="45720" rIns="91440" bIns="45720" rtlCol="0" anchor="b" anchorCtr="0">
+            <a:noAutofit/>
+          </a:bodyPr>
+          <a:lstStyle>
+            <a:lvl1pPr algn="l" defTabSz="914400" rtl="0" eaLnBrk="1" latinLnBrk="0" hangingPunct="1">
+              <a:spcBef>
+                <a:spcPct val="0"/>
+              </a:spcBef>
+              <a:buNone/>
+              <a:defRPr sz="3600" b="1" kern="1200" cap="all" spc="50" baseline="0">
+                <a:solidFill>
+                  <a:schemeClr val="tx2">
+                    <a:lumMod val="50000"/>
+                  </a:schemeClr>
+                </a:solidFill>
+                <a:effectLst/>
+                <a:latin typeface="+mj-lt"/>
+                <a:ea typeface="+mj-ea"/>
+                <a:cs typeface="+mj-cs"/>
+              </a:defRPr>
+            </a:lvl1pPr>
+            <a:lvl2pPr eaLnBrk="1" hangingPunct="1">
+              <a:defRPr>
+                <a:solidFill>
+                  <a:schemeClr val="tx2"/>
+                </a:solidFill>
+              </a:defRPr>
+            </a:lvl2pPr>
+            <a:lvl3pPr eaLnBrk="1" hangingPunct="1">
+              <a:defRPr>
+                <a:solidFill>
+                  <a:schemeClr val="tx2"/>
+                </a:solidFill>
+              </a:defRPr>
+            </a:lvl3pPr>
+            <a:lvl4pPr eaLnBrk="1" hangingPunct="1">
+              <a:defRPr>
+                <a:solidFill>
+                  <a:schemeClr val="tx2"/>
+                </a:solidFill>
+              </a:defRPr>
+            </a:lvl4pPr>
+            <a:lvl5pPr eaLnBrk="1" hangingPunct="1">
+              <a:defRPr>
+                <a:solidFill>
+                  <a:schemeClr val="tx2"/>
+                </a:solidFill>
+              </a:defRPr>
+            </a:lvl5pPr>
+            <a:lvl6pPr eaLnBrk="1" hangingPunct="1">
+              <a:defRPr>
+                <a:solidFill>
+                  <a:schemeClr val="tx2"/>
+                </a:solidFill>
+              </a:defRPr>
+            </a:lvl6pPr>
+            <a:lvl7pPr eaLnBrk="1" hangingPunct="1">
+              <a:defRPr>
+                <a:solidFill>
+                  <a:schemeClr val="tx2"/>
+                </a:solidFill>
+              </a:defRPr>
+            </a:lvl7pPr>
+            <a:lvl8pPr eaLnBrk="1" hangingPunct="1">
+              <a:defRPr>
+                <a:solidFill>
+                  <a:schemeClr val="tx2"/>
+                </a:solidFill>
+              </a:defRPr>
+            </a:lvl8pPr>
+            <a:lvl9pPr eaLnBrk="1" hangingPunct="1">
+              <a:defRPr>
+                <a:solidFill>
+                  <a:schemeClr val="tx2"/>
+                </a:solidFill>
+              </a:defRPr>
+            </a:lvl9pPr>
+          </a:lstStyle>
+          <a:p>
+            <a:pPr algn="ctr"/>
+            <a:r>
+              <a:rPr lang="en-US" sz="6600" dirty="0">
+                <a:solidFill>
+                  <a:srgbClr val="FF0000"/>
+                </a:solidFill>
+              </a:rPr>
+              <a:t>JAWS!</a:t>
+            </a:r>
+          </a:p>
+        </p:txBody>
+      </p:sp>
+    </p:spTree>
+    <p:extLst>
+      <p:ext uri="{BB962C8B-B14F-4D97-AF65-F5344CB8AC3E}">
+        <p14:creationId xmlns:p14="http://schemas.microsoft.com/office/powerpoint/2010/main" val="3601864659"/>
+      </p:ext>
+    </p:extLst>
+  </p:cSld>
+  <p:clrMapOvr>
+    <a:masterClrMapping/>
+  </p:clrMapOvr>
+  <mc:AlternateContent xmlns:mc="http://schemas.openxmlformats.org/markup-compatibility/2006" xmlns:p14="http://schemas.microsoft.com/office/powerpoint/2010/main">
+    <mc:Choice Requires="p14">
+      <p:transition spd="med" p14:dur="700">
+        <p:fade/>
+      </p:transition>
+    </mc:Choice>
+    <mc:Fallback xmlns="">
+      <p:transition spd="med">
+        <p:fade/>
+      </p:transition>
+    </mc:Fallback>
+  </mc:AlternateContent>
+</p:sld>
+</file>
+
+<file path=ppt/slides/slide11.xml><?xml version="1.0" encoding="utf-8"?>
+<p:sld xmlns:a="http://schemas.openxmlformats.org/drawingml/2006/main" xmlns:r="http://schemas.openxmlformats.org/officeDocument/2006/relationships" xmlns:p="http://schemas.openxmlformats.org/presentationml/2006/main">
+  <p:cSld>
+    <p:spTree>
+      <p:nvGrpSpPr>
+        <p:cNvPr id="1" name=""/>
+        <p:cNvGrpSpPr/>
+        <p:nvPr/>
+      </p:nvGrpSpPr>
+      <p:grpSpPr>
+        <a:xfrm>
+          <a:off x="0" y="0"/>
+          <a:ext cx="0" cy="0"/>
+          <a:chOff x="0" y="0"/>
+          <a:chExt cx="0" cy="0"/>
+        </a:xfrm>
+      </p:grpSpPr>
       <p:sp>
         <p:nvSpPr>
           <p:cNvPr id="14" name="Content Placeholder 13"/>
@@ -9091,7 +9372,661 @@
 </p:sld>
 </file>
 
-<file path=ppt/slides/slide11.xml><?xml version="1.0" encoding="utf-8"?>
+<file path=ppt/slides/slide12.xml><?xml version="1.0" encoding="utf-8"?>
+<p:sld xmlns:a="http://schemas.openxmlformats.org/drawingml/2006/main" xmlns:r="http://schemas.openxmlformats.org/officeDocument/2006/relationships" xmlns:p="http://schemas.openxmlformats.org/presentationml/2006/main">
+  <p:cSld>
+    <p:spTree>
+      <p:nvGrpSpPr>
+        <p:cNvPr id="1" name=""/>
+        <p:cNvGrpSpPr/>
+        <p:nvPr/>
+      </p:nvGrpSpPr>
+      <p:grpSpPr>
+        <a:xfrm>
+          <a:off x="0" y="0"/>
+          <a:ext cx="0" cy="0"/>
+          <a:chOff x="0" y="0"/>
+          <a:chExt cx="0" cy="0"/>
+        </a:xfrm>
+      </p:grpSpPr>
+      <p:sp>
+        <p:nvSpPr>
+          <p:cNvPr id="7" name="Title 1">
+            <a:extLst>
+              <a:ext uri="{FF2B5EF4-FFF2-40B4-BE49-F238E27FC236}">
+                <a16:creationId xmlns:a16="http://schemas.microsoft.com/office/drawing/2014/main" id="{D8A6AE9F-15C6-4D86-8B6F-FC975BD3ED10}"/>
+              </a:ext>
+            </a:extLst>
+          </p:cNvPr>
+          <p:cNvSpPr txBox="1">
+            <a:spLocks/>
+          </p:cNvSpPr>
+          <p:nvPr/>
+        </p:nvSpPr>
+        <p:spPr>
+          <a:xfrm>
+            <a:off x="802972" y="2236169"/>
+            <a:ext cx="10566400" cy="802002"/>
+          </a:xfrm>
+          <a:prstGeom prst="rect">
+            <a:avLst/>
+          </a:prstGeom>
+        </p:spPr>
+        <p:txBody>
+          <a:bodyPr vert="horz" lIns="91440" tIns="45720" rIns="91440" bIns="45720" rtlCol="0" anchor="b" anchorCtr="0">
+            <a:noAutofit/>
+          </a:bodyPr>
+          <a:lstStyle>
+            <a:lvl1pPr algn="ctr" defTabSz="914400" rtl="0" eaLnBrk="1" latinLnBrk="0" hangingPunct="1">
+              <a:spcBef>
+                <a:spcPct val="0"/>
+              </a:spcBef>
+              <a:buNone/>
+              <a:defRPr sz="4400" b="1" kern="1200" cap="all" spc="50" baseline="0">
+                <a:solidFill>
+                  <a:schemeClr val="tx2">
+                    <a:lumMod val="50000"/>
+                  </a:schemeClr>
+                </a:solidFill>
+                <a:effectLst/>
+                <a:latin typeface="+mj-lt"/>
+                <a:ea typeface="+mj-ea"/>
+                <a:cs typeface="+mj-cs"/>
+              </a:defRPr>
+            </a:lvl1pPr>
+            <a:lvl2pPr eaLnBrk="1" hangingPunct="1">
+              <a:defRPr>
+                <a:solidFill>
+                  <a:schemeClr val="tx2"/>
+                </a:solidFill>
+              </a:defRPr>
+            </a:lvl2pPr>
+            <a:lvl3pPr eaLnBrk="1" hangingPunct="1">
+              <a:defRPr>
+                <a:solidFill>
+                  <a:schemeClr val="tx2"/>
+                </a:solidFill>
+              </a:defRPr>
+            </a:lvl3pPr>
+            <a:lvl4pPr eaLnBrk="1" hangingPunct="1">
+              <a:defRPr>
+                <a:solidFill>
+                  <a:schemeClr val="tx2"/>
+                </a:solidFill>
+              </a:defRPr>
+            </a:lvl4pPr>
+            <a:lvl5pPr eaLnBrk="1" hangingPunct="1">
+              <a:defRPr>
+                <a:solidFill>
+                  <a:schemeClr val="tx2"/>
+                </a:solidFill>
+              </a:defRPr>
+            </a:lvl5pPr>
+            <a:lvl6pPr eaLnBrk="1" hangingPunct="1">
+              <a:defRPr>
+                <a:solidFill>
+                  <a:schemeClr val="tx2"/>
+                </a:solidFill>
+              </a:defRPr>
+            </a:lvl6pPr>
+            <a:lvl7pPr eaLnBrk="1" hangingPunct="1">
+              <a:defRPr>
+                <a:solidFill>
+                  <a:schemeClr val="tx2"/>
+                </a:solidFill>
+              </a:defRPr>
+            </a:lvl7pPr>
+            <a:lvl8pPr eaLnBrk="1" hangingPunct="1">
+              <a:defRPr>
+                <a:solidFill>
+                  <a:schemeClr val="tx2"/>
+                </a:solidFill>
+              </a:defRPr>
+            </a:lvl8pPr>
+            <a:lvl9pPr eaLnBrk="1" hangingPunct="1">
+              <a:defRPr>
+                <a:solidFill>
+                  <a:schemeClr val="tx2"/>
+                </a:solidFill>
+              </a:defRPr>
+            </a:lvl9pPr>
+          </a:lstStyle>
+          <a:p>
+            <a:r>
+              <a:rPr lang="en-US" dirty="0"/>
+              <a:t>Demo</a:t>
+            </a:r>
+          </a:p>
+        </p:txBody>
+      </p:sp>
+    </p:spTree>
+    <p:extLst>
+      <p:ext uri="{BB962C8B-B14F-4D97-AF65-F5344CB8AC3E}">
+        <p14:creationId xmlns:p14="http://schemas.microsoft.com/office/powerpoint/2010/main" val="4279752589"/>
+      </p:ext>
+    </p:extLst>
+  </p:cSld>
+  <p:clrMapOvr>
+    <a:masterClrMapping/>
+  </p:clrMapOvr>
+  <mc:AlternateContent xmlns:mc="http://schemas.openxmlformats.org/markup-compatibility/2006" xmlns:p14="http://schemas.microsoft.com/office/powerpoint/2010/main">
+    <mc:Choice Requires="p14">
+      <p:transition spd="med" p14:dur="700">
+        <p:fade/>
+      </p:transition>
+    </mc:Choice>
+    <mc:Fallback xmlns="">
+      <p:transition spd="med">
+        <p:fade/>
+      </p:transition>
+    </mc:Fallback>
+  </mc:AlternateContent>
+</p:sld>
+</file>
+
+<file path=ppt/slides/slide13.xml><?xml version="1.0" encoding="utf-8"?>
+<p:sld xmlns:a="http://schemas.openxmlformats.org/drawingml/2006/main" xmlns:r="http://schemas.openxmlformats.org/officeDocument/2006/relationships" xmlns:p="http://schemas.openxmlformats.org/presentationml/2006/main">
+  <p:cSld>
+    <p:spTree>
+      <p:nvGrpSpPr>
+        <p:cNvPr id="1" name=""/>
+        <p:cNvGrpSpPr/>
+        <p:nvPr/>
+      </p:nvGrpSpPr>
+      <p:grpSpPr>
+        <a:xfrm>
+          <a:off x="0" y="0"/>
+          <a:ext cx="0" cy="0"/>
+          <a:chOff x="0" y="0"/>
+          <a:chExt cx="0" cy="0"/>
+        </a:xfrm>
+      </p:grpSpPr>
+      <p:sp>
+        <p:nvSpPr>
+          <p:cNvPr id="3" name="Content Placeholder 2">
+            <a:extLst>
+              <a:ext uri="{FF2B5EF4-FFF2-40B4-BE49-F238E27FC236}">
+                <a16:creationId xmlns:a16="http://schemas.microsoft.com/office/drawing/2014/main" id="{F10C851C-F17E-4808-B6C8-77C2269856B3}"/>
+              </a:ext>
+            </a:extLst>
+          </p:cNvPr>
+          <p:cNvSpPr>
+            <a:spLocks noGrp="1"/>
+          </p:cNvSpPr>
+          <p:nvPr>
+            <p:ph sz="quarter" idx="13"/>
+          </p:nvPr>
+        </p:nvSpPr>
+        <p:spPr>
+          <a:xfrm>
+            <a:off x="812800" y="1814051"/>
+            <a:ext cx="10566400" cy="2160639"/>
+          </a:xfrm>
+        </p:spPr>
+        <p:txBody>
+          <a:bodyPr>
+            <a:noAutofit/>
+          </a:bodyPr>
+          <a:lstStyle/>
+          <a:p>
+            <a:r>
+              <a:rPr lang="en-US" sz="3600" dirty="0"/>
+              <a:t>Use the right tool for the job. If you get stuck using the command line, you can use the console for hints. I like to use the command line for repeatable tasks.</a:t>
+            </a:r>
+          </a:p>
+        </p:txBody>
+      </p:sp>
+      <p:sp>
+        <p:nvSpPr>
+          <p:cNvPr id="5" name="Title 1">
+            <a:extLst>
+              <a:ext uri="{FF2B5EF4-FFF2-40B4-BE49-F238E27FC236}">
+                <a16:creationId xmlns:a16="http://schemas.microsoft.com/office/drawing/2014/main" id="{FAEA390D-F091-4B7A-A26D-3B27CC06DDEA}"/>
+              </a:ext>
+            </a:extLst>
+          </p:cNvPr>
+          <p:cNvSpPr>
+            <a:spLocks noGrp="1"/>
+          </p:cNvSpPr>
+          <p:nvPr>
+            <p:ph type="title"/>
+          </p:nvPr>
+        </p:nvSpPr>
+        <p:spPr>
+          <a:xfrm>
+            <a:off x="802972" y="495860"/>
+            <a:ext cx="10566400" cy="802002"/>
+          </a:xfrm>
+        </p:spPr>
+        <p:txBody>
+          <a:bodyPr/>
+          <a:lstStyle/>
+          <a:p>
+            <a:pPr algn="ctr"/>
+            <a:r>
+              <a:rPr lang="en-US" dirty="0"/>
+              <a:t>Tip</a:t>
+            </a:r>
+          </a:p>
+        </p:txBody>
+      </p:sp>
+    </p:spTree>
+    <p:extLst>
+      <p:ext uri="{BB962C8B-B14F-4D97-AF65-F5344CB8AC3E}">
+        <p14:creationId xmlns:p14="http://schemas.microsoft.com/office/powerpoint/2010/main" val="3888209031"/>
+      </p:ext>
+    </p:extLst>
+  </p:cSld>
+  <p:clrMapOvr>
+    <a:masterClrMapping/>
+  </p:clrMapOvr>
+  <mc:AlternateContent xmlns:mc="http://schemas.openxmlformats.org/markup-compatibility/2006" xmlns:p14="http://schemas.microsoft.com/office/powerpoint/2010/main">
+    <mc:Choice Requires="p14">
+      <p:transition spd="med" p14:dur="700">
+        <p:fade/>
+      </p:transition>
+    </mc:Choice>
+    <mc:Fallback xmlns="">
+      <p:transition spd="med">
+        <p:fade/>
+      </p:transition>
+    </mc:Fallback>
+  </mc:AlternateContent>
+</p:sld>
+</file>
+
+<file path=ppt/slides/slide14.xml><?xml version="1.0" encoding="utf-8"?>
+<p:sld xmlns:a="http://schemas.openxmlformats.org/drawingml/2006/main" xmlns:r="http://schemas.openxmlformats.org/officeDocument/2006/relationships" xmlns:p="http://schemas.openxmlformats.org/presentationml/2006/main">
+  <p:cSld>
+    <p:spTree>
+      <p:nvGrpSpPr>
+        <p:cNvPr id="1" name=""/>
+        <p:cNvGrpSpPr/>
+        <p:nvPr/>
+      </p:nvGrpSpPr>
+      <p:grpSpPr>
+        <a:xfrm>
+          <a:off x="0" y="0"/>
+          <a:ext cx="0" cy="0"/>
+          <a:chOff x="0" y="0"/>
+          <a:chExt cx="0" cy="0"/>
+        </a:xfrm>
+      </p:grpSpPr>
+      <p:sp>
+        <p:nvSpPr>
+          <p:cNvPr id="2" name="Title 1">
+            <a:extLst>
+              <a:ext uri="{FF2B5EF4-FFF2-40B4-BE49-F238E27FC236}">
+                <a16:creationId xmlns:a16="http://schemas.microsoft.com/office/drawing/2014/main" id="{C17BA615-E3C3-4579-9EC2-CFCE37CF9604}"/>
+              </a:ext>
+            </a:extLst>
+          </p:cNvPr>
+          <p:cNvSpPr>
+            <a:spLocks noGrp="1"/>
+          </p:cNvSpPr>
+          <p:nvPr>
+            <p:ph type="title"/>
+          </p:nvPr>
+        </p:nvSpPr>
+        <p:spPr>
+          <a:xfrm>
+            <a:off x="802972" y="628595"/>
+            <a:ext cx="10566400" cy="802002"/>
+          </a:xfrm>
+        </p:spPr>
+        <p:txBody>
+          <a:bodyPr/>
+          <a:lstStyle/>
+          <a:p>
+            <a:pPr algn="ctr"/>
+            <a:r>
+              <a:rPr lang="en-US" dirty="0"/>
+              <a:t>Creating a key pair</a:t>
+            </a:r>
+          </a:p>
+        </p:txBody>
+      </p:sp>
+      <p:sp>
+        <p:nvSpPr>
+          <p:cNvPr id="9" name="Content Placeholder 2">
+            <a:extLst>
+              <a:ext uri="{FF2B5EF4-FFF2-40B4-BE49-F238E27FC236}">
+                <a16:creationId xmlns:a16="http://schemas.microsoft.com/office/drawing/2014/main" id="{82D45AB6-E6C4-4696-A3FA-C1356B6D4A13}"/>
+              </a:ext>
+            </a:extLst>
+          </p:cNvPr>
+          <p:cNvSpPr txBox="1">
+            <a:spLocks/>
+          </p:cNvSpPr>
+          <p:nvPr/>
+        </p:nvSpPr>
+        <p:spPr>
+          <a:xfrm>
+            <a:off x="847216" y="1887795"/>
+            <a:ext cx="10566400" cy="4223626"/>
+          </a:xfrm>
+          <a:prstGeom prst="rect">
+            <a:avLst/>
+          </a:prstGeom>
+        </p:spPr>
+        <p:txBody>
+          <a:bodyPr vert="horz" lIns="91440" tIns="45720" rIns="91440" bIns="45720" rtlCol="0">
+            <a:normAutofit/>
+          </a:bodyPr>
+          <a:lstStyle>
+            <a:lvl1pPr marL="342900" indent="-342900" algn="l" defTabSz="914400" rtl="0" eaLnBrk="1" latinLnBrk="0" hangingPunct="1">
+              <a:lnSpc>
+                <a:spcPct val="100000"/>
+              </a:lnSpc>
+              <a:spcBef>
+                <a:spcPct val="20000"/>
+              </a:spcBef>
+              <a:spcAft>
+                <a:spcPts val="600"/>
+              </a:spcAft>
+              <a:buClr>
+                <a:schemeClr val="tx2">
+                  <a:lumMod val="50000"/>
+                </a:schemeClr>
+              </a:buClr>
+              <a:buFont typeface="Arial" pitchFamily="34" charset="0"/>
+              <a:buChar char="•"/>
+              <a:defRPr sz="2000" kern="1200" spc="30" baseline="0">
+                <a:solidFill>
+                  <a:schemeClr val="tx2">
+                    <a:lumMod val="50000"/>
+                  </a:schemeClr>
+                </a:solidFill>
+                <a:latin typeface="+mn-lt"/>
+                <a:ea typeface="+mn-ea"/>
+                <a:cs typeface="+mn-cs"/>
+              </a:defRPr>
+            </a:lvl1pPr>
+            <a:lvl2pPr marL="742950" indent="-285750" algn="l" defTabSz="914400" rtl="0" eaLnBrk="1" latinLnBrk="0" hangingPunct="1">
+              <a:lnSpc>
+                <a:spcPct val="100000"/>
+              </a:lnSpc>
+              <a:spcBef>
+                <a:spcPct val="20000"/>
+              </a:spcBef>
+              <a:spcAft>
+                <a:spcPts val="600"/>
+              </a:spcAft>
+              <a:buClr>
+                <a:schemeClr val="tx2">
+                  <a:lumMod val="50000"/>
+                </a:schemeClr>
+              </a:buClr>
+              <a:buFont typeface="Arial" pitchFamily="34" charset="0"/>
+              <a:buChar char="•"/>
+              <a:defRPr sz="2000" kern="1200" spc="30" baseline="0">
+                <a:solidFill>
+                  <a:schemeClr val="tx2">
+                    <a:lumMod val="50000"/>
+                  </a:schemeClr>
+                </a:solidFill>
+                <a:latin typeface="+mn-lt"/>
+                <a:ea typeface="+mn-ea"/>
+                <a:cs typeface="+mn-cs"/>
+              </a:defRPr>
+            </a:lvl2pPr>
+            <a:lvl3pPr marL="1143000" indent="-228600" algn="l" defTabSz="914400" rtl="0" eaLnBrk="1" latinLnBrk="0" hangingPunct="1">
+              <a:lnSpc>
+                <a:spcPct val="100000"/>
+              </a:lnSpc>
+              <a:spcBef>
+                <a:spcPct val="20000"/>
+              </a:spcBef>
+              <a:spcAft>
+                <a:spcPts val="600"/>
+              </a:spcAft>
+              <a:buClr>
+                <a:schemeClr val="tx2">
+                  <a:lumMod val="50000"/>
+                </a:schemeClr>
+              </a:buClr>
+              <a:buFont typeface="Arial" pitchFamily="34" charset="0"/>
+              <a:buChar char="•"/>
+              <a:defRPr sz="2000" kern="1200" spc="30" baseline="0">
+                <a:solidFill>
+                  <a:schemeClr val="tx2">
+                    <a:lumMod val="50000"/>
+                  </a:schemeClr>
+                </a:solidFill>
+                <a:latin typeface="+mn-lt"/>
+                <a:ea typeface="+mn-ea"/>
+                <a:cs typeface="+mn-cs"/>
+              </a:defRPr>
+            </a:lvl3pPr>
+            <a:lvl4pPr marL="1600200" indent="-228600" algn="l" defTabSz="914400" rtl="0" eaLnBrk="1" latinLnBrk="0" hangingPunct="1">
+              <a:lnSpc>
+                <a:spcPct val="100000"/>
+              </a:lnSpc>
+              <a:spcBef>
+                <a:spcPct val="20000"/>
+              </a:spcBef>
+              <a:spcAft>
+                <a:spcPts val="600"/>
+              </a:spcAft>
+              <a:buClr>
+                <a:schemeClr val="tx2">
+                  <a:lumMod val="50000"/>
+                </a:schemeClr>
+              </a:buClr>
+              <a:buFont typeface="Arial" pitchFamily="34" charset="0"/>
+              <a:buChar char="•"/>
+              <a:defRPr sz="2000" kern="1200" spc="30" baseline="0">
+                <a:solidFill>
+                  <a:schemeClr val="tx2">
+                    <a:lumMod val="50000"/>
+                  </a:schemeClr>
+                </a:solidFill>
+                <a:latin typeface="+mn-lt"/>
+                <a:ea typeface="+mn-ea"/>
+                <a:cs typeface="+mn-cs"/>
+              </a:defRPr>
+            </a:lvl4pPr>
+            <a:lvl5pPr marL="2057400" indent="-228600" algn="l" defTabSz="914400" rtl="0" eaLnBrk="1" latinLnBrk="0" hangingPunct="1">
+              <a:lnSpc>
+                <a:spcPct val="100000"/>
+              </a:lnSpc>
+              <a:spcBef>
+                <a:spcPct val="20000"/>
+              </a:spcBef>
+              <a:spcAft>
+                <a:spcPts val="600"/>
+              </a:spcAft>
+              <a:buClr>
+                <a:schemeClr val="tx2">
+                  <a:lumMod val="50000"/>
+                </a:schemeClr>
+              </a:buClr>
+              <a:buFont typeface="Arial" pitchFamily="34" charset="0"/>
+              <a:buChar char="•"/>
+              <a:defRPr sz="2000" kern="1200" spc="30" baseline="0">
+                <a:solidFill>
+                  <a:schemeClr val="tx2">
+                    <a:lumMod val="50000"/>
+                  </a:schemeClr>
+                </a:solidFill>
+                <a:latin typeface="+mn-lt"/>
+                <a:ea typeface="+mn-ea"/>
+                <a:cs typeface="+mn-cs"/>
+              </a:defRPr>
+            </a:lvl5pPr>
+            <a:lvl6pPr marL="2514600" indent="-228600" algn="l" defTabSz="914400" rtl="0" eaLnBrk="1" latinLnBrk="0" hangingPunct="1">
+              <a:lnSpc>
+                <a:spcPct val="100000"/>
+              </a:lnSpc>
+              <a:spcBef>
+                <a:spcPct val="20000"/>
+              </a:spcBef>
+              <a:spcAft>
+                <a:spcPts val="600"/>
+              </a:spcAft>
+              <a:buClr>
+                <a:schemeClr val="tx2">
+                  <a:lumMod val="50000"/>
+                </a:schemeClr>
+              </a:buClr>
+              <a:buFont typeface="Arial" pitchFamily="34" charset="0"/>
+              <a:buChar char="•"/>
+              <a:defRPr sz="1700" kern="1200">
+                <a:solidFill>
+                  <a:schemeClr val="tx2">
+                    <a:lumMod val="50000"/>
+                  </a:schemeClr>
+                </a:solidFill>
+                <a:latin typeface="+mn-lt"/>
+                <a:ea typeface="+mn-ea"/>
+                <a:cs typeface="+mn-cs"/>
+              </a:defRPr>
+            </a:lvl6pPr>
+            <a:lvl7pPr marL="2971800" indent="-228600" algn="l" defTabSz="914400" rtl="0" eaLnBrk="1" latinLnBrk="0" hangingPunct="1">
+              <a:lnSpc>
+                <a:spcPct val="100000"/>
+              </a:lnSpc>
+              <a:spcBef>
+                <a:spcPct val="20000"/>
+              </a:spcBef>
+              <a:spcAft>
+                <a:spcPts val="600"/>
+              </a:spcAft>
+              <a:buClr>
+                <a:schemeClr val="tx2">
+                  <a:lumMod val="50000"/>
+                </a:schemeClr>
+              </a:buClr>
+              <a:buFont typeface="Arial" pitchFamily="34" charset="0"/>
+              <a:buChar char="•"/>
+              <a:defRPr sz="1700" kern="1200">
+                <a:solidFill>
+                  <a:schemeClr val="tx2">
+                    <a:lumMod val="50000"/>
+                  </a:schemeClr>
+                </a:solidFill>
+                <a:latin typeface="+mn-lt"/>
+                <a:ea typeface="+mn-ea"/>
+                <a:cs typeface="+mn-cs"/>
+              </a:defRPr>
+            </a:lvl7pPr>
+            <a:lvl8pPr marL="3429000" indent="-228600" algn="l" defTabSz="914400" rtl="0" eaLnBrk="1" latinLnBrk="0" hangingPunct="1">
+              <a:lnSpc>
+                <a:spcPct val="100000"/>
+              </a:lnSpc>
+              <a:spcBef>
+                <a:spcPct val="20000"/>
+              </a:spcBef>
+              <a:spcAft>
+                <a:spcPts val="600"/>
+              </a:spcAft>
+              <a:buClr>
+                <a:schemeClr val="tx2">
+                  <a:lumMod val="50000"/>
+                </a:schemeClr>
+              </a:buClr>
+              <a:buFont typeface="Arial" pitchFamily="34" charset="0"/>
+              <a:buChar char="•"/>
+              <a:defRPr sz="1700" kern="1200">
+                <a:solidFill>
+                  <a:schemeClr val="tx2">
+                    <a:lumMod val="50000"/>
+                  </a:schemeClr>
+                </a:solidFill>
+                <a:latin typeface="+mn-lt"/>
+                <a:ea typeface="+mn-ea"/>
+                <a:cs typeface="+mn-cs"/>
+              </a:defRPr>
+            </a:lvl8pPr>
+            <a:lvl9pPr marL="3886200" indent="-228600" algn="l" defTabSz="914400" rtl="0" eaLnBrk="1" latinLnBrk="0" hangingPunct="1">
+              <a:lnSpc>
+                <a:spcPct val="100000"/>
+              </a:lnSpc>
+              <a:spcBef>
+                <a:spcPct val="20000"/>
+              </a:spcBef>
+              <a:spcAft>
+                <a:spcPts val="600"/>
+              </a:spcAft>
+              <a:buClr>
+                <a:schemeClr val="tx2">
+                  <a:lumMod val="50000"/>
+                </a:schemeClr>
+              </a:buClr>
+              <a:buFont typeface="Arial" pitchFamily="34" charset="0"/>
+              <a:buChar char="•"/>
+              <a:defRPr sz="1700" kern="1200">
+                <a:solidFill>
+                  <a:schemeClr val="tx2">
+                    <a:lumMod val="50000"/>
+                  </a:schemeClr>
+                </a:solidFill>
+                <a:latin typeface="+mn-lt"/>
+                <a:ea typeface="+mn-ea"/>
+                <a:cs typeface="+mn-cs"/>
+              </a:defRPr>
+            </a:lvl9pPr>
+          </a:lstStyle>
+          <a:p>
+            <a:pPr marL="0" indent="0">
+              <a:buNone/>
+            </a:pPr>
+            <a:r>
+              <a:rPr lang="en-US" sz="3600" dirty="0"/>
+              <a:t>In order to create a machine instance, you need to create a key pair. Go to the EC2 dashboard and click on “Key Pairs” in the left sidebar.</a:t>
+            </a:r>
+            <a:endParaRPr lang="en-US" sz="3600" dirty="0">
+              <a:solidFill>
+                <a:srgbClr val="FF0000"/>
+              </a:solidFill>
+            </a:endParaRPr>
+          </a:p>
+          <a:p>
+            <a:pPr marL="0" indent="0">
+              <a:buNone/>
+            </a:pPr>
+            <a:endParaRPr lang="en-US" sz="3600" dirty="0"/>
+          </a:p>
+          <a:p>
+            <a:pPr marL="0" indent="0">
+              <a:buNone/>
+            </a:pPr>
+            <a:endParaRPr lang="en-US" sz="3600" dirty="0"/>
+          </a:p>
+          <a:p>
+            <a:pPr marL="0" indent="0">
+              <a:buNone/>
+            </a:pPr>
+            <a:endParaRPr lang="en-US" sz="3600" dirty="0"/>
+          </a:p>
+        </p:txBody>
+      </p:sp>
+    </p:spTree>
+    <p:extLst>
+      <p:ext uri="{BB962C8B-B14F-4D97-AF65-F5344CB8AC3E}">
+        <p14:creationId xmlns:p14="http://schemas.microsoft.com/office/powerpoint/2010/main" val="4073827153"/>
+      </p:ext>
+    </p:extLst>
+  </p:cSld>
+  <p:clrMapOvr>
+    <a:masterClrMapping/>
+  </p:clrMapOvr>
+  <mc:AlternateContent xmlns:mc="http://schemas.openxmlformats.org/markup-compatibility/2006" xmlns:p14="http://schemas.microsoft.com/office/powerpoint/2010/main">
+    <mc:Choice Requires="p14">
+      <p:transition spd="med" p14:dur="700">
+        <p:fade/>
+      </p:transition>
+    </mc:Choice>
+    <mc:Fallback xmlns="">
+      <p:transition spd="med">
+        <p:fade/>
+      </p:transition>
+    </mc:Fallback>
+  </mc:AlternateContent>
+</p:sld>
+</file>
+
+<file path=ppt/slides/slide15.xml><?xml version="1.0" encoding="utf-8"?>
 <p:sld xmlns:a="http://schemas.openxmlformats.org/drawingml/2006/main" xmlns:r="http://schemas.openxmlformats.org/officeDocument/2006/relationships" xmlns:p="http://schemas.openxmlformats.org/presentationml/2006/main">
   <p:cSld>
     <p:spTree>
@@ -9415,7 +10350,7 @@
     </p:spTree>
     <p:extLst>
       <p:ext uri="{BB962C8B-B14F-4D97-AF65-F5344CB8AC3E}">
-        <p14:creationId xmlns:p14="http://schemas.microsoft.com/office/powerpoint/2010/main" val="4279752589"/>
+        <p14:creationId xmlns:p14="http://schemas.microsoft.com/office/powerpoint/2010/main" val="3506282798"/>
       </p:ext>
     </p:extLst>
   </p:cSld>
@@ -9437,7 +10372,7 @@
 </p:sld>
 </file>
 
-<file path=ppt/slides/slide12.xml><?xml version="1.0" encoding="utf-8"?>
+<file path=ppt/slides/slide16.xml><?xml version="1.0" encoding="utf-8"?>
 <p:sld xmlns:a="http://schemas.openxmlformats.org/drawingml/2006/main" xmlns:r="http://schemas.openxmlformats.org/officeDocument/2006/relationships" xmlns:p="http://schemas.openxmlformats.org/presentationml/2006/main">
   <p:cSld>
     <p:spTree>
@@ -9479,7 +10414,7 @@
 </p:sld>
 </file>
 
-<file path=ppt/slides/slide13.xml><?xml version="1.0" encoding="utf-8"?>
+<file path=ppt/slides/slide17.xml><?xml version="1.0" encoding="utf-8"?>
 <p:sld xmlns:a="http://schemas.openxmlformats.org/drawingml/2006/main" xmlns:r="http://schemas.openxmlformats.org/officeDocument/2006/relationships" xmlns:p="http://schemas.openxmlformats.org/presentationml/2006/main">
   <p:cSld>
     <p:spTree>
@@ -9521,7 +10456,7 @@
 </p:sld>
 </file>
 
-<file path=ppt/slides/slide14.xml><?xml version="1.0" encoding="utf-8"?>
+<file path=ppt/slides/slide18.xml><?xml version="1.0" encoding="utf-8"?>
 <p:sld xmlns:a="http://schemas.openxmlformats.org/drawingml/2006/main" xmlns:r="http://schemas.openxmlformats.org/officeDocument/2006/relationships" xmlns:p="http://schemas.openxmlformats.org/presentationml/2006/main">
   <p:cSld>
     <p:spTree>
@@ -9563,7 +10498,7 @@
 </p:sld>
 </file>
 
-<file path=ppt/slides/slide15.xml><?xml version="1.0" encoding="utf-8"?>
+<file path=ppt/slides/slide19.xml><?xml version="1.0" encoding="utf-8"?>
 <p:sld xmlns:a="http://schemas.openxmlformats.org/drawingml/2006/main" xmlns:r="http://schemas.openxmlformats.org/officeDocument/2006/relationships" xmlns:p="http://schemas.openxmlformats.org/presentationml/2006/main">
   <p:cSld>
     <p:spTree>
@@ -9648,7 +10583,90 @@
 </p:sld>
 </file>
 
-<file path=ppt/slides/slide16.xml><?xml version="1.0" encoding="utf-8"?>
+<file path=ppt/slides/slide2.xml><?xml version="1.0" encoding="utf-8"?>
+<p:sld xmlns:a="http://schemas.openxmlformats.org/drawingml/2006/main" xmlns:r="http://schemas.openxmlformats.org/officeDocument/2006/relationships" xmlns:p="http://schemas.openxmlformats.org/presentationml/2006/main">
+  <p:cSld>
+    <p:spTree>
+      <p:nvGrpSpPr>
+        <p:cNvPr id="1" name=""/>
+        <p:cNvGrpSpPr/>
+        <p:nvPr/>
+      </p:nvGrpSpPr>
+      <p:grpSpPr>
+        <a:xfrm>
+          <a:off x="0" y="0"/>
+          <a:ext cx="0" cy="0"/>
+          <a:chOff x="0" y="0"/>
+          <a:chExt cx="0" cy="0"/>
+        </a:xfrm>
+      </p:grpSpPr>
+      <p:sp>
+        <p:nvSpPr>
+          <p:cNvPr id="3" name="Content Placeholder 2">
+            <a:extLst>
+              <a:ext uri="{FF2B5EF4-FFF2-40B4-BE49-F238E27FC236}">
+                <a16:creationId xmlns:a16="http://schemas.microsoft.com/office/drawing/2014/main" id="{A3BBF652-E1AD-4B4D-93B0-853AE3C72523}"/>
+              </a:ext>
+            </a:extLst>
+          </p:cNvPr>
+          <p:cNvSpPr>
+            <a:spLocks noGrp="1"/>
+          </p:cNvSpPr>
+          <p:nvPr>
+            <p:ph sz="quarter" idx="13"/>
+          </p:nvPr>
+        </p:nvSpPr>
+        <p:spPr>
+          <a:xfrm>
+            <a:off x="812800" y="1600200"/>
+            <a:ext cx="10566400" cy="4114800"/>
+          </a:xfrm>
+        </p:spPr>
+        <p:txBody>
+          <a:bodyPr>
+            <a:normAutofit/>
+          </a:bodyPr>
+          <a:lstStyle/>
+          <a:p>
+            <a:pPr marL="0" indent="0">
+              <a:buNone/>
+            </a:pPr>
+            <a:r>
+              <a:rPr lang="en-US" sz="3600" dirty="0"/>
+              <a:t>I studied Terraform and AWS CLI. I find Terraform syntax to be a little alien. The only reason to use Terraform as far as I can tell is because it works on Azure, whereas AWS CLI does not. Well we're not using Azure. Are we?</a:t>
+            </a:r>
+          </a:p>
+          <a:p>
+            <a:endParaRPr lang="en-US" sz="3600" dirty="0"/>
+          </a:p>
+        </p:txBody>
+      </p:sp>
+    </p:spTree>
+    <p:extLst>
+      <p:ext uri="{BB962C8B-B14F-4D97-AF65-F5344CB8AC3E}">
+        <p14:creationId xmlns:p14="http://schemas.microsoft.com/office/powerpoint/2010/main" val="890818756"/>
+      </p:ext>
+    </p:extLst>
+  </p:cSld>
+  <p:clrMapOvr>
+    <a:masterClrMapping/>
+  </p:clrMapOvr>
+  <mc:AlternateContent xmlns:mc="http://schemas.openxmlformats.org/markup-compatibility/2006" xmlns:p14="http://schemas.microsoft.com/office/powerpoint/2010/main">
+    <mc:Choice Requires="p14">
+      <p:transition spd="med" p14:dur="700">
+        <p:fade/>
+      </p:transition>
+    </mc:Choice>
+    <mc:Fallback xmlns="">
+      <p:transition spd="med">
+        <p:fade/>
+      </p:transition>
+    </mc:Fallback>
+  </mc:AlternateContent>
+</p:sld>
+</file>
+
+<file path=ppt/slides/slide20.xml><?xml version="1.0" encoding="utf-8"?>
 <p:sld xmlns:a="http://schemas.openxmlformats.org/drawingml/2006/main" xmlns:r="http://schemas.openxmlformats.org/officeDocument/2006/relationships" xmlns:p="http://schemas.openxmlformats.org/presentationml/2006/main">
   <p:cSld>
     <p:spTree>
@@ -9763,7 +10781,7 @@
 </p:sld>
 </file>
 
-<file path=ppt/slides/slide17.xml><?xml version="1.0" encoding="utf-8"?>
+<file path=ppt/slides/slide21.xml><?xml version="1.0" encoding="utf-8"?>
 <p:sld xmlns:a="http://schemas.openxmlformats.org/drawingml/2006/main" xmlns:r="http://schemas.openxmlformats.org/officeDocument/2006/relationships" xmlns:p="http://schemas.openxmlformats.org/presentationml/2006/main">
   <p:cSld>
     <p:spTree>
@@ -9852,7 +10870,7 @@
 </p:sld>
 </file>
 
-<file path=ppt/slides/slide18.xml><?xml version="1.0" encoding="utf-8"?>
+<file path=ppt/slides/slide22.xml><?xml version="1.0" encoding="utf-8"?>
 <p:sld xmlns:a="http://schemas.openxmlformats.org/drawingml/2006/main" xmlns:r="http://schemas.openxmlformats.org/officeDocument/2006/relationships" xmlns:p="http://schemas.openxmlformats.org/presentationml/2006/main">
   <p:cSld>
     <p:spTree>
@@ -10195,7 +11213,7 @@
 </p:sld>
 </file>
 
-<file path=ppt/slides/slide19.xml><?xml version="1.0" encoding="utf-8"?>
+<file path=ppt/slides/slide23.xml><?xml version="1.0" encoding="utf-8"?>
 <p:sld xmlns:a="http://schemas.openxmlformats.org/drawingml/2006/main" xmlns:r="http://schemas.openxmlformats.org/officeDocument/2006/relationships" xmlns:p="http://schemas.openxmlformats.org/presentationml/2006/main">
   <p:cSld>
     <p:spTree>
@@ -10299,89 +11317,6 @@
     <p:extLst>
       <p:ext uri="{BB962C8B-B14F-4D97-AF65-F5344CB8AC3E}">
         <p14:creationId xmlns:p14="http://schemas.microsoft.com/office/powerpoint/2010/main" val="2535459350"/>
-      </p:ext>
-    </p:extLst>
-  </p:cSld>
-  <p:clrMapOvr>
-    <a:masterClrMapping/>
-  </p:clrMapOvr>
-  <mc:AlternateContent xmlns:mc="http://schemas.openxmlformats.org/markup-compatibility/2006" xmlns:p14="http://schemas.microsoft.com/office/powerpoint/2010/main">
-    <mc:Choice Requires="p14">
-      <p:transition spd="med" p14:dur="700">
-        <p:fade/>
-      </p:transition>
-    </mc:Choice>
-    <mc:Fallback xmlns="">
-      <p:transition spd="med">
-        <p:fade/>
-      </p:transition>
-    </mc:Fallback>
-  </mc:AlternateContent>
-</p:sld>
-</file>
-
-<file path=ppt/slides/slide2.xml><?xml version="1.0" encoding="utf-8"?>
-<p:sld xmlns:a="http://schemas.openxmlformats.org/drawingml/2006/main" xmlns:r="http://schemas.openxmlformats.org/officeDocument/2006/relationships" xmlns:p="http://schemas.openxmlformats.org/presentationml/2006/main">
-  <p:cSld>
-    <p:spTree>
-      <p:nvGrpSpPr>
-        <p:cNvPr id="1" name=""/>
-        <p:cNvGrpSpPr/>
-        <p:nvPr/>
-      </p:nvGrpSpPr>
-      <p:grpSpPr>
-        <a:xfrm>
-          <a:off x="0" y="0"/>
-          <a:ext cx="0" cy="0"/>
-          <a:chOff x="0" y="0"/>
-          <a:chExt cx="0" cy="0"/>
-        </a:xfrm>
-      </p:grpSpPr>
-      <p:sp>
-        <p:nvSpPr>
-          <p:cNvPr id="3" name="Content Placeholder 2">
-            <a:extLst>
-              <a:ext uri="{FF2B5EF4-FFF2-40B4-BE49-F238E27FC236}">
-                <a16:creationId xmlns:a16="http://schemas.microsoft.com/office/drawing/2014/main" id="{A3BBF652-E1AD-4B4D-93B0-853AE3C72523}"/>
-              </a:ext>
-            </a:extLst>
-          </p:cNvPr>
-          <p:cNvSpPr>
-            <a:spLocks noGrp="1"/>
-          </p:cNvSpPr>
-          <p:nvPr>
-            <p:ph sz="quarter" idx="13"/>
-          </p:nvPr>
-        </p:nvSpPr>
-        <p:spPr>
-          <a:xfrm>
-            <a:off x="812800" y="1600200"/>
-            <a:ext cx="10566400" cy="4114800"/>
-          </a:xfrm>
-        </p:spPr>
-        <p:txBody>
-          <a:bodyPr>
-            <a:normAutofit/>
-          </a:bodyPr>
-          <a:lstStyle/>
-          <a:p>
-            <a:pPr marL="0" indent="0">
-              <a:buNone/>
-            </a:pPr>
-            <a:r>
-              <a:rPr lang="en-US" sz="3600" dirty="0"/>
-              <a:t>I studied Terraform and AWS CLI. I find Terraform syntax to be a little alien. The only reason to use Terraform as far as I can tell is because it works on Azure, whereas AWS CLI does not. Well we're not using Azure. Are we?</a:t>
-            </a:r>
-          </a:p>
-          <a:p>
-            <a:endParaRPr lang="en-US" sz="3600" dirty="0"/>
-          </a:p>
-        </p:txBody>
-      </p:sp>
-    </p:spTree>
-    <p:extLst>
-      <p:ext uri="{BB962C8B-B14F-4D97-AF65-F5344CB8AC3E}">
-        <p14:creationId xmlns:p14="http://schemas.microsoft.com/office/powerpoint/2010/main" val="890818756"/>
       </p:ext>
     </p:extLst>
   </p:cSld>
@@ -10817,7 +11752,7 @@
         </p:nvSpPr>
         <p:spPr>
           <a:xfrm>
-            <a:off x="802972" y="746579"/>
+            <a:off x="729232" y="407370"/>
             <a:ext cx="10566400" cy="1143000"/>
           </a:xfrm>
         </p:spPr>
@@ -10825,6 +11760,7 @@
           <a:bodyPr/>
           <a:lstStyle/>
           <a:p>
+            <a:pPr algn="ctr"/>
             <a:r>
               <a:rPr lang="en-US" dirty="0"/>
               <a:t>Download and Run the AWS CLI msi</a:t>
@@ -11469,10 +12405,10 @@
       </p:grpSpPr>
       <p:sp>
         <p:nvSpPr>
-          <p:cNvPr id="3" name="Content Placeholder 2">
+          <p:cNvPr id="2" name="Title 1">
             <a:extLst>
               <a:ext uri="{FF2B5EF4-FFF2-40B4-BE49-F238E27FC236}">
-                <a16:creationId xmlns:a16="http://schemas.microsoft.com/office/drawing/2014/main" id="{A3BBF652-E1AD-4B4D-93B0-853AE3C72523}"/>
+                <a16:creationId xmlns:a16="http://schemas.microsoft.com/office/drawing/2014/main" id="{C17BA615-E3C3-4579-9EC2-CFCE37CF9604}"/>
               </a:ext>
             </a:extLst>
           </p:cNvPr>
@@ -11480,207 +12416,33 @@
             <a:spLocks noGrp="1"/>
           </p:cNvSpPr>
           <p:nvPr>
-            <p:ph sz="quarter" idx="13"/>
+            <p:ph type="title"/>
           </p:nvPr>
         </p:nvSpPr>
         <p:spPr>
           <a:xfrm>
-            <a:off x="812800" y="914400"/>
-            <a:ext cx="10566400" cy="4800600"/>
+            <a:off x="802972" y="628595"/>
+            <a:ext cx="10566400" cy="802002"/>
           </a:xfrm>
         </p:spPr>
         <p:txBody>
-          <a:bodyPr>
-            <a:normAutofit/>
-          </a:bodyPr>
+          <a:bodyPr/>
           <a:lstStyle/>
           <a:p>
-            <a:pPr marL="0" indent="0">
-              <a:buNone/>
-            </a:pPr>
-            <a:r>
-              <a:rPr lang="en-US" sz="3600" dirty="0"/>
-              <a:t>Now that we have a working command line, we need a user.</a:t>
-            </a:r>
-          </a:p>
-          <a:p>
-            <a:pPr marL="0" indent="0">
-              <a:buNone/>
-            </a:pPr>
-            <a:r>
-              <a:rPr lang="en-US" sz="3600" dirty="0"/>
-              <a:t>There are 2 types of AWS users:</a:t>
-            </a:r>
-          </a:p>
-          <a:p>
-            <a:r>
-              <a:rPr lang="en-US" sz="3600" dirty="0"/>
-              <a:t>Console: For navigating the AWS website.</a:t>
-            </a:r>
-          </a:p>
-          <a:p>
-            <a:r>
-              <a:rPr lang="en-US" sz="3600" dirty="0"/>
-              <a:t>Programmatic: Necessary for running commands at in the AWS CLI, AWS SDK, etc.  So this is what we need.</a:t>
-            </a:r>
-          </a:p>
-        </p:txBody>
-      </p:sp>
-    </p:spTree>
-    <p:extLst>
-      <p:ext uri="{BB962C8B-B14F-4D97-AF65-F5344CB8AC3E}">
-        <p14:creationId xmlns:p14="http://schemas.microsoft.com/office/powerpoint/2010/main" val="2837592923"/>
-      </p:ext>
-    </p:extLst>
-  </p:cSld>
-  <p:clrMapOvr>
-    <a:masterClrMapping/>
-  </p:clrMapOvr>
-  <mc:AlternateContent xmlns:mc="http://schemas.openxmlformats.org/markup-compatibility/2006" xmlns:p14="http://schemas.microsoft.com/office/powerpoint/2010/main">
-    <mc:Choice Requires="p14">
-      <p:transition spd="med" p14:dur="700">
-        <p:fade/>
-      </p:transition>
-    </mc:Choice>
-    <mc:Fallback xmlns="">
-      <p:transition spd="med">
-        <p:fade/>
-      </p:transition>
-    </mc:Fallback>
-  </mc:AlternateContent>
-</p:sld>
-</file>
-
-<file path=ppt/slides/slide6.xml><?xml version="1.0" encoding="utf-8"?>
-<p:sld xmlns:a="http://schemas.openxmlformats.org/drawingml/2006/main" xmlns:r="http://schemas.openxmlformats.org/officeDocument/2006/relationships" xmlns:p="http://schemas.openxmlformats.org/presentationml/2006/main">
-  <p:cSld>
-    <p:spTree>
-      <p:nvGrpSpPr>
-        <p:cNvPr id="1" name=""/>
-        <p:cNvGrpSpPr/>
-        <p:nvPr/>
-      </p:nvGrpSpPr>
-      <p:grpSpPr>
-        <a:xfrm>
-          <a:off x="0" y="0"/>
-          <a:ext cx="0" cy="0"/>
-          <a:chOff x="0" y="0"/>
-          <a:chExt cx="0" cy="0"/>
-        </a:xfrm>
-      </p:grpSpPr>
-      <p:pic>
-        <p:nvPicPr>
-          <p:cNvPr id="2" name="Picture 1">
-            <a:extLst>
-              <a:ext uri="{FF2B5EF4-FFF2-40B4-BE49-F238E27FC236}">
-                <a16:creationId xmlns:a16="http://schemas.microsoft.com/office/drawing/2014/main" id="{D9BE62EB-9979-4CE9-A38C-ECA5658342D5}"/>
-              </a:ext>
-            </a:extLst>
-          </p:cNvPr>
-          <p:cNvPicPr>
-            <a:picLocks noChangeAspect="1"/>
-          </p:cNvPicPr>
-          <p:nvPr/>
-        </p:nvPicPr>
-        <p:blipFill>
-          <a:blip r:embed="rId2"/>
-          <a:stretch>
-            <a:fillRect/>
-          </a:stretch>
-        </p:blipFill>
-        <p:spPr>
-          <a:xfrm>
-            <a:off x="985837" y="366712"/>
-            <a:ext cx="10220325" cy="6124575"/>
-          </a:xfrm>
-          <a:prstGeom prst="rect">
-            <a:avLst/>
-          </a:prstGeom>
-        </p:spPr>
-      </p:pic>
-    </p:spTree>
-    <p:extLst>
-      <p:ext uri="{BB962C8B-B14F-4D97-AF65-F5344CB8AC3E}">
-        <p14:creationId xmlns:p14="http://schemas.microsoft.com/office/powerpoint/2010/main" val="1220452376"/>
-      </p:ext>
-    </p:extLst>
-  </p:cSld>
-  <p:clrMapOvr>
-    <a:masterClrMapping/>
-  </p:clrMapOvr>
-  <mc:AlternateContent xmlns:mc="http://schemas.openxmlformats.org/markup-compatibility/2006" xmlns:p14="http://schemas.microsoft.com/office/powerpoint/2010/main">
-    <mc:Choice Requires="p14">
-      <p:transition spd="med" p14:dur="700">
-        <p:fade/>
-      </p:transition>
-    </mc:Choice>
-    <mc:Fallback xmlns="">
-      <p:transition spd="med">
-        <p:fade/>
-      </p:transition>
-    </mc:Fallback>
-  </mc:AlternateContent>
-</p:sld>
-</file>
-
-<file path=ppt/slides/slide7.xml><?xml version="1.0" encoding="utf-8"?>
-<p:sld xmlns:a="http://schemas.openxmlformats.org/drawingml/2006/main" xmlns:r="http://schemas.openxmlformats.org/officeDocument/2006/relationships" xmlns:p="http://schemas.openxmlformats.org/presentationml/2006/main">
-  <p:cSld>
-    <p:spTree>
-      <p:nvGrpSpPr>
-        <p:cNvPr id="1" name=""/>
-        <p:cNvGrpSpPr/>
-        <p:nvPr/>
-      </p:nvGrpSpPr>
-      <p:grpSpPr>
-        <a:xfrm>
-          <a:off x="0" y="0"/>
-          <a:ext cx="0" cy="0"/>
-          <a:chOff x="0" y="0"/>
-          <a:chExt cx="0" cy="0"/>
-        </a:xfrm>
-      </p:grpSpPr>
-      <p:sp>
-        <p:nvSpPr>
-          <p:cNvPr id="3" name="Content Placeholder 2">
-            <a:extLst>
-              <a:ext uri="{FF2B5EF4-FFF2-40B4-BE49-F238E27FC236}">
-                <a16:creationId xmlns:a16="http://schemas.microsoft.com/office/drawing/2014/main" id="{F10C851C-F17E-4808-B6C8-77C2269856B3}"/>
-              </a:ext>
-            </a:extLst>
-          </p:cNvPr>
-          <p:cNvSpPr>
-            <a:spLocks noGrp="1"/>
-          </p:cNvSpPr>
-          <p:nvPr>
-            <p:ph sz="quarter" idx="13"/>
-          </p:nvPr>
-        </p:nvSpPr>
-        <p:spPr>
-          <a:xfrm>
-            <a:off x="812800" y="1814051"/>
-            <a:ext cx="10566400" cy="2160639"/>
-          </a:xfrm>
-        </p:spPr>
-        <p:txBody>
-          <a:bodyPr>
-            <a:noAutofit/>
-          </a:bodyPr>
-          <a:lstStyle/>
-          <a:p>
-            <a:r>
-              <a:rPr lang="en-US" sz="3600" dirty="0"/>
-              <a:t>Use the right tool for the job. If you get stuck using the command line, you can use the console for hints. I like to use the command line for repeatable tasks.</a:t>
+            <a:pPr algn="ctr"/>
+            <a:r>
+              <a:rPr lang="en-US" dirty="0"/>
+              <a:t>The help system</a:t>
             </a:r>
           </a:p>
         </p:txBody>
       </p:sp>
       <p:sp>
         <p:nvSpPr>
-          <p:cNvPr id="4" name="Content Placeholder 2">
+          <p:cNvPr id="9" name="Content Placeholder 2">
             <a:extLst>
               <a:ext uri="{FF2B5EF4-FFF2-40B4-BE49-F238E27FC236}">
-                <a16:creationId xmlns:a16="http://schemas.microsoft.com/office/drawing/2014/main" id="{A3594D5A-EF03-47AC-BFB7-9C7ECD053C4A}"/>
+                <a16:creationId xmlns:a16="http://schemas.microsoft.com/office/drawing/2014/main" id="{82D45AB6-E6C4-4696-A3FA-C1356B6D4A13}"/>
               </a:ext>
             </a:extLst>
           </p:cNvPr>
@@ -11691,8 +12453,8 @@
         </p:nvSpPr>
         <p:spPr>
           <a:xfrm>
-            <a:off x="965200" y="685125"/>
-            <a:ext cx="10199329" cy="938980"/>
+            <a:off x="847216" y="1887795"/>
+            <a:ext cx="10566400" cy="4223626"/>
           </a:xfrm>
           <a:prstGeom prst="rect">
             <a:avLst/>
@@ -11700,7 +12462,7 @@
         </p:spPr>
         <p:txBody>
           <a:bodyPr vert="horz" lIns="91440" tIns="45720" rIns="91440" bIns="45720" rtlCol="0">
-            <a:normAutofit/>
+            <a:normAutofit fontScale="92500" lnSpcReduction="20000"/>
           </a:bodyPr>
           <a:lstStyle>
             <a:lvl1pPr marL="342900" indent="-342900" algn="l" defTabSz="914400" rtl="0" eaLnBrk="1" latinLnBrk="0" hangingPunct="1">
@@ -11957,11 +12719,405 @@
             </a:lvl9pPr>
           </a:lstStyle>
           <a:p>
-            <a:pPr marL="0" indent="0" algn="ctr">
+            <a:pPr marL="0" indent="0">
               <a:buNone/>
             </a:pPr>
             <a:r>
               <a:rPr lang="en-US" sz="3600" dirty="0"/>
+              <a:t>Pretty straightforward. First word is always “</a:t>
+            </a:r>
+            <a:r>
+              <a:rPr lang="en-US" sz="3600" dirty="0">
+                <a:solidFill>
+                  <a:srgbClr val="FF0000"/>
+                </a:solidFill>
+              </a:rPr>
+              <a:t>aws</a:t>
+            </a:r>
+            <a:r>
+              <a:rPr lang="en-US" sz="3600" dirty="0"/>
+              <a:t>” and last word is always “</a:t>
+            </a:r>
+            <a:r>
+              <a:rPr lang="en-US" sz="3600" dirty="0">
+                <a:solidFill>
+                  <a:srgbClr val="FF0000"/>
+                </a:solidFill>
+              </a:rPr>
+              <a:t>help</a:t>
+            </a:r>
+            <a:r>
+              <a:rPr lang="en-US" sz="3600" dirty="0"/>
+              <a:t>”, like bookends. The body of can be a chain of commands. </a:t>
+            </a:r>
+          </a:p>
+          <a:p>
+            <a:pPr marL="0" indent="0">
+              <a:buNone/>
+            </a:pPr>
+            <a:r>
+              <a:rPr lang="en-US" sz="3600" dirty="0"/>
+              <a:t>For example, to get help on EC2, type:</a:t>
+            </a:r>
+          </a:p>
+          <a:p>
+            <a:pPr marL="0" indent="0">
+              <a:buNone/>
+            </a:pPr>
+            <a:r>
+              <a:rPr lang="en-US" sz="3600" dirty="0">
+                <a:solidFill>
+                  <a:srgbClr val="FF0000"/>
+                </a:solidFill>
+              </a:rPr>
+              <a:t>aws</a:t>
+            </a:r>
+            <a:r>
+              <a:rPr lang="en-US" sz="3600" dirty="0"/>
+              <a:t> ec2 </a:t>
+            </a:r>
+            <a:r>
+              <a:rPr lang="en-US" sz="3600" dirty="0">
+                <a:solidFill>
+                  <a:srgbClr val="FF0000"/>
+                </a:solidFill>
+              </a:rPr>
+              <a:t>help</a:t>
+            </a:r>
+          </a:p>
+          <a:p>
+            <a:pPr marL="0" indent="0">
+              <a:buNone/>
+            </a:pPr>
+            <a:r>
+              <a:rPr lang="en-US" sz="3600" dirty="0"/>
+              <a:t>For example, to get help on creating an EC2 security-groups, type:</a:t>
+            </a:r>
+          </a:p>
+          <a:p>
+            <a:pPr marL="0" indent="0">
+              <a:buNone/>
+            </a:pPr>
+            <a:r>
+              <a:rPr lang="en-US" sz="3600" dirty="0">
+                <a:solidFill>
+                  <a:srgbClr val="FF0000"/>
+                </a:solidFill>
+              </a:rPr>
+              <a:t>aws</a:t>
+            </a:r>
+            <a:r>
+              <a:rPr lang="en-US" sz="3600" dirty="0"/>
+              <a:t> ec2 create-security-group </a:t>
+            </a:r>
+            <a:r>
+              <a:rPr lang="en-US" sz="3600" dirty="0">
+                <a:solidFill>
+                  <a:srgbClr val="FF0000"/>
+                </a:solidFill>
+              </a:rPr>
+              <a:t>help</a:t>
+            </a:r>
+          </a:p>
+          <a:p>
+            <a:pPr marL="0" indent="0">
+              <a:buNone/>
+            </a:pPr>
+            <a:endParaRPr lang="en-US" sz="3600" dirty="0"/>
+          </a:p>
+          <a:p>
+            <a:pPr marL="0" indent="0">
+              <a:buNone/>
+            </a:pPr>
+            <a:endParaRPr lang="en-US" sz="3600" dirty="0"/>
+          </a:p>
+          <a:p>
+            <a:pPr marL="0" indent="0">
+              <a:buNone/>
+            </a:pPr>
+            <a:endParaRPr lang="en-US" sz="3600" dirty="0"/>
+          </a:p>
+        </p:txBody>
+      </p:sp>
+    </p:spTree>
+    <p:extLst>
+      <p:ext uri="{BB962C8B-B14F-4D97-AF65-F5344CB8AC3E}">
+        <p14:creationId xmlns:p14="http://schemas.microsoft.com/office/powerpoint/2010/main" val="3034333031"/>
+      </p:ext>
+    </p:extLst>
+  </p:cSld>
+  <p:clrMapOvr>
+    <a:masterClrMapping/>
+  </p:clrMapOvr>
+  <mc:AlternateContent xmlns:mc="http://schemas.openxmlformats.org/markup-compatibility/2006" xmlns:p14="http://schemas.microsoft.com/office/powerpoint/2010/main">
+    <mc:Choice Requires="p14">
+      <p:transition spd="med" p14:dur="700">
+        <p:fade/>
+      </p:transition>
+    </mc:Choice>
+    <mc:Fallback xmlns="">
+      <p:transition spd="med">
+        <p:fade/>
+      </p:transition>
+    </mc:Fallback>
+  </mc:AlternateContent>
+</p:sld>
+</file>
+
+<file path=ppt/slides/slide6.xml><?xml version="1.0" encoding="utf-8"?>
+<p:sld xmlns:a="http://schemas.openxmlformats.org/drawingml/2006/main" xmlns:r="http://schemas.openxmlformats.org/officeDocument/2006/relationships" xmlns:p="http://schemas.openxmlformats.org/presentationml/2006/main">
+  <p:cSld>
+    <p:spTree>
+      <p:nvGrpSpPr>
+        <p:cNvPr id="1" name=""/>
+        <p:cNvGrpSpPr/>
+        <p:nvPr/>
+      </p:nvGrpSpPr>
+      <p:grpSpPr>
+        <a:xfrm>
+          <a:off x="0" y="0"/>
+          <a:ext cx="0" cy="0"/>
+          <a:chOff x="0" y="0"/>
+          <a:chExt cx="0" cy="0"/>
+        </a:xfrm>
+      </p:grpSpPr>
+      <p:sp>
+        <p:nvSpPr>
+          <p:cNvPr id="3" name="Content Placeholder 2">
+            <a:extLst>
+              <a:ext uri="{FF2B5EF4-FFF2-40B4-BE49-F238E27FC236}">
+                <a16:creationId xmlns:a16="http://schemas.microsoft.com/office/drawing/2014/main" id="{A3BBF652-E1AD-4B4D-93B0-853AE3C72523}"/>
+              </a:ext>
+            </a:extLst>
+          </p:cNvPr>
+          <p:cNvSpPr>
+            <a:spLocks noGrp="1"/>
+          </p:cNvSpPr>
+          <p:nvPr>
+            <p:ph sz="quarter" idx="13"/>
+          </p:nvPr>
+        </p:nvSpPr>
+        <p:spPr>
+          <a:xfrm>
+            <a:off x="812800" y="914400"/>
+            <a:ext cx="10566400" cy="4800600"/>
+          </a:xfrm>
+        </p:spPr>
+        <p:txBody>
+          <a:bodyPr>
+            <a:normAutofit/>
+          </a:bodyPr>
+          <a:lstStyle/>
+          <a:p>
+            <a:pPr marL="0" indent="0">
+              <a:buNone/>
+            </a:pPr>
+            <a:r>
+              <a:rPr lang="en-US" sz="3600" dirty="0"/>
+              <a:t>Now that we have a working command line, we need a user.</a:t>
+            </a:r>
+          </a:p>
+          <a:p>
+            <a:pPr marL="0" indent="0">
+              <a:buNone/>
+            </a:pPr>
+            <a:r>
+              <a:rPr lang="en-US" sz="3600" dirty="0"/>
+              <a:t>There are 2 types of AWS users:</a:t>
+            </a:r>
+          </a:p>
+          <a:p>
+            <a:r>
+              <a:rPr lang="en-US" sz="3600" dirty="0"/>
+              <a:t>Console: For navigating the AWS website.</a:t>
+            </a:r>
+          </a:p>
+          <a:p>
+            <a:r>
+              <a:rPr lang="en-US" sz="3600" dirty="0"/>
+              <a:t>Programmatic: Necessary for running commands at in the AWS CLI, AWS SDK, etc.  So this is what we need.</a:t>
+            </a:r>
+          </a:p>
+        </p:txBody>
+      </p:sp>
+    </p:spTree>
+    <p:extLst>
+      <p:ext uri="{BB962C8B-B14F-4D97-AF65-F5344CB8AC3E}">
+        <p14:creationId xmlns:p14="http://schemas.microsoft.com/office/powerpoint/2010/main" val="2837592923"/>
+      </p:ext>
+    </p:extLst>
+  </p:cSld>
+  <p:clrMapOvr>
+    <a:masterClrMapping/>
+  </p:clrMapOvr>
+  <mc:AlternateContent xmlns:mc="http://schemas.openxmlformats.org/markup-compatibility/2006" xmlns:p14="http://schemas.microsoft.com/office/powerpoint/2010/main">
+    <mc:Choice Requires="p14">
+      <p:transition spd="med" p14:dur="700">
+        <p:fade/>
+      </p:transition>
+    </mc:Choice>
+    <mc:Fallback xmlns="">
+      <p:transition spd="med">
+        <p:fade/>
+      </p:transition>
+    </mc:Fallback>
+  </mc:AlternateContent>
+</p:sld>
+</file>
+
+<file path=ppt/slides/slide7.xml><?xml version="1.0" encoding="utf-8"?>
+<p:sld xmlns:a="http://schemas.openxmlformats.org/drawingml/2006/main" xmlns:r="http://schemas.openxmlformats.org/officeDocument/2006/relationships" xmlns:p="http://schemas.openxmlformats.org/presentationml/2006/main">
+  <p:cSld>
+    <p:spTree>
+      <p:nvGrpSpPr>
+        <p:cNvPr id="1" name=""/>
+        <p:cNvGrpSpPr/>
+        <p:nvPr/>
+      </p:nvGrpSpPr>
+      <p:grpSpPr>
+        <a:xfrm>
+          <a:off x="0" y="0"/>
+          <a:ext cx="0" cy="0"/>
+          <a:chOff x="0" y="0"/>
+          <a:chExt cx="0" cy="0"/>
+        </a:xfrm>
+      </p:grpSpPr>
+      <p:pic>
+        <p:nvPicPr>
+          <p:cNvPr id="2" name="Picture 1">
+            <a:extLst>
+              <a:ext uri="{FF2B5EF4-FFF2-40B4-BE49-F238E27FC236}">
+                <a16:creationId xmlns:a16="http://schemas.microsoft.com/office/drawing/2014/main" id="{D9BE62EB-9979-4CE9-A38C-ECA5658342D5}"/>
+              </a:ext>
+            </a:extLst>
+          </p:cNvPr>
+          <p:cNvPicPr>
+            <a:picLocks noChangeAspect="1"/>
+          </p:cNvPicPr>
+          <p:nvPr/>
+        </p:nvPicPr>
+        <p:blipFill>
+          <a:blip r:embed="rId2"/>
+          <a:stretch>
+            <a:fillRect/>
+          </a:stretch>
+        </p:blipFill>
+        <p:spPr>
+          <a:xfrm>
+            <a:off x="985837" y="366712"/>
+            <a:ext cx="10220325" cy="6124575"/>
+          </a:xfrm>
+          <a:prstGeom prst="rect">
+            <a:avLst/>
+          </a:prstGeom>
+        </p:spPr>
+      </p:pic>
+    </p:spTree>
+    <p:extLst>
+      <p:ext uri="{BB962C8B-B14F-4D97-AF65-F5344CB8AC3E}">
+        <p14:creationId xmlns:p14="http://schemas.microsoft.com/office/powerpoint/2010/main" val="1220452376"/>
+      </p:ext>
+    </p:extLst>
+  </p:cSld>
+  <p:clrMapOvr>
+    <a:masterClrMapping/>
+  </p:clrMapOvr>
+  <mc:AlternateContent xmlns:mc="http://schemas.openxmlformats.org/markup-compatibility/2006" xmlns:p14="http://schemas.microsoft.com/office/powerpoint/2010/main">
+    <mc:Choice Requires="p14">
+      <p:transition spd="med" p14:dur="700">
+        <p:fade/>
+      </p:transition>
+    </mc:Choice>
+    <mc:Fallback xmlns="">
+      <p:transition spd="med">
+        <p:fade/>
+      </p:transition>
+    </mc:Fallback>
+  </mc:AlternateContent>
+</p:sld>
+</file>
+
+<file path=ppt/slides/slide8.xml><?xml version="1.0" encoding="utf-8"?>
+<p:sld xmlns:a="http://schemas.openxmlformats.org/drawingml/2006/main" xmlns:r="http://schemas.openxmlformats.org/officeDocument/2006/relationships" xmlns:p="http://schemas.openxmlformats.org/presentationml/2006/main">
+  <p:cSld>
+    <p:spTree>
+      <p:nvGrpSpPr>
+        <p:cNvPr id="1" name=""/>
+        <p:cNvGrpSpPr/>
+        <p:nvPr/>
+      </p:nvGrpSpPr>
+      <p:grpSpPr>
+        <a:xfrm>
+          <a:off x="0" y="0"/>
+          <a:ext cx="0" cy="0"/>
+          <a:chOff x="0" y="0"/>
+          <a:chExt cx="0" cy="0"/>
+        </a:xfrm>
+      </p:grpSpPr>
+      <p:sp>
+        <p:nvSpPr>
+          <p:cNvPr id="3" name="Content Placeholder 2">
+            <a:extLst>
+              <a:ext uri="{FF2B5EF4-FFF2-40B4-BE49-F238E27FC236}">
+                <a16:creationId xmlns:a16="http://schemas.microsoft.com/office/drawing/2014/main" id="{F10C851C-F17E-4808-B6C8-77C2269856B3}"/>
+              </a:ext>
+            </a:extLst>
+          </p:cNvPr>
+          <p:cNvSpPr>
+            <a:spLocks noGrp="1"/>
+          </p:cNvSpPr>
+          <p:nvPr>
+            <p:ph sz="quarter" idx="13"/>
+          </p:nvPr>
+        </p:nvSpPr>
+        <p:spPr>
+          <a:xfrm>
+            <a:off x="812800" y="1814051"/>
+            <a:ext cx="10566400" cy="2160639"/>
+          </a:xfrm>
+        </p:spPr>
+        <p:txBody>
+          <a:bodyPr>
+            <a:noAutofit/>
+          </a:bodyPr>
+          <a:lstStyle/>
+          <a:p>
+            <a:r>
+              <a:rPr lang="en-US" sz="3600" dirty="0"/>
+              <a:t>Use the right tool for the job. If you get stuck using the command line, you can use the console for hints. I like to use the command line for repeatable tasks.</a:t>
+            </a:r>
+          </a:p>
+        </p:txBody>
+      </p:sp>
+      <p:sp>
+        <p:nvSpPr>
+          <p:cNvPr id="5" name="Title 1">
+            <a:extLst>
+              <a:ext uri="{FF2B5EF4-FFF2-40B4-BE49-F238E27FC236}">
+                <a16:creationId xmlns:a16="http://schemas.microsoft.com/office/drawing/2014/main" id="{28609C9A-C571-4E19-A80C-58109FA9F88C}"/>
+              </a:ext>
+            </a:extLst>
+          </p:cNvPr>
+          <p:cNvSpPr>
+            <a:spLocks noGrp="1"/>
+          </p:cNvSpPr>
+          <p:nvPr>
+            <p:ph type="title"/>
+          </p:nvPr>
+        </p:nvSpPr>
+        <p:spPr>
+          <a:xfrm>
+            <a:off x="802972" y="613847"/>
+            <a:ext cx="10566400" cy="802002"/>
+          </a:xfrm>
+        </p:spPr>
+        <p:txBody>
+          <a:bodyPr/>
+          <a:lstStyle/>
+          <a:p>
+            <a:pPr algn="ctr"/>
+            <a:r>
+              <a:rPr lang="en-US" dirty="0"/>
               <a:t>Tips</a:t>
             </a:r>
           </a:p>
@@ -11992,7 +13148,7 @@
 </p:sld>
 </file>
 
-<file path=ppt/slides/slide8.xml><?xml version="1.0" encoding="utf-8"?>
+<file path=ppt/slides/slide9.xml><?xml version="1.0" encoding="utf-8"?>
 <p:sld xmlns:a="http://schemas.openxmlformats.org/drawingml/2006/main" xmlns:r="http://schemas.openxmlformats.org/officeDocument/2006/relationships" xmlns:p="http://schemas.openxmlformats.org/presentationml/2006/main">
   <p:cSld>
     <p:spTree>
@@ -12299,199 +13455,6 @@
     <p:extLst>
       <p:ext uri="{BB962C8B-B14F-4D97-AF65-F5344CB8AC3E}">
         <p14:creationId xmlns:p14="http://schemas.microsoft.com/office/powerpoint/2010/main" val="1171821818"/>
-      </p:ext>
-    </p:extLst>
-  </p:cSld>
-  <p:clrMapOvr>
-    <a:masterClrMapping/>
-  </p:clrMapOvr>
-  <mc:AlternateContent xmlns:mc="http://schemas.openxmlformats.org/markup-compatibility/2006" xmlns:p14="http://schemas.microsoft.com/office/powerpoint/2010/main">
-    <mc:Choice Requires="p14">
-      <p:transition spd="med" p14:dur="700">
-        <p:fade/>
-      </p:transition>
-    </mc:Choice>
-    <mc:Fallback xmlns="">
-      <p:transition spd="med">
-        <p:fade/>
-      </p:transition>
-    </mc:Fallback>
-  </mc:AlternateContent>
-</p:sld>
-</file>
-
-<file path=ppt/slides/slide9.xml><?xml version="1.0" encoding="utf-8"?>
-<p:sld xmlns:a="http://schemas.openxmlformats.org/drawingml/2006/main" xmlns:r="http://schemas.openxmlformats.org/officeDocument/2006/relationships" xmlns:p="http://schemas.openxmlformats.org/presentationml/2006/main">
-  <p:cSld>
-    <p:spTree>
-      <p:nvGrpSpPr>
-        <p:cNvPr id="1" name=""/>
-        <p:cNvGrpSpPr/>
-        <p:nvPr/>
-      </p:nvGrpSpPr>
-      <p:grpSpPr>
-        <a:xfrm>
-          <a:off x="0" y="0"/>
-          <a:ext cx="0" cy="0"/>
-          <a:chOff x="0" y="0"/>
-          <a:chExt cx="0" cy="0"/>
-        </a:xfrm>
-      </p:grpSpPr>
-      <p:pic>
-        <p:nvPicPr>
-          <p:cNvPr id="5" name="Picture 4" descr="A picture containing nature&#10;&#10;Description automatically generated">
-            <a:extLst>
-              <a:ext uri="{FF2B5EF4-FFF2-40B4-BE49-F238E27FC236}">
-                <a16:creationId xmlns:a16="http://schemas.microsoft.com/office/drawing/2014/main" id="{F17E8123-078E-4812-9E18-8B1F1FEA4DB4}"/>
-              </a:ext>
-            </a:extLst>
-          </p:cNvPr>
-          <p:cNvPicPr>
-            <a:picLocks noChangeAspect="1"/>
-          </p:cNvPicPr>
-          <p:nvPr/>
-        </p:nvPicPr>
-        <p:blipFill>
-          <a:blip r:embed="rId2">
-            <a:extLst>
-              <a:ext uri="{28A0092B-C50C-407E-A947-70E740481C1C}">
-                <a14:useLocalDpi xmlns:a14="http://schemas.microsoft.com/office/drawing/2010/main" val="0"/>
-              </a:ext>
-            </a:extLst>
-          </a:blip>
-          <a:stretch>
-            <a:fillRect/>
-          </a:stretch>
-        </p:blipFill>
-        <p:spPr>
-          <a:xfrm>
-            <a:off x="1" y="-280219"/>
-            <a:ext cx="12191999" cy="7138219"/>
-          </a:xfrm>
-          <a:prstGeom prst="rect">
-            <a:avLst/>
-          </a:prstGeom>
-        </p:spPr>
-      </p:pic>
-      <p:sp>
-        <p:nvSpPr>
-          <p:cNvPr id="4" name="Title 1">
-            <a:extLst>
-              <a:ext uri="{FF2B5EF4-FFF2-40B4-BE49-F238E27FC236}">
-                <a16:creationId xmlns:a16="http://schemas.microsoft.com/office/drawing/2014/main" id="{F57DD390-EE6A-42BC-85BC-DEE16AFF9CE6}"/>
-              </a:ext>
-            </a:extLst>
-          </p:cNvPr>
-          <p:cNvSpPr txBox="1">
-            <a:spLocks/>
-          </p:cNvSpPr>
-          <p:nvPr/>
-        </p:nvSpPr>
-        <p:spPr>
-          <a:xfrm>
-            <a:off x="914400" y="3436380"/>
-            <a:ext cx="10363200" cy="1265657"/>
-          </a:xfrm>
-          <a:prstGeom prst="rect">
-            <a:avLst/>
-          </a:prstGeom>
-        </p:spPr>
-        <p:txBody>
-          <a:bodyPr vert="horz" lIns="91440" tIns="45720" rIns="91440" bIns="45720" rtlCol="0" anchor="b" anchorCtr="0">
-            <a:noAutofit/>
-          </a:bodyPr>
-          <a:lstStyle>
-            <a:lvl1pPr algn="l" defTabSz="914400" rtl="0" eaLnBrk="1" latinLnBrk="0" hangingPunct="1">
-              <a:spcBef>
-                <a:spcPct val="0"/>
-              </a:spcBef>
-              <a:buNone/>
-              <a:defRPr sz="3600" b="1" kern="1200" cap="all" spc="50" baseline="0">
-                <a:solidFill>
-                  <a:schemeClr val="tx2">
-                    <a:lumMod val="50000"/>
-                  </a:schemeClr>
-                </a:solidFill>
-                <a:effectLst/>
-                <a:latin typeface="+mj-lt"/>
-                <a:ea typeface="+mj-ea"/>
-                <a:cs typeface="+mj-cs"/>
-              </a:defRPr>
-            </a:lvl1pPr>
-            <a:lvl2pPr eaLnBrk="1" hangingPunct="1">
-              <a:defRPr>
-                <a:solidFill>
-                  <a:schemeClr val="tx2"/>
-                </a:solidFill>
-              </a:defRPr>
-            </a:lvl2pPr>
-            <a:lvl3pPr eaLnBrk="1" hangingPunct="1">
-              <a:defRPr>
-                <a:solidFill>
-                  <a:schemeClr val="tx2"/>
-                </a:solidFill>
-              </a:defRPr>
-            </a:lvl3pPr>
-            <a:lvl4pPr eaLnBrk="1" hangingPunct="1">
-              <a:defRPr>
-                <a:solidFill>
-                  <a:schemeClr val="tx2"/>
-                </a:solidFill>
-              </a:defRPr>
-            </a:lvl4pPr>
-            <a:lvl5pPr eaLnBrk="1" hangingPunct="1">
-              <a:defRPr>
-                <a:solidFill>
-                  <a:schemeClr val="tx2"/>
-                </a:solidFill>
-              </a:defRPr>
-            </a:lvl5pPr>
-            <a:lvl6pPr eaLnBrk="1" hangingPunct="1">
-              <a:defRPr>
-                <a:solidFill>
-                  <a:schemeClr val="tx2"/>
-                </a:solidFill>
-              </a:defRPr>
-            </a:lvl6pPr>
-            <a:lvl7pPr eaLnBrk="1" hangingPunct="1">
-              <a:defRPr>
-                <a:solidFill>
-                  <a:schemeClr val="tx2"/>
-                </a:solidFill>
-              </a:defRPr>
-            </a:lvl7pPr>
-            <a:lvl8pPr eaLnBrk="1" hangingPunct="1">
-              <a:defRPr>
-                <a:solidFill>
-                  <a:schemeClr val="tx2"/>
-                </a:solidFill>
-              </a:defRPr>
-            </a:lvl8pPr>
-            <a:lvl9pPr eaLnBrk="1" hangingPunct="1">
-              <a:defRPr>
-                <a:solidFill>
-                  <a:schemeClr val="tx2"/>
-                </a:solidFill>
-              </a:defRPr>
-            </a:lvl9pPr>
-          </a:lstStyle>
-          <a:p>
-            <a:pPr algn="ctr"/>
-            <a:r>
-              <a:rPr lang="en-US" sz="6600" dirty="0">
-                <a:solidFill>
-                  <a:srgbClr val="FF0000"/>
-                </a:solidFill>
-              </a:rPr>
-              <a:t>JAWS!</a:t>
-            </a:r>
-          </a:p>
-        </p:txBody>
-      </p:sp>
-    </p:spTree>
-    <p:extLst>
-      <p:ext uri="{BB962C8B-B14F-4D97-AF65-F5344CB8AC3E}">
-        <p14:creationId xmlns:p14="http://schemas.microsoft.com/office/powerpoint/2010/main" val="3601864659"/>
       </p:ext>
     </p:extLst>
   </p:cSld>

--- a/jaws.pptx
+++ b/jaws.pptx
@@ -10053,7 +10053,12 @@
             <p:ph type="subTitle" idx="1"/>
           </p:nvPr>
         </p:nvSpPr>
-        <p:spPr/>
+        <p:spPr>
+          <a:xfrm>
+            <a:off x="1596104" y="3886200"/>
+            <a:ext cx="8534400" cy="1752600"/>
+          </a:xfrm>
+        </p:spPr>
         <p:txBody>
           <a:bodyPr/>
           <a:lstStyle/>
@@ -10067,10 +10072,10 @@
       </p:sp>
       <p:sp>
         <p:nvSpPr>
-          <p:cNvPr id="6" name="Subtitle 2">
+          <p:cNvPr id="4" name="Title 1">
             <a:extLst>
               <a:ext uri="{FF2B5EF4-FFF2-40B4-BE49-F238E27FC236}">
-                <a16:creationId xmlns:a16="http://schemas.microsoft.com/office/drawing/2014/main" id="{ACE8A11C-EC14-4316-AAE5-34C99A757C43}"/>
+                <a16:creationId xmlns:a16="http://schemas.microsoft.com/office/drawing/2014/main" id="{55A8B4C1-B7FF-4CFC-9E29-5E5DEF56F9DA}"/>
               </a:ext>
             </a:extLst>
           </p:cNvPr>
@@ -10081,267 +10086,95 @@
         </p:nvSpPr>
         <p:spPr>
           <a:xfrm>
-            <a:off x="176980" y="1364222"/>
-            <a:ext cx="11769213" cy="641555"/>
+            <a:off x="609600" y="1219200"/>
+            <a:ext cx="10566400" cy="802002"/>
           </a:xfrm>
           <a:prstGeom prst="rect">
             <a:avLst/>
           </a:prstGeom>
         </p:spPr>
         <p:txBody>
-          <a:bodyPr/>
+          <a:bodyPr vert="horz" lIns="91440" tIns="45720" rIns="91440" bIns="45720" rtlCol="0" anchor="b" anchorCtr="0">
+            <a:noAutofit/>
+          </a:bodyPr>
           <a:lstStyle>
-            <a:lvl1pPr marL="342900" indent="-342900" algn="l" defTabSz="914400" rtl="0" eaLnBrk="1" latinLnBrk="0" hangingPunct="1">
-              <a:lnSpc>
-                <a:spcPct val="100000"/>
-              </a:lnSpc>
+            <a:lvl1pPr algn="ctr" defTabSz="914400" rtl="0" eaLnBrk="1" latinLnBrk="0" hangingPunct="1">
               <a:spcBef>
-                <a:spcPct val="20000"/>
+                <a:spcPct val="0"/>
               </a:spcBef>
-              <a:spcAft>
-                <a:spcPts val="600"/>
-              </a:spcAft>
-              <a:buClr>
-                <a:schemeClr val="tx1"/>
-              </a:buClr>
-              <a:buFont typeface="Arial" pitchFamily="34" charset="0"/>
-              <a:buChar char="•"/>
-              <a:defRPr sz="2000" kern="1200" spc="30" baseline="0">
+              <a:buNone/>
+              <a:defRPr sz="4400" b="1" kern="1200" cap="all" spc="50" baseline="0">
                 <a:solidFill>
                   <a:schemeClr val="tx2">
                     <a:lumMod val="50000"/>
                   </a:schemeClr>
                 </a:solidFill>
-                <a:latin typeface="+mn-lt"/>
-                <a:ea typeface="+mn-ea"/>
-                <a:cs typeface="+mn-cs"/>
+                <a:effectLst/>
+                <a:latin typeface="+mj-lt"/>
+                <a:ea typeface="+mj-ea"/>
+                <a:cs typeface="+mj-cs"/>
               </a:defRPr>
             </a:lvl1pPr>
-            <a:lvl2pPr marL="742950" indent="-285750" algn="l" defTabSz="914400" rtl="0" eaLnBrk="1" latinLnBrk="0" hangingPunct="1">
-              <a:lnSpc>
-                <a:spcPct val="100000"/>
-              </a:lnSpc>
-              <a:spcBef>
-                <a:spcPct val="20000"/>
-              </a:spcBef>
-              <a:spcAft>
-                <a:spcPts val="600"/>
-              </a:spcAft>
-              <a:buClr>
-                <a:schemeClr val="tx1"/>
-              </a:buClr>
-              <a:buFont typeface="Arial" pitchFamily="34" charset="0"/>
-              <a:buChar char="•"/>
-              <a:defRPr sz="2000" kern="1200" spc="30" baseline="0">
+            <a:lvl2pPr eaLnBrk="1" hangingPunct="1">
+              <a:defRPr>
                 <a:solidFill>
-                  <a:schemeClr val="tx2">
-                    <a:lumMod val="50000"/>
-                  </a:schemeClr>
+                  <a:schemeClr val="tx2"/>
                 </a:solidFill>
-                <a:latin typeface="+mn-lt"/>
-                <a:ea typeface="+mn-ea"/>
-                <a:cs typeface="+mn-cs"/>
               </a:defRPr>
             </a:lvl2pPr>
-            <a:lvl3pPr marL="1143000" indent="-228600" algn="l" defTabSz="914400" rtl="0" eaLnBrk="1" latinLnBrk="0" hangingPunct="1">
-              <a:lnSpc>
-                <a:spcPct val="100000"/>
-              </a:lnSpc>
-              <a:spcBef>
-                <a:spcPct val="20000"/>
-              </a:spcBef>
-              <a:spcAft>
-                <a:spcPts val="600"/>
-              </a:spcAft>
-              <a:buClr>
-                <a:schemeClr val="tx2">
-                  <a:lumMod val="50000"/>
-                </a:schemeClr>
-              </a:buClr>
-              <a:buFont typeface="Arial" pitchFamily="34" charset="0"/>
-              <a:buChar char="•"/>
-              <a:defRPr sz="2000" kern="1200" spc="30" baseline="0">
+            <a:lvl3pPr eaLnBrk="1" hangingPunct="1">
+              <a:defRPr>
                 <a:solidFill>
-                  <a:schemeClr val="tx2">
-                    <a:lumMod val="50000"/>
-                  </a:schemeClr>
+                  <a:schemeClr val="tx2"/>
                 </a:solidFill>
-                <a:latin typeface="+mn-lt"/>
-                <a:ea typeface="+mn-ea"/>
-                <a:cs typeface="+mn-cs"/>
               </a:defRPr>
             </a:lvl3pPr>
-            <a:lvl4pPr marL="1600200" indent="-228600" algn="l" defTabSz="914400" rtl="0" eaLnBrk="1" latinLnBrk="0" hangingPunct="1">
-              <a:lnSpc>
-                <a:spcPct val="100000"/>
-              </a:lnSpc>
-              <a:spcBef>
-                <a:spcPct val="20000"/>
-              </a:spcBef>
-              <a:spcAft>
-                <a:spcPts val="600"/>
-              </a:spcAft>
-              <a:buClr>
-                <a:schemeClr val="tx1"/>
-              </a:buClr>
-              <a:buFont typeface="Arial" pitchFamily="34" charset="0"/>
-              <a:buChar char="•"/>
-              <a:defRPr sz="2000" kern="1200" spc="30" baseline="0">
+            <a:lvl4pPr eaLnBrk="1" hangingPunct="1">
+              <a:defRPr>
                 <a:solidFill>
-                  <a:schemeClr val="tx2">
-                    <a:lumMod val="50000"/>
-                  </a:schemeClr>
+                  <a:schemeClr val="tx2"/>
                 </a:solidFill>
-                <a:latin typeface="+mn-lt"/>
-                <a:ea typeface="+mn-ea"/>
-                <a:cs typeface="+mn-cs"/>
               </a:defRPr>
             </a:lvl4pPr>
-            <a:lvl5pPr marL="2057400" indent="-228600" algn="l" defTabSz="914400" rtl="0" eaLnBrk="1" latinLnBrk="0" hangingPunct="1">
-              <a:lnSpc>
-                <a:spcPct val="100000"/>
-              </a:lnSpc>
-              <a:spcBef>
-                <a:spcPct val="20000"/>
-              </a:spcBef>
-              <a:spcAft>
-                <a:spcPts val="600"/>
-              </a:spcAft>
-              <a:buClr>
-                <a:schemeClr val="tx1"/>
-              </a:buClr>
-              <a:buFont typeface="Arial" pitchFamily="34" charset="0"/>
-              <a:buChar char="•"/>
-              <a:defRPr sz="2000" kern="1200" spc="30" baseline="0">
+            <a:lvl5pPr eaLnBrk="1" hangingPunct="1">
+              <a:defRPr>
                 <a:solidFill>
-                  <a:schemeClr val="tx2">
-                    <a:lumMod val="50000"/>
-                  </a:schemeClr>
+                  <a:schemeClr val="tx2"/>
                 </a:solidFill>
-                <a:latin typeface="+mn-lt"/>
-                <a:ea typeface="+mn-ea"/>
-                <a:cs typeface="+mn-cs"/>
               </a:defRPr>
             </a:lvl5pPr>
-            <a:lvl6pPr marL="2514600" indent="-228600" algn="l" defTabSz="914400" rtl="0" eaLnBrk="1" latinLnBrk="0" hangingPunct="1">
-              <a:lnSpc>
-                <a:spcPct val="100000"/>
-              </a:lnSpc>
-              <a:spcBef>
-                <a:spcPct val="20000"/>
-              </a:spcBef>
-              <a:spcAft>
-                <a:spcPts val="600"/>
-              </a:spcAft>
-              <a:buClr>
-                <a:schemeClr val="tx2">
-                  <a:lumMod val="50000"/>
-                </a:schemeClr>
-              </a:buClr>
-              <a:buFont typeface="Arial" pitchFamily="34" charset="0"/>
-              <a:buChar char="•"/>
-              <a:defRPr sz="1700" kern="1200">
+            <a:lvl6pPr eaLnBrk="1" hangingPunct="1">
+              <a:defRPr>
                 <a:solidFill>
-                  <a:schemeClr val="tx2">
-                    <a:lumMod val="50000"/>
-                  </a:schemeClr>
+                  <a:schemeClr val="tx2"/>
                 </a:solidFill>
-                <a:latin typeface="+mn-lt"/>
-                <a:ea typeface="+mn-ea"/>
-                <a:cs typeface="+mn-cs"/>
               </a:defRPr>
             </a:lvl6pPr>
-            <a:lvl7pPr marL="2971800" indent="-228600" algn="l" defTabSz="914400" rtl="0" eaLnBrk="1" latinLnBrk="0" hangingPunct="1">
-              <a:lnSpc>
-                <a:spcPct val="100000"/>
-              </a:lnSpc>
-              <a:spcBef>
-                <a:spcPct val="20000"/>
-              </a:spcBef>
-              <a:spcAft>
-                <a:spcPts val="600"/>
-              </a:spcAft>
-              <a:buClr>
-                <a:schemeClr val="tx2">
-                  <a:lumMod val="50000"/>
-                </a:schemeClr>
-              </a:buClr>
-              <a:buFont typeface="Arial" pitchFamily="34" charset="0"/>
-              <a:buChar char="•"/>
-              <a:defRPr sz="1700" kern="1200">
+            <a:lvl7pPr eaLnBrk="1" hangingPunct="1">
+              <a:defRPr>
                 <a:solidFill>
-                  <a:schemeClr val="tx2">
-                    <a:lumMod val="50000"/>
-                  </a:schemeClr>
+                  <a:schemeClr val="tx2"/>
                 </a:solidFill>
-                <a:latin typeface="+mn-lt"/>
-                <a:ea typeface="+mn-ea"/>
-                <a:cs typeface="+mn-cs"/>
               </a:defRPr>
             </a:lvl7pPr>
-            <a:lvl8pPr marL="3429000" indent="-228600" algn="l" defTabSz="914400" rtl="0" eaLnBrk="1" latinLnBrk="0" hangingPunct="1">
-              <a:lnSpc>
-                <a:spcPct val="100000"/>
-              </a:lnSpc>
-              <a:spcBef>
-                <a:spcPct val="20000"/>
-              </a:spcBef>
-              <a:spcAft>
-                <a:spcPts val="600"/>
-              </a:spcAft>
-              <a:buClr>
-                <a:schemeClr val="tx2">
-                  <a:lumMod val="50000"/>
-                </a:schemeClr>
-              </a:buClr>
-              <a:buFont typeface="Arial" pitchFamily="34" charset="0"/>
-              <a:buChar char="•"/>
-              <a:defRPr sz="1700" kern="1200">
+            <a:lvl8pPr eaLnBrk="1" hangingPunct="1">
+              <a:defRPr>
                 <a:solidFill>
-                  <a:schemeClr val="tx2">
-                    <a:lumMod val="50000"/>
-                  </a:schemeClr>
+                  <a:schemeClr val="tx2"/>
                 </a:solidFill>
-                <a:latin typeface="+mn-lt"/>
-                <a:ea typeface="+mn-ea"/>
-                <a:cs typeface="+mn-cs"/>
               </a:defRPr>
             </a:lvl8pPr>
-            <a:lvl9pPr marL="3886200" indent="-228600" algn="l" defTabSz="914400" rtl="0" eaLnBrk="1" latinLnBrk="0" hangingPunct="1">
-              <a:lnSpc>
-                <a:spcPct val="100000"/>
-              </a:lnSpc>
-              <a:spcBef>
-                <a:spcPct val="20000"/>
-              </a:spcBef>
-              <a:spcAft>
-                <a:spcPts val="600"/>
-              </a:spcAft>
-              <a:buClr>
-                <a:schemeClr val="tx2">
-                  <a:lumMod val="50000"/>
-                </a:schemeClr>
-              </a:buClr>
-              <a:buFont typeface="Arial" pitchFamily="34" charset="0"/>
-              <a:buChar char="•"/>
-              <a:defRPr sz="1700" kern="1200">
+            <a:lvl9pPr eaLnBrk="1" hangingPunct="1">
+              <a:defRPr>
                 <a:solidFill>
-                  <a:schemeClr val="tx2">
-                    <a:lumMod val="50000"/>
-                  </a:schemeClr>
+                  <a:schemeClr val="tx2"/>
                 </a:solidFill>
-                <a:latin typeface="+mn-lt"/>
-                <a:ea typeface="+mn-ea"/>
-                <a:cs typeface="+mn-cs"/>
               </a:defRPr>
             </a:lvl9pPr>
           </a:lstStyle>
           <a:p>
-            <a:pPr marL="0" indent="0" algn="ctr">
-              <a:buNone/>
-            </a:pPr>
-            <a:r>
-              <a:rPr lang="en-US" sz="3600" dirty="0"/>
+            <a:r>
+              <a:rPr lang="en-US" dirty="0"/>
               <a:t>Questions?</a:t>
             </a:r>
           </a:p>
@@ -14348,6 +14181,15 @@
 </file>
 
 <file path=customXml/item1.xml><?xml version="1.0" encoding="utf-8"?>
+<?mso-contentType ?>
+<FormTemplates xmlns="http://schemas.microsoft.com/sharepoint/v3/contenttype/forms">
+  <Display>DocumentLibraryForm</Display>
+  <Edit>DocumentLibraryForm</Edit>
+  <New>DocumentLibraryForm</New>
+</FormTemplates>
+</file>
+
+<file path=customXml/item2.xml><?xml version="1.0" encoding="utf-8"?>
 <p:properties xmlns:p="http://schemas.microsoft.com/office/2006/metadata/properties" xmlns:xsi="http://www.w3.org/2001/XMLSchema-instance" xmlns:pc="http://schemas.microsoft.com/office/infopath/2007/PartnerControls">
   <documentManagement>
     <VSO_x0020_item_x0020_id xmlns="40262f94-9f35-4ac3-9a90-690165a166b7" xsi:nil="true"/>
@@ -14356,15 +14198,6 @@
     <Template_x0020_details xmlns="40262f94-9f35-4ac3-9a90-690165a166b7" xsi:nil="true"/>
   </documentManagement>
 </p:properties>
-</file>
-
-<file path=customXml/item2.xml><?xml version="1.0" encoding="utf-8"?>
-<?mso-contentType ?>
-<FormTemplates xmlns="http://schemas.microsoft.com/sharepoint/v3/contenttype/forms">
-  <Display>DocumentLibraryForm</Display>
-  <Edit>DocumentLibraryForm</Edit>
-  <New>DocumentLibraryForm</New>
-</FormTemplates>
 </file>
 
 <file path=customXml/item3.xml><?xml version="1.0" encoding="utf-8"?>
@@ -14549,6 +14382,14 @@
 </file>
 
 <file path=customXml/itemProps1.xml><?xml version="1.0" encoding="utf-8"?>
+<ds:datastoreItem xmlns:ds="http://schemas.openxmlformats.org/officeDocument/2006/customXml" ds:itemID="{BED6C63E-22D9-40FD-AF90-6F5632A4309F}">
+  <ds:schemaRefs>
+    <ds:schemaRef ds:uri="http://schemas.microsoft.com/sharepoint/v3/contenttype/forms"/>
+  </ds:schemaRefs>
+</ds:datastoreItem>
+</file>
+
+<file path=customXml/itemProps2.xml><?xml version="1.0" encoding="utf-8"?>
 <ds:datastoreItem xmlns:ds="http://schemas.openxmlformats.org/officeDocument/2006/customXml" ds:itemID="{28DC6412-8CE7-4C8A-96E9-2669F16D17E8}">
   <ds:schemaRefs>
     <ds:schemaRef ds:uri="http://schemas.microsoft.com/office/2006/metadata/properties"/>
@@ -14561,14 +14402,6 @@
     <ds:schemaRef ds:uri="a4f35948-e619-41b3-aa29-22878b09cfd2"/>
     <ds:schemaRef ds:uri="http://www.w3.org/XML/1998/namespace"/>
     <ds:schemaRef ds:uri="http://purl.org/dc/dcmitype/"/>
-  </ds:schemaRefs>
-</ds:datastoreItem>
-</file>
-
-<file path=customXml/itemProps2.xml><?xml version="1.0" encoding="utf-8"?>
-<ds:datastoreItem xmlns:ds="http://schemas.openxmlformats.org/officeDocument/2006/customXml" ds:itemID="{BED6C63E-22D9-40FD-AF90-6F5632A4309F}">
-  <ds:schemaRefs>
-    <ds:schemaRef ds:uri="http://schemas.microsoft.com/sharepoint/v3/contenttype/forms"/>
   </ds:schemaRefs>
 </ds:datastoreItem>
 </file>

--- a/jaws.pptx
+++ b/jaws.pptx
@@ -4382,7 +4382,7 @@
           <a:p>
             <a:fld id="{50FABAFA-9D90-4B6C-95A1-503043E46FAB}" type="datetimeFigureOut">
               <a:rPr lang="en-US" smtClean="0"/>
-              <a:t>12/28/2018</a:t>
+              <a:t>1/2/2019</a:t>
             </a:fld>
             <a:endParaRPr lang="en-US"/>
           </a:p>
@@ -4547,7 +4547,7 @@
           <a:p>
             <a:fld id="{AC15EB1F-8DE4-48C3-A804-A05846A4049F}" type="datetimeFigureOut">
               <a:rPr lang="en-US" smtClean="0"/>
-              <a:t>12/28/2018</a:t>
+              <a:t>1/2/2019</a:t>
             </a:fld>
             <a:endParaRPr lang="en-US"/>
           </a:p>
@@ -5307,7 +5307,7 @@
           <a:p>
             <a:fld id="{CE5E0A0C-FFF2-4105-9F07-796FCC3D8DE3}" type="datetime1">
               <a:rPr lang="en-US" smtClean="0"/>
-              <a:t>12/28/2018</a:t>
+              <a:t>1/2/2019</a:t>
             </a:fld>
             <a:endParaRPr lang="en-US"/>
           </a:p>
@@ -5533,7 +5533,7 @@
           <a:p>
             <a:fld id="{4A5D68D4-D432-4190-8060-492B59F98A87}" type="datetime1">
               <a:rPr lang="en-US" smtClean="0"/>
-              <a:t>12/28/2018</a:t>
+              <a:t>1/2/2019</a:t>
             </a:fld>
             <a:endParaRPr lang="en-US"/>
           </a:p>
@@ -5769,7 +5769,7 @@
           <a:p>
             <a:fld id="{5AF4EF83-7D73-495D-9915-41737B990DFC}" type="datetime1">
               <a:rPr lang="en-US" smtClean="0"/>
-              <a:t>12/28/2018</a:t>
+              <a:t>1/2/2019</a:t>
             </a:fld>
             <a:endParaRPr lang="en-US"/>
           </a:p>
@@ -6106,7 +6106,7 @@
           <a:p>
             <a:fld id="{73DF2905-D7E2-4171-961B-8EB802C66F9A}" type="datetime1">
               <a:rPr lang="en-US" smtClean="0"/>
-              <a:t>12/28/2018</a:t>
+              <a:t>1/2/2019</a:t>
             </a:fld>
             <a:endParaRPr lang="en-US"/>
           </a:p>
@@ -6369,7 +6369,7 @@
           <a:p>
             <a:fld id="{82C1B47C-16BC-4A9F-9E6E-9D1F33DC8ABD}" type="datetime1">
               <a:rPr lang="en-US" smtClean="0"/>
-              <a:t>12/28/2018</a:t>
+              <a:t>1/2/2019</a:t>
             </a:fld>
             <a:endParaRPr lang="en-US"/>
           </a:p>
@@ -6785,7 +6785,7 @@
           <a:p>
             <a:fld id="{0C073DF2-DD31-447B-89F4-CEF82A94D7A7}" type="datetime1">
               <a:rPr lang="en-US" smtClean="0"/>
-              <a:t>12/28/2018</a:t>
+              <a:t>1/2/2019</a:t>
             </a:fld>
             <a:endParaRPr lang="en-US"/>
           </a:p>
@@ -7317,7 +7317,7 @@
           <a:p>
             <a:fld id="{1551BB0C-CFA8-4A1F-9AAE-D6B32E8256E7}" type="datetime1">
               <a:rPr lang="en-US" smtClean="0"/>
-              <a:t>12/28/2018</a:t>
+              <a:t>1/2/2019</a:t>
             </a:fld>
             <a:endParaRPr lang="en-US"/>
           </a:p>
@@ -7455,7 +7455,7 @@
           <a:p>
             <a:fld id="{2752348D-B72F-4FC3-A127-851C5E7B3A9E}" type="datetime1">
               <a:rPr lang="en-US" smtClean="0"/>
-              <a:t>12/28/2018</a:t>
+              <a:t>1/2/2019</a:t>
             </a:fld>
             <a:endParaRPr lang="en-US"/>
           </a:p>
@@ -7565,7 +7565,7 @@
           <a:p>
             <a:fld id="{D666EB1B-704A-4D5E-8D5F-456104532486}" type="datetime1">
               <a:rPr lang="en-US" smtClean="0"/>
-              <a:t>12/28/2018</a:t>
+              <a:t>1/2/2019</a:t>
             </a:fld>
             <a:endParaRPr lang="en-US"/>
           </a:p>
@@ -7878,7 +7878,7 @@
           <a:p>
             <a:fld id="{D96AFBEB-CD4D-45C5-9851-D1FF1EB5AB85}" type="datetime1">
               <a:rPr lang="en-US" smtClean="0"/>
-              <a:t>12/28/2018</a:t>
+              <a:t>1/2/2019</a:t>
             </a:fld>
             <a:endParaRPr lang="en-US"/>
           </a:p>
@@ -8126,7 +8126,7 @@
           <a:p>
             <a:fld id="{B285B7EB-0ACD-4247-AA3F-1B0B49109B84}" type="datetime1">
               <a:rPr lang="en-US" smtClean="0"/>
-              <a:t>12/28/2018</a:t>
+              <a:t>1/2/2019</a:t>
             </a:fld>
             <a:endParaRPr lang="en-US"/>
           </a:p>
@@ -8426,7 +8426,7 @@
             <a:fld id="{8254F2F0-E062-4E41-9176-AEE9734E64AC}" type="datetime1">
               <a:rPr lang="en-US" smtClean="0"/>
               <a:pPr/>
-              <a:t>12/28/2018</a:t>
+              <a:t>1/2/2019</a:t>
             </a:fld>
             <a:endParaRPr lang="en-US" dirty="0"/>
           </a:p>
@@ -10466,8 +10466,13 @@
             </a:pPr>
             <a:r>
               <a:rPr lang="en-US" sz="3600" dirty="0"/>
-              <a:t>I studied Terraform and AWS CLI. I find Terraform syntax to be a little alien. The only reason to use Terraform as far as I can tell is because it works on Azure, whereas AWS CLI does not. Well we're not using Azure. Are we?</a:t>
-            </a:r>
+              <a:t>I studied Terraform and AWS CLI. I find Terraform syntax to be a little alien. The only reason to use Terraform as far as I can tell is because it works on Azure, whereas AWS CLI does not. Well we're not using Azure. Are we? Seems like most people working at Dev </a:t>
+            </a:r>
+            <a:r>
+              <a:rPr lang="en-US" sz="3600"/>
+              <a:t>use Terraform.</a:t>
+            </a:r>
+            <a:endParaRPr lang="en-US" sz="3600" dirty="0"/>
           </a:p>
           <a:p>
             <a:endParaRPr lang="en-US" sz="3600" dirty="0"/>
@@ -14181,15 +14186,6 @@
 </file>
 
 <file path=customXml/item1.xml><?xml version="1.0" encoding="utf-8"?>
-<?mso-contentType ?>
-<FormTemplates xmlns="http://schemas.microsoft.com/sharepoint/v3/contenttype/forms">
-  <Display>DocumentLibraryForm</Display>
-  <Edit>DocumentLibraryForm</Edit>
-  <New>DocumentLibraryForm</New>
-</FormTemplates>
-</file>
-
-<file path=customXml/item2.xml><?xml version="1.0" encoding="utf-8"?>
 <p:properties xmlns:p="http://schemas.microsoft.com/office/2006/metadata/properties" xmlns:xsi="http://www.w3.org/2001/XMLSchema-instance" xmlns:pc="http://schemas.microsoft.com/office/infopath/2007/PartnerControls">
   <documentManagement>
     <VSO_x0020_item_x0020_id xmlns="40262f94-9f35-4ac3-9a90-690165a166b7" xsi:nil="true"/>
@@ -14198,6 +14194,15 @@
     <Template_x0020_details xmlns="40262f94-9f35-4ac3-9a90-690165a166b7" xsi:nil="true"/>
   </documentManagement>
 </p:properties>
+</file>
+
+<file path=customXml/item2.xml><?xml version="1.0" encoding="utf-8"?>
+<?mso-contentType ?>
+<FormTemplates xmlns="http://schemas.microsoft.com/sharepoint/v3/contenttype/forms">
+  <Display>DocumentLibraryForm</Display>
+  <Edit>DocumentLibraryForm</Edit>
+  <New>DocumentLibraryForm</New>
+</FormTemplates>
 </file>
 
 <file path=customXml/item3.xml><?xml version="1.0" encoding="utf-8"?>
@@ -14382,14 +14387,6 @@
 </file>
 
 <file path=customXml/itemProps1.xml><?xml version="1.0" encoding="utf-8"?>
-<ds:datastoreItem xmlns:ds="http://schemas.openxmlformats.org/officeDocument/2006/customXml" ds:itemID="{BED6C63E-22D9-40FD-AF90-6F5632A4309F}">
-  <ds:schemaRefs>
-    <ds:schemaRef ds:uri="http://schemas.microsoft.com/sharepoint/v3/contenttype/forms"/>
-  </ds:schemaRefs>
-</ds:datastoreItem>
-</file>
-
-<file path=customXml/itemProps2.xml><?xml version="1.0" encoding="utf-8"?>
 <ds:datastoreItem xmlns:ds="http://schemas.openxmlformats.org/officeDocument/2006/customXml" ds:itemID="{28DC6412-8CE7-4C8A-96E9-2669F16D17E8}">
   <ds:schemaRefs>
     <ds:schemaRef ds:uri="http://schemas.microsoft.com/office/2006/metadata/properties"/>
@@ -14402,6 +14399,14 @@
     <ds:schemaRef ds:uri="a4f35948-e619-41b3-aa29-22878b09cfd2"/>
     <ds:schemaRef ds:uri="http://www.w3.org/XML/1998/namespace"/>
     <ds:schemaRef ds:uri="http://purl.org/dc/dcmitype/"/>
+  </ds:schemaRefs>
+</ds:datastoreItem>
+</file>
+
+<file path=customXml/itemProps2.xml><?xml version="1.0" encoding="utf-8"?>
+<ds:datastoreItem xmlns:ds="http://schemas.openxmlformats.org/officeDocument/2006/customXml" ds:itemID="{BED6C63E-22D9-40FD-AF90-6F5632A4309F}">
+  <ds:schemaRefs>
+    <ds:schemaRef ds:uri="http://schemas.microsoft.com/sharepoint/v3/contenttype/forms"/>
   </ds:schemaRefs>
 </ds:datastoreItem>
 </file>

--- a/jaws.pptx
+++ b/jaws.pptx
@@ -12,24 +12,24 @@
   </p:handoutMasterIdLst>
   <p:sldIdLst>
     <p:sldId id="259" r:id="rId5"/>
-    <p:sldId id="271" r:id="rId6"/>
-    <p:sldId id="260" r:id="rId7"/>
-    <p:sldId id="275" r:id="rId8"/>
-    <p:sldId id="281" r:id="rId9"/>
-    <p:sldId id="277" r:id="rId10"/>
-    <p:sldId id="268" r:id="rId11"/>
-    <p:sldId id="273" r:id="rId12"/>
-    <p:sldId id="266" r:id="rId13"/>
-    <p:sldId id="267" r:id="rId14"/>
-    <p:sldId id="276" r:id="rId15"/>
-    <p:sldId id="270" r:id="rId16"/>
-    <p:sldId id="282" r:id="rId17"/>
-    <p:sldId id="283" r:id="rId18"/>
-    <p:sldId id="284" r:id="rId19"/>
-    <p:sldId id="265" r:id="rId20"/>
-    <p:sldId id="278" r:id="rId21"/>
-    <p:sldId id="279" r:id="rId22"/>
-    <p:sldId id="272" r:id="rId23"/>
+    <p:sldId id="260" r:id="rId6"/>
+    <p:sldId id="275" r:id="rId7"/>
+    <p:sldId id="281" r:id="rId8"/>
+    <p:sldId id="277" r:id="rId9"/>
+    <p:sldId id="268" r:id="rId10"/>
+    <p:sldId id="273" r:id="rId11"/>
+    <p:sldId id="266" r:id="rId12"/>
+    <p:sldId id="267" r:id="rId13"/>
+    <p:sldId id="276" r:id="rId14"/>
+    <p:sldId id="270" r:id="rId15"/>
+    <p:sldId id="282" r:id="rId16"/>
+    <p:sldId id="283" r:id="rId17"/>
+    <p:sldId id="284" r:id="rId18"/>
+    <p:sldId id="265" r:id="rId19"/>
+    <p:sldId id="278" r:id="rId20"/>
+    <p:sldId id="279" r:id="rId21"/>
+    <p:sldId id="272" r:id="rId22"/>
+    <p:sldId id="271" r:id="rId23"/>
     <p:sldId id="269" r:id="rId24"/>
     <p:sldId id="261" r:id="rId25"/>
     <p:sldId id="262" r:id="rId26"/>
@@ -4382,7 +4382,7 @@
           <a:p>
             <a:fld id="{50FABAFA-9D90-4B6C-95A1-503043E46FAB}" type="datetimeFigureOut">
               <a:rPr lang="en-US" smtClean="0"/>
-              <a:t>1/2/2019</a:t>
+              <a:t>1/10/2019</a:t>
             </a:fld>
             <a:endParaRPr lang="en-US"/>
           </a:p>
@@ -4547,7 +4547,7 @@
           <a:p>
             <a:fld id="{AC15EB1F-8DE4-48C3-A804-A05846A4049F}" type="datetimeFigureOut">
               <a:rPr lang="en-US" smtClean="0"/>
-              <a:t>1/2/2019</a:t>
+              <a:t>1/10/2019</a:t>
             </a:fld>
             <a:endParaRPr lang="en-US"/>
           </a:p>
@@ -4963,7 +4963,7 @@
           <a:p>
             <a:fld id="{8AD115C9-E24C-4512-AA8B-319BB49F77B5}" type="slidenum">
               <a:rPr lang="en-US" smtClean="0"/>
-              <a:t>12</a:t>
+              <a:t>11</a:t>
             </a:fld>
             <a:endParaRPr lang="en-US"/>
           </a:p>
@@ -5047,7 +5047,7 @@
           <a:p>
             <a:fld id="{8AD115C9-E24C-4512-AA8B-319BB49F77B5}" type="slidenum">
               <a:rPr lang="en-US" smtClean="0"/>
-              <a:t>15</a:t>
+              <a:t>14</a:t>
             </a:fld>
             <a:endParaRPr lang="en-US"/>
           </a:p>
@@ -5307,7 +5307,7 @@
           <a:p>
             <a:fld id="{CE5E0A0C-FFF2-4105-9F07-796FCC3D8DE3}" type="datetime1">
               <a:rPr lang="en-US" smtClean="0"/>
-              <a:t>1/2/2019</a:t>
+              <a:t>1/10/2019</a:t>
             </a:fld>
             <a:endParaRPr lang="en-US"/>
           </a:p>
@@ -5533,7 +5533,7 @@
           <a:p>
             <a:fld id="{4A5D68D4-D432-4190-8060-492B59F98A87}" type="datetime1">
               <a:rPr lang="en-US" smtClean="0"/>
-              <a:t>1/2/2019</a:t>
+              <a:t>1/10/2019</a:t>
             </a:fld>
             <a:endParaRPr lang="en-US"/>
           </a:p>
@@ -5769,7 +5769,7 @@
           <a:p>
             <a:fld id="{5AF4EF83-7D73-495D-9915-41737B990DFC}" type="datetime1">
               <a:rPr lang="en-US" smtClean="0"/>
-              <a:t>1/2/2019</a:t>
+              <a:t>1/10/2019</a:t>
             </a:fld>
             <a:endParaRPr lang="en-US"/>
           </a:p>
@@ -6106,7 +6106,7 @@
           <a:p>
             <a:fld id="{73DF2905-D7E2-4171-961B-8EB802C66F9A}" type="datetime1">
               <a:rPr lang="en-US" smtClean="0"/>
-              <a:t>1/2/2019</a:t>
+              <a:t>1/10/2019</a:t>
             </a:fld>
             <a:endParaRPr lang="en-US"/>
           </a:p>
@@ -6369,7 +6369,7 @@
           <a:p>
             <a:fld id="{82C1B47C-16BC-4A9F-9E6E-9D1F33DC8ABD}" type="datetime1">
               <a:rPr lang="en-US" smtClean="0"/>
-              <a:t>1/2/2019</a:t>
+              <a:t>1/10/2019</a:t>
             </a:fld>
             <a:endParaRPr lang="en-US"/>
           </a:p>
@@ -6785,7 +6785,7 @@
           <a:p>
             <a:fld id="{0C073DF2-DD31-447B-89F4-CEF82A94D7A7}" type="datetime1">
               <a:rPr lang="en-US" smtClean="0"/>
-              <a:t>1/2/2019</a:t>
+              <a:t>1/10/2019</a:t>
             </a:fld>
             <a:endParaRPr lang="en-US"/>
           </a:p>
@@ -7317,7 +7317,7 @@
           <a:p>
             <a:fld id="{1551BB0C-CFA8-4A1F-9AAE-D6B32E8256E7}" type="datetime1">
               <a:rPr lang="en-US" smtClean="0"/>
-              <a:t>1/2/2019</a:t>
+              <a:t>1/10/2019</a:t>
             </a:fld>
             <a:endParaRPr lang="en-US"/>
           </a:p>
@@ -7455,7 +7455,7 @@
           <a:p>
             <a:fld id="{2752348D-B72F-4FC3-A127-851C5E7B3A9E}" type="datetime1">
               <a:rPr lang="en-US" smtClean="0"/>
-              <a:t>1/2/2019</a:t>
+              <a:t>1/10/2019</a:t>
             </a:fld>
             <a:endParaRPr lang="en-US"/>
           </a:p>
@@ -7565,7 +7565,7 @@
           <a:p>
             <a:fld id="{D666EB1B-704A-4D5E-8D5F-456104532486}" type="datetime1">
               <a:rPr lang="en-US" smtClean="0"/>
-              <a:t>1/2/2019</a:t>
+              <a:t>1/10/2019</a:t>
             </a:fld>
             <a:endParaRPr lang="en-US"/>
           </a:p>
@@ -7878,7 +7878,7 @@
           <a:p>
             <a:fld id="{D96AFBEB-CD4D-45C5-9851-D1FF1EB5AB85}" type="datetime1">
               <a:rPr lang="en-US" smtClean="0"/>
-              <a:t>1/2/2019</a:t>
+              <a:t>1/10/2019</a:t>
             </a:fld>
             <a:endParaRPr lang="en-US"/>
           </a:p>
@@ -8126,7 +8126,7 @@
           <a:p>
             <a:fld id="{B285B7EB-0ACD-4247-AA3F-1B0B49109B84}" type="datetime1">
               <a:rPr lang="en-US" smtClean="0"/>
-              <a:t>1/2/2019</a:t>
+              <a:t>1/10/2019</a:t>
             </a:fld>
             <a:endParaRPr lang="en-US"/>
           </a:p>
@@ -8426,7 +8426,7 @@
             <a:fld id="{8254F2F0-E062-4E41-9176-AEE9734E64AC}" type="datetime1">
               <a:rPr lang="en-US" smtClean="0"/>
               <a:pPr/>
-              <a:t>1/2/2019</a:t>
+              <a:t>1/10/2019</a:t>
             </a:fld>
             <a:endParaRPr lang="en-US" dirty="0"/>
           </a:p>
@@ -9034,199 +9034,6 @@
           <a:chExt cx="0" cy="0"/>
         </a:xfrm>
       </p:grpSpPr>
-      <p:pic>
-        <p:nvPicPr>
-          <p:cNvPr id="5" name="Picture 4" descr="A picture containing nature&#10;&#10;Description automatically generated">
-            <a:extLst>
-              <a:ext uri="{FF2B5EF4-FFF2-40B4-BE49-F238E27FC236}">
-                <a16:creationId xmlns:a16="http://schemas.microsoft.com/office/drawing/2014/main" id="{F17E8123-078E-4812-9E18-8B1F1FEA4DB4}"/>
-              </a:ext>
-            </a:extLst>
-          </p:cNvPr>
-          <p:cNvPicPr>
-            <a:picLocks noChangeAspect="1"/>
-          </p:cNvPicPr>
-          <p:nvPr/>
-        </p:nvPicPr>
-        <p:blipFill>
-          <a:blip r:embed="rId2">
-            <a:extLst>
-              <a:ext uri="{28A0092B-C50C-407E-A947-70E740481C1C}">
-                <a14:useLocalDpi xmlns:a14="http://schemas.microsoft.com/office/drawing/2010/main" val="0"/>
-              </a:ext>
-            </a:extLst>
-          </a:blip>
-          <a:stretch>
-            <a:fillRect/>
-          </a:stretch>
-        </p:blipFill>
-        <p:spPr>
-          <a:xfrm>
-            <a:off x="1" y="-280219"/>
-            <a:ext cx="12191999" cy="7138219"/>
-          </a:xfrm>
-          <a:prstGeom prst="rect">
-            <a:avLst/>
-          </a:prstGeom>
-        </p:spPr>
-      </p:pic>
-      <p:sp>
-        <p:nvSpPr>
-          <p:cNvPr id="4" name="Title 1">
-            <a:extLst>
-              <a:ext uri="{FF2B5EF4-FFF2-40B4-BE49-F238E27FC236}">
-                <a16:creationId xmlns:a16="http://schemas.microsoft.com/office/drawing/2014/main" id="{F57DD390-EE6A-42BC-85BC-DEE16AFF9CE6}"/>
-              </a:ext>
-            </a:extLst>
-          </p:cNvPr>
-          <p:cNvSpPr txBox="1">
-            <a:spLocks/>
-          </p:cNvSpPr>
-          <p:nvPr/>
-        </p:nvSpPr>
-        <p:spPr>
-          <a:xfrm>
-            <a:off x="678429" y="5058696"/>
-            <a:ext cx="10363200" cy="1265657"/>
-          </a:xfrm>
-          <a:prstGeom prst="rect">
-            <a:avLst/>
-          </a:prstGeom>
-        </p:spPr>
-        <p:txBody>
-          <a:bodyPr vert="horz" lIns="91440" tIns="45720" rIns="91440" bIns="45720" rtlCol="0" anchor="b" anchorCtr="0">
-            <a:noAutofit/>
-          </a:bodyPr>
-          <a:lstStyle>
-            <a:lvl1pPr algn="l" defTabSz="914400" rtl="0" eaLnBrk="1" latinLnBrk="0" hangingPunct="1">
-              <a:spcBef>
-                <a:spcPct val="0"/>
-              </a:spcBef>
-              <a:buNone/>
-              <a:defRPr sz="3600" b="1" kern="1200" cap="all" spc="50" baseline="0">
-                <a:solidFill>
-                  <a:schemeClr val="tx2">
-                    <a:lumMod val="50000"/>
-                  </a:schemeClr>
-                </a:solidFill>
-                <a:effectLst/>
-                <a:latin typeface="+mj-lt"/>
-                <a:ea typeface="+mj-ea"/>
-                <a:cs typeface="+mj-cs"/>
-              </a:defRPr>
-            </a:lvl1pPr>
-            <a:lvl2pPr eaLnBrk="1" hangingPunct="1">
-              <a:defRPr>
-                <a:solidFill>
-                  <a:schemeClr val="tx2"/>
-                </a:solidFill>
-              </a:defRPr>
-            </a:lvl2pPr>
-            <a:lvl3pPr eaLnBrk="1" hangingPunct="1">
-              <a:defRPr>
-                <a:solidFill>
-                  <a:schemeClr val="tx2"/>
-                </a:solidFill>
-              </a:defRPr>
-            </a:lvl3pPr>
-            <a:lvl4pPr eaLnBrk="1" hangingPunct="1">
-              <a:defRPr>
-                <a:solidFill>
-                  <a:schemeClr val="tx2"/>
-                </a:solidFill>
-              </a:defRPr>
-            </a:lvl4pPr>
-            <a:lvl5pPr eaLnBrk="1" hangingPunct="1">
-              <a:defRPr>
-                <a:solidFill>
-                  <a:schemeClr val="tx2"/>
-                </a:solidFill>
-              </a:defRPr>
-            </a:lvl5pPr>
-            <a:lvl6pPr eaLnBrk="1" hangingPunct="1">
-              <a:defRPr>
-                <a:solidFill>
-                  <a:schemeClr val="tx2"/>
-                </a:solidFill>
-              </a:defRPr>
-            </a:lvl6pPr>
-            <a:lvl7pPr eaLnBrk="1" hangingPunct="1">
-              <a:defRPr>
-                <a:solidFill>
-                  <a:schemeClr val="tx2"/>
-                </a:solidFill>
-              </a:defRPr>
-            </a:lvl7pPr>
-            <a:lvl8pPr eaLnBrk="1" hangingPunct="1">
-              <a:defRPr>
-                <a:solidFill>
-                  <a:schemeClr val="tx2"/>
-                </a:solidFill>
-              </a:defRPr>
-            </a:lvl8pPr>
-            <a:lvl9pPr eaLnBrk="1" hangingPunct="1">
-              <a:defRPr>
-                <a:solidFill>
-                  <a:schemeClr val="tx2"/>
-                </a:solidFill>
-              </a:defRPr>
-            </a:lvl9pPr>
-          </a:lstStyle>
-          <a:p>
-            <a:pPr algn="ctr"/>
-            <a:r>
-              <a:rPr lang="en-US" sz="6600" dirty="0">
-                <a:solidFill>
-                  <a:srgbClr val="FF0000"/>
-                </a:solidFill>
-              </a:rPr>
-              <a:t>JAWS!</a:t>
-            </a:r>
-          </a:p>
-        </p:txBody>
-      </p:sp>
-    </p:spTree>
-    <p:extLst>
-      <p:ext uri="{BB962C8B-B14F-4D97-AF65-F5344CB8AC3E}">
-        <p14:creationId xmlns:p14="http://schemas.microsoft.com/office/powerpoint/2010/main" val="3601864659"/>
-      </p:ext>
-    </p:extLst>
-  </p:cSld>
-  <p:clrMapOvr>
-    <a:masterClrMapping/>
-  </p:clrMapOvr>
-  <mc:AlternateContent xmlns:mc="http://schemas.openxmlformats.org/markup-compatibility/2006" xmlns:p14="http://schemas.microsoft.com/office/powerpoint/2010/main">
-    <mc:Choice Requires="p14">
-      <p:transition spd="med" p14:dur="700">
-        <p:fade/>
-      </p:transition>
-    </mc:Choice>
-    <mc:Fallback xmlns="">
-      <p:transition spd="med">
-        <p:fade/>
-      </p:transition>
-    </mc:Fallback>
-  </mc:AlternateContent>
-</p:sld>
-</file>
-
-<file path=ppt/slides/slide11.xml><?xml version="1.0" encoding="utf-8"?>
-<p:sld xmlns:a="http://schemas.openxmlformats.org/drawingml/2006/main" xmlns:r="http://schemas.openxmlformats.org/officeDocument/2006/relationships" xmlns:p="http://schemas.openxmlformats.org/presentationml/2006/main">
-  <p:cSld>
-    <p:spTree>
-      <p:nvGrpSpPr>
-        <p:cNvPr id="1" name=""/>
-        <p:cNvGrpSpPr/>
-        <p:nvPr/>
-      </p:nvGrpSpPr>
-      <p:grpSpPr>
-        <a:xfrm>
-          <a:off x="0" y="0"/>
-          <a:ext cx="0" cy="0"/>
-          <a:chOff x="0" y="0"/>
-          <a:chExt cx="0" cy="0"/>
-        </a:xfrm>
-      </p:grpSpPr>
       <p:sp>
         <p:nvSpPr>
           <p:cNvPr id="14" name="Content Placeholder 13"/>
@@ -9372,7 +9179,7 @@
 </p:sld>
 </file>
 
-<file path=ppt/slides/slide12.xml><?xml version="1.0" encoding="utf-8"?>
+<file path=ppt/slides/slide11.xml><?xml version="1.0" encoding="utf-8"?>
 <p:sld xmlns:a="http://schemas.openxmlformats.org/drawingml/2006/main" xmlns:r="http://schemas.openxmlformats.org/officeDocument/2006/relationships" xmlns:p="http://schemas.openxmlformats.org/presentationml/2006/main">
   <p:cSld>
     <p:spTree>
@@ -9524,7 +9331,7 @@
 </p:sld>
 </file>
 
-<file path=ppt/slides/slide13.xml><?xml version="1.0" encoding="utf-8"?>
+<file path=ppt/slides/slide12.xml><?xml version="1.0" encoding="utf-8"?>
 <p:sld xmlns:a="http://schemas.openxmlformats.org/drawingml/2006/main" xmlns:r="http://schemas.openxmlformats.org/officeDocument/2006/relationships" xmlns:p="http://schemas.openxmlformats.org/presentationml/2006/main">
   <p:cSld>
     <p:spTree>
@@ -9635,7 +9442,7 @@
 </p:sld>
 </file>
 
-<file path=ppt/slides/slide14.xml><?xml version="1.0" encoding="utf-8"?>
+<file path=ppt/slides/slide13.xml><?xml version="1.0" encoding="utf-8"?>
 <p:sld xmlns:a="http://schemas.openxmlformats.org/drawingml/2006/main" xmlns:r="http://schemas.openxmlformats.org/officeDocument/2006/relationships" xmlns:p="http://schemas.openxmlformats.org/presentationml/2006/main">
   <p:cSld>
     <p:spTree>
@@ -10026,7 +9833,7 @@
 </p:sld>
 </file>
 
-<file path=ppt/slides/slide15.xml><?xml version="1.0" encoding="utf-8"?>
+<file path=ppt/slides/slide14.xml><?xml version="1.0" encoding="utf-8"?>
 <p:sld xmlns:a="http://schemas.openxmlformats.org/drawingml/2006/main" xmlns:r="http://schemas.openxmlformats.org/officeDocument/2006/relationships" xmlns:p="http://schemas.openxmlformats.org/presentationml/2006/main">
   <p:cSld>
     <p:spTree>
@@ -10205,7 +10012,7 @@
 </p:sld>
 </file>
 
-<file path=ppt/slides/slide16.xml><?xml version="1.0" encoding="utf-8"?>
+<file path=ppt/slides/slide15.xml><?xml version="1.0" encoding="utf-8"?>
 <p:sld xmlns:a="http://schemas.openxmlformats.org/drawingml/2006/main" xmlns:r="http://schemas.openxmlformats.org/officeDocument/2006/relationships" xmlns:p="http://schemas.openxmlformats.org/presentationml/2006/main">
   <p:cSld>
     <p:spTree>
@@ -10247,7 +10054,7 @@
 </p:sld>
 </file>
 
-<file path=ppt/slides/slide17.xml><?xml version="1.0" encoding="utf-8"?>
+<file path=ppt/slides/slide16.xml><?xml version="1.0" encoding="utf-8"?>
 <p:sld xmlns:a="http://schemas.openxmlformats.org/drawingml/2006/main" xmlns:r="http://schemas.openxmlformats.org/officeDocument/2006/relationships" xmlns:p="http://schemas.openxmlformats.org/presentationml/2006/main">
   <p:cSld>
     <p:spTree>
@@ -10289,7 +10096,7 @@
 </p:sld>
 </file>
 
-<file path=ppt/slides/slide18.xml><?xml version="1.0" encoding="utf-8"?>
+<file path=ppt/slides/slide17.xml><?xml version="1.0" encoding="utf-8"?>
 <p:sld xmlns:a="http://schemas.openxmlformats.org/drawingml/2006/main" xmlns:r="http://schemas.openxmlformats.org/officeDocument/2006/relationships" xmlns:p="http://schemas.openxmlformats.org/presentationml/2006/main">
   <p:cSld>
     <p:spTree>
@@ -10331,7 +10138,7 @@
 </p:sld>
 </file>
 
-<file path=ppt/slides/slide19.xml><?xml version="1.0" encoding="utf-8"?>
+<file path=ppt/slides/slide18.xml><?xml version="1.0" encoding="utf-8"?>
 <p:sld xmlns:a="http://schemas.openxmlformats.org/drawingml/2006/main" xmlns:r="http://schemas.openxmlformats.org/officeDocument/2006/relationships" xmlns:p="http://schemas.openxmlformats.org/presentationml/2006/main">
   <p:cSld>
     <p:spTree>
@@ -10416,7 +10223,7 @@
 </p:sld>
 </file>
 
-<file path=ppt/slides/slide2.xml><?xml version="1.0" encoding="utf-8"?>
+<file path=ppt/slides/slide19.xml><?xml version="1.0" encoding="utf-8"?>
 <p:sld xmlns:a="http://schemas.openxmlformats.org/drawingml/2006/main" xmlns:r="http://schemas.openxmlformats.org/officeDocument/2006/relationships" xmlns:p="http://schemas.openxmlformats.org/presentationml/2006/main">
   <p:cSld>
     <p:spTree>
@@ -10504,679 +10311,7 @@
 </p:sld>
 </file>
 
-<file path=ppt/slides/slide20.xml><?xml version="1.0" encoding="utf-8"?>
-<p:sld xmlns:a="http://schemas.openxmlformats.org/drawingml/2006/main" xmlns:r="http://schemas.openxmlformats.org/officeDocument/2006/relationships" xmlns:p="http://schemas.openxmlformats.org/presentationml/2006/main">
-  <p:cSld>
-    <p:spTree>
-      <p:nvGrpSpPr>
-        <p:cNvPr id="1" name=""/>
-        <p:cNvGrpSpPr/>
-        <p:nvPr/>
-      </p:nvGrpSpPr>
-      <p:grpSpPr>
-        <a:xfrm>
-          <a:off x="0" y="0"/>
-          <a:ext cx="0" cy="0"/>
-          <a:chOff x="0" y="0"/>
-          <a:chExt cx="0" cy="0"/>
-        </a:xfrm>
-      </p:grpSpPr>
-      <p:sp>
-        <p:nvSpPr>
-          <p:cNvPr id="13" name="Title 12"/>
-          <p:cNvSpPr>
-            <a:spLocks noGrp="1"/>
-          </p:cNvSpPr>
-          <p:nvPr>
-            <p:ph type="title"/>
-          </p:nvPr>
-        </p:nvSpPr>
-        <p:spPr/>
-        <p:txBody>
-          <a:bodyPr/>
-          <a:lstStyle/>
-          <a:p>
-            <a:r>
-              <a:rPr lang="en-US" dirty="0"/>
-              <a:t>Title and Content Layout with List</a:t>
-            </a:r>
-          </a:p>
-        </p:txBody>
-      </p:sp>
-      <p:sp>
-        <p:nvSpPr>
-          <p:cNvPr id="14" name="Content Placeholder 13"/>
-          <p:cNvSpPr>
-            <a:spLocks noGrp="1"/>
-          </p:cNvSpPr>
-          <p:nvPr>
-            <p:ph sz="quarter" idx="13"/>
-          </p:nvPr>
-        </p:nvSpPr>
-        <p:spPr/>
-        <p:txBody>
-          <a:bodyPr/>
-          <a:lstStyle/>
-          <a:p>
-            <a:pPr lvl="0"/>
-            <a:r>
-              <a:rPr lang="en-US" dirty="0"/>
-              <a:t>Click to edit Master text styles</a:t>
-            </a:r>
-          </a:p>
-          <a:p>
-            <a:pPr lvl="1"/>
-            <a:r>
-              <a:rPr lang="en-US" dirty="0"/>
-              <a:t>Second level</a:t>
-            </a:r>
-          </a:p>
-          <a:p>
-            <a:pPr lvl="2"/>
-            <a:r>
-              <a:rPr lang="en-US" dirty="0"/>
-              <a:t>Third level</a:t>
-            </a:r>
-          </a:p>
-          <a:p>
-            <a:pPr lvl="3"/>
-            <a:r>
-              <a:rPr lang="en-US" dirty="0"/>
-              <a:t>Fourth level</a:t>
-            </a:r>
-          </a:p>
-          <a:p>
-            <a:pPr lvl="4"/>
-            <a:r>
-              <a:rPr lang="en-US" dirty="0"/>
-              <a:t>Fifth level</a:t>
-            </a:r>
-          </a:p>
-        </p:txBody>
-      </p:sp>
-    </p:spTree>
-    <p:extLst>
-      <p:ext uri="{BB962C8B-B14F-4D97-AF65-F5344CB8AC3E}">
-        <p14:creationId xmlns:p14="http://schemas.microsoft.com/office/powerpoint/2010/main" val="1030499500"/>
-      </p:ext>
-    </p:extLst>
-  </p:cSld>
-  <p:clrMapOvr>
-    <a:masterClrMapping/>
-  </p:clrMapOvr>
-  <mc:AlternateContent xmlns:mc="http://schemas.openxmlformats.org/markup-compatibility/2006" xmlns:p14="http://schemas.microsoft.com/office/powerpoint/2010/main">
-    <mc:Choice Requires="p14">
-      <p:transition spd="med" p14:dur="700">
-        <p:fade/>
-      </p:transition>
-    </mc:Choice>
-    <mc:Fallback xmlns="">
-      <p:transition spd="med">
-        <p:fade/>
-      </p:transition>
-    </mc:Fallback>
-  </mc:AlternateContent>
-</p:sld>
-</file>
-
-<file path=ppt/slides/slide21.xml><?xml version="1.0" encoding="utf-8"?>
-<p:sld xmlns:a="http://schemas.openxmlformats.org/drawingml/2006/main" xmlns:r="http://schemas.openxmlformats.org/officeDocument/2006/relationships" xmlns:p="http://schemas.openxmlformats.org/presentationml/2006/main">
-  <p:cSld>
-    <p:spTree>
-      <p:nvGrpSpPr>
-        <p:cNvPr id="1" name=""/>
-        <p:cNvGrpSpPr/>
-        <p:nvPr/>
-      </p:nvGrpSpPr>
-      <p:grpSpPr>
-        <a:xfrm>
-          <a:off x="0" y="0"/>
-          <a:ext cx="0" cy="0"/>
-          <a:chOff x="0" y="0"/>
-          <a:chExt cx="0" cy="0"/>
-        </a:xfrm>
-      </p:grpSpPr>
-      <p:sp>
-        <p:nvSpPr>
-          <p:cNvPr id="2" name="Title 1"/>
-          <p:cNvSpPr>
-            <a:spLocks noGrp="1"/>
-          </p:cNvSpPr>
-          <p:nvPr>
-            <p:ph type="title"/>
-          </p:nvPr>
-        </p:nvSpPr>
-        <p:spPr/>
-        <p:txBody>
-          <a:bodyPr/>
-          <a:lstStyle/>
-          <a:p>
-            <a:r>
-              <a:rPr lang="en-US" dirty="0"/>
-              <a:t>Title and Content Layout with Chart</a:t>
-            </a:r>
-          </a:p>
-        </p:txBody>
-      </p:sp>
-      <p:graphicFrame>
-        <p:nvGraphicFramePr>
-          <p:cNvPr id="6" name="Content Placeholder 5" descr="Clustered column chart showing the values of 3 series for 4 categories"/>
-          <p:cNvGraphicFramePr>
-            <a:graphicFrameLocks noGrp="1"/>
-          </p:cNvGraphicFramePr>
-          <p:nvPr>
-            <p:ph sz="quarter" idx="13"/>
-            <p:extLst>
-              <p:ext uri="{D42A27DB-BD31-4B8C-83A1-F6EECF244321}">
-                <p14:modId xmlns:p14="http://schemas.microsoft.com/office/powerpoint/2010/main" val="2517509121"/>
-              </p:ext>
-            </p:extLst>
-          </p:nvPr>
-        </p:nvGraphicFramePr>
-        <p:xfrm>
-          <a:off x="812800" y="1600200"/>
-          <a:ext cx="10566400" cy="4114800"/>
-        </p:xfrm>
-        <a:graphic>
-          <a:graphicData uri="http://schemas.openxmlformats.org/drawingml/2006/chart">
-            <c:chart xmlns:c="http://schemas.openxmlformats.org/drawingml/2006/chart" xmlns:r="http://schemas.openxmlformats.org/officeDocument/2006/relationships" r:id="rId2"/>
-          </a:graphicData>
-        </a:graphic>
-      </p:graphicFrame>
-    </p:spTree>
-    <p:extLst>
-      <p:ext uri="{BB962C8B-B14F-4D97-AF65-F5344CB8AC3E}">
-        <p14:creationId xmlns:p14="http://schemas.microsoft.com/office/powerpoint/2010/main" val="6974034"/>
-      </p:ext>
-    </p:extLst>
-  </p:cSld>
-  <p:clrMapOvr>
-    <a:masterClrMapping/>
-  </p:clrMapOvr>
-  <mc:AlternateContent xmlns:mc="http://schemas.openxmlformats.org/markup-compatibility/2006" xmlns:p14="http://schemas.microsoft.com/office/powerpoint/2010/main">
-    <mc:Choice Requires="p14">
-      <p:transition spd="med" p14:dur="700">
-        <p:fade/>
-      </p:transition>
-    </mc:Choice>
-    <mc:Fallback xmlns="">
-      <p:transition spd="med">
-        <p:fade/>
-      </p:transition>
-    </mc:Fallback>
-  </mc:AlternateContent>
-</p:sld>
-</file>
-
-<file path=ppt/slides/slide22.xml><?xml version="1.0" encoding="utf-8"?>
-<p:sld xmlns:a="http://schemas.openxmlformats.org/drawingml/2006/main" xmlns:r="http://schemas.openxmlformats.org/officeDocument/2006/relationships" xmlns:p="http://schemas.openxmlformats.org/presentationml/2006/main">
-  <p:cSld>
-    <p:spTree>
-      <p:nvGrpSpPr>
-        <p:cNvPr id="1" name=""/>
-        <p:cNvGrpSpPr/>
-        <p:nvPr/>
-      </p:nvGrpSpPr>
-      <p:grpSpPr>
-        <a:xfrm>
-          <a:off x="0" y="0"/>
-          <a:ext cx="0" cy="0"/>
-          <a:chOff x="0" y="0"/>
-          <a:chExt cx="0" cy="0"/>
-        </a:xfrm>
-      </p:grpSpPr>
-      <p:sp>
-        <p:nvSpPr>
-          <p:cNvPr id="2" name="Title 1"/>
-          <p:cNvSpPr>
-            <a:spLocks noGrp="1"/>
-          </p:cNvSpPr>
-          <p:nvPr>
-            <p:ph type="title"/>
-          </p:nvPr>
-        </p:nvSpPr>
-        <p:spPr/>
-        <p:txBody>
-          <a:bodyPr/>
-          <a:lstStyle/>
-          <a:p>
-            <a:r>
-              <a:rPr lang="en-US"/>
-              <a:t>Two Content Layout with Table</a:t>
-            </a:r>
-            <a:endParaRPr lang="en-US" dirty="0"/>
-          </a:p>
-        </p:txBody>
-      </p:sp>
-      <p:graphicFrame>
-        <p:nvGraphicFramePr>
-          <p:cNvPr id="4" name="Content Placeholder 3" title="Table sample"/>
-          <p:cNvGraphicFramePr>
-            <a:graphicFrameLocks noGrp="1"/>
-          </p:cNvGraphicFramePr>
-          <p:nvPr>
-            <p:ph sz="quarter" idx="13"/>
-            <p:extLst>
-              <p:ext uri="{D42A27DB-BD31-4B8C-83A1-F6EECF244321}">
-                <p14:modId xmlns:p14="http://schemas.microsoft.com/office/powerpoint/2010/main" val="659895434"/>
-              </p:ext>
-            </p:extLst>
-          </p:nvPr>
-        </p:nvGraphicFramePr>
-        <p:xfrm>
-          <a:off x="812800" y="1600200"/>
-          <a:ext cx="4978401" cy="2082800"/>
-        </p:xfrm>
-        <a:graphic>
-          <a:graphicData uri="http://schemas.openxmlformats.org/drawingml/2006/table">
-            <a:tbl>
-              <a:tblPr firstRow="1" bandRow="1">
-                <a:tableStyleId>{5DA37D80-6434-44D0-A028-1B22A696006F}</a:tableStyleId>
-              </a:tblPr>
-              <a:tblGrid>
-                <a:gridCol w="1659467">
-                  <a:extLst>
-                    <a:ext uri="{9D8B030D-6E8A-4147-A177-3AD203B41FA5}">
-                      <a16:colId xmlns:a16="http://schemas.microsoft.com/office/drawing/2014/main" val="20000"/>
-                    </a:ext>
-                  </a:extLst>
-                </a:gridCol>
-                <a:gridCol w="1659467">
-                  <a:extLst>
-                    <a:ext uri="{9D8B030D-6E8A-4147-A177-3AD203B41FA5}">
-                      <a16:colId xmlns:a16="http://schemas.microsoft.com/office/drawing/2014/main" val="20001"/>
-                    </a:ext>
-                  </a:extLst>
-                </a:gridCol>
-                <a:gridCol w="1659467">
-                  <a:extLst>
-                    <a:ext uri="{9D8B030D-6E8A-4147-A177-3AD203B41FA5}">
-                      <a16:colId xmlns:a16="http://schemas.microsoft.com/office/drawing/2014/main" val="20002"/>
-                    </a:ext>
-                  </a:extLst>
-                </a:gridCol>
-              </a:tblGrid>
-              <a:tr h="520700">
-                <a:tc>
-                  <a:txBody>
-                    <a:bodyPr/>
-                    <a:lstStyle/>
-                    <a:p>
-                      <a:r>
-                        <a:rPr lang="en-US" dirty="0"/>
-                        <a:t>Class</a:t>
-                      </a:r>
-                    </a:p>
-                  </a:txBody>
-                  <a:tcPr marL="95363" marR="95363" anchor="ctr"/>
-                </a:tc>
-                <a:tc>
-                  <a:txBody>
-                    <a:bodyPr/>
-                    <a:lstStyle/>
-                    <a:p>
-                      <a:pPr algn="ctr"/>
-                      <a:r>
-                        <a:rPr lang="en-US" dirty="0"/>
-                        <a:t>Group A</a:t>
-                      </a:r>
-                    </a:p>
-                  </a:txBody>
-                  <a:tcPr marL="95363" marR="95363" anchor="ctr"/>
-                </a:tc>
-                <a:tc>
-                  <a:txBody>
-                    <a:bodyPr/>
-                    <a:lstStyle/>
-                    <a:p>
-                      <a:pPr algn="ctr"/>
-                      <a:r>
-                        <a:rPr lang="en-US" dirty="0"/>
-                        <a:t>Group B</a:t>
-                      </a:r>
-                    </a:p>
-                  </a:txBody>
-                  <a:tcPr marL="95363" marR="95363" anchor="ctr"/>
-                </a:tc>
-                <a:extLst>
-                  <a:ext uri="{0D108BD9-81ED-4DB2-BD59-A6C34878D82A}">
-                    <a16:rowId xmlns:a16="http://schemas.microsoft.com/office/drawing/2014/main" val="10000"/>
-                  </a:ext>
-                </a:extLst>
-              </a:tr>
-              <a:tr h="520700">
-                <a:tc>
-                  <a:txBody>
-                    <a:bodyPr/>
-                    <a:lstStyle/>
-                    <a:p>
-                      <a:r>
-                        <a:rPr lang="en-US" dirty="0"/>
-                        <a:t>Class 1</a:t>
-                      </a:r>
-                    </a:p>
-                  </a:txBody>
-                  <a:tcPr marL="95363" marR="95363" anchor="ctr"/>
-                </a:tc>
-                <a:tc>
-                  <a:txBody>
-                    <a:bodyPr/>
-                    <a:lstStyle/>
-                    <a:p>
-                      <a:pPr algn="ctr"/>
-                      <a:r>
-                        <a:rPr lang="en-US" dirty="0"/>
-                        <a:t>82</a:t>
-                      </a:r>
-                    </a:p>
-                  </a:txBody>
-                  <a:tcPr marL="95363" marR="95363" anchor="ctr"/>
-                </a:tc>
-                <a:tc>
-                  <a:txBody>
-                    <a:bodyPr/>
-                    <a:lstStyle/>
-                    <a:p>
-                      <a:pPr algn="ctr"/>
-                      <a:r>
-                        <a:rPr lang="en-US" dirty="0"/>
-                        <a:t>85</a:t>
-                      </a:r>
-                    </a:p>
-                  </a:txBody>
-                  <a:tcPr marL="95363" marR="95363" anchor="ctr"/>
-                </a:tc>
-                <a:extLst>
-                  <a:ext uri="{0D108BD9-81ED-4DB2-BD59-A6C34878D82A}">
-                    <a16:rowId xmlns:a16="http://schemas.microsoft.com/office/drawing/2014/main" val="10001"/>
-                  </a:ext>
-                </a:extLst>
-              </a:tr>
-              <a:tr h="520700">
-                <a:tc>
-                  <a:txBody>
-                    <a:bodyPr/>
-                    <a:lstStyle/>
-                    <a:p>
-                      <a:r>
-                        <a:rPr lang="en-US" dirty="0"/>
-                        <a:t>Class 2</a:t>
-                      </a:r>
-                    </a:p>
-                  </a:txBody>
-                  <a:tcPr marL="95363" marR="95363" anchor="ctr"/>
-                </a:tc>
-                <a:tc>
-                  <a:txBody>
-                    <a:bodyPr/>
-                    <a:lstStyle/>
-                    <a:p>
-                      <a:pPr algn="ctr"/>
-                      <a:r>
-                        <a:rPr lang="en-US" dirty="0"/>
-                        <a:t>76</a:t>
-                      </a:r>
-                    </a:p>
-                  </a:txBody>
-                  <a:tcPr marL="95363" marR="95363" anchor="ctr"/>
-                </a:tc>
-                <a:tc>
-                  <a:txBody>
-                    <a:bodyPr/>
-                    <a:lstStyle/>
-                    <a:p>
-                      <a:pPr algn="ctr"/>
-                      <a:r>
-                        <a:rPr lang="en-US" dirty="0"/>
-                        <a:t>88</a:t>
-                      </a:r>
-                    </a:p>
-                  </a:txBody>
-                  <a:tcPr marL="95363" marR="95363" anchor="ctr"/>
-                </a:tc>
-                <a:extLst>
-                  <a:ext uri="{0D108BD9-81ED-4DB2-BD59-A6C34878D82A}">
-                    <a16:rowId xmlns:a16="http://schemas.microsoft.com/office/drawing/2014/main" val="10002"/>
-                  </a:ext>
-                </a:extLst>
-              </a:tr>
-              <a:tr h="520700">
-                <a:tc>
-                  <a:txBody>
-                    <a:bodyPr/>
-                    <a:lstStyle/>
-                    <a:p>
-                      <a:r>
-                        <a:rPr lang="en-US" dirty="0"/>
-                        <a:t>Class 3</a:t>
-                      </a:r>
-                    </a:p>
-                  </a:txBody>
-                  <a:tcPr marL="95363" marR="95363" anchor="ctr"/>
-                </a:tc>
-                <a:tc>
-                  <a:txBody>
-                    <a:bodyPr/>
-                    <a:lstStyle/>
-                    <a:p>
-                      <a:pPr algn="ctr"/>
-                      <a:r>
-                        <a:rPr lang="en-US" dirty="0"/>
-                        <a:t>84</a:t>
-                      </a:r>
-                    </a:p>
-                  </a:txBody>
-                  <a:tcPr marL="95363" marR="95363" anchor="ctr"/>
-                </a:tc>
-                <a:tc>
-                  <a:txBody>
-                    <a:bodyPr/>
-                    <a:lstStyle/>
-                    <a:p>
-                      <a:pPr algn="ctr"/>
-                      <a:r>
-                        <a:rPr lang="en-US" dirty="0"/>
-                        <a:t>90</a:t>
-                      </a:r>
-                    </a:p>
-                  </a:txBody>
-                  <a:tcPr marL="95363" marR="95363" anchor="ctr"/>
-                </a:tc>
-                <a:extLst>
-                  <a:ext uri="{0D108BD9-81ED-4DB2-BD59-A6C34878D82A}">
-                    <a16:rowId xmlns:a16="http://schemas.microsoft.com/office/drawing/2014/main" val="10003"/>
-                  </a:ext>
-                </a:extLst>
-              </a:tr>
-            </a:tbl>
-          </a:graphicData>
-        </a:graphic>
-      </p:graphicFrame>
-      <p:sp>
-        <p:nvSpPr>
-          <p:cNvPr id="11" name="Content Placeholder 10"/>
-          <p:cNvSpPr>
-            <a:spLocks noGrp="1"/>
-          </p:cNvSpPr>
-          <p:nvPr>
-            <p:ph sz="quarter" idx="14"/>
-          </p:nvPr>
-        </p:nvSpPr>
-        <p:spPr/>
-        <p:txBody>
-          <a:bodyPr/>
-          <a:lstStyle/>
-          <a:p>
-            <a:r>
-              <a:rPr lang="en-US" dirty="0"/>
-              <a:t>First bullet point here</a:t>
-            </a:r>
-          </a:p>
-          <a:p>
-            <a:r>
-              <a:rPr lang="en-US" dirty="0"/>
-              <a:t>Second bullet point here</a:t>
-            </a:r>
-          </a:p>
-          <a:p>
-            <a:r>
-              <a:rPr lang="en-US" dirty="0"/>
-              <a:t>Third bullet point here</a:t>
-            </a:r>
-          </a:p>
-        </p:txBody>
-      </p:sp>
-    </p:spTree>
-    <p:extLst>
-      <p:ext uri="{BB962C8B-B14F-4D97-AF65-F5344CB8AC3E}">
-        <p14:creationId xmlns:p14="http://schemas.microsoft.com/office/powerpoint/2010/main" val="3759276815"/>
-      </p:ext>
-    </p:extLst>
-  </p:cSld>
-  <p:clrMapOvr>
-    <a:masterClrMapping/>
-  </p:clrMapOvr>
-  <mc:AlternateContent xmlns:mc="http://schemas.openxmlformats.org/markup-compatibility/2006" xmlns:p14="http://schemas.microsoft.com/office/powerpoint/2010/main">
-    <mc:Choice Requires="p14">
-      <p:transition spd="med" p14:dur="700">
-        <p:fade/>
-      </p:transition>
-    </mc:Choice>
-    <mc:Fallback xmlns="">
-      <p:transition spd="med">
-        <p:fade/>
-      </p:transition>
-    </mc:Fallback>
-  </mc:AlternateContent>
-</p:sld>
-</file>
-
-<file path=ppt/slides/slide23.xml><?xml version="1.0" encoding="utf-8"?>
-<p:sld xmlns:a="http://schemas.openxmlformats.org/drawingml/2006/main" xmlns:r="http://schemas.openxmlformats.org/officeDocument/2006/relationships" xmlns:p="http://schemas.openxmlformats.org/presentationml/2006/main">
-  <p:cSld>
-    <p:spTree>
-      <p:nvGrpSpPr>
-        <p:cNvPr id="1" name=""/>
-        <p:cNvGrpSpPr/>
-        <p:nvPr/>
-      </p:nvGrpSpPr>
-      <p:grpSpPr>
-        <a:xfrm>
-          <a:off x="0" y="0"/>
-          <a:ext cx="0" cy="0"/>
-          <a:chOff x="0" y="0"/>
-          <a:chExt cx="0" cy="0"/>
-        </a:xfrm>
-      </p:grpSpPr>
-      <p:sp>
-        <p:nvSpPr>
-          <p:cNvPr id="2" name="Title 1"/>
-          <p:cNvSpPr>
-            <a:spLocks noGrp="1"/>
-          </p:cNvSpPr>
-          <p:nvPr>
-            <p:ph type="title"/>
-          </p:nvPr>
-        </p:nvSpPr>
-        <p:spPr/>
-        <p:txBody>
-          <a:bodyPr/>
-          <a:lstStyle/>
-          <a:p>
-            <a:r>
-              <a:rPr lang="en-US"/>
-              <a:t>Two Content Layout with SmartArt</a:t>
-            </a:r>
-            <a:endParaRPr lang="en-US" dirty="0"/>
-          </a:p>
-        </p:txBody>
-      </p:sp>
-      <p:sp>
-        <p:nvSpPr>
-          <p:cNvPr id="10" name="Content Placeholder 9"/>
-          <p:cNvSpPr>
-            <a:spLocks noGrp="1"/>
-          </p:cNvSpPr>
-          <p:nvPr>
-            <p:ph sz="quarter" idx="13"/>
-          </p:nvPr>
-        </p:nvSpPr>
-        <p:spPr/>
-        <p:txBody>
-          <a:bodyPr/>
-          <a:lstStyle/>
-          <a:p>
-            <a:r>
-              <a:rPr lang="en-US"/>
-              <a:t>First bullet point here</a:t>
-            </a:r>
-          </a:p>
-          <a:p>
-            <a:r>
-              <a:rPr lang="en-US"/>
-              <a:t>Second bullet point here</a:t>
-            </a:r>
-          </a:p>
-          <a:p>
-            <a:r>
-              <a:rPr lang="en-US"/>
-              <a:t>Third bullet point here</a:t>
-            </a:r>
-            <a:endParaRPr lang="en-US" dirty="0"/>
-          </a:p>
-        </p:txBody>
-      </p:sp>
-      <p:graphicFrame>
-        <p:nvGraphicFramePr>
-          <p:cNvPr id="9" name="Content Placeholder 8" descr="Vertical Box List diagram showing 3 groups arranged one below the other and bullet points are present under each group"/>
-          <p:cNvGraphicFramePr>
-            <a:graphicFrameLocks noGrp="1"/>
-          </p:cNvGraphicFramePr>
-          <p:nvPr>
-            <p:ph sz="quarter" idx="14"/>
-            <p:extLst>
-              <p:ext uri="{D42A27DB-BD31-4B8C-83A1-F6EECF244321}">
-                <p14:modId xmlns:p14="http://schemas.microsoft.com/office/powerpoint/2010/main" val="4028468487"/>
-              </p:ext>
-            </p:extLst>
-          </p:nvPr>
-        </p:nvGraphicFramePr>
-        <p:xfrm>
-          <a:off x="6400800" y="1600200"/>
-          <a:ext cx="4978400" cy="4114800"/>
-        </p:xfrm>
-        <a:graphic>
-          <a:graphicData uri="http://schemas.openxmlformats.org/drawingml/2006/diagram">
-            <dgm:relIds xmlns:dgm="http://schemas.openxmlformats.org/drawingml/2006/diagram" xmlns:r="http://schemas.openxmlformats.org/officeDocument/2006/relationships" r:dm="rId2" r:lo="rId3" r:qs="rId4" r:cs="rId5"/>
-          </a:graphicData>
-        </a:graphic>
-      </p:graphicFrame>
-    </p:spTree>
-    <p:extLst>
-      <p:ext uri="{BB962C8B-B14F-4D97-AF65-F5344CB8AC3E}">
-        <p14:creationId xmlns:p14="http://schemas.microsoft.com/office/powerpoint/2010/main" val="2535459350"/>
-      </p:ext>
-    </p:extLst>
-  </p:cSld>
-  <p:clrMapOvr>
-    <a:masterClrMapping/>
-  </p:clrMapOvr>
-  <mc:AlternateContent xmlns:mc="http://schemas.openxmlformats.org/markup-compatibility/2006" xmlns:p14="http://schemas.microsoft.com/office/powerpoint/2010/main">
-    <mc:Choice Requires="p14">
-      <p:transition spd="med" p14:dur="700">
-        <p:fade/>
-      </p:transition>
-    </mc:Choice>
-    <mc:Fallback xmlns="">
-      <p:transition spd="med">
-        <p:fade/>
-      </p:transition>
-    </mc:Fallback>
-  </mc:AlternateContent>
-</p:sld>
-</file>
-
-<file path=ppt/slides/slide3.xml><?xml version="1.0" encoding="utf-8"?>
+<file path=ppt/slides/slide2.xml><?xml version="1.0" encoding="utf-8"?>
 <p:sld xmlns:a="http://schemas.openxmlformats.org/drawingml/2006/main" xmlns:r="http://schemas.openxmlformats.org/officeDocument/2006/relationships" xmlns:p="http://schemas.openxmlformats.org/presentationml/2006/main">
   <p:cSld>
     <p:spTree>
@@ -11555,7 +10690,679 @@
 </p:sld>
 </file>
 
-<file path=ppt/slides/slide4.xml><?xml version="1.0" encoding="utf-8"?>
+<file path=ppt/slides/slide20.xml><?xml version="1.0" encoding="utf-8"?>
+<p:sld xmlns:a="http://schemas.openxmlformats.org/drawingml/2006/main" xmlns:r="http://schemas.openxmlformats.org/officeDocument/2006/relationships" xmlns:p="http://schemas.openxmlformats.org/presentationml/2006/main">
+  <p:cSld>
+    <p:spTree>
+      <p:nvGrpSpPr>
+        <p:cNvPr id="1" name=""/>
+        <p:cNvGrpSpPr/>
+        <p:nvPr/>
+      </p:nvGrpSpPr>
+      <p:grpSpPr>
+        <a:xfrm>
+          <a:off x="0" y="0"/>
+          <a:ext cx="0" cy="0"/>
+          <a:chOff x="0" y="0"/>
+          <a:chExt cx="0" cy="0"/>
+        </a:xfrm>
+      </p:grpSpPr>
+      <p:sp>
+        <p:nvSpPr>
+          <p:cNvPr id="13" name="Title 12"/>
+          <p:cNvSpPr>
+            <a:spLocks noGrp="1"/>
+          </p:cNvSpPr>
+          <p:nvPr>
+            <p:ph type="title"/>
+          </p:nvPr>
+        </p:nvSpPr>
+        <p:spPr/>
+        <p:txBody>
+          <a:bodyPr/>
+          <a:lstStyle/>
+          <a:p>
+            <a:r>
+              <a:rPr lang="en-US" dirty="0"/>
+              <a:t>Title and Content Layout with List</a:t>
+            </a:r>
+          </a:p>
+        </p:txBody>
+      </p:sp>
+      <p:sp>
+        <p:nvSpPr>
+          <p:cNvPr id="14" name="Content Placeholder 13"/>
+          <p:cNvSpPr>
+            <a:spLocks noGrp="1"/>
+          </p:cNvSpPr>
+          <p:nvPr>
+            <p:ph sz="quarter" idx="13"/>
+          </p:nvPr>
+        </p:nvSpPr>
+        <p:spPr/>
+        <p:txBody>
+          <a:bodyPr/>
+          <a:lstStyle/>
+          <a:p>
+            <a:pPr lvl="0"/>
+            <a:r>
+              <a:rPr lang="en-US" dirty="0"/>
+              <a:t>Click to edit Master text styles</a:t>
+            </a:r>
+          </a:p>
+          <a:p>
+            <a:pPr lvl="1"/>
+            <a:r>
+              <a:rPr lang="en-US" dirty="0"/>
+              <a:t>Second level</a:t>
+            </a:r>
+          </a:p>
+          <a:p>
+            <a:pPr lvl="2"/>
+            <a:r>
+              <a:rPr lang="en-US" dirty="0"/>
+              <a:t>Third level</a:t>
+            </a:r>
+          </a:p>
+          <a:p>
+            <a:pPr lvl="3"/>
+            <a:r>
+              <a:rPr lang="en-US" dirty="0"/>
+              <a:t>Fourth level</a:t>
+            </a:r>
+          </a:p>
+          <a:p>
+            <a:pPr lvl="4"/>
+            <a:r>
+              <a:rPr lang="en-US" dirty="0"/>
+              <a:t>Fifth level</a:t>
+            </a:r>
+          </a:p>
+        </p:txBody>
+      </p:sp>
+    </p:spTree>
+    <p:extLst>
+      <p:ext uri="{BB962C8B-B14F-4D97-AF65-F5344CB8AC3E}">
+        <p14:creationId xmlns:p14="http://schemas.microsoft.com/office/powerpoint/2010/main" val="1030499500"/>
+      </p:ext>
+    </p:extLst>
+  </p:cSld>
+  <p:clrMapOvr>
+    <a:masterClrMapping/>
+  </p:clrMapOvr>
+  <mc:AlternateContent xmlns:mc="http://schemas.openxmlformats.org/markup-compatibility/2006" xmlns:p14="http://schemas.microsoft.com/office/powerpoint/2010/main">
+    <mc:Choice Requires="p14">
+      <p:transition spd="med" p14:dur="700">
+        <p:fade/>
+      </p:transition>
+    </mc:Choice>
+    <mc:Fallback xmlns="">
+      <p:transition spd="med">
+        <p:fade/>
+      </p:transition>
+    </mc:Fallback>
+  </mc:AlternateContent>
+</p:sld>
+</file>
+
+<file path=ppt/slides/slide21.xml><?xml version="1.0" encoding="utf-8"?>
+<p:sld xmlns:a="http://schemas.openxmlformats.org/drawingml/2006/main" xmlns:r="http://schemas.openxmlformats.org/officeDocument/2006/relationships" xmlns:p="http://schemas.openxmlformats.org/presentationml/2006/main">
+  <p:cSld>
+    <p:spTree>
+      <p:nvGrpSpPr>
+        <p:cNvPr id="1" name=""/>
+        <p:cNvGrpSpPr/>
+        <p:nvPr/>
+      </p:nvGrpSpPr>
+      <p:grpSpPr>
+        <a:xfrm>
+          <a:off x="0" y="0"/>
+          <a:ext cx="0" cy="0"/>
+          <a:chOff x="0" y="0"/>
+          <a:chExt cx="0" cy="0"/>
+        </a:xfrm>
+      </p:grpSpPr>
+      <p:sp>
+        <p:nvSpPr>
+          <p:cNvPr id="2" name="Title 1"/>
+          <p:cNvSpPr>
+            <a:spLocks noGrp="1"/>
+          </p:cNvSpPr>
+          <p:nvPr>
+            <p:ph type="title"/>
+          </p:nvPr>
+        </p:nvSpPr>
+        <p:spPr/>
+        <p:txBody>
+          <a:bodyPr/>
+          <a:lstStyle/>
+          <a:p>
+            <a:r>
+              <a:rPr lang="en-US" dirty="0"/>
+              <a:t>Title and Content Layout with Chart</a:t>
+            </a:r>
+          </a:p>
+        </p:txBody>
+      </p:sp>
+      <p:graphicFrame>
+        <p:nvGraphicFramePr>
+          <p:cNvPr id="6" name="Content Placeholder 5" descr="Clustered column chart showing the values of 3 series for 4 categories"/>
+          <p:cNvGraphicFramePr>
+            <a:graphicFrameLocks noGrp="1"/>
+          </p:cNvGraphicFramePr>
+          <p:nvPr>
+            <p:ph sz="quarter" idx="13"/>
+            <p:extLst>
+              <p:ext uri="{D42A27DB-BD31-4B8C-83A1-F6EECF244321}">
+                <p14:modId xmlns:p14="http://schemas.microsoft.com/office/powerpoint/2010/main" val="2517509121"/>
+              </p:ext>
+            </p:extLst>
+          </p:nvPr>
+        </p:nvGraphicFramePr>
+        <p:xfrm>
+          <a:off x="812800" y="1600200"/>
+          <a:ext cx="10566400" cy="4114800"/>
+        </p:xfrm>
+        <a:graphic>
+          <a:graphicData uri="http://schemas.openxmlformats.org/drawingml/2006/chart">
+            <c:chart xmlns:c="http://schemas.openxmlformats.org/drawingml/2006/chart" xmlns:r="http://schemas.openxmlformats.org/officeDocument/2006/relationships" r:id="rId2"/>
+          </a:graphicData>
+        </a:graphic>
+      </p:graphicFrame>
+    </p:spTree>
+    <p:extLst>
+      <p:ext uri="{BB962C8B-B14F-4D97-AF65-F5344CB8AC3E}">
+        <p14:creationId xmlns:p14="http://schemas.microsoft.com/office/powerpoint/2010/main" val="6974034"/>
+      </p:ext>
+    </p:extLst>
+  </p:cSld>
+  <p:clrMapOvr>
+    <a:masterClrMapping/>
+  </p:clrMapOvr>
+  <mc:AlternateContent xmlns:mc="http://schemas.openxmlformats.org/markup-compatibility/2006" xmlns:p14="http://schemas.microsoft.com/office/powerpoint/2010/main">
+    <mc:Choice Requires="p14">
+      <p:transition spd="med" p14:dur="700">
+        <p:fade/>
+      </p:transition>
+    </mc:Choice>
+    <mc:Fallback xmlns="">
+      <p:transition spd="med">
+        <p:fade/>
+      </p:transition>
+    </mc:Fallback>
+  </mc:AlternateContent>
+</p:sld>
+</file>
+
+<file path=ppt/slides/slide22.xml><?xml version="1.0" encoding="utf-8"?>
+<p:sld xmlns:a="http://schemas.openxmlformats.org/drawingml/2006/main" xmlns:r="http://schemas.openxmlformats.org/officeDocument/2006/relationships" xmlns:p="http://schemas.openxmlformats.org/presentationml/2006/main">
+  <p:cSld>
+    <p:spTree>
+      <p:nvGrpSpPr>
+        <p:cNvPr id="1" name=""/>
+        <p:cNvGrpSpPr/>
+        <p:nvPr/>
+      </p:nvGrpSpPr>
+      <p:grpSpPr>
+        <a:xfrm>
+          <a:off x="0" y="0"/>
+          <a:ext cx="0" cy="0"/>
+          <a:chOff x="0" y="0"/>
+          <a:chExt cx="0" cy="0"/>
+        </a:xfrm>
+      </p:grpSpPr>
+      <p:sp>
+        <p:nvSpPr>
+          <p:cNvPr id="2" name="Title 1"/>
+          <p:cNvSpPr>
+            <a:spLocks noGrp="1"/>
+          </p:cNvSpPr>
+          <p:nvPr>
+            <p:ph type="title"/>
+          </p:nvPr>
+        </p:nvSpPr>
+        <p:spPr/>
+        <p:txBody>
+          <a:bodyPr/>
+          <a:lstStyle/>
+          <a:p>
+            <a:r>
+              <a:rPr lang="en-US"/>
+              <a:t>Two Content Layout with Table</a:t>
+            </a:r>
+            <a:endParaRPr lang="en-US" dirty="0"/>
+          </a:p>
+        </p:txBody>
+      </p:sp>
+      <p:graphicFrame>
+        <p:nvGraphicFramePr>
+          <p:cNvPr id="4" name="Content Placeholder 3" title="Table sample"/>
+          <p:cNvGraphicFramePr>
+            <a:graphicFrameLocks noGrp="1"/>
+          </p:cNvGraphicFramePr>
+          <p:nvPr>
+            <p:ph sz="quarter" idx="13"/>
+            <p:extLst>
+              <p:ext uri="{D42A27DB-BD31-4B8C-83A1-F6EECF244321}">
+                <p14:modId xmlns:p14="http://schemas.microsoft.com/office/powerpoint/2010/main" val="659895434"/>
+              </p:ext>
+            </p:extLst>
+          </p:nvPr>
+        </p:nvGraphicFramePr>
+        <p:xfrm>
+          <a:off x="812800" y="1600200"/>
+          <a:ext cx="4978401" cy="2082800"/>
+        </p:xfrm>
+        <a:graphic>
+          <a:graphicData uri="http://schemas.openxmlformats.org/drawingml/2006/table">
+            <a:tbl>
+              <a:tblPr firstRow="1" bandRow="1">
+                <a:tableStyleId>{5DA37D80-6434-44D0-A028-1B22A696006F}</a:tableStyleId>
+              </a:tblPr>
+              <a:tblGrid>
+                <a:gridCol w="1659467">
+                  <a:extLst>
+                    <a:ext uri="{9D8B030D-6E8A-4147-A177-3AD203B41FA5}">
+                      <a16:colId xmlns:a16="http://schemas.microsoft.com/office/drawing/2014/main" val="20000"/>
+                    </a:ext>
+                  </a:extLst>
+                </a:gridCol>
+                <a:gridCol w="1659467">
+                  <a:extLst>
+                    <a:ext uri="{9D8B030D-6E8A-4147-A177-3AD203B41FA5}">
+                      <a16:colId xmlns:a16="http://schemas.microsoft.com/office/drawing/2014/main" val="20001"/>
+                    </a:ext>
+                  </a:extLst>
+                </a:gridCol>
+                <a:gridCol w="1659467">
+                  <a:extLst>
+                    <a:ext uri="{9D8B030D-6E8A-4147-A177-3AD203B41FA5}">
+                      <a16:colId xmlns:a16="http://schemas.microsoft.com/office/drawing/2014/main" val="20002"/>
+                    </a:ext>
+                  </a:extLst>
+                </a:gridCol>
+              </a:tblGrid>
+              <a:tr h="520700">
+                <a:tc>
+                  <a:txBody>
+                    <a:bodyPr/>
+                    <a:lstStyle/>
+                    <a:p>
+                      <a:r>
+                        <a:rPr lang="en-US" dirty="0"/>
+                        <a:t>Class</a:t>
+                      </a:r>
+                    </a:p>
+                  </a:txBody>
+                  <a:tcPr marL="95363" marR="95363" anchor="ctr"/>
+                </a:tc>
+                <a:tc>
+                  <a:txBody>
+                    <a:bodyPr/>
+                    <a:lstStyle/>
+                    <a:p>
+                      <a:pPr algn="ctr"/>
+                      <a:r>
+                        <a:rPr lang="en-US" dirty="0"/>
+                        <a:t>Group A</a:t>
+                      </a:r>
+                    </a:p>
+                  </a:txBody>
+                  <a:tcPr marL="95363" marR="95363" anchor="ctr"/>
+                </a:tc>
+                <a:tc>
+                  <a:txBody>
+                    <a:bodyPr/>
+                    <a:lstStyle/>
+                    <a:p>
+                      <a:pPr algn="ctr"/>
+                      <a:r>
+                        <a:rPr lang="en-US" dirty="0"/>
+                        <a:t>Group B</a:t>
+                      </a:r>
+                    </a:p>
+                  </a:txBody>
+                  <a:tcPr marL="95363" marR="95363" anchor="ctr"/>
+                </a:tc>
+                <a:extLst>
+                  <a:ext uri="{0D108BD9-81ED-4DB2-BD59-A6C34878D82A}">
+                    <a16:rowId xmlns:a16="http://schemas.microsoft.com/office/drawing/2014/main" val="10000"/>
+                  </a:ext>
+                </a:extLst>
+              </a:tr>
+              <a:tr h="520700">
+                <a:tc>
+                  <a:txBody>
+                    <a:bodyPr/>
+                    <a:lstStyle/>
+                    <a:p>
+                      <a:r>
+                        <a:rPr lang="en-US" dirty="0"/>
+                        <a:t>Class 1</a:t>
+                      </a:r>
+                    </a:p>
+                  </a:txBody>
+                  <a:tcPr marL="95363" marR="95363" anchor="ctr"/>
+                </a:tc>
+                <a:tc>
+                  <a:txBody>
+                    <a:bodyPr/>
+                    <a:lstStyle/>
+                    <a:p>
+                      <a:pPr algn="ctr"/>
+                      <a:r>
+                        <a:rPr lang="en-US" dirty="0"/>
+                        <a:t>82</a:t>
+                      </a:r>
+                    </a:p>
+                  </a:txBody>
+                  <a:tcPr marL="95363" marR="95363" anchor="ctr"/>
+                </a:tc>
+                <a:tc>
+                  <a:txBody>
+                    <a:bodyPr/>
+                    <a:lstStyle/>
+                    <a:p>
+                      <a:pPr algn="ctr"/>
+                      <a:r>
+                        <a:rPr lang="en-US" dirty="0"/>
+                        <a:t>85</a:t>
+                      </a:r>
+                    </a:p>
+                  </a:txBody>
+                  <a:tcPr marL="95363" marR="95363" anchor="ctr"/>
+                </a:tc>
+                <a:extLst>
+                  <a:ext uri="{0D108BD9-81ED-4DB2-BD59-A6C34878D82A}">
+                    <a16:rowId xmlns:a16="http://schemas.microsoft.com/office/drawing/2014/main" val="10001"/>
+                  </a:ext>
+                </a:extLst>
+              </a:tr>
+              <a:tr h="520700">
+                <a:tc>
+                  <a:txBody>
+                    <a:bodyPr/>
+                    <a:lstStyle/>
+                    <a:p>
+                      <a:r>
+                        <a:rPr lang="en-US" dirty="0"/>
+                        <a:t>Class 2</a:t>
+                      </a:r>
+                    </a:p>
+                  </a:txBody>
+                  <a:tcPr marL="95363" marR="95363" anchor="ctr"/>
+                </a:tc>
+                <a:tc>
+                  <a:txBody>
+                    <a:bodyPr/>
+                    <a:lstStyle/>
+                    <a:p>
+                      <a:pPr algn="ctr"/>
+                      <a:r>
+                        <a:rPr lang="en-US" dirty="0"/>
+                        <a:t>76</a:t>
+                      </a:r>
+                    </a:p>
+                  </a:txBody>
+                  <a:tcPr marL="95363" marR="95363" anchor="ctr"/>
+                </a:tc>
+                <a:tc>
+                  <a:txBody>
+                    <a:bodyPr/>
+                    <a:lstStyle/>
+                    <a:p>
+                      <a:pPr algn="ctr"/>
+                      <a:r>
+                        <a:rPr lang="en-US" dirty="0"/>
+                        <a:t>88</a:t>
+                      </a:r>
+                    </a:p>
+                  </a:txBody>
+                  <a:tcPr marL="95363" marR="95363" anchor="ctr"/>
+                </a:tc>
+                <a:extLst>
+                  <a:ext uri="{0D108BD9-81ED-4DB2-BD59-A6C34878D82A}">
+                    <a16:rowId xmlns:a16="http://schemas.microsoft.com/office/drawing/2014/main" val="10002"/>
+                  </a:ext>
+                </a:extLst>
+              </a:tr>
+              <a:tr h="520700">
+                <a:tc>
+                  <a:txBody>
+                    <a:bodyPr/>
+                    <a:lstStyle/>
+                    <a:p>
+                      <a:r>
+                        <a:rPr lang="en-US" dirty="0"/>
+                        <a:t>Class 3</a:t>
+                      </a:r>
+                    </a:p>
+                  </a:txBody>
+                  <a:tcPr marL="95363" marR="95363" anchor="ctr"/>
+                </a:tc>
+                <a:tc>
+                  <a:txBody>
+                    <a:bodyPr/>
+                    <a:lstStyle/>
+                    <a:p>
+                      <a:pPr algn="ctr"/>
+                      <a:r>
+                        <a:rPr lang="en-US" dirty="0"/>
+                        <a:t>84</a:t>
+                      </a:r>
+                    </a:p>
+                  </a:txBody>
+                  <a:tcPr marL="95363" marR="95363" anchor="ctr"/>
+                </a:tc>
+                <a:tc>
+                  <a:txBody>
+                    <a:bodyPr/>
+                    <a:lstStyle/>
+                    <a:p>
+                      <a:pPr algn="ctr"/>
+                      <a:r>
+                        <a:rPr lang="en-US" dirty="0"/>
+                        <a:t>90</a:t>
+                      </a:r>
+                    </a:p>
+                  </a:txBody>
+                  <a:tcPr marL="95363" marR="95363" anchor="ctr"/>
+                </a:tc>
+                <a:extLst>
+                  <a:ext uri="{0D108BD9-81ED-4DB2-BD59-A6C34878D82A}">
+                    <a16:rowId xmlns:a16="http://schemas.microsoft.com/office/drawing/2014/main" val="10003"/>
+                  </a:ext>
+                </a:extLst>
+              </a:tr>
+            </a:tbl>
+          </a:graphicData>
+        </a:graphic>
+      </p:graphicFrame>
+      <p:sp>
+        <p:nvSpPr>
+          <p:cNvPr id="11" name="Content Placeholder 10"/>
+          <p:cNvSpPr>
+            <a:spLocks noGrp="1"/>
+          </p:cNvSpPr>
+          <p:nvPr>
+            <p:ph sz="quarter" idx="14"/>
+          </p:nvPr>
+        </p:nvSpPr>
+        <p:spPr/>
+        <p:txBody>
+          <a:bodyPr/>
+          <a:lstStyle/>
+          <a:p>
+            <a:r>
+              <a:rPr lang="en-US" dirty="0"/>
+              <a:t>First bullet point here</a:t>
+            </a:r>
+          </a:p>
+          <a:p>
+            <a:r>
+              <a:rPr lang="en-US" dirty="0"/>
+              <a:t>Second bullet point here</a:t>
+            </a:r>
+          </a:p>
+          <a:p>
+            <a:r>
+              <a:rPr lang="en-US" dirty="0"/>
+              <a:t>Third bullet point here</a:t>
+            </a:r>
+          </a:p>
+        </p:txBody>
+      </p:sp>
+    </p:spTree>
+    <p:extLst>
+      <p:ext uri="{BB962C8B-B14F-4D97-AF65-F5344CB8AC3E}">
+        <p14:creationId xmlns:p14="http://schemas.microsoft.com/office/powerpoint/2010/main" val="3759276815"/>
+      </p:ext>
+    </p:extLst>
+  </p:cSld>
+  <p:clrMapOvr>
+    <a:masterClrMapping/>
+  </p:clrMapOvr>
+  <mc:AlternateContent xmlns:mc="http://schemas.openxmlformats.org/markup-compatibility/2006" xmlns:p14="http://schemas.microsoft.com/office/powerpoint/2010/main">
+    <mc:Choice Requires="p14">
+      <p:transition spd="med" p14:dur="700">
+        <p:fade/>
+      </p:transition>
+    </mc:Choice>
+    <mc:Fallback xmlns="">
+      <p:transition spd="med">
+        <p:fade/>
+      </p:transition>
+    </mc:Fallback>
+  </mc:AlternateContent>
+</p:sld>
+</file>
+
+<file path=ppt/slides/slide23.xml><?xml version="1.0" encoding="utf-8"?>
+<p:sld xmlns:a="http://schemas.openxmlformats.org/drawingml/2006/main" xmlns:r="http://schemas.openxmlformats.org/officeDocument/2006/relationships" xmlns:p="http://schemas.openxmlformats.org/presentationml/2006/main">
+  <p:cSld>
+    <p:spTree>
+      <p:nvGrpSpPr>
+        <p:cNvPr id="1" name=""/>
+        <p:cNvGrpSpPr/>
+        <p:nvPr/>
+      </p:nvGrpSpPr>
+      <p:grpSpPr>
+        <a:xfrm>
+          <a:off x="0" y="0"/>
+          <a:ext cx="0" cy="0"/>
+          <a:chOff x="0" y="0"/>
+          <a:chExt cx="0" cy="0"/>
+        </a:xfrm>
+      </p:grpSpPr>
+      <p:sp>
+        <p:nvSpPr>
+          <p:cNvPr id="2" name="Title 1"/>
+          <p:cNvSpPr>
+            <a:spLocks noGrp="1"/>
+          </p:cNvSpPr>
+          <p:nvPr>
+            <p:ph type="title"/>
+          </p:nvPr>
+        </p:nvSpPr>
+        <p:spPr/>
+        <p:txBody>
+          <a:bodyPr/>
+          <a:lstStyle/>
+          <a:p>
+            <a:r>
+              <a:rPr lang="en-US"/>
+              <a:t>Two Content Layout with SmartArt</a:t>
+            </a:r>
+            <a:endParaRPr lang="en-US" dirty="0"/>
+          </a:p>
+        </p:txBody>
+      </p:sp>
+      <p:sp>
+        <p:nvSpPr>
+          <p:cNvPr id="10" name="Content Placeholder 9"/>
+          <p:cNvSpPr>
+            <a:spLocks noGrp="1"/>
+          </p:cNvSpPr>
+          <p:nvPr>
+            <p:ph sz="quarter" idx="13"/>
+          </p:nvPr>
+        </p:nvSpPr>
+        <p:spPr/>
+        <p:txBody>
+          <a:bodyPr/>
+          <a:lstStyle/>
+          <a:p>
+            <a:r>
+              <a:rPr lang="en-US"/>
+              <a:t>First bullet point here</a:t>
+            </a:r>
+          </a:p>
+          <a:p>
+            <a:r>
+              <a:rPr lang="en-US"/>
+              <a:t>Second bullet point here</a:t>
+            </a:r>
+          </a:p>
+          <a:p>
+            <a:r>
+              <a:rPr lang="en-US"/>
+              <a:t>Third bullet point here</a:t>
+            </a:r>
+            <a:endParaRPr lang="en-US" dirty="0"/>
+          </a:p>
+        </p:txBody>
+      </p:sp>
+      <p:graphicFrame>
+        <p:nvGraphicFramePr>
+          <p:cNvPr id="9" name="Content Placeholder 8" descr="Vertical Box List diagram showing 3 groups arranged one below the other and bullet points are present under each group"/>
+          <p:cNvGraphicFramePr>
+            <a:graphicFrameLocks noGrp="1"/>
+          </p:cNvGraphicFramePr>
+          <p:nvPr>
+            <p:ph sz="quarter" idx="14"/>
+            <p:extLst>
+              <p:ext uri="{D42A27DB-BD31-4B8C-83A1-F6EECF244321}">
+                <p14:modId xmlns:p14="http://schemas.microsoft.com/office/powerpoint/2010/main" val="4028468487"/>
+              </p:ext>
+            </p:extLst>
+          </p:nvPr>
+        </p:nvGraphicFramePr>
+        <p:xfrm>
+          <a:off x="6400800" y="1600200"/>
+          <a:ext cx="4978400" cy="4114800"/>
+        </p:xfrm>
+        <a:graphic>
+          <a:graphicData uri="http://schemas.openxmlformats.org/drawingml/2006/diagram">
+            <dgm:relIds xmlns:dgm="http://schemas.openxmlformats.org/drawingml/2006/diagram" xmlns:r="http://schemas.openxmlformats.org/officeDocument/2006/relationships" r:dm="rId2" r:lo="rId3" r:qs="rId4" r:cs="rId5"/>
+          </a:graphicData>
+        </a:graphic>
+      </p:graphicFrame>
+    </p:spTree>
+    <p:extLst>
+      <p:ext uri="{BB962C8B-B14F-4D97-AF65-F5344CB8AC3E}">
+        <p14:creationId xmlns:p14="http://schemas.microsoft.com/office/powerpoint/2010/main" val="2535459350"/>
+      </p:ext>
+    </p:extLst>
+  </p:cSld>
+  <p:clrMapOvr>
+    <a:masterClrMapping/>
+  </p:clrMapOvr>
+  <mc:AlternateContent xmlns:mc="http://schemas.openxmlformats.org/markup-compatibility/2006" xmlns:p14="http://schemas.microsoft.com/office/powerpoint/2010/main">
+    <mc:Choice Requires="p14">
+      <p:transition spd="med" p14:dur="700">
+        <p:fade/>
+      </p:transition>
+    </mc:Choice>
+    <mc:Fallback xmlns="">
+      <p:transition spd="med">
+        <p:fade/>
+      </p:transition>
+    </mc:Fallback>
+  </mc:AlternateContent>
+</p:sld>
+</file>
+
+<file path=ppt/slides/slide3.xml><?xml version="1.0" encoding="utf-8"?>
 <p:sld xmlns:a="http://schemas.openxmlformats.org/drawingml/2006/main" xmlns:r="http://schemas.openxmlformats.org/officeDocument/2006/relationships" xmlns:p="http://schemas.openxmlformats.org/presentationml/2006/main">
   <p:cSld>
     <p:spTree>
@@ -12224,7 +12031,7 @@
 </p:sld>
 </file>
 
-<file path=ppt/slides/slide5.xml><?xml version="1.0" encoding="utf-8"?>
+<file path=ppt/slides/slide4.xml><?xml version="1.0" encoding="utf-8"?>
 <p:sld xmlns:a="http://schemas.openxmlformats.org/drawingml/2006/main" xmlns:r="http://schemas.openxmlformats.org/officeDocument/2006/relationships" xmlns:p="http://schemas.openxmlformats.org/presentationml/2006/main">
   <p:cSld>
     <p:spTree>
@@ -12702,7 +12509,7 @@
 </p:sld>
 </file>
 
-<file path=ppt/slides/slide6.xml><?xml version="1.0" encoding="utf-8"?>
+<file path=ppt/slides/slide5.xml><?xml version="1.0" encoding="utf-8"?>
 <p:sld xmlns:a="http://schemas.openxmlformats.org/drawingml/2006/main" xmlns:r="http://schemas.openxmlformats.org/officeDocument/2006/relationships" xmlns:p="http://schemas.openxmlformats.org/presentationml/2006/main">
   <p:cSld>
     <p:spTree>
@@ -12803,7 +12610,7 @@
 </p:sld>
 </file>
 
-<file path=ppt/slides/slide7.xml><?xml version="1.0" encoding="utf-8"?>
+<file path=ppt/slides/slide6.xml><?xml version="1.0" encoding="utf-8"?>
 <p:sld xmlns:a="http://schemas.openxmlformats.org/drawingml/2006/main" xmlns:r="http://schemas.openxmlformats.org/officeDocument/2006/relationships" xmlns:p="http://schemas.openxmlformats.org/presentationml/2006/main">
   <p:cSld>
     <p:spTree>
@@ -12875,7 +12682,7 @@
 </p:sld>
 </file>
 
-<file path=ppt/slides/slide8.xml><?xml version="1.0" encoding="utf-8"?>
+<file path=ppt/slides/slide7.xml><?xml version="1.0" encoding="utf-8"?>
 <p:sld xmlns:a="http://schemas.openxmlformats.org/drawingml/2006/main" xmlns:r="http://schemas.openxmlformats.org/officeDocument/2006/relationships" xmlns:p="http://schemas.openxmlformats.org/presentationml/2006/main">
   <p:cSld>
     <p:spTree>
@@ -12986,7 +12793,7 @@
 </p:sld>
 </file>
 
-<file path=ppt/slides/slide9.xml><?xml version="1.0" encoding="utf-8"?>
+<file path=ppt/slides/slide8.xml><?xml version="1.0" encoding="utf-8"?>
 <p:sld xmlns:a="http://schemas.openxmlformats.org/drawingml/2006/main" xmlns:r="http://schemas.openxmlformats.org/officeDocument/2006/relationships" xmlns:p="http://schemas.openxmlformats.org/presentationml/2006/main">
   <p:cSld>
     <p:spTree>
@@ -13293,6 +13100,199 @@
     <p:extLst>
       <p:ext uri="{BB962C8B-B14F-4D97-AF65-F5344CB8AC3E}">
         <p14:creationId xmlns:p14="http://schemas.microsoft.com/office/powerpoint/2010/main" val="1171821818"/>
+      </p:ext>
+    </p:extLst>
+  </p:cSld>
+  <p:clrMapOvr>
+    <a:masterClrMapping/>
+  </p:clrMapOvr>
+  <mc:AlternateContent xmlns:mc="http://schemas.openxmlformats.org/markup-compatibility/2006" xmlns:p14="http://schemas.microsoft.com/office/powerpoint/2010/main">
+    <mc:Choice Requires="p14">
+      <p:transition spd="med" p14:dur="700">
+        <p:fade/>
+      </p:transition>
+    </mc:Choice>
+    <mc:Fallback xmlns="">
+      <p:transition spd="med">
+        <p:fade/>
+      </p:transition>
+    </mc:Fallback>
+  </mc:AlternateContent>
+</p:sld>
+</file>
+
+<file path=ppt/slides/slide9.xml><?xml version="1.0" encoding="utf-8"?>
+<p:sld xmlns:a="http://schemas.openxmlformats.org/drawingml/2006/main" xmlns:r="http://schemas.openxmlformats.org/officeDocument/2006/relationships" xmlns:p="http://schemas.openxmlformats.org/presentationml/2006/main">
+  <p:cSld>
+    <p:spTree>
+      <p:nvGrpSpPr>
+        <p:cNvPr id="1" name=""/>
+        <p:cNvGrpSpPr/>
+        <p:nvPr/>
+      </p:nvGrpSpPr>
+      <p:grpSpPr>
+        <a:xfrm>
+          <a:off x="0" y="0"/>
+          <a:ext cx="0" cy="0"/>
+          <a:chOff x="0" y="0"/>
+          <a:chExt cx="0" cy="0"/>
+        </a:xfrm>
+      </p:grpSpPr>
+      <p:pic>
+        <p:nvPicPr>
+          <p:cNvPr id="5" name="Picture 4" descr="A picture containing nature&#10;&#10;Description automatically generated">
+            <a:extLst>
+              <a:ext uri="{FF2B5EF4-FFF2-40B4-BE49-F238E27FC236}">
+                <a16:creationId xmlns:a16="http://schemas.microsoft.com/office/drawing/2014/main" id="{F17E8123-078E-4812-9E18-8B1F1FEA4DB4}"/>
+              </a:ext>
+            </a:extLst>
+          </p:cNvPr>
+          <p:cNvPicPr>
+            <a:picLocks noChangeAspect="1"/>
+          </p:cNvPicPr>
+          <p:nvPr/>
+        </p:nvPicPr>
+        <p:blipFill>
+          <a:blip r:embed="rId2">
+            <a:extLst>
+              <a:ext uri="{28A0092B-C50C-407E-A947-70E740481C1C}">
+                <a14:useLocalDpi xmlns:a14="http://schemas.microsoft.com/office/drawing/2010/main" val="0"/>
+              </a:ext>
+            </a:extLst>
+          </a:blip>
+          <a:stretch>
+            <a:fillRect/>
+          </a:stretch>
+        </p:blipFill>
+        <p:spPr>
+          <a:xfrm>
+            <a:off x="1" y="-280219"/>
+            <a:ext cx="12191999" cy="7138219"/>
+          </a:xfrm>
+          <a:prstGeom prst="rect">
+            <a:avLst/>
+          </a:prstGeom>
+        </p:spPr>
+      </p:pic>
+      <p:sp>
+        <p:nvSpPr>
+          <p:cNvPr id="4" name="Title 1">
+            <a:extLst>
+              <a:ext uri="{FF2B5EF4-FFF2-40B4-BE49-F238E27FC236}">
+                <a16:creationId xmlns:a16="http://schemas.microsoft.com/office/drawing/2014/main" id="{F57DD390-EE6A-42BC-85BC-DEE16AFF9CE6}"/>
+              </a:ext>
+            </a:extLst>
+          </p:cNvPr>
+          <p:cNvSpPr txBox="1">
+            <a:spLocks/>
+          </p:cNvSpPr>
+          <p:nvPr/>
+        </p:nvSpPr>
+        <p:spPr>
+          <a:xfrm>
+            <a:off x="678429" y="5058696"/>
+            <a:ext cx="10363200" cy="1265657"/>
+          </a:xfrm>
+          <a:prstGeom prst="rect">
+            <a:avLst/>
+          </a:prstGeom>
+        </p:spPr>
+        <p:txBody>
+          <a:bodyPr vert="horz" lIns="91440" tIns="45720" rIns="91440" bIns="45720" rtlCol="0" anchor="b" anchorCtr="0">
+            <a:noAutofit/>
+          </a:bodyPr>
+          <a:lstStyle>
+            <a:lvl1pPr algn="l" defTabSz="914400" rtl="0" eaLnBrk="1" latinLnBrk="0" hangingPunct="1">
+              <a:spcBef>
+                <a:spcPct val="0"/>
+              </a:spcBef>
+              <a:buNone/>
+              <a:defRPr sz="3600" b="1" kern="1200" cap="all" spc="50" baseline="0">
+                <a:solidFill>
+                  <a:schemeClr val="tx2">
+                    <a:lumMod val="50000"/>
+                  </a:schemeClr>
+                </a:solidFill>
+                <a:effectLst/>
+                <a:latin typeface="+mj-lt"/>
+                <a:ea typeface="+mj-ea"/>
+                <a:cs typeface="+mj-cs"/>
+              </a:defRPr>
+            </a:lvl1pPr>
+            <a:lvl2pPr eaLnBrk="1" hangingPunct="1">
+              <a:defRPr>
+                <a:solidFill>
+                  <a:schemeClr val="tx2"/>
+                </a:solidFill>
+              </a:defRPr>
+            </a:lvl2pPr>
+            <a:lvl3pPr eaLnBrk="1" hangingPunct="1">
+              <a:defRPr>
+                <a:solidFill>
+                  <a:schemeClr val="tx2"/>
+                </a:solidFill>
+              </a:defRPr>
+            </a:lvl3pPr>
+            <a:lvl4pPr eaLnBrk="1" hangingPunct="1">
+              <a:defRPr>
+                <a:solidFill>
+                  <a:schemeClr val="tx2"/>
+                </a:solidFill>
+              </a:defRPr>
+            </a:lvl4pPr>
+            <a:lvl5pPr eaLnBrk="1" hangingPunct="1">
+              <a:defRPr>
+                <a:solidFill>
+                  <a:schemeClr val="tx2"/>
+                </a:solidFill>
+              </a:defRPr>
+            </a:lvl5pPr>
+            <a:lvl6pPr eaLnBrk="1" hangingPunct="1">
+              <a:defRPr>
+                <a:solidFill>
+                  <a:schemeClr val="tx2"/>
+                </a:solidFill>
+              </a:defRPr>
+            </a:lvl6pPr>
+            <a:lvl7pPr eaLnBrk="1" hangingPunct="1">
+              <a:defRPr>
+                <a:solidFill>
+                  <a:schemeClr val="tx2"/>
+                </a:solidFill>
+              </a:defRPr>
+            </a:lvl7pPr>
+            <a:lvl8pPr eaLnBrk="1" hangingPunct="1">
+              <a:defRPr>
+                <a:solidFill>
+                  <a:schemeClr val="tx2"/>
+                </a:solidFill>
+              </a:defRPr>
+            </a:lvl8pPr>
+            <a:lvl9pPr eaLnBrk="1" hangingPunct="1">
+              <a:defRPr>
+                <a:solidFill>
+                  <a:schemeClr val="tx2"/>
+                </a:solidFill>
+              </a:defRPr>
+            </a:lvl9pPr>
+          </a:lstStyle>
+          <a:p>
+            <a:pPr algn="ctr"/>
+            <a:r>
+              <a:rPr lang="en-US" sz="6600" dirty="0">
+                <a:solidFill>
+                  <a:srgbClr val="FF0000"/>
+                </a:solidFill>
+              </a:rPr>
+              <a:t>JAWS!</a:t>
+            </a:r>
+          </a:p>
+        </p:txBody>
+      </p:sp>
+    </p:spTree>
+    <p:extLst>
+      <p:ext uri="{BB962C8B-B14F-4D97-AF65-F5344CB8AC3E}">
+        <p14:creationId xmlns:p14="http://schemas.microsoft.com/office/powerpoint/2010/main" val="3601864659"/>
       </p:ext>
     </p:extLst>
   </p:cSld>
@@ -14186,6 +14186,15 @@
 </file>
 
 <file path=customXml/item1.xml><?xml version="1.0" encoding="utf-8"?>
+<?mso-contentType ?>
+<FormTemplates xmlns="http://schemas.microsoft.com/sharepoint/v3/contenttype/forms">
+  <Display>DocumentLibraryForm</Display>
+  <Edit>DocumentLibraryForm</Edit>
+  <New>DocumentLibraryForm</New>
+</FormTemplates>
+</file>
+
+<file path=customXml/item2.xml><?xml version="1.0" encoding="utf-8"?>
 <p:properties xmlns:p="http://schemas.microsoft.com/office/2006/metadata/properties" xmlns:xsi="http://www.w3.org/2001/XMLSchema-instance" xmlns:pc="http://schemas.microsoft.com/office/infopath/2007/PartnerControls">
   <documentManagement>
     <VSO_x0020_item_x0020_id xmlns="40262f94-9f35-4ac3-9a90-690165a166b7" xsi:nil="true"/>
@@ -14194,15 +14203,6 @@
     <Template_x0020_details xmlns="40262f94-9f35-4ac3-9a90-690165a166b7" xsi:nil="true"/>
   </documentManagement>
 </p:properties>
-</file>
-
-<file path=customXml/item2.xml><?xml version="1.0" encoding="utf-8"?>
-<?mso-contentType ?>
-<FormTemplates xmlns="http://schemas.microsoft.com/sharepoint/v3/contenttype/forms">
-  <Display>DocumentLibraryForm</Display>
-  <Edit>DocumentLibraryForm</Edit>
-  <New>DocumentLibraryForm</New>
-</FormTemplates>
 </file>
 
 <file path=customXml/item3.xml><?xml version="1.0" encoding="utf-8"?>
@@ -14387,6 +14387,14 @@
 </file>
 
 <file path=customXml/itemProps1.xml><?xml version="1.0" encoding="utf-8"?>
+<ds:datastoreItem xmlns:ds="http://schemas.openxmlformats.org/officeDocument/2006/customXml" ds:itemID="{BED6C63E-22D9-40FD-AF90-6F5632A4309F}">
+  <ds:schemaRefs>
+    <ds:schemaRef ds:uri="http://schemas.microsoft.com/sharepoint/v3/contenttype/forms"/>
+  </ds:schemaRefs>
+</ds:datastoreItem>
+</file>
+
+<file path=customXml/itemProps2.xml><?xml version="1.0" encoding="utf-8"?>
 <ds:datastoreItem xmlns:ds="http://schemas.openxmlformats.org/officeDocument/2006/customXml" ds:itemID="{28DC6412-8CE7-4C8A-96E9-2669F16D17E8}">
   <ds:schemaRefs>
     <ds:schemaRef ds:uri="http://schemas.microsoft.com/office/2006/metadata/properties"/>
@@ -14399,14 +14407,6 @@
     <ds:schemaRef ds:uri="a4f35948-e619-41b3-aa29-22878b09cfd2"/>
     <ds:schemaRef ds:uri="http://www.w3.org/XML/1998/namespace"/>
     <ds:schemaRef ds:uri="http://purl.org/dc/dcmitype/"/>
-  </ds:schemaRefs>
-</ds:datastoreItem>
-</file>
-
-<file path=customXml/itemProps2.xml><?xml version="1.0" encoding="utf-8"?>
-<ds:datastoreItem xmlns:ds="http://schemas.openxmlformats.org/officeDocument/2006/customXml" ds:itemID="{BED6C63E-22D9-40FD-AF90-6F5632A4309F}">
-  <ds:schemaRefs>
-    <ds:schemaRef ds:uri="http://schemas.microsoft.com/sharepoint/v3/contenttype/forms"/>
   </ds:schemaRefs>
 </ds:datastoreItem>
 </file>

--- a/jaws.pptx
+++ b/jaws.pptx
@@ -4382,7 +4382,7 @@
           <a:p>
             <a:fld id="{50FABAFA-9D90-4B6C-95A1-503043E46FAB}" type="datetimeFigureOut">
               <a:rPr lang="en-US" smtClean="0"/>
-              <a:t>1/10/2019</a:t>
+              <a:t>1/14/2019</a:t>
             </a:fld>
             <a:endParaRPr lang="en-US"/>
           </a:p>
@@ -4547,7 +4547,7 @@
           <a:p>
             <a:fld id="{AC15EB1F-8DE4-48C3-A804-A05846A4049F}" type="datetimeFigureOut">
               <a:rPr lang="en-US" smtClean="0"/>
-              <a:t>1/10/2019</a:t>
+              <a:t>1/14/2019</a:t>
             </a:fld>
             <a:endParaRPr lang="en-US"/>
           </a:p>
@@ -5307,7 +5307,7 @@
           <a:p>
             <a:fld id="{CE5E0A0C-FFF2-4105-9F07-796FCC3D8DE3}" type="datetime1">
               <a:rPr lang="en-US" smtClean="0"/>
-              <a:t>1/10/2019</a:t>
+              <a:t>1/14/2019</a:t>
             </a:fld>
             <a:endParaRPr lang="en-US"/>
           </a:p>
@@ -5533,7 +5533,7 @@
           <a:p>
             <a:fld id="{4A5D68D4-D432-4190-8060-492B59F98A87}" type="datetime1">
               <a:rPr lang="en-US" smtClean="0"/>
-              <a:t>1/10/2019</a:t>
+              <a:t>1/14/2019</a:t>
             </a:fld>
             <a:endParaRPr lang="en-US"/>
           </a:p>
@@ -5769,7 +5769,7 @@
           <a:p>
             <a:fld id="{5AF4EF83-7D73-495D-9915-41737B990DFC}" type="datetime1">
               <a:rPr lang="en-US" smtClean="0"/>
-              <a:t>1/10/2019</a:t>
+              <a:t>1/14/2019</a:t>
             </a:fld>
             <a:endParaRPr lang="en-US"/>
           </a:p>
@@ -6106,7 +6106,7 @@
           <a:p>
             <a:fld id="{73DF2905-D7E2-4171-961B-8EB802C66F9A}" type="datetime1">
               <a:rPr lang="en-US" smtClean="0"/>
-              <a:t>1/10/2019</a:t>
+              <a:t>1/14/2019</a:t>
             </a:fld>
             <a:endParaRPr lang="en-US"/>
           </a:p>
@@ -6369,7 +6369,7 @@
           <a:p>
             <a:fld id="{82C1B47C-16BC-4A9F-9E6E-9D1F33DC8ABD}" type="datetime1">
               <a:rPr lang="en-US" smtClean="0"/>
-              <a:t>1/10/2019</a:t>
+              <a:t>1/14/2019</a:t>
             </a:fld>
             <a:endParaRPr lang="en-US"/>
           </a:p>
@@ -6785,7 +6785,7 @@
           <a:p>
             <a:fld id="{0C073DF2-DD31-447B-89F4-CEF82A94D7A7}" type="datetime1">
               <a:rPr lang="en-US" smtClean="0"/>
-              <a:t>1/10/2019</a:t>
+              <a:t>1/14/2019</a:t>
             </a:fld>
             <a:endParaRPr lang="en-US"/>
           </a:p>
@@ -7317,7 +7317,7 @@
           <a:p>
             <a:fld id="{1551BB0C-CFA8-4A1F-9AAE-D6B32E8256E7}" type="datetime1">
               <a:rPr lang="en-US" smtClean="0"/>
-              <a:t>1/10/2019</a:t>
+              <a:t>1/14/2019</a:t>
             </a:fld>
             <a:endParaRPr lang="en-US"/>
           </a:p>
@@ -7455,7 +7455,7 @@
           <a:p>
             <a:fld id="{2752348D-B72F-4FC3-A127-851C5E7B3A9E}" type="datetime1">
               <a:rPr lang="en-US" smtClean="0"/>
-              <a:t>1/10/2019</a:t>
+              <a:t>1/14/2019</a:t>
             </a:fld>
             <a:endParaRPr lang="en-US"/>
           </a:p>
@@ -7565,7 +7565,7 @@
           <a:p>
             <a:fld id="{D666EB1B-704A-4D5E-8D5F-456104532486}" type="datetime1">
               <a:rPr lang="en-US" smtClean="0"/>
-              <a:t>1/10/2019</a:t>
+              <a:t>1/14/2019</a:t>
             </a:fld>
             <a:endParaRPr lang="en-US"/>
           </a:p>
@@ -7878,7 +7878,7 @@
           <a:p>
             <a:fld id="{D96AFBEB-CD4D-45C5-9851-D1FF1EB5AB85}" type="datetime1">
               <a:rPr lang="en-US" smtClean="0"/>
-              <a:t>1/10/2019</a:t>
+              <a:t>1/14/2019</a:t>
             </a:fld>
             <a:endParaRPr lang="en-US"/>
           </a:p>
@@ -8126,7 +8126,7 @@
           <a:p>
             <a:fld id="{B285B7EB-0ACD-4247-AA3F-1B0B49109B84}" type="datetime1">
               <a:rPr lang="en-US" smtClean="0"/>
-              <a:t>1/10/2019</a:t>
+              <a:t>1/14/2019</a:t>
             </a:fld>
             <a:endParaRPr lang="en-US"/>
           </a:p>
@@ -8426,7 +8426,7 @@
             <a:fld id="{8254F2F0-E062-4E41-9176-AEE9734E64AC}" type="datetime1">
               <a:rPr lang="en-US" smtClean="0"/>
               <a:pPr/>
-              <a:t>1/10/2019</a:t>
+              <a:t>1/14/2019</a:t>
             </a:fld>
             <a:endParaRPr lang="en-US" dirty="0"/>
           </a:p>
@@ -9894,6 +9894,116 @@
         <p:spPr>
           <a:xfrm>
             <a:off x="609600" y="1219200"/>
+            <a:ext cx="10566400" cy="802002"/>
+          </a:xfrm>
+          <a:prstGeom prst="rect">
+            <a:avLst/>
+          </a:prstGeom>
+        </p:spPr>
+        <p:txBody>
+          <a:bodyPr vert="horz" lIns="91440" tIns="45720" rIns="91440" bIns="45720" rtlCol="0" anchor="b" anchorCtr="0">
+            <a:noAutofit/>
+          </a:bodyPr>
+          <a:lstStyle>
+            <a:lvl1pPr algn="ctr" defTabSz="914400" rtl="0" eaLnBrk="1" latinLnBrk="0" hangingPunct="1">
+              <a:spcBef>
+                <a:spcPct val="0"/>
+              </a:spcBef>
+              <a:buNone/>
+              <a:defRPr sz="4400" b="1" kern="1200" cap="all" spc="50" baseline="0">
+                <a:solidFill>
+                  <a:schemeClr val="tx2">
+                    <a:lumMod val="50000"/>
+                  </a:schemeClr>
+                </a:solidFill>
+                <a:effectLst/>
+                <a:latin typeface="+mj-lt"/>
+                <a:ea typeface="+mj-ea"/>
+                <a:cs typeface="+mj-cs"/>
+              </a:defRPr>
+            </a:lvl1pPr>
+            <a:lvl2pPr eaLnBrk="1" hangingPunct="1">
+              <a:defRPr>
+                <a:solidFill>
+                  <a:schemeClr val="tx2"/>
+                </a:solidFill>
+              </a:defRPr>
+            </a:lvl2pPr>
+            <a:lvl3pPr eaLnBrk="1" hangingPunct="1">
+              <a:defRPr>
+                <a:solidFill>
+                  <a:schemeClr val="tx2"/>
+                </a:solidFill>
+              </a:defRPr>
+            </a:lvl3pPr>
+            <a:lvl4pPr eaLnBrk="1" hangingPunct="1">
+              <a:defRPr>
+                <a:solidFill>
+                  <a:schemeClr val="tx2"/>
+                </a:solidFill>
+              </a:defRPr>
+            </a:lvl4pPr>
+            <a:lvl5pPr eaLnBrk="1" hangingPunct="1">
+              <a:defRPr>
+                <a:solidFill>
+                  <a:schemeClr val="tx2"/>
+                </a:solidFill>
+              </a:defRPr>
+            </a:lvl5pPr>
+            <a:lvl6pPr eaLnBrk="1" hangingPunct="1">
+              <a:defRPr>
+                <a:solidFill>
+                  <a:schemeClr val="tx2"/>
+                </a:solidFill>
+              </a:defRPr>
+            </a:lvl6pPr>
+            <a:lvl7pPr eaLnBrk="1" hangingPunct="1">
+              <a:defRPr>
+                <a:solidFill>
+                  <a:schemeClr val="tx2"/>
+                </a:solidFill>
+              </a:defRPr>
+            </a:lvl7pPr>
+            <a:lvl8pPr eaLnBrk="1" hangingPunct="1">
+              <a:defRPr>
+                <a:solidFill>
+                  <a:schemeClr val="tx2"/>
+                </a:solidFill>
+              </a:defRPr>
+            </a:lvl8pPr>
+            <a:lvl9pPr eaLnBrk="1" hangingPunct="1">
+              <a:defRPr>
+                <a:solidFill>
+                  <a:schemeClr val="tx2"/>
+                </a:solidFill>
+              </a:defRPr>
+            </a:lvl9pPr>
+          </a:lstStyle>
+          <a:p>
+            <a:r>
+              <a:rPr lang="en-US" dirty="0"/>
+              <a:t>Did you find this helpful?</a:t>
+            </a:r>
+          </a:p>
+        </p:txBody>
+      </p:sp>
+      <p:sp>
+        <p:nvSpPr>
+          <p:cNvPr id="5" name="Title 1">
+            <a:extLst>
+              <a:ext uri="{FF2B5EF4-FFF2-40B4-BE49-F238E27FC236}">
+                <a16:creationId xmlns:a16="http://schemas.microsoft.com/office/drawing/2014/main" id="{31B123C0-C8BE-4124-B34F-36D022F10C5C}"/>
+              </a:ext>
+            </a:extLst>
+          </p:cNvPr>
+          <p:cNvSpPr txBox="1">
+            <a:spLocks/>
+          </p:cNvSpPr>
+          <p:nvPr/>
+        </p:nvSpPr>
+        <p:spPr>
+          <a:xfrm>
+            <a:off x="644016" y="2389239"/>
             <a:ext cx="10566400" cy="802002"/>
           </a:xfrm>
           <a:prstGeom prst="rect">
@@ -14186,15 +14296,6 @@
 </file>
 
 <file path=customXml/item1.xml><?xml version="1.0" encoding="utf-8"?>
-<?mso-contentType ?>
-<FormTemplates xmlns="http://schemas.microsoft.com/sharepoint/v3/contenttype/forms">
-  <Display>DocumentLibraryForm</Display>
-  <Edit>DocumentLibraryForm</Edit>
-  <New>DocumentLibraryForm</New>
-</FormTemplates>
-</file>
-
-<file path=customXml/item2.xml><?xml version="1.0" encoding="utf-8"?>
 <p:properties xmlns:p="http://schemas.microsoft.com/office/2006/metadata/properties" xmlns:xsi="http://www.w3.org/2001/XMLSchema-instance" xmlns:pc="http://schemas.microsoft.com/office/infopath/2007/PartnerControls">
   <documentManagement>
     <VSO_x0020_item_x0020_id xmlns="40262f94-9f35-4ac3-9a90-690165a166b7" xsi:nil="true"/>
@@ -14203,6 +14304,15 @@
     <Template_x0020_details xmlns="40262f94-9f35-4ac3-9a90-690165a166b7" xsi:nil="true"/>
   </documentManagement>
 </p:properties>
+</file>
+
+<file path=customXml/item2.xml><?xml version="1.0" encoding="utf-8"?>
+<?mso-contentType ?>
+<FormTemplates xmlns="http://schemas.microsoft.com/sharepoint/v3/contenttype/forms">
+  <Display>DocumentLibraryForm</Display>
+  <Edit>DocumentLibraryForm</Edit>
+  <New>DocumentLibraryForm</New>
+</FormTemplates>
 </file>
 
 <file path=customXml/item3.xml><?xml version="1.0" encoding="utf-8"?>
@@ -14387,14 +14497,6 @@
 </file>
 
 <file path=customXml/itemProps1.xml><?xml version="1.0" encoding="utf-8"?>
-<ds:datastoreItem xmlns:ds="http://schemas.openxmlformats.org/officeDocument/2006/customXml" ds:itemID="{BED6C63E-22D9-40FD-AF90-6F5632A4309F}">
-  <ds:schemaRefs>
-    <ds:schemaRef ds:uri="http://schemas.microsoft.com/sharepoint/v3/contenttype/forms"/>
-  </ds:schemaRefs>
-</ds:datastoreItem>
-</file>
-
-<file path=customXml/itemProps2.xml><?xml version="1.0" encoding="utf-8"?>
 <ds:datastoreItem xmlns:ds="http://schemas.openxmlformats.org/officeDocument/2006/customXml" ds:itemID="{28DC6412-8CE7-4C8A-96E9-2669F16D17E8}">
   <ds:schemaRefs>
     <ds:schemaRef ds:uri="http://schemas.microsoft.com/office/2006/metadata/properties"/>
@@ -14407,6 +14509,14 @@
     <ds:schemaRef ds:uri="a4f35948-e619-41b3-aa29-22878b09cfd2"/>
     <ds:schemaRef ds:uri="http://www.w3.org/XML/1998/namespace"/>
     <ds:schemaRef ds:uri="http://purl.org/dc/dcmitype/"/>
+  </ds:schemaRefs>
+</ds:datastoreItem>
+</file>
+
+<file path=customXml/itemProps2.xml><?xml version="1.0" encoding="utf-8"?>
+<ds:datastoreItem xmlns:ds="http://schemas.openxmlformats.org/officeDocument/2006/customXml" ds:itemID="{BED6C63E-22D9-40FD-AF90-6F5632A4309F}">
+  <ds:schemaRefs>
+    <ds:schemaRef ds:uri="http://schemas.microsoft.com/sharepoint/v3/contenttype/forms"/>
   </ds:schemaRefs>
 </ds:datastoreItem>
 </file>

--- a/jaws.pptx
+++ b/jaws.pptx
@@ -16,16 +16,16 @@
     <p:sldId id="275" r:id="rId7"/>
     <p:sldId id="281" r:id="rId8"/>
     <p:sldId id="277" r:id="rId9"/>
-    <p:sldId id="268" r:id="rId10"/>
-    <p:sldId id="273" r:id="rId11"/>
-    <p:sldId id="266" r:id="rId12"/>
-    <p:sldId id="267" r:id="rId13"/>
-    <p:sldId id="276" r:id="rId14"/>
-    <p:sldId id="270" r:id="rId15"/>
-    <p:sldId id="282" r:id="rId16"/>
-    <p:sldId id="283" r:id="rId17"/>
-    <p:sldId id="284" r:id="rId18"/>
-    <p:sldId id="265" r:id="rId19"/>
+    <p:sldId id="265" r:id="rId10"/>
+    <p:sldId id="268" r:id="rId11"/>
+    <p:sldId id="273" r:id="rId12"/>
+    <p:sldId id="266" r:id="rId13"/>
+    <p:sldId id="267" r:id="rId14"/>
+    <p:sldId id="276" r:id="rId15"/>
+    <p:sldId id="270" r:id="rId16"/>
+    <p:sldId id="282" r:id="rId17"/>
+    <p:sldId id="283" r:id="rId18"/>
+    <p:sldId id="284" r:id="rId19"/>
     <p:sldId id="278" r:id="rId20"/>
     <p:sldId id="279" r:id="rId21"/>
     <p:sldId id="272" r:id="rId22"/>
@@ -4382,7 +4382,7 @@
           <a:p>
             <a:fld id="{50FABAFA-9D90-4B6C-95A1-503043E46FAB}" type="datetimeFigureOut">
               <a:rPr lang="en-US" smtClean="0"/>
-              <a:t>1/14/2019</a:t>
+              <a:t>1/18/2019</a:t>
             </a:fld>
             <a:endParaRPr lang="en-US"/>
           </a:p>
@@ -4547,7 +4547,7 @@
           <a:p>
             <a:fld id="{AC15EB1F-8DE4-48C3-A804-A05846A4049F}" type="datetimeFigureOut">
               <a:rPr lang="en-US" smtClean="0"/>
-              <a:t>1/14/2019</a:t>
+              <a:t>1/18/2019</a:t>
             </a:fld>
             <a:endParaRPr lang="en-US"/>
           </a:p>
@@ -4963,7 +4963,7 @@
           <a:p>
             <a:fld id="{8AD115C9-E24C-4512-AA8B-319BB49F77B5}" type="slidenum">
               <a:rPr lang="en-US" smtClean="0"/>
-              <a:t>11</a:t>
+              <a:t>12</a:t>
             </a:fld>
             <a:endParaRPr lang="en-US"/>
           </a:p>
@@ -5047,7 +5047,7 @@
           <a:p>
             <a:fld id="{8AD115C9-E24C-4512-AA8B-319BB49F77B5}" type="slidenum">
               <a:rPr lang="en-US" smtClean="0"/>
-              <a:t>14</a:t>
+              <a:t>15</a:t>
             </a:fld>
             <a:endParaRPr lang="en-US"/>
           </a:p>
@@ -5307,7 +5307,7 @@
           <a:p>
             <a:fld id="{CE5E0A0C-FFF2-4105-9F07-796FCC3D8DE3}" type="datetime1">
               <a:rPr lang="en-US" smtClean="0"/>
-              <a:t>1/14/2019</a:t>
+              <a:t>1/18/2019</a:t>
             </a:fld>
             <a:endParaRPr lang="en-US"/>
           </a:p>
@@ -5533,7 +5533,7 @@
           <a:p>
             <a:fld id="{4A5D68D4-D432-4190-8060-492B59F98A87}" type="datetime1">
               <a:rPr lang="en-US" smtClean="0"/>
-              <a:t>1/14/2019</a:t>
+              <a:t>1/18/2019</a:t>
             </a:fld>
             <a:endParaRPr lang="en-US"/>
           </a:p>
@@ -5769,7 +5769,7 @@
           <a:p>
             <a:fld id="{5AF4EF83-7D73-495D-9915-41737B990DFC}" type="datetime1">
               <a:rPr lang="en-US" smtClean="0"/>
-              <a:t>1/14/2019</a:t>
+              <a:t>1/18/2019</a:t>
             </a:fld>
             <a:endParaRPr lang="en-US"/>
           </a:p>
@@ -6106,7 +6106,7 @@
           <a:p>
             <a:fld id="{73DF2905-D7E2-4171-961B-8EB802C66F9A}" type="datetime1">
               <a:rPr lang="en-US" smtClean="0"/>
-              <a:t>1/14/2019</a:t>
+              <a:t>1/18/2019</a:t>
             </a:fld>
             <a:endParaRPr lang="en-US"/>
           </a:p>
@@ -6369,7 +6369,7 @@
           <a:p>
             <a:fld id="{82C1B47C-16BC-4A9F-9E6E-9D1F33DC8ABD}" type="datetime1">
               <a:rPr lang="en-US" smtClean="0"/>
-              <a:t>1/14/2019</a:t>
+              <a:t>1/18/2019</a:t>
             </a:fld>
             <a:endParaRPr lang="en-US"/>
           </a:p>
@@ -6785,7 +6785,7 @@
           <a:p>
             <a:fld id="{0C073DF2-DD31-447B-89F4-CEF82A94D7A7}" type="datetime1">
               <a:rPr lang="en-US" smtClean="0"/>
-              <a:t>1/14/2019</a:t>
+              <a:t>1/18/2019</a:t>
             </a:fld>
             <a:endParaRPr lang="en-US"/>
           </a:p>
@@ -7317,7 +7317,7 @@
           <a:p>
             <a:fld id="{1551BB0C-CFA8-4A1F-9AAE-D6B32E8256E7}" type="datetime1">
               <a:rPr lang="en-US" smtClean="0"/>
-              <a:t>1/14/2019</a:t>
+              <a:t>1/18/2019</a:t>
             </a:fld>
             <a:endParaRPr lang="en-US"/>
           </a:p>
@@ -7455,7 +7455,7 @@
           <a:p>
             <a:fld id="{2752348D-B72F-4FC3-A127-851C5E7B3A9E}" type="datetime1">
               <a:rPr lang="en-US" smtClean="0"/>
-              <a:t>1/14/2019</a:t>
+              <a:t>1/18/2019</a:t>
             </a:fld>
             <a:endParaRPr lang="en-US"/>
           </a:p>
@@ -7565,7 +7565,7 @@
           <a:p>
             <a:fld id="{D666EB1B-704A-4D5E-8D5F-456104532486}" type="datetime1">
               <a:rPr lang="en-US" smtClean="0"/>
-              <a:t>1/14/2019</a:t>
+              <a:t>1/18/2019</a:t>
             </a:fld>
             <a:endParaRPr lang="en-US"/>
           </a:p>
@@ -7878,7 +7878,7 @@
           <a:p>
             <a:fld id="{D96AFBEB-CD4D-45C5-9851-D1FF1EB5AB85}" type="datetime1">
               <a:rPr lang="en-US" smtClean="0"/>
-              <a:t>1/14/2019</a:t>
+              <a:t>1/18/2019</a:t>
             </a:fld>
             <a:endParaRPr lang="en-US"/>
           </a:p>
@@ -8126,7 +8126,7 @@
           <a:p>
             <a:fld id="{B285B7EB-0ACD-4247-AA3F-1B0B49109B84}" type="datetime1">
               <a:rPr lang="en-US" smtClean="0"/>
-              <a:t>1/14/2019</a:t>
+              <a:t>1/18/2019</a:t>
             </a:fld>
             <a:endParaRPr lang="en-US"/>
           </a:p>
@@ -8426,7 +8426,7 @@
             <a:fld id="{8254F2F0-E062-4E41-9176-AEE9734E64AC}" type="datetime1">
               <a:rPr lang="en-US" smtClean="0"/>
               <a:pPr/>
-              <a:t>1/14/2019</a:t>
+              <a:t>1/18/2019</a:t>
             </a:fld>
             <a:endParaRPr lang="en-US" dirty="0"/>
           </a:p>
@@ -9034,6 +9034,199 @@
           <a:chExt cx="0" cy="0"/>
         </a:xfrm>
       </p:grpSpPr>
+      <p:pic>
+        <p:nvPicPr>
+          <p:cNvPr id="5" name="Picture 4" descr="A picture containing nature&#10;&#10;Description automatically generated">
+            <a:extLst>
+              <a:ext uri="{FF2B5EF4-FFF2-40B4-BE49-F238E27FC236}">
+                <a16:creationId xmlns:a16="http://schemas.microsoft.com/office/drawing/2014/main" id="{F17E8123-078E-4812-9E18-8B1F1FEA4DB4}"/>
+              </a:ext>
+            </a:extLst>
+          </p:cNvPr>
+          <p:cNvPicPr>
+            <a:picLocks noChangeAspect="1"/>
+          </p:cNvPicPr>
+          <p:nvPr/>
+        </p:nvPicPr>
+        <p:blipFill>
+          <a:blip r:embed="rId2">
+            <a:extLst>
+              <a:ext uri="{28A0092B-C50C-407E-A947-70E740481C1C}">
+                <a14:useLocalDpi xmlns:a14="http://schemas.microsoft.com/office/drawing/2010/main" val="0"/>
+              </a:ext>
+            </a:extLst>
+          </a:blip>
+          <a:stretch>
+            <a:fillRect/>
+          </a:stretch>
+        </p:blipFill>
+        <p:spPr>
+          <a:xfrm>
+            <a:off x="1" y="-280219"/>
+            <a:ext cx="12191999" cy="7138219"/>
+          </a:xfrm>
+          <a:prstGeom prst="rect">
+            <a:avLst/>
+          </a:prstGeom>
+        </p:spPr>
+      </p:pic>
+      <p:sp>
+        <p:nvSpPr>
+          <p:cNvPr id="4" name="Title 1">
+            <a:extLst>
+              <a:ext uri="{FF2B5EF4-FFF2-40B4-BE49-F238E27FC236}">
+                <a16:creationId xmlns:a16="http://schemas.microsoft.com/office/drawing/2014/main" id="{F57DD390-EE6A-42BC-85BC-DEE16AFF9CE6}"/>
+              </a:ext>
+            </a:extLst>
+          </p:cNvPr>
+          <p:cNvSpPr txBox="1">
+            <a:spLocks/>
+          </p:cNvSpPr>
+          <p:nvPr/>
+        </p:nvSpPr>
+        <p:spPr>
+          <a:xfrm>
+            <a:off x="678429" y="5058696"/>
+            <a:ext cx="10363200" cy="1265657"/>
+          </a:xfrm>
+          <a:prstGeom prst="rect">
+            <a:avLst/>
+          </a:prstGeom>
+        </p:spPr>
+        <p:txBody>
+          <a:bodyPr vert="horz" lIns="91440" tIns="45720" rIns="91440" bIns="45720" rtlCol="0" anchor="b" anchorCtr="0">
+            <a:noAutofit/>
+          </a:bodyPr>
+          <a:lstStyle>
+            <a:lvl1pPr algn="l" defTabSz="914400" rtl="0" eaLnBrk="1" latinLnBrk="0" hangingPunct="1">
+              <a:spcBef>
+                <a:spcPct val="0"/>
+              </a:spcBef>
+              <a:buNone/>
+              <a:defRPr sz="3600" b="1" kern="1200" cap="all" spc="50" baseline="0">
+                <a:solidFill>
+                  <a:schemeClr val="tx2">
+                    <a:lumMod val="50000"/>
+                  </a:schemeClr>
+                </a:solidFill>
+                <a:effectLst/>
+                <a:latin typeface="+mj-lt"/>
+                <a:ea typeface="+mj-ea"/>
+                <a:cs typeface="+mj-cs"/>
+              </a:defRPr>
+            </a:lvl1pPr>
+            <a:lvl2pPr eaLnBrk="1" hangingPunct="1">
+              <a:defRPr>
+                <a:solidFill>
+                  <a:schemeClr val="tx2"/>
+                </a:solidFill>
+              </a:defRPr>
+            </a:lvl2pPr>
+            <a:lvl3pPr eaLnBrk="1" hangingPunct="1">
+              <a:defRPr>
+                <a:solidFill>
+                  <a:schemeClr val="tx2"/>
+                </a:solidFill>
+              </a:defRPr>
+            </a:lvl3pPr>
+            <a:lvl4pPr eaLnBrk="1" hangingPunct="1">
+              <a:defRPr>
+                <a:solidFill>
+                  <a:schemeClr val="tx2"/>
+                </a:solidFill>
+              </a:defRPr>
+            </a:lvl4pPr>
+            <a:lvl5pPr eaLnBrk="1" hangingPunct="1">
+              <a:defRPr>
+                <a:solidFill>
+                  <a:schemeClr val="tx2"/>
+                </a:solidFill>
+              </a:defRPr>
+            </a:lvl5pPr>
+            <a:lvl6pPr eaLnBrk="1" hangingPunct="1">
+              <a:defRPr>
+                <a:solidFill>
+                  <a:schemeClr val="tx2"/>
+                </a:solidFill>
+              </a:defRPr>
+            </a:lvl6pPr>
+            <a:lvl7pPr eaLnBrk="1" hangingPunct="1">
+              <a:defRPr>
+                <a:solidFill>
+                  <a:schemeClr val="tx2"/>
+                </a:solidFill>
+              </a:defRPr>
+            </a:lvl7pPr>
+            <a:lvl8pPr eaLnBrk="1" hangingPunct="1">
+              <a:defRPr>
+                <a:solidFill>
+                  <a:schemeClr val="tx2"/>
+                </a:solidFill>
+              </a:defRPr>
+            </a:lvl8pPr>
+            <a:lvl9pPr eaLnBrk="1" hangingPunct="1">
+              <a:defRPr>
+                <a:solidFill>
+                  <a:schemeClr val="tx2"/>
+                </a:solidFill>
+              </a:defRPr>
+            </a:lvl9pPr>
+          </a:lstStyle>
+          <a:p>
+            <a:pPr algn="ctr"/>
+            <a:r>
+              <a:rPr lang="en-US" sz="6600" dirty="0">
+                <a:solidFill>
+                  <a:srgbClr val="FF0000"/>
+                </a:solidFill>
+              </a:rPr>
+              <a:t>JAWS!</a:t>
+            </a:r>
+          </a:p>
+        </p:txBody>
+      </p:sp>
+    </p:spTree>
+    <p:extLst>
+      <p:ext uri="{BB962C8B-B14F-4D97-AF65-F5344CB8AC3E}">
+        <p14:creationId xmlns:p14="http://schemas.microsoft.com/office/powerpoint/2010/main" val="3601864659"/>
+      </p:ext>
+    </p:extLst>
+  </p:cSld>
+  <p:clrMapOvr>
+    <a:masterClrMapping/>
+  </p:clrMapOvr>
+  <mc:AlternateContent xmlns:mc="http://schemas.openxmlformats.org/markup-compatibility/2006" xmlns:p14="http://schemas.microsoft.com/office/powerpoint/2010/main">
+    <mc:Choice Requires="p14">
+      <p:transition spd="med" p14:dur="700">
+        <p:fade/>
+      </p:transition>
+    </mc:Choice>
+    <mc:Fallback xmlns="">
+      <p:transition spd="med">
+        <p:fade/>
+      </p:transition>
+    </mc:Fallback>
+  </mc:AlternateContent>
+</p:sld>
+</file>
+
+<file path=ppt/slides/slide11.xml><?xml version="1.0" encoding="utf-8"?>
+<p:sld xmlns:a="http://schemas.openxmlformats.org/drawingml/2006/main" xmlns:r="http://schemas.openxmlformats.org/officeDocument/2006/relationships" xmlns:p="http://schemas.openxmlformats.org/presentationml/2006/main">
+  <p:cSld>
+    <p:spTree>
+      <p:nvGrpSpPr>
+        <p:cNvPr id="1" name=""/>
+        <p:cNvGrpSpPr/>
+        <p:nvPr/>
+      </p:nvGrpSpPr>
+      <p:grpSpPr>
+        <a:xfrm>
+          <a:off x="0" y="0"/>
+          <a:ext cx="0" cy="0"/>
+          <a:chOff x="0" y="0"/>
+          <a:chExt cx="0" cy="0"/>
+        </a:xfrm>
+      </p:grpSpPr>
       <p:sp>
         <p:nvSpPr>
           <p:cNvPr id="14" name="Content Placeholder 13"/>
@@ -9179,7 +9372,7 @@
 </p:sld>
 </file>
 
-<file path=ppt/slides/slide11.xml><?xml version="1.0" encoding="utf-8"?>
+<file path=ppt/slides/slide12.xml><?xml version="1.0" encoding="utf-8"?>
 <p:sld xmlns:a="http://schemas.openxmlformats.org/drawingml/2006/main" xmlns:r="http://schemas.openxmlformats.org/officeDocument/2006/relationships" xmlns:p="http://schemas.openxmlformats.org/presentationml/2006/main">
   <p:cSld>
     <p:spTree>
@@ -9331,7 +9524,7 @@
 </p:sld>
 </file>
 
-<file path=ppt/slides/slide12.xml><?xml version="1.0" encoding="utf-8"?>
+<file path=ppt/slides/slide13.xml><?xml version="1.0" encoding="utf-8"?>
 <p:sld xmlns:a="http://schemas.openxmlformats.org/drawingml/2006/main" xmlns:r="http://schemas.openxmlformats.org/officeDocument/2006/relationships" xmlns:p="http://schemas.openxmlformats.org/presentationml/2006/main">
   <p:cSld>
     <p:spTree>
@@ -9442,7 +9635,7 @@
 </p:sld>
 </file>
 
-<file path=ppt/slides/slide13.xml><?xml version="1.0" encoding="utf-8"?>
+<file path=ppt/slides/slide14.xml><?xml version="1.0" encoding="utf-8"?>
 <p:sld xmlns:a="http://schemas.openxmlformats.org/drawingml/2006/main" xmlns:r="http://schemas.openxmlformats.org/officeDocument/2006/relationships" xmlns:p="http://schemas.openxmlformats.org/presentationml/2006/main">
   <p:cSld>
     <p:spTree>
@@ -9833,7 +10026,7 @@
 </p:sld>
 </file>
 
-<file path=ppt/slides/slide14.xml><?xml version="1.0" encoding="utf-8"?>
+<file path=ppt/slides/slide15.xml><?xml version="1.0" encoding="utf-8"?>
 <p:sld xmlns:a="http://schemas.openxmlformats.org/drawingml/2006/main" xmlns:r="http://schemas.openxmlformats.org/officeDocument/2006/relationships" xmlns:p="http://schemas.openxmlformats.org/presentationml/2006/main">
   <p:cSld>
     <p:spTree>
@@ -10101,48 +10294,6 @@
     <p:extLst>
       <p:ext uri="{BB962C8B-B14F-4D97-AF65-F5344CB8AC3E}">
         <p14:creationId xmlns:p14="http://schemas.microsoft.com/office/powerpoint/2010/main" val="3506282798"/>
-      </p:ext>
-    </p:extLst>
-  </p:cSld>
-  <p:clrMapOvr>
-    <a:masterClrMapping/>
-  </p:clrMapOvr>
-  <mc:AlternateContent xmlns:mc="http://schemas.openxmlformats.org/markup-compatibility/2006" xmlns:p14="http://schemas.microsoft.com/office/powerpoint/2010/main">
-    <mc:Choice Requires="p14">
-      <p:transition spd="med" p14:dur="700">
-        <p:fade/>
-      </p:transition>
-    </mc:Choice>
-    <mc:Fallback xmlns="">
-      <p:transition spd="med">
-        <p:fade/>
-      </p:transition>
-    </mc:Fallback>
-  </mc:AlternateContent>
-</p:sld>
-</file>
-
-<file path=ppt/slides/slide15.xml><?xml version="1.0" encoding="utf-8"?>
-<p:sld xmlns:a="http://schemas.openxmlformats.org/drawingml/2006/main" xmlns:r="http://schemas.openxmlformats.org/officeDocument/2006/relationships" xmlns:p="http://schemas.openxmlformats.org/presentationml/2006/main">
-  <p:cSld>
-    <p:spTree>
-      <p:nvGrpSpPr>
-        <p:cNvPr id="1" name=""/>
-        <p:cNvGrpSpPr/>
-        <p:nvPr/>
-      </p:nvGrpSpPr>
-      <p:grpSpPr>
-        <a:xfrm>
-          <a:off x="0" y="0"/>
-          <a:ext cx="0" cy="0"/>
-          <a:chOff x="0" y="0"/>
-          <a:chExt cx="0" cy="0"/>
-        </a:xfrm>
-      </p:grpSpPr>
-    </p:spTree>
-    <p:extLst>
-      <p:ext uri="{BB962C8B-B14F-4D97-AF65-F5344CB8AC3E}">
-        <p14:creationId xmlns:p14="http://schemas.microsoft.com/office/powerpoint/2010/main" val="4079847625"/>
       </p:ext>
     </p:extLst>
   </p:cSld>
@@ -12739,6 +12890,78 @@
       </p:grpSpPr>
       <p:pic>
         <p:nvPicPr>
+          <p:cNvPr id="3" name="Picture 2">
+            <a:extLst>
+              <a:ext uri="{FF2B5EF4-FFF2-40B4-BE49-F238E27FC236}">
+                <a16:creationId xmlns:a16="http://schemas.microsoft.com/office/drawing/2014/main" id="{2165BD4F-8AB6-4196-9EC6-6A117B1D9A60}"/>
+              </a:ext>
+            </a:extLst>
+          </p:cNvPr>
+          <p:cNvPicPr>
+            <a:picLocks noChangeAspect="1"/>
+          </p:cNvPicPr>
+          <p:nvPr/>
+        </p:nvPicPr>
+        <p:blipFill>
+          <a:blip r:embed="rId2"/>
+          <a:stretch>
+            <a:fillRect/>
+          </a:stretch>
+        </p:blipFill>
+        <p:spPr>
+          <a:xfrm>
+            <a:off x="1254883" y="1257284"/>
+            <a:ext cx="9682233" cy="4343432"/>
+          </a:xfrm>
+          <a:prstGeom prst="rect">
+            <a:avLst/>
+          </a:prstGeom>
+        </p:spPr>
+      </p:pic>
+    </p:spTree>
+    <p:extLst>
+      <p:ext uri="{BB962C8B-B14F-4D97-AF65-F5344CB8AC3E}">
+        <p14:creationId xmlns:p14="http://schemas.microsoft.com/office/powerpoint/2010/main" val="4079847625"/>
+      </p:ext>
+    </p:extLst>
+  </p:cSld>
+  <p:clrMapOvr>
+    <a:masterClrMapping/>
+  </p:clrMapOvr>
+  <mc:AlternateContent xmlns:mc="http://schemas.openxmlformats.org/markup-compatibility/2006" xmlns:p14="http://schemas.microsoft.com/office/powerpoint/2010/main">
+    <mc:Choice Requires="p14">
+      <p:transition spd="med" p14:dur="700">
+        <p:fade/>
+      </p:transition>
+    </mc:Choice>
+    <mc:Fallback xmlns="">
+      <p:transition spd="med">
+        <p:fade/>
+      </p:transition>
+    </mc:Fallback>
+  </mc:AlternateContent>
+</p:sld>
+</file>
+
+<file path=ppt/slides/slide7.xml><?xml version="1.0" encoding="utf-8"?>
+<p:sld xmlns:a="http://schemas.openxmlformats.org/drawingml/2006/main" xmlns:r="http://schemas.openxmlformats.org/officeDocument/2006/relationships" xmlns:p="http://schemas.openxmlformats.org/presentationml/2006/main">
+  <p:cSld>
+    <p:spTree>
+      <p:nvGrpSpPr>
+        <p:cNvPr id="1" name=""/>
+        <p:cNvGrpSpPr/>
+        <p:nvPr/>
+      </p:nvGrpSpPr>
+      <p:grpSpPr>
+        <a:xfrm>
+          <a:off x="0" y="0"/>
+          <a:ext cx="0" cy="0"/>
+          <a:chOff x="0" y="0"/>
+          <a:chExt cx="0" cy="0"/>
+        </a:xfrm>
+      </p:grpSpPr>
+      <p:pic>
+        <p:nvPicPr>
           <p:cNvPr id="2" name="Picture 1">
             <a:extLst>
               <a:ext uri="{FF2B5EF4-FFF2-40B4-BE49-F238E27FC236}">
@@ -12792,7 +13015,7 @@
 </p:sld>
 </file>
 
-<file path=ppt/slides/slide7.xml><?xml version="1.0" encoding="utf-8"?>
+<file path=ppt/slides/slide8.xml><?xml version="1.0" encoding="utf-8"?>
 <p:sld xmlns:a="http://schemas.openxmlformats.org/drawingml/2006/main" xmlns:r="http://schemas.openxmlformats.org/officeDocument/2006/relationships" xmlns:p="http://schemas.openxmlformats.org/presentationml/2006/main">
   <p:cSld>
     <p:spTree>
@@ -12903,7 +13126,7 @@
 </p:sld>
 </file>
 
-<file path=ppt/slides/slide8.xml><?xml version="1.0" encoding="utf-8"?>
+<file path=ppt/slides/slide9.xml><?xml version="1.0" encoding="utf-8"?>
 <p:sld xmlns:a="http://schemas.openxmlformats.org/drawingml/2006/main" xmlns:r="http://schemas.openxmlformats.org/officeDocument/2006/relationships" xmlns:p="http://schemas.openxmlformats.org/presentationml/2006/main">
   <p:cSld>
     <p:spTree>
@@ -13210,199 +13433,6 @@
     <p:extLst>
       <p:ext uri="{BB962C8B-B14F-4D97-AF65-F5344CB8AC3E}">
         <p14:creationId xmlns:p14="http://schemas.microsoft.com/office/powerpoint/2010/main" val="1171821818"/>
-      </p:ext>
-    </p:extLst>
-  </p:cSld>
-  <p:clrMapOvr>
-    <a:masterClrMapping/>
-  </p:clrMapOvr>
-  <mc:AlternateContent xmlns:mc="http://schemas.openxmlformats.org/markup-compatibility/2006" xmlns:p14="http://schemas.microsoft.com/office/powerpoint/2010/main">
-    <mc:Choice Requires="p14">
-      <p:transition spd="med" p14:dur="700">
-        <p:fade/>
-      </p:transition>
-    </mc:Choice>
-    <mc:Fallback xmlns="">
-      <p:transition spd="med">
-        <p:fade/>
-      </p:transition>
-    </mc:Fallback>
-  </mc:AlternateContent>
-</p:sld>
-</file>
-
-<file path=ppt/slides/slide9.xml><?xml version="1.0" encoding="utf-8"?>
-<p:sld xmlns:a="http://schemas.openxmlformats.org/drawingml/2006/main" xmlns:r="http://schemas.openxmlformats.org/officeDocument/2006/relationships" xmlns:p="http://schemas.openxmlformats.org/presentationml/2006/main">
-  <p:cSld>
-    <p:spTree>
-      <p:nvGrpSpPr>
-        <p:cNvPr id="1" name=""/>
-        <p:cNvGrpSpPr/>
-        <p:nvPr/>
-      </p:nvGrpSpPr>
-      <p:grpSpPr>
-        <a:xfrm>
-          <a:off x="0" y="0"/>
-          <a:ext cx="0" cy="0"/>
-          <a:chOff x="0" y="0"/>
-          <a:chExt cx="0" cy="0"/>
-        </a:xfrm>
-      </p:grpSpPr>
-      <p:pic>
-        <p:nvPicPr>
-          <p:cNvPr id="5" name="Picture 4" descr="A picture containing nature&#10;&#10;Description automatically generated">
-            <a:extLst>
-              <a:ext uri="{FF2B5EF4-FFF2-40B4-BE49-F238E27FC236}">
-                <a16:creationId xmlns:a16="http://schemas.microsoft.com/office/drawing/2014/main" id="{F17E8123-078E-4812-9E18-8B1F1FEA4DB4}"/>
-              </a:ext>
-            </a:extLst>
-          </p:cNvPr>
-          <p:cNvPicPr>
-            <a:picLocks noChangeAspect="1"/>
-          </p:cNvPicPr>
-          <p:nvPr/>
-        </p:nvPicPr>
-        <p:blipFill>
-          <a:blip r:embed="rId2">
-            <a:extLst>
-              <a:ext uri="{28A0092B-C50C-407E-A947-70E740481C1C}">
-                <a14:useLocalDpi xmlns:a14="http://schemas.microsoft.com/office/drawing/2010/main" val="0"/>
-              </a:ext>
-            </a:extLst>
-          </a:blip>
-          <a:stretch>
-            <a:fillRect/>
-          </a:stretch>
-        </p:blipFill>
-        <p:spPr>
-          <a:xfrm>
-            <a:off x="1" y="-280219"/>
-            <a:ext cx="12191999" cy="7138219"/>
-          </a:xfrm>
-          <a:prstGeom prst="rect">
-            <a:avLst/>
-          </a:prstGeom>
-        </p:spPr>
-      </p:pic>
-      <p:sp>
-        <p:nvSpPr>
-          <p:cNvPr id="4" name="Title 1">
-            <a:extLst>
-              <a:ext uri="{FF2B5EF4-FFF2-40B4-BE49-F238E27FC236}">
-                <a16:creationId xmlns:a16="http://schemas.microsoft.com/office/drawing/2014/main" id="{F57DD390-EE6A-42BC-85BC-DEE16AFF9CE6}"/>
-              </a:ext>
-            </a:extLst>
-          </p:cNvPr>
-          <p:cNvSpPr txBox="1">
-            <a:spLocks/>
-          </p:cNvSpPr>
-          <p:nvPr/>
-        </p:nvSpPr>
-        <p:spPr>
-          <a:xfrm>
-            <a:off x="678429" y="5058696"/>
-            <a:ext cx="10363200" cy="1265657"/>
-          </a:xfrm>
-          <a:prstGeom prst="rect">
-            <a:avLst/>
-          </a:prstGeom>
-        </p:spPr>
-        <p:txBody>
-          <a:bodyPr vert="horz" lIns="91440" tIns="45720" rIns="91440" bIns="45720" rtlCol="0" anchor="b" anchorCtr="0">
-            <a:noAutofit/>
-          </a:bodyPr>
-          <a:lstStyle>
-            <a:lvl1pPr algn="l" defTabSz="914400" rtl="0" eaLnBrk="1" latinLnBrk="0" hangingPunct="1">
-              <a:spcBef>
-                <a:spcPct val="0"/>
-              </a:spcBef>
-              <a:buNone/>
-              <a:defRPr sz="3600" b="1" kern="1200" cap="all" spc="50" baseline="0">
-                <a:solidFill>
-                  <a:schemeClr val="tx2">
-                    <a:lumMod val="50000"/>
-                  </a:schemeClr>
-                </a:solidFill>
-                <a:effectLst/>
-                <a:latin typeface="+mj-lt"/>
-                <a:ea typeface="+mj-ea"/>
-                <a:cs typeface="+mj-cs"/>
-              </a:defRPr>
-            </a:lvl1pPr>
-            <a:lvl2pPr eaLnBrk="1" hangingPunct="1">
-              <a:defRPr>
-                <a:solidFill>
-                  <a:schemeClr val="tx2"/>
-                </a:solidFill>
-              </a:defRPr>
-            </a:lvl2pPr>
-            <a:lvl3pPr eaLnBrk="1" hangingPunct="1">
-              <a:defRPr>
-                <a:solidFill>
-                  <a:schemeClr val="tx2"/>
-                </a:solidFill>
-              </a:defRPr>
-            </a:lvl3pPr>
-            <a:lvl4pPr eaLnBrk="1" hangingPunct="1">
-              <a:defRPr>
-                <a:solidFill>
-                  <a:schemeClr val="tx2"/>
-                </a:solidFill>
-              </a:defRPr>
-            </a:lvl4pPr>
-            <a:lvl5pPr eaLnBrk="1" hangingPunct="1">
-              <a:defRPr>
-                <a:solidFill>
-                  <a:schemeClr val="tx2"/>
-                </a:solidFill>
-              </a:defRPr>
-            </a:lvl5pPr>
-            <a:lvl6pPr eaLnBrk="1" hangingPunct="1">
-              <a:defRPr>
-                <a:solidFill>
-                  <a:schemeClr val="tx2"/>
-                </a:solidFill>
-              </a:defRPr>
-            </a:lvl6pPr>
-            <a:lvl7pPr eaLnBrk="1" hangingPunct="1">
-              <a:defRPr>
-                <a:solidFill>
-                  <a:schemeClr val="tx2"/>
-                </a:solidFill>
-              </a:defRPr>
-            </a:lvl7pPr>
-            <a:lvl8pPr eaLnBrk="1" hangingPunct="1">
-              <a:defRPr>
-                <a:solidFill>
-                  <a:schemeClr val="tx2"/>
-                </a:solidFill>
-              </a:defRPr>
-            </a:lvl8pPr>
-            <a:lvl9pPr eaLnBrk="1" hangingPunct="1">
-              <a:defRPr>
-                <a:solidFill>
-                  <a:schemeClr val="tx2"/>
-                </a:solidFill>
-              </a:defRPr>
-            </a:lvl9pPr>
-          </a:lstStyle>
-          <a:p>
-            <a:pPr algn="ctr"/>
-            <a:r>
-              <a:rPr lang="en-US" sz="6600" dirty="0">
-                <a:solidFill>
-                  <a:srgbClr val="FF0000"/>
-                </a:solidFill>
-              </a:rPr>
-              <a:t>JAWS!</a:t>
-            </a:r>
-          </a:p>
-        </p:txBody>
-      </p:sp>
-    </p:spTree>
-    <p:extLst>
-      <p:ext uri="{BB962C8B-B14F-4D97-AF65-F5344CB8AC3E}">
-        <p14:creationId xmlns:p14="http://schemas.microsoft.com/office/powerpoint/2010/main" val="3601864659"/>
       </p:ext>
     </p:extLst>
   </p:cSld>
@@ -14296,6 +14326,15 @@
 </file>
 
 <file path=customXml/item1.xml><?xml version="1.0" encoding="utf-8"?>
+<?mso-contentType ?>
+<FormTemplates xmlns="http://schemas.microsoft.com/sharepoint/v3/contenttype/forms">
+  <Display>DocumentLibraryForm</Display>
+  <Edit>DocumentLibraryForm</Edit>
+  <New>DocumentLibraryForm</New>
+</FormTemplates>
+</file>
+
+<file path=customXml/item2.xml><?xml version="1.0" encoding="utf-8"?>
 <p:properties xmlns:p="http://schemas.microsoft.com/office/2006/metadata/properties" xmlns:xsi="http://www.w3.org/2001/XMLSchema-instance" xmlns:pc="http://schemas.microsoft.com/office/infopath/2007/PartnerControls">
   <documentManagement>
     <VSO_x0020_item_x0020_id xmlns="40262f94-9f35-4ac3-9a90-690165a166b7" xsi:nil="true"/>
@@ -14304,15 +14343,6 @@
     <Template_x0020_details xmlns="40262f94-9f35-4ac3-9a90-690165a166b7" xsi:nil="true"/>
   </documentManagement>
 </p:properties>
-</file>
-
-<file path=customXml/item2.xml><?xml version="1.0" encoding="utf-8"?>
-<?mso-contentType ?>
-<FormTemplates xmlns="http://schemas.microsoft.com/sharepoint/v3/contenttype/forms">
-  <Display>DocumentLibraryForm</Display>
-  <Edit>DocumentLibraryForm</Edit>
-  <New>DocumentLibraryForm</New>
-</FormTemplates>
 </file>
 
 <file path=customXml/item3.xml><?xml version="1.0" encoding="utf-8"?>
@@ -14497,6 +14527,14 @@
 </file>
 
 <file path=customXml/itemProps1.xml><?xml version="1.0" encoding="utf-8"?>
+<ds:datastoreItem xmlns:ds="http://schemas.openxmlformats.org/officeDocument/2006/customXml" ds:itemID="{BED6C63E-22D9-40FD-AF90-6F5632A4309F}">
+  <ds:schemaRefs>
+    <ds:schemaRef ds:uri="http://schemas.microsoft.com/sharepoint/v3/contenttype/forms"/>
+  </ds:schemaRefs>
+</ds:datastoreItem>
+</file>
+
+<file path=customXml/itemProps2.xml><?xml version="1.0" encoding="utf-8"?>
 <ds:datastoreItem xmlns:ds="http://schemas.openxmlformats.org/officeDocument/2006/customXml" ds:itemID="{28DC6412-8CE7-4C8A-96E9-2669F16D17E8}">
   <ds:schemaRefs>
     <ds:schemaRef ds:uri="http://schemas.microsoft.com/office/2006/metadata/properties"/>
@@ -14509,14 +14547,6 @@
     <ds:schemaRef ds:uri="a4f35948-e619-41b3-aa29-22878b09cfd2"/>
     <ds:schemaRef ds:uri="http://www.w3.org/XML/1998/namespace"/>
     <ds:schemaRef ds:uri="http://purl.org/dc/dcmitype/"/>
-  </ds:schemaRefs>
-</ds:datastoreItem>
-</file>
-
-<file path=customXml/itemProps2.xml><?xml version="1.0" encoding="utf-8"?>
-<ds:datastoreItem xmlns:ds="http://schemas.openxmlformats.org/officeDocument/2006/customXml" ds:itemID="{BED6C63E-22D9-40FD-AF90-6F5632A4309F}">
-  <ds:schemaRefs>
-    <ds:schemaRef ds:uri="http://schemas.microsoft.com/sharepoint/v3/contenttype/forms"/>
   </ds:schemaRefs>
 </ds:datastoreItem>
 </file>

--- a/jaws.pptx
+++ b/jaws.pptx
@@ -5,10 +5,10 @@
     <p:sldMasterId id="2147483756" r:id="rId4"/>
   </p:sldMasterIdLst>
   <p:notesMasterIdLst>
-    <p:notesMasterId r:id="rId28"/>
+    <p:notesMasterId r:id="rId27"/>
   </p:notesMasterIdLst>
   <p:handoutMasterIdLst>
-    <p:handoutMasterId r:id="rId29"/>
+    <p:handoutMasterId r:id="rId28"/>
   </p:handoutMasterIdLst>
   <p:sldIdLst>
     <p:sldId id="259" r:id="rId5"/>
@@ -16,24 +16,23 @@
     <p:sldId id="275" r:id="rId7"/>
     <p:sldId id="281" r:id="rId8"/>
     <p:sldId id="277" r:id="rId9"/>
-    <p:sldId id="265" r:id="rId10"/>
+    <p:sldId id="273" r:id="rId10"/>
     <p:sldId id="268" r:id="rId11"/>
-    <p:sldId id="273" r:id="rId12"/>
+    <p:sldId id="265" r:id="rId12"/>
     <p:sldId id="266" r:id="rId13"/>
     <p:sldId id="267" r:id="rId14"/>
     <p:sldId id="276" r:id="rId15"/>
-    <p:sldId id="270" r:id="rId16"/>
-    <p:sldId id="282" r:id="rId17"/>
-    <p:sldId id="283" r:id="rId18"/>
-    <p:sldId id="284" r:id="rId19"/>
-    <p:sldId id="278" r:id="rId20"/>
-    <p:sldId id="279" r:id="rId21"/>
-    <p:sldId id="272" r:id="rId22"/>
-    <p:sldId id="271" r:id="rId23"/>
-    <p:sldId id="269" r:id="rId24"/>
-    <p:sldId id="261" r:id="rId25"/>
-    <p:sldId id="262" r:id="rId26"/>
-    <p:sldId id="263" r:id="rId27"/>
+    <p:sldId id="283" r:id="rId16"/>
+    <p:sldId id="270" r:id="rId17"/>
+    <p:sldId id="284" r:id="rId18"/>
+    <p:sldId id="278" r:id="rId19"/>
+    <p:sldId id="279" r:id="rId20"/>
+    <p:sldId id="272" r:id="rId21"/>
+    <p:sldId id="271" r:id="rId22"/>
+    <p:sldId id="269" r:id="rId23"/>
+    <p:sldId id="261" r:id="rId24"/>
+    <p:sldId id="262" r:id="rId25"/>
+    <p:sldId id="263" r:id="rId26"/>
   </p:sldIdLst>
   <p:sldSz cx="12192000" cy="6858000"/>
   <p:notesSz cx="6858000" cy="9144000"/>
@@ -4382,7 +4381,7 @@
           <a:p>
             <a:fld id="{50FABAFA-9D90-4B6C-95A1-503043E46FAB}" type="datetimeFigureOut">
               <a:rPr lang="en-US" smtClean="0"/>
-              <a:t>1/18/2019</a:t>
+              <a:t>1/22/2019</a:t>
             </a:fld>
             <a:endParaRPr lang="en-US"/>
           </a:p>
@@ -4547,7 +4546,7 @@
           <a:p>
             <a:fld id="{AC15EB1F-8DE4-48C3-A804-A05846A4049F}" type="datetimeFigureOut">
               <a:rPr lang="en-US" smtClean="0"/>
-              <a:t>1/18/2019</a:t>
+              <a:t>1/22/2019</a:t>
             </a:fld>
             <a:endParaRPr lang="en-US"/>
           </a:p>
@@ -4963,7 +4962,7 @@
           <a:p>
             <a:fld id="{8AD115C9-E24C-4512-AA8B-319BB49F77B5}" type="slidenum">
               <a:rPr lang="en-US" smtClean="0"/>
-              <a:t>12</a:t>
+              <a:t>13</a:t>
             </a:fld>
             <a:endParaRPr lang="en-US"/>
           </a:p>
@@ -5047,7 +5046,7 @@
           <a:p>
             <a:fld id="{8AD115C9-E24C-4512-AA8B-319BB49F77B5}" type="slidenum">
               <a:rPr lang="en-US" smtClean="0"/>
-              <a:t>15</a:t>
+              <a:t>14</a:t>
             </a:fld>
             <a:endParaRPr lang="en-US"/>
           </a:p>
@@ -5307,7 +5306,7 @@
           <a:p>
             <a:fld id="{CE5E0A0C-FFF2-4105-9F07-796FCC3D8DE3}" type="datetime1">
               <a:rPr lang="en-US" smtClean="0"/>
-              <a:t>1/18/2019</a:t>
+              <a:t>1/22/2019</a:t>
             </a:fld>
             <a:endParaRPr lang="en-US"/>
           </a:p>
@@ -5533,7 +5532,7 @@
           <a:p>
             <a:fld id="{4A5D68D4-D432-4190-8060-492B59F98A87}" type="datetime1">
               <a:rPr lang="en-US" smtClean="0"/>
-              <a:t>1/18/2019</a:t>
+              <a:t>1/22/2019</a:t>
             </a:fld>
             <a:endParaRPr lang="en-US"/>
           </a:p>
@@ -5769,7 +5768,7 @@
           <a:p>
             <a:fld id="{5AF4EF83-7D73-495D-9915-41737B990DFC}" type="datetime1">
               <a:rPr lang="en-US" smtClean="0"/>
-              <a:t>1/18/2019</a:t>
+              <a:t>1/22/2019</a:t>
             </a:fld>
             <a:endParaRPr lang="en-US"/>
           </a:p>
@@ -6106,7 +6105,7 @@
           <a:p>
             <a:fld id="{73DF2905-D7E2-4171-961B-8EB802C66F9A}" type="datetime1">
               <a:rPr lang="en-US" smtClean="0"/>
-              <a:t>1/18/2019</a:t>
+              <a:t>1/22/2019</a:t>
             </a:fld>
             <a:endParaRPr lang="en-US"/>
           </a:p>
@@ -6369,7 +6368,7 @@
           <a:p>
             <a:fld id="{82C1B47C-16BC-4A9F-9E6E-9D1F33DC8ABD}" type="datetime1">
               <a:rPr lang="en-US" smtClean="0"/>
-              <a:t>1/18/2019</a:t>
+              <a:t>1/22/2019</a:t>
             </a:fld>
             <a:endParaRPr lang="en-US"/>
           </a:p>
@@ -6785,7 +6784,7 @@
           <a:p>
             <a:fld id="{0C073DF2-DD31-447B-89F4-CEF82A94D7A7}" type="datetime1">
               <a:rPr lang="en-US" smtClean="0"/>
-              <a:t>1/18/2019</a:t>
+              <a:t>1/22/2019</a:t>
             </a:fld>
             <a:endParaRPr lang="en-US"/>
           </a:p>
@@ -7317,7 +7316,7 @@
           <a:p>
             <a:fld id="{1551BB0C-CFA8-4A1F-9AAE-D6B32E8256E7}" type="datetime1">
               <a:rPr lang="en-US" smtClean="0"/>
-              <a:t>1/18/2019</a:t>
+              <a:t>1/22/2019</a:t>
             </a:fld>
             <a:endParaRPr lang="en-US"/>
           </a:p>
@@ -7455,7 +7454,7 @@
           <a:p>
             <a:fld id="{2752348D-B72F-4FC3-A127-851C5E7B3A9E}" type="datetime1">
               <a:rPr lang="en-US" smtClean="0"/>
-              <a:t>1/18/2019</a:t>
+              <a:t>1/22/2019</a:t>
             </a:fld>
             <a:endParaRPr lang="en-US"/>
           </a:p>
@@ -7565,7 +7564,7 @@
           <a:p>
             <a:fld id="{D666EB1B-704A-4D5E-8D5F-456104532486}" type="datetime1">
               <a:rPr lang="en-US" smtClean="0"/>
-              <a:t>1/18/2019</a:t>
+              <a:t>1/22/2019</a:t>
             </a:fld>
             <a:endParaRPr lang="en-US"/>
           </a:p>
@@ -7878,7 +7877,7 @@
           <a:p>
             <a:fld id="{D96AFBEB-CD4D-45C5-9851-D1FF1EB5AB85}" type="datetime1">
               <a:rPr lang="en-US" smtClean="0"/>
-              <a:t>1/18/2019</a:t>
+              <a:t>1/22/2019</a:t>
             </a:fld>
             <a:endParaRPr lang="en-US"/>
           </a:p>
@@ -8126,7 +8125,7 @@
           <a:p>
             <a:fld id="{B285B7EB-0ACD-4247-AA3F-1B0B49109B84}" type="datetime1">
               <a:rPr lang="en-US" smtClean="0"/>
-              <a:t>1/18/2019</a:t>
+              <a:t>1/22/2019</a:t>
             </a:fld>
             <a:endParaRPr lang="en-US"/>
           </a:p>
@@ -8426,7 +8425,7 @@
             <a:fld id="{8254F2F0-E062-4E41-9176-AEE9734E64AC}" type="datetime1">
               <a:rPr lang="en-US" smtClean="0"/>
               <a:pPr/>
-              <a:t>1/18/2019</a:t>
+              <a:t>1/22/2019</a:t>
             </a:fld>
             <a:endParaRPr lang="en-US" dirty="0"/>
           </a:p>
@@ -9391,269 +9390,6 @@
       </p:grpSpPr>
       <p:sp>
         <p:nvSpPr>
-          <p:cNvPr id="7" name="Title 1">
-            <a:extLst>
-              <a:ext uri="{FF2B5EF4-FFF2-40B4-BE49-F238E27FC236}">
-                <a16:creationId xmlns:a16="http://schemas.microsoft.com/office/drawing/2014/main" id="{D8A6AE9F-15C6-4D86-8B6F-FC975BD3ED10}"/>
-              </a:ext>
-            </a:extLst>
-          </p:cNvPr>
-          <p:cNvSpPr txBox="1">
-            <a:spLocks/>
-          </p:cNvSpPr>
-          <p:nvPr/>
-        </p:nvSpPr>
-        <p:spPr>
-          <a:xfrm>
-            <a:off x="802972" y="2236169"/>
-            <a:ext cx="10566400" cy="802002"/>
-          </a:xfrm>
-          <a:prstGeom prst="rect">
-            <a:avLst/>
-          </a:prstGeom>
-        </p:spPr>
-        <p:txBody>
-          <a:bodyPr vert="horz" lIns="91440" tIns="45720" rIns="91440" bIns="45720" rtlCol="0" anchor="b" anchorCtr="0">
-            <a:noAutofit/>
-          </a:bodyPr>
-          <a:lstStyle>
-            <a:lvl1pPr algn="ctr" defTabSz="914400" rtl="0" eaLnBrk="1" latinLnBrk="0" hangingPunct="1">
-              <a:spcBef>
-                <a:spcPct val="0"/>
-              </a:spcBef>
-              <a:buNone/>
-              <a:defRPr sz="4400" b="1" kern="1200" cap="all" spc="50" baseline="0">
-                <a:solidFill>
-                  <a:schemeClr val="tx2">
-                    <a:lumMod val="50000"/>
-                  </a:schemeClr>
-                </a:solidFill>
-                <a:effectLst/>
-                <a:latin typeface="+mj-lt"/>
-                <a:ea typeface="+mj-ea"/>
-                <a:cs typeface="+mj-cs"/>
-              </a:defRPr>
-            </a:lvl1pPr>
-            <a:lvl2pPr eaLnBrk="1" hangingPunct="1">
-              <a:defRPr>
-                <a:solidFill>
-                  <a:schemeClr val="tx2"/>
-                </a:solidFill>
-              </a:defRPr>
-            </a:lvl2pPr>
-            <a:lvl3pPr eaLnBrk="1" hangingPunct="1">
-              <a:defRPr>
-                <a:solidFill>
-                  <a:schemeClr val="tx2"/>
-                </a:solidFill>
-              </a:defRPr>
-            </a:lvl3pPr>
-            <a:lvl4pPr eaLnBrk="1" hangingPunct="1">
-              <a:defRPr>
-                <a:solidFill>
-                  <a:schemeClr val="tx2"/>
-                </a:solidFill>
-              </a:defRPr>
-            </a:lvl4pPr>
-            <a:lvl5pPr eaLnBrk="1" hangingPunct="1">
-              <a:defRPr>
-                <a:solidFill>
-                  <a:schemeClr val="tx2"/>
-                </a:solidFill>
-              </a:defRPr>
-            </a:lvl5pPr>
-            <a:lvl6pPr eaLnBrk="1" hangingPunct="1">
-              <a:defRPr>
-                <a:solidFill>
-                  <a:schemeClr val="tx2"/>
-                </a:solidFill>
-              </a:defRPr>
-            </a:lvl6pPr>
-            <a:lvl7pPr eaLnBrk="1" hangingPunct="1">
-              <a:defRPr>
-                <a:solidFill>
-                  <a:schemeClr val="tx2"/>
-                </a:solidFill>
-              </a:defRPr>
-            </a:lvl7pPr>
-            <a:lvl8pPr eaLnBrk="1" hangingPunct="1">
-              <a:defRPr>
-                <a:solidFill>
-                  <a:schemeClr val="tx2"/>
-                </a:solidFill>
-              </a:defRPr>
-            </a:lvl8pPr>
-            <a:lvl9pPr eaLnBrk="1" hangingPunct="1">
-              <a:defRPr>
-                <a:solidFill>
-                  <a:schemeClr val="tx2"/>
-                </a:solidFill>
-              </a:defRPr>
-            </a:lvl9pPr>
-          </a:lstStyle>
-          <a:p>
-            <a:r>
-              <a:rPr lang="en-US" dirty="0"/>
-              <a:t>Demo</a:t>
-            </a:r>
-          </a:p>
-        </p:txBody>
-      </p:sp>
-    </p:spTree>
-    <p:extLst>
-      <p:ext uri="{BB962C8B-B14F-4D97-AF65-F5344CB8AC3E}">
-        <p14:creationId xmlns:p14="http://schemas.microsoft.com/office/powerpoint/2010/main" val="4279752589"/>
-      </p:ext>
-    </p:extLst>
-  </p:cSld>
-  <p:clrMapOvr>
-    <a:masterClrMapping/>
-  </p:clrMapOvr>
-  <mc:AlternateContent xmlns:mc="http://schemas.openxmlformats.org/markup-compatibility/2006" xmlns:p14="http://schemas.microsoft.com/office/powerpoint/2010/main">
-    <mc:Choice Requires="p14">
-      <p:transition spd="med" p14:dur="700">
-        <p:fade/>
-      </p:transition>
-    </mc:Choice>
-    <mc:Fallback xmlns="">
-      <p:transition spd="med">
-        <p:fade/>
-      </p:transition>
-    </mc:Fallback>
-  </mc:AlternateContent>
-</p:sld>
-</file>
-
-<file path=ppt/slides/slide13.xml><?xml version="1.0" encoding="utf-8"?>
-<p:sld xmlns:a="http://schemas.openxmlformats.org/drawingml/2006/main" xmlns:r="http://schemas.openxmlformats.org/officeDocument/2006/relationships" xmlns:p="http://schemas.openxmlformats.org/presentationml/2006/main">
-  <p:cSld>
-    <p:spTree>
-      <p:nvGrpSpPr>
-        <p:cNvPr id="1" name=""/>
-        <p:cNvGrpSpPr/>
-        <p:nvPr/>
-      </p:nvGrpSpPr>
-      <p:grpSpPr>
-        <a:xfrm>
-          <a:off x="0" y="0"/>
-          <a:ext cx="0" cy="0"/>
-          <a:chOff x="0" y="0"/>
-          <a:chExt cx="0" cy="0"/>
-        </a:xfrm>
-      </p:grpSpPr>
-      <p:sp>
-        <p:nvSpPr>
-          <p:cNvPr id="3" name="Content Placeholder 2">
-            <a:extLst>
-              <a:ext uri="{FF2B5EF4-FFF2-40B4-BE49-F238E27FC236}">
-                <a16:creationId xmlns:a16="http://schemas.microsoft.com/office/drawing/2014/main" id="{F10C851C-F17E-4808-B6C8-77C2269856B3}"/>
-              </a:ext>
-            </a:extLst>
-          </p:cNvPr>
-          <p:cNvSpPr>
-            <a:spLocks noGrp="1"/>
-          </p:cNvSpPr>
-          <p:nvPr>
-            <p:ph sz="quarter" idx="13"/>
-          </p:nvPr>
-        </p:nvSpPr>
-        <p:spPr>
-          <a:xfrm>
-            <a:off x="812800" y="1814051"/>
-            <a:ext cx="10566400" cy="2160639"/>
-          </a:xfrm>
-        </p:spPr>
-        <p:txBody>
-          <a:bodyPr>
-            <a:noAutofit/>
-          </a:bodyPr>
-          <a:lstStyle/>
-          <a:p>
-            <a:r>
-              <a:rPr lang="en-US" sz="3600" dirty="0"/>
-              <a:t>Use the right tool for the job. If you get stuck using the command line, you can use the console for hints. I like to use the command line for repeatable tasks.</a:t>
-            </a:r>
-          </a:p>
-        </p:txBody>
-      </p:sp>
-      <p:sp>
-        <p:nvSpPr>
-          <p:cNvPr id="5" name="Title 1">
-            <a:extLst>
-              <a:ext uri="{FF2B5EF4-FFF2-40B4-BE49-F238E27FC236}">
-                <a16:creationId xmlns:a16="http://schemas.microsoft.com/office/drawing/2014/main" id="{FAEA390D-F091-4B7A-A26D-3B27CC06DDEA}"/>
-              </a:ext>
-            </a:extLst>
-          </p:cNvPr>
-          <p:cNvSpPr>
-            <a:spLocks noGrp="1"/>
-          </p:cNvSpPr>
-          <p:nvPr>
-            <p:ph type="title"/>
-          </p:nvPr>
-        </p:nvSpPr>
-        <p:spPr>
-          <a:xfrm>
-            <a:off x="802972" y="495860"/>
-            <a:ext cx="10566400" cy="802002"/>
-          </a:xfrm>
-        </p:spPr>
-        <p:txBody>
-          <a:bodyPr/>
-          <a:lstStyle/>
-          <a:p>
-            <a:pPr algn="ctr"/>
-            <a:r>
-              <a:rPr lang="en-US" dirty="0"/>
-              <a:t>Tip</a:t>
-            </a:r>
-          </a:p>
-        </p:txBody>
-      </p:sp>
-    </p:spTree>
-    <p:extLst>
-      <p:ext uri="{BB962C8B-B14F-4D97-AF65-F5344CB8AC3E}">
-        <p14:creationId xmlns:p14="http://schemas.microsoft.com/office/powerpoint/2010/main" val="3888209031"/>
-      </p:ext>
-    </p:extLst>
-  </p:cSld>
-  <p:clrMapOvr>
-    <a:masterClrMapping/>
-  </p:clrMapOvr>
-  <mc:AlternateContent xmlns:mc="http://schemas.openxmlformats.org/markup-compatibility/2006" xmlns:p14="http://schemas.microsoft.com/office/powerpoint/2010/main">
-    <mc:Choice Requires="p14">
-      <p:transition spd="med" p14:dur="700">
-        <p:fade/>
-      </p:transition>
-    </mc:Choice>
-    <mc:Fallback xmlns="">
-      <p:transition spd="med">
-        <p:fade/>
-      </p:transition>
-    </mc:Fallback>
-  </mc:AlternateContent>
-</p:sld>
-</file>
-
-<file path=ppt/slides/slide14.xml><?xml version="1.0" encoding="utf-8"?>
-<p:sld xmlns:a="http://schemas.openxmlformats.org/drawingml/2006/main" xmlns:r="http://schemas.openxmlformats.org/officeDocument/2006/relationships" xmlns:p="http://schemas.openxmlformats.org/presentationml/2006/main">
-  <p:cSld>
-    <p:spTree>
-      <p:nvGrpSpPr>
-        <p:cNvPr id="1" name=""/>
-        <p:cNvGrpSpPr/>
-        <p:nvPr/>
-      </p:nvGrpSpPr>
-      <p:grpSpPr>
-        <a:xfrm>
-          <a:off x="0" y="0"/>
-          <a:ext cx="0" cy="0"/>
-          <a:chOff x="0" y="0"/>
-          <a:chExt cx="0" cy="0"/>
-        </a:xfrm>
-      </p:grpSpPr>
-      <p:sp>
-        <p:nvSpPr>
           <p:cNvPr id="2" name="Title 1">
             <a:extLst>
               <a:ext uri="{FF2B5EF4-FFF2-40B4-BE49-F238E27FC236}">
@@ -10026,7 +9762,159 @@
 </p:sld>
 </file>
 
-<file path=ppt/slides/slide15.xml><?xml version="1.0" encoding="utf-8"?>
+<file path=ppt/slides/slide13.xml><?xml version="1.0" encoding="utf-8"?>
+<p:sld xmlns:a="http://schemas.openxmlformats.org/drawingml/2006/main" xmlns:r="http://schemas.openxmlformats.org/officeDocument/2006/relationships" xmlns:p="http://schemas.openxmlformats.org/presentationml/2006/main">
+  <p:cSld>
+    <p:spTree>
+      <p:nvGrpSpPr>
+        <p:cNvPr id="1" name=""/>
+        <p:cNvGrpSpPr/>
+        <p:nvPr/>
+      </p:nvGrpSpPr>
+      <p:grpSpPr>
+        <a:xfrm>
+          <a:off x="0" y="0"/>
+          <a:ext cx="0" cy="0"/>
+          <a:chOff x="0" y="0"/>
+          <a:chExt cx="0" cy="0"/>
+        </a:xfrm>
+      </p:grpSpPr>
+      <p:sp>
+        <p:nvSpPr>
+          <p:cNvPr id="7" name="Title 1">
+            <a:extLst>
+              <a:ext uri="{FF2B5EF4-FFF2-40B4-BE49-F238E27FC236}">
+                <a16:creationId xmlns:a16="http://schemas.microsoft.com/office/drawing/2014/main" id="{D8A6AE9F-15C6-4D86-8B6F-FC975BD3ED10}"/>
+              </a:ext>
+            </a:extLst>
+          </p:cNvPr>
+          <p:cNvSpPr txBox="1">
+            <a:spLocks/>
+          </p:cNvSpPr>
+          <p:nvPr/>
+        </p:nvSpPr>
+        <p:spPr>
+          <a:xfrm>
+            <a:off x="802972" y="2236169"/>
+            <a:ext cx="10566400" cy="802002"/>
+          </a:xfrm>
+          <a:prstGeom prst="rect">
+            <a:avLst/>
+          </a:prstGeom>
+        </p:spPr>
+        <p:txBody>
+          <a:bodyPr vert="horz" lIns="91440" tIns="45720" rIns="91440" bIns="45720" rtlCol="0" anchor="b" anchorCtr="0">
+            <a:noAutofit/>
+          </a:bodyPr>
+          <a:lstStyle>
+            <a:lvl1pPr algn="ctr" defTabSz="914400" rtl="0" eaLnBrk="1" latinLnBrk="0" hangingPunct="1">
+              <a:spcBef>
+                <a:spcPct val="0"/>
+              </a:spcBef>
+              <a:buNone/>
+              <a:defRPr sz="4400" b="1" kern="1200" cap="all" spc="50" baseline="0">
+                <a:solidFill>
+                  <a:schemeClr val="tx2">
+                    <a:lumMod val="50000"/>
+                  </a:schemeClr>
+                </a:solidFill>
+                <a:effectLst/>
+                <a:latin typeface="+mj-lt"/>
+                <a:ea typeface="+mj-ea"/>
+                <a:cs typeface="+mj-cs"/>
+              </a:defRPr>
+            </a:lvl1pPr>
+            <a:lvl2pPr eaLnBrk="1" hangingPunct="1">
+              <a:defRPr>
+                <a:solidFill>
+                  <a:schemeClr val="tx2"/>
+                </a:solidFill>
+              </a:defRPr>
+            </a:lvl2pPr>
+            <a:lvl3pPr eaLnBrk="1" hangingPunct="1">
+              <a:defRPr>
+                <a:solidFill>
+                  <a:schemeClr val="tx2"/>
+                </a:solidFill>
+              </a:defRPr>
+            </a:lvl3pPr>
+            <a:lvl4pPr eaLnBrk="1" hangingPunct="1">
+              <a:defRPr>
+                <a:solidFill>
+                  <a:schemeClr val="tx2"/>
+                </a:solidFill>
+              </a:defRPr>
+            </a:lvl4pPr>
+            <a:lvl5pPr eaLnBrk="1" hangingPunct="1">
+              <a:defRPr>
+                <a:solidFill>
+                  <a:schemeClr val="tx2"/>
+                </a:solidFill>
+              </a:defRPr>
+            </a:lvl5pPr>
+            <a:lvl6pPr eaLnBrk="1" hangingPunct="1">
+              <a:defRPr>
+                <a:solidFill>
+                  <a:schemeClr val="tx2"/>
+                </a:solidFill>
+              </a:defRPr>
+            </a:lvl6pPr>
+            <a:lvl7pPr eaLnBrk="1" hangingPunct="1">
+              <a:defRPr>
+                <a:solidFill>
+                  <a:schemeClr val="tx2"/>
+                </a:solidFill>
+              </a:defRPr>
+            </a:lvl7pPr>
+            <a:lvl8pPr eaLnBrk="1" hangingPunct="1">
+              <a:defRPr>
+                <a:solidFill>
+                  <a:schemeClr val="tx2"/>
+                </a:solidFill>
+              </a:defRPr>
+            </a:lvl8pPr>
+            <a:lvl9pPr eaLnBrk="1" hangingPunct="1">
+              <a:defRPr>
+                <a:solidFill>
+                  <a:schemeClr val="tx2"/>
+                </a:solidFill>
+              </a:defRPr>
+            </a:lvl9pPr>
+          </a:lstStyle>
+          <a:p>
+            <a:r>
+              <a:rPr lang="en-US" dirty="0"/>
+              <a:t>Demo</a:t>
+            </a:r>
+          </a:p>
+        </p:txBody>
+      </p:sp>
+    </p:spTree>
+    <p:extLst>
+      <p:ext uri="{BB962C8B-B14F-4D97-AF65-F5344CB8AC3E}">
+        <p14:creationId xmlns:p14="http://schemas.microsoft.com/office/powerpoint/2010/main" val="4279752589"/>
+      </p:ext>
+    </p:extLst>
+  </p:cSld>
+  <p:clrMapOvr>
+    <a:masterClrMapping/>
+  </p:clrMapOvr>
+  <mc:AlternateContent xmlns:mc="http://schemas.openxmlformats.org/markup-compatibility/2006" xmlns:p14="http://schemas.microsoft.com/office/powerpoint/2010/main">
+    <mc:Choice Requires="p14">
+      <p:transition spd="med" p14:dur="700">
+        <p:fade/>
+      </p:transition>
+    </mc:Choice>
+    <mc:Fallback xmlns="">
+      <p:transition spd="med">
+        <p:fade/>
+      </p:transition>
+    </mc:Fallback>
+  </mc:AlternateContent>
+</p:sld>
+</file>
+
+<file path=ppt/slides/slide14.xml><?xml version="1.0" encoding="utf-8"?>
 <p:sld xmlns:a="http://schemas.openxmlformats.org/drawingml/2006/main" xmlns:r="http://schemas.openxmlformats.org/officeDocument/2006/relationships" xmlns:p="http://schemas.openxmlformats.org/presentationml/2006/main">
   <p:cSld>
     <p:spTree>
@@ -10315,7 +10203,7 @@
 </p:sld>
 </file>
 
-<file path=ppt/slides/slide16.xml><?xml version="1.0" encoding="utf-8"?>
+<file path=ppt/slides/slide15.xml><?xml version="1.0" encoding="utf-8"?>
 <p:sld xmlns:a="http://schemas.openxmlformats.org/drawingml/2006/main" xmlns:r="http://schemas.openxmlformats.org/officeDocument/2006/relationships" xmlns:p="http://schemas.openxmlformats.org/presentationml/2006/main">
   <p:cSld>
     <p:spTree>
@@ -10357,7 +10245,7 @@
 </p:sld>
 </file>
 
-<file path=ppt/slides/slide17.xml><?xml version="1.0" encoding="utf-8"?>
+<file path=ppt/slides/slide16.xml><?xml version="1.0" encoding="utf-8"?>
 <p:sld xmlns:a="http://schemas.openxmlformats.org/drawingml/2006/main" xmlns:r="http://schemas.openxmlformats.org/officeDocument/2006/relationships" xmlns:p="http://schemas.openxmlformats.org/presentationml/2006/main">
   <p:cSld>
     <p:spTree>
@@ -10399,7 +10287,7 @@
 </p:sld>
 </file>
 
-<file path=ppt/slides/slide18.xml><?xml version="1.0" encoding="utf-8"?>
+<file path=ppt/slides/slide17.xml><?xml version="1.0" encoding="utf-8"?>
 <p:sld xmlns:a="http://schemas.openxmlformats.org/drawingml/2006/main" xmlns:r="http://schemas.openxmlformats.org/officeDocument/2006/relationships" xmlns:p="http://schemas.openxmlformats.org/presentationml/2006/main">
   <p:cSld>
     <p:spTree>
@@ -10484,7 +10372,7 @@
 </p:sld>
 </file>
 
-<file path=ppt/slides/slide19.xml><?xml version="1.0" encoding="utf-8"?>
+<file path=ppt/slides/slide18.xml><?xml version="1.0" encoding="utf-8"?>
 <p:sld xmlns:a="http://schemas.openxmlformats.org/drawingml/2006/main" xmlns:r="http://schemas.openxmlformats.org/officeDocument/2006/relationships" xmlns:p="http://schemas.openxmlformats.org/presentationml/2006/main">
   <p:cSld>
     <p:spTree>
@@ -10551,6 +10439,121 @@
     <p:extLst>
       <p:ext uri="{BB962C8B-B14F-4D97-AF65-F5344CB8AC3E}">
         <p14:creationId xmlns:p14="http://schemas.microsoft.com/office/powerpoint/2010/main" val="890818756"/>
+      </p:ext>
+    </p:extLst>
+  </p:cSld>
+  <p:clrMapOvr>
+    <a:masterClrMapping/>
+  </p:clrMapOvr>
+  <mc:AlternateContent xmlns:mc="http://schemas.openxmlformats.org/markup-compatibility/2006" xmlns:p14="http://schemas.microsoft.com/office/powerpoint/2010/main">
+    <mc:Choice Requires="p14">
+      <p:transition spd="med" p14:dur="700">
+        <p:fade/>
+      </p:transition>
+    </mc:Choice>
+    <mc:Fallback xmlns="">
+      <p:transition spd="med">
+        <p:fade/>
+      </p:transition>
+    </mc:Fallback>
+  </mc:AlternateContent>
+</p:sld>
+</file>
+
+<file path=ppt/slides/slide19.xml><?xml version="1.0" encoding="utf-8"?>
+<p:sld xmlns:a="http://schemas.openxmlformats.org/drawingml/2006/main" xmlns:r="http://schemas.openxmlformats.org/officeDocument/2006/relationships" xmlns:p="http://schemas.openxmlformats.org/presentationml/2006/main">
+  <p:cSld>
+    <p:spTree>
+      <p:nvGrpSpPr>
+        <p:cNvPr id="1" name=""/>
+        <p:cNvGrpSpPr/>
+        <p:nvPr/>
+      </p:nvGrpSpPr>
+      <p:grpSpPr>
+        <a:xfrm>
+          <a:off x="0" y="0"/>
+          <a:ext cx="0" cy="0"/>
+          <a:chOff x="0" y="0"/>
+          <a:chExt cx="0" cy="0"/>
+        </a:xfrm>
+      </p:grpSpPr>
+      <p:sp>
+        <p:nvSpPr>
+          <p:cNvPr id="13" name="Title 12"/>
+          <p:cNvSpPr>
+            <a:spLocks noGrp="1"/>
+          </p:cNvSpPr>
+          <p:nvPr>
+            <p:ph type="title"/>
+          </p:nvPr>
+        </p:nvSpPr>
+        <p:spPr/>
+        <p:txBody>
+          <a:bodyPr/>
+          <a:lstStyle/>
+          <a:p>
+            <a:r>
+              <a:rPr lang="en-US" dirty="0"/>
+              <a:t>Title and Content Layout with List</a:t>
+            </a:r>
+          </a:p>
+        </p:txBody>
+      </p:sp>
+      <p:sp>
+        <p:nvSpPr>
+          <p:cNvPr id="14" name="Content Placeholder 13"/>
+          <p:cNvSpPr>
+            <a:spLocks noGrp="1"/>
+          </p:cNvSpPr>
+          <p:nvPr>
+            <p:ph sz="quarter" idx="13"/>
+          </p:nvPr>
+        </p:nvSpPr>
+        <p:spPr/>
+        <p:txBody>
+          <a:bodyPr/>
+          <a:lstStyle/>
+          <a:p>
+            <a:pPr lvl="0"/>
+            <a:r>
+              <a:rPr lang="en-US" dirty="0"/>
+              <a:t>Click to edit Master text styles</a:t>
+            </a:r>
+          </a:p>
+          <a:p>
+            <a:pPr lvl="1"/>
+            <a:r>
+              <a:rPr lang="en-US" dirty="0"/>
+              <a:t>Second level</a:t>
+            </a:r>
+          </a:p>
+          <a:p>
+            <a:pPr lvl="2"/>
+            <a:r>
+              <a:rPr lang="en-US" dirty="0"/>
+              <a:t>Third level</a:t>
+            </a:r>
+          </a:p>
+          <a:p>
+            <a:pPr lvl="3"/>
+            <a:r>
+              <a:rPr lang="en-US" dirty="0"/>
+              <a:t>Fourth level</a:t>
+            </a:r>
+          </a:p>
+          <a:p>
+            <a:pPr lvl="4"/>
+            <a:r>
+              <a:rPr lang="en-US" dirty="0"/>
+              <a:t>Fifth level</a:t>
+            </a:r>
+          </a:p>
+        </p:txBody>
+      </p:sp>
+    </p:spTree>
+    <p:extLst>
+      <p:ext uri="{BB962C8B-B14F-4D97-AF65-F5344CB8AC3E}">
+        <p14:creationId xmlns:p14="http://schemas.microsoft.com/office/powerpoint/2010/main" val="1030499500"/>
       </p:ext>
     </p:extLst>
   </p:cSld>
@@ -10970,121 +10973,6 @@
       </p:grpSpPr>
       <p:sp>
         <p:nvSpPr>
-          <p:cNvPr id="13" name="Title 12"/>
-          <p:cNvSpPr>
-            <a:spLocks noGrp="1"/>
-          </p:cNvSpPr>
-          <p:nvPr>
-            <p:ph type="title"/>
-          </p:nvPr>
-        </p:nvSpPr>
-        <p:spPr/>
-        <p:txBody>
-          <a:bodyPr/>
-          <a:lstStyle/>
-          <a:p>
-            <a:r>
-              <a:rPr lang="en-US" dirty="0"/>
-              <a:t>Title and Content Layout with List</a:t>
-            </a:r>
-          </a:p>
-        </p:txBody>
-      </p:sp>
-      <p:sp>
-        <p:nvSpPr>
-          <p:cNvPr id="14" name="Content Placeholder 13"/>
-          <p:cNvSpPr>
-            <a:spLocks noGrp="1"/>
-          </p:cNvSpPr>
-          <p:nvPr>
-            <p:ph sz="quarter" idx="13"/>
-          </p:nvPr>
-        </p:nvSpPr>
-        <p:spPr/>
-        <p:txBody>
-          <a:bodyPr/>
-          <a:lstStyle/>
-          <a:p>
-            <a:pPr lvl="0"/>
-            <a:r>
-              <a:rPr lang="en-US" dirty="0"/>
-              <a:t>Click to edit Master text styles</a:t>
-            </a:r>
-          </a:p>
-          <a:p>
-            <a:pPr lvl="1"/>
-            <a:r>
-              <a:rPr lang="en-US" dirty="0"/>
-              <a:t>Second level</a:t>
-            </a:r>
-          </a:p>
-          <a:p>
-            <a:pPr lvl="2"/>
-            <a:r>
-              <a:rPr lang="en-US" dirty="0"/>
-              <a:t>Third level</a:t>
-            </a:r>
-          </a:p>
-          <a:p>
-            <a:pPr lvl="3"/>
-            <a:r>
-              <a:rPr lang="en-US" dirty="0"/>
-              <a:t>Fourth level</a:t>
-            </a:r>
-          </a:p>
-          <a:p>
-            <a:pPr lvl="4"/>
-            <a:r>
-              <a:rPr lang="en-US" dirty="0"/>
-              <a:t>Fifth level</a:t>
-            </a:r>
-          </a:p>
-        </p:txBody>
-      </p:sp>
-    </p:spTree>
-    <p:extLst>
-      <p:ext uri="{BB962C8B-B14F-4D97-AF65-F5344CB8AC3E}">
-        <p14:creationId xmlns:p14="http://schemas.microsoft.com/office/powerpoint/2010/main" val="1030499500"/>
-      </p:ext>
-    </p:extLst>
-  </p:cSld>
-  <p:clrMapOvr>
-    <a:masterClrMapping/>
-  </p:clrMapOvr>
-  <mc:AlternateContent xmlns:mc="http://schemas.openxmlformats.org/markup-compatibility/2006" xmlns:p14="http://schemas.microsoft.com/office/powerpoint/2010/main">
-    <mc:Choice Requires="p14">
-      <p:transition spd="med" p14:dur="700">
-        <p:fade/>
-      </p:transition>
-    </mc:Choice>
-    <mc:Fallback xmlns="">
-      <p:transition spd="med">
-        <p:fade/>
-      </p:transition>
-    </mc:Fallback>
-  </mc:AlternateContent>
-</p:sld>
-</file>
-
-<file path=ppt/slides/slide21.xml><?xml version="1.0" encoding="utf-8"?>
-<p:sld xmlns:a="http://schemas.openxmlformats.org/drawingml/2006/main" xmlns:r="http://schemas.openxmlformats.org/officeDocument/2006/relationships" xmlns:p="http://schemas.openxmlformats.org/presentationml/2006/main">
-  <p:cSld>
-    <p:spTree>
-      <p:nvGrpSpPr>
-        <p:cNvPr id="1" name=""/>
-        <p:cNvGrpSpPr/>
-        <p:nvPr/>
-      </p:nvGrpSpPr>
-      <p:grpSpPr>
-        <a:xfrm>
-          <a:off x="0" y="0"/>
-          <a:ext cx="0" cy="0"/>
-          <a:chOff x="0" y="0"/>
-          <a:chExt cx="0" cy="0"/>
-        </a:xfrm>
-      </p:grpSpPr>
-      <p:sp>
-        <p:nvSpPr>
           <p:cNvPr id="2" name="Title 1"/>
           <p:cNvSpPr>
             <a:spLocks noGrp="1"/>
@@ -11155,7 +11043,7 @@
 </p:sld>
 </file>
 
-<file path=ppt/slides/slide22.xml><?xml version="1.0" encoding="utf-8"?>
+<file path=ppt/slides/slide21.xml><?xml version="1.0" encoding="utf-8"?>
 <p:sld xmlns:a="http://schemas.openxmlformats.org/drawingml/2006/main" xmlns:r="http://schemas.openxmlformats.org/officeDocument/2006/relationships" xmlns:p="http://schemas.openxmlformats.org/presentationml/2006/main">
   <p:cSld>
     <p:spTree>
@@ -11498,7 +11386,7 @@
 </p:sld>
 </file>
 
-<file path=ppt/slides/slide23.xml><?xml version="1.0" encoding="utf-8"?>
+<file path=ppt/slides/slide22.xml><?xml version="1.0" encoding="utf-8"?>
 <p:sld xmlns:a="http://schemas.openxmlformats.org/drawingml/2006/main" xmlns:r="http://schemas.openxmlformats.org/officeDocument/2006/relationships" xmlns:p="http://schemas.openxmlformats.org/presentationml/2006/main">
   <p:cSld>
     <p:spTree>
@@ -12888,40 +12776,79 @@
           <a:chExt cx="0" cy="0"/>
         </a:xfrm>
       </p:grpSpPr>
-      <p:pic>
-        <p:nvPicPr>
-          <p:cNvPr id="3" name="Picture 2">
+      <p:sp>
+        <p:nvSpPr>
+          <p:cNvPr id="3" name="Content Placeholder 2">
             <a:extLst>
               <a:ext uri="{FF2B5EF4-FFF2-40B4-BE49-F238E27FC236}">
-                <a16:creationId xmlns:a16="http://schemas.microsoft.com/office/drawing/2014/main" id="{2165BD4F-8AB6-4196-9EC6-6A117B1D9A60}"/>
+                <a16:creationId xmlns:a16="http://schemas.microsoft.com/office/drawing/2014/main" id="{F10C851C-F17E-4808-B6C8-77C2269856B3}"/>
               </a:ext>
             </a:extLst>
           </p:cNvPr>
-          <p:cNvPicPr>
-            <a:picLocks noChangeAspect="1"/>
-          </p:cNvPicPr>
-          <p:nvPr/>
-        </p:nvPicPr>
-        <p:blipFill>
-          <a:blip r:embed="rId2"/>
-          <a:stretch>
-            <a:fillRect/>
-          </a:stretch>
-        </p:blipFill>
+          <p:cNvSpPr>
+            <a:spLocks noGrp="1"/>
+          </p:cNvSpPr>
+          <p:nvPr>
+            <p:ph sz="quarter" idx="13"/>
+          </p:nvPr>
+        </p:nvSpPr>
         <p:spPr>
           <a:xfrm>
-            <a:off x="1254883" y="1257284"/>
-            <a:ext cx="9682233" cy="4343432"/>
+            <a:off x="812800" y="1814051"/>
+            <a:ext cx="10566400" cy="2160639"/>
           </a:xfrm>
-          <a:prstGeom prst="rect">
-            <a:avLst/>
-          </a:prstGeom>
         </p:spPr>
-      </p:pic>
+        <p:txBody>
+          <a:bodyPr>
+            <a:noAutofit/>
+          </a:bodyPr>
+          <a:lstStyle/>
+          <a:p>
+            <a:r>
+              <a:rPr lang="en-US" sz="3600" dirty="0"/>
+              <a:t>Use the right tool for the job. If you get stuck using the command line, you can use the console for hints. I like to use the command line for repeatable tasks.</a:t>
+            </a:r>
+          </a:p>
+        </p:txBody>
+      </p:sp>
+      <p:sp>
+        <p:nvSpPr>
+          <p:cNvPr id="5" name="Title 1">
+            <a:extLst>
+              <a:ext uri="{FF2B5EF4-FFF2-40B4-BE49-F238E27FC236}">
+                <a16:creationId xmlns:a16="http://schemas.microsoft.com/office/drawing/2014/main" id="{28609C9A-C571-4E19-A80C-58109FA9F88C}"/>
+              </a:ext>
+            </a:extLst>
+          </p:cNvPr>
+          <p:cNvSpPr>
+            <a:spLocks noGrp="1"/>
+          </p:cNvSpPr>
+          <p:nvPr>
+            <p:ph type="title"/>
+          </p:nvPr>
+        </p:nvSpPr>
+        <p:spPr>
+          <a:xfrm>
+            <a:off x="802972" y="613847"/>
+            <a:ext cx="10566400" cy="802002"/>
+          </a:xfrm>
+        </p:spPr>
+        <p:txBody>
+          <a:bodyPr/>
+          <a:lstStyle/>
+          <a:p>
+            <a:pPr algn="ctr"/>
+            <a:r>
+              <a:rPr lang="en-US" dirty="0"/>
+              <a:t>Tips</a:t>
+            </a:r>
+          </a:p>
+        </p:txBody>
+      </p:sp>
     </p:spTree>
     <p:extLst>
       <p:ext uri="{BB962C8B-B14F-4D97-AF65-F5344CB8AC3E}">
-        <p14:creationId xmlns:p14="http://schemas.microsoft.com/office/powerpoint/2010/main" val="4079847625"/>
+        <p14:creationId xmlns:p14="http://schemas.microsoft.com/office/powerpoint/2010/main" val="1551869303"/>
       </p:ext>
     </p:extLst>
   </p:cSld>
@@ -12962,10 +12889,10 @@
       </p:grpSpPr>
       <p:pic>
         <p:nvPicPr>
-          <p:cNvPr id="2" name="Picture 1">
+          <p:cNvPr id="3" name="Picture 2">
             <a:extLst>
               <a:ext uri="{FF2B5EF4-FFF2-40B4-BE49-F238E27FC236}">
-                <a16:creationId xmlns:a16="http://schemas.microsoft.com/office/drawing/2014/main" id="{D9BE62EB-9979-4CE9-A38C-ECA5658342D5}"/>
+                <a16:creationId xmlns:a16="http://schemas.microsoft.com/office/drawing/2014/main" id="{6AE48C0C-4A6B-4658-8973-D1F96A2C62A2}"/>
               </a:ext>
             </a:extLst>
           </p:cNvPr>
@@ -12982,8 +12909,8 @@
         </p:blipFill>
         <p:spPr>
           <a:xfrm>
-            <a:off x="985837" y="366712"/>
-            <a:ext cx="10220325" cy="6124575"/>
+            <a:off x="1715075" y="210588"/>
+            <a:ext cx="8761850" cy="6506095"/>
           </a:xfrm>
           <a:prstGeom prst="rect">
             <a:avLst/>
@@ -13032,79 +12959,40 @@
           <a:chExt cx="0" cy="0"/>
         </a:xfrm>
       </p:grpSpPr>
-      <p:sp>
-        <p:nvSpPr>
-          <p:cNvPr id="3" name="Content Placeholder 2">
+      <p:pic>
+        <p:nvPicPr>
+          <p:cNvPr id="3" name="Picture 2">
             <a:extLst>
               <a:ext uri="{FF2B5EF4-FFF2-40B4-BE49-F238E27FC236}">
-                <a16:creationId xmlns:a16="http://schemas.microsoft.com/office/drawing/2014/main" id="{F10C851C-F17E-4808-B6C8-77C2269856B3}"/>
+                <a16:creationId xmlns:a16="http://schemas.microsoft.com/office/drawing/2014/main" id="{2165BD4F-8AB6-4196-9EC6-6A117B1D9A60}"/>
               </a:ext>
             </a:extLst>
           </p:cNvPr>
-          <p:cNvSpPr>
-            <a:spLocks noGrp="1"/>
-          </p:cNvSpPr>
-          <p:nvPr>
-            <p:ph sz="quarter" idx="13"/>
-          </p:nvPr>
-        </p:nvSpPr>
+          <p:cNvPicPr>
+            <a:picLocks noChangeAspect="1"/>
+          </p:cNvPicPr>
+          <p:nvPr/>
+        </p:nvPicPr>
+        <p:blipFill>
+          <a:blip r:embed="rId2"/>
+          <a:stretch>
+            <a:fillRect/>
+          </a:stretch>
+        </p:blipFill>
         <p:spPr>
           <a:xfrm>
-            <a:off x="812800" y="1814051"/>
-            <a:ext cx="10566400" cy="2160639"/>
+            <a:off x="1254883" y="1257284"/>
+            <a:ext cx="9682233" cy="4343432"/>
           </a:xfrm>
+          <a:prstGeom prst="rect">
+            <a:avLst/>
+          </a:prstGeom>
         </p:spPr>
-        <p:txBody>
-          <a:bodyPr>
-            <a:noAutofit/>
-          </a:bodyPr>
-          <a:lstStyle/>
-          <a:p>
-            <a:r>
-              <a:rPr lang="en-US" sz="3600" dirty="0"/>
-              <a:t>Use the right tool for the job. If you get stuck using the command line, you can use the console for hints. I like to use the command line for repeatable tasks.</a:t>
-            </a:r>
-          </a:p>
-        </p:txBody>
-      </p:sp>
-      <p:sp>
-        <p:nvSpPr>
-          <p:cNvPr id="5" name="Title 1">
-            <a:extLst>
-              <a:ext uri="{FF2B5EF4-FFF2-40B4-BE49-F238E27FC236}">
-                <a16:creationId xmlns:a16="http://schemas.microsoft.com/office/drawing/2014/main" id="{28609C9A-C571-4E19-A80C-58109FA9F88C}"/>
-              </a:ext>
-            </a:extLst>
-          </p:cNvPr>
-          <p:cNvSpPr>
-            <a:spLocks noGrp="1"/>
-          </p:cNvSpPr>
-          <p:nvPr>
-            <p:ph type="title"/>
-          </p:nvPr>
-        </p:nvSpPr>
-        <p:spPr>
-          <a:xfrm>
-            <a:off x="802972" y="613847"/>
-            <a:ext cx="10566400" cy="802002"/>
-          </a:xfrm>
-        </p:spPr>
-        <p:txBody>
-          <a:bodyPr/>
-          <a:lstStyle/>
-          <a:p>
-            <a:pPr algn="ctr"/>
-            <a:r>
-              <a:rPr lang="en-US" dirty="0"/>
-              <a:t>Tips</a:t>
-            </a:r>
-          </a:p>
-        </p:txBody>
-      </p:sp>
+      </p:pic>
     </p:spTree>
     <p:extLst>
       <p:ext uri="{BB962C8B-B14F-4D97-AF65-F5344CB8AC3E}">
-        <p14:creationId xmlns:p14="http://schemas.microsoft.com/office/powerpoint/2010/main" val="1551869303"/>
+        <p14:creationId xmlns:p14="http://schemas.microsoft.com/office/powerpoint/2010/main" val="4079847625"/>
       </p:ext>
     </p:extLst>
   </p:cSld>
@@ -14326,15 +14214,6 @@
 </file>
 
 <file path=customXml/item1.xml><?xml version="1.0" encoding="utf-8"?>
-<?mso-contentType ?>
-<FormTemplates xmlns="http://schemas.microsoft.com/sharepoint/v3/contenttype/forms">
-  <Display>DocumentLibraryForm</Display>
-  <Edit>DocumentLibraryForm</Edit>
-  <New>DocumentLibraryForm</New>
-</FormTemplates>
-</file>
-
-<file path=customXml/item2.xml><?xml version="1.0" encoding="utf-8"?>
 <p:properties xmlns:p="http://schemas.microsoft.com/office/2006/metadata/properties" xmlns:xsi="http://www.w3.org/2001/XMLSchema-instance" xmlns:pc="http://schemas.microsoft.com/office/infopath/2007/PartnerControls">
   <documentManagement>
     <VSO_x0020_item_x0020_id xmlns="40262f94-9f35-4ac3-9a90-690165a166b7" xsi:nil="true"/>
@@ -14343,6 +14222,15 @@
     <Template_x0020_details xmlns="40262f94-9f35-4ac3-9a90-690165a166b7" xsi:nil="true"/>
   </documentManagement>
 </p:properties>
+</file>
+
+<file path=customXml/item2.xml><?xml version="1.0" encoding="utf-8"?>
+<?mso-contentType ?>
+<FormTemplates xmlns="http://schemas.microsoft.com/sharepoint/v3/contenttype/forms">
+  <Display>DocumentLibraryForm</Display>
+  <Edit>DocumentLibraryForm</Edit>
+  <New>DocumentLibraryForm</New>
+</FormTemplates>
 </file>
 
 <file path=customXml/item3.xml><?xml version="1.0" encoding="utf-8"?>
@@ -14527,14 +14415,6 @@
 </file>
 
 <file path=customXml/itemProps1.xml><?xml version="1.0" encoding="utf-8"?>
-<ds:datastoreItem xmlns:ds="http://schemas.openxmlformats.org/officeDocument/2006/customXml" ds:itemID="{BED6C63E-22D9-40FD-AF90-6F5632A4309F}">
-  <ds:schemaRefs>
-    <ds:schemaRef ds:uri="http://schemas.microsoft.com/sharepoint/v3/contenttype/forms"/>
-  </ds:schemaRefs>
-</ds:datastoreItem>
-</file>
-
-<file path=customXml/itemProps2.xml><?xml version="1.0" encoding="utf-8"?>
 <ds:datastoreItem xmlns:ds="http://schemas.openxmlformats.org/officeDocument/2006/customXml" ds:itemID="{28DC6412-8CE7-4C8A-96E9-2669F16D17E8}">
   <ds:schemaRefs>
     <ds:schemaRef ds:uri="http://schemas.microsoft.com/office/2006/metadata/properties"/>
@@ -14547,6 +14427,14 @@
     <ds:schemaRef ds:uri="a4f35948-e619-41b3-aa29-22878b09cfd2"/>
     <ds:schemaRef ds:uri="http://www.w3.org/XML/1998/namespace"/>
     <ds:schemaRef ds:uri="http://purl.org/dc/dcmitype/"/>
+  </ds:schemaRefs>
+</ds:datastoreItem>
+</file>
+
+<file path=customXml/itemProps2.xml><?xml version="1.0" encoding="utf-8"?>
+<ds:datastoreItem xmlns:ds="http://schemas.openxmlformats.org/officeDocument/2006/customXml" ds:itemID="{BED6C63E-22D9-40FD-AF90-6F5632A4309F}">
+  <ds:schemaRefs>
+    <ds:schemaRef ds:uri="http://schemas.microsoft.com/sharepoint/v3/contenttype/forms"/>
   </ds:schemaRefs>
 </ds:datastoreItem>
 </file>

--- a/jaws.pptx
+++ b/jaws.pptx
@@ -5,10 +5,10 @@
     <p:sldMasterId id="2147483756" r:id="rId4"/>
   </p:sldMasterIdLst>
   <p:notesMasterIdLst>
-    <p:notesMasterId r:id="rId27"/>
+    <p:notesMasterId r:id="rId28"/>
   </p:notesMasterIdLst>
   <p:handoutMasterIdLst>
-    <p:handoutMasterId r:id="rId28"/>
+    <p:handoutMasterId r:id="rId29"/>
   </p:handoutMasterIdLst>
   <p:sldIdLst>
     <p:sldId id="259" r:id="rId5"/>
@@ -23,16 +23,17 @@
     <p:sldId id="267" r:id="rId14"/>
     <p:sldId id="276" r:id="rId15"/>
     <p:sldId id="283" r:id="rId16"/>
-    <p:sldId id="270" r:id="rId17"/>
+    <p:sldId id="285" r:id="rId17"/>
     <p:sldId id="284" r:id="rId18"/>
     <p:sldId id="278" r:id="rId19"/>
-    <p:sldId id="279" r:id="rId20"/>
-    <p:sldId id="272" r:id="rId21"/>
-    <p:sldId id="271" r:id="rId22"/>
-    <p:sldId id="269" r:id="rId23"/>
-    <p:sldId id="261" r:id="rId24"/>
-    <p:sldId id="262" r:id="rId25"/>
-    <p:sldId id="263" r:id="rId26"/>
+    <p:sldId id="270" r:id="rId20"/>
+    <p:sldId id="279" r:id="rId21"/>
+    <p:sldId id="272" r:id="rId22"/>
+    <p:sldId id="271" r:id="rId23"/>
+    <p:sldId id="269" r:id="rId24"/>
+    <p:sldId id="261" r:id="rId25"/>
+    <p:sldId id="262" r:id="rId26"/>
+    <p:sldId id="263" r:id="rId27"/>
   </p:sldIdLst>
   <p:sldSz cx="12192000" cy="6858000"/>
   <p:notesSz cx="6858000" cy="9144000"/>
@@ -4381,7 +4382,7 @@
           <a:p>
             <a:fld id="{50FABAFA-9D90-4B6C-95A1-503043E46FAB}" type="datetimeFigureOut">
               <a:rPr lang="en-US" smtClean="0"/>
-              <a:t>1/22/2019</a:t>
+              <a:t>2/8/2019</a:t>
             </a:fld>
             <a:endParaRPr lang="en-US"/>
           </a:p>
@@ -4546,7 +4547,7 @@
           <a:p>
             <a:fld id="{AC15EB1F-8DE4-48C3-A804-A05846A4049F}" type="datetimeFigureOut">
               <a:rPr lang="en-US" smtClean="0"/>
-              <a:t>1/22/2019</a:t>
+              <a:t>2/8/2019</a:t>
             </a:fld>
             <a:endParaRPr lang="en-US"/>
           </a:p>
@@ -4962,7 +4963,7 @@
           <a:p>
             <a:fld id="{8AD115C9-E24C-4512-AA8B-319BB49F77B5}" type="slidenum">
               <a:rPr lang="en-US" smtClean="0"/>
-              <a:t>13</a:t>
+              <a:t>14</a:t>
             </a:fld>
             <a:endParaRPr lang="en-US"/>
           </a:p>
@@ -4971,7 +4972,7 @@
     </p:spTree>
     <p:extLst>
       <p:ext uri="{BB962C8B-B14F-4D97-AF65-F5344CB8AC3E}">
-        <p14:creationId xmlns:p14="http://schemas.microsoft.com/office/powerpoint/2010/main" val="1289799364"/>
+        <p14:creationId xmlns:p14="http://schemas.microsoft.com/office/powerpoint/2010/main" val="2541069307"/>
       </p:ext>
     </p:extLst>
   </p:cSld>
@@ -5046,7 +5047,7 @@
           <a:p>
             <a:fld id="{8AD115C9-E24C-4512-AA8B-319BB49F77B5}" type="slidenum">
               <a:rPr lang="en-US" smtClean="0"/>
-              <a:t>14</a:t>
+              <a:t>16</a:t>
             </a:fld>
             <a:endParaRPr lang="en-US"/>
           </a:p>
@@ -5055,7 +5056,7 @@
     </p:spTree>
     <p:extLst>
       <p:ext uri="{BB962C8B-B14F-4D97-AF65-F5344CB8AC3E}">
-        <p14:creationId xmlns:p14="http://schemas.microsoft.com/office/powerpoint/2010/main" val="2541069307"/>
+        <p14:creationId xmlns:p14="http://schemas.microsoft.com/office/powerpoint/2010/main" val="1289799364"/>
       </p:ext>
     </p:extLst>
   </p:cSld>
@@ -5306,7 +5307,7 @@
           <a:p>
             <a:fld id="{CE5E0A0C-FFF2-4105-9F07-796FCC3D8DE3}" type="datetime1">
               <a:rPr lang="en-US" smtClean="0"/>
-              <a:t>1/22/2019</a:t>
+              <a:t>2/8/2019</a:t>
             </a:fld>
             <a:endParaRPr lang="en-US"/>
           </a:p>
@@ -5532,7 +5533,7 @@
           <a:p>
             <a:fld id="{4A5D68D4-D432-4190-8060-492B59F98A87}" type="datetime1">
               <a:rPr lang="en-US" smtClean="0"/>
-              <a:t>1/22/2019</a:t>
+              <a:t>2/8/2019</a:t>
             </a:fld>
             <a:endParaRPr lang="en-US"/>
           </a:p>
@@ -5768,7 +5769,7 @@
           <a:p>
             <a:fld id="{5AF4EF83-7D73-495D-9915-41737B990DFC}" type="datetime1">
               <a:rPr lang="en-US" smtClean="0"/>
-              <a:t>1/22/2019</a:t>
+              <a:t>2/8/2019</a:t>
             </a:fld>
             <a:endParaRPr lang="en-US"/>
           </a:p>
@@ -6105,7 +6106,7 @@
           <a:p>
             <a:fld id="{73DF2905-D7E2-4171-961B-8EB802C66F9A}" type="datetime1">
               <a:rPr lang="en-US" smtClean="0"/>
-              <a:t>1/22/2019</a:t>
+              <a:t>2/8/2019</a:t>
             </a:fld>
             <a:endParaRPr lang="en-US"/>
           </a:p>
@@ -6368,7 +6369,7 @@
           <a:p>
             <a:fld id="{82C1B47C-16BC-4A9F-9E6E-9D1F33DC8ABD}" type="datetime1">
               <a:rPr lang="en-US" smtClean="0"/>
-              <a:t>1/22/2019</a:t>
+              <a:t>2/8/2019</a:t>
             </a:fld>
             <a:endParaRPr lang="en-US"/>
           </a:p>
@@ -6784,7 +6785,7 @@
           <a:p>
             <a:fld id="{0C073DF2-DD31-447B-89F4-CEF82A94D7A7}" type="datetime1">
               <a:rPr lang="en-US" smtClean="0"/>
-              <a:t>1/22/2019</a:t>
+              <a:t>2/8/2019</a:t>
             </a:fld>
             <a:endParaRPr lang="en-US"/>
           </a:p>
@@ -7316,7 +7317,7 @@
           <a:p>
             <a:fld id="{1551BB0C-CFA8-4A1F-9AAE-D6B32E8256E7}" type="datetime1">
               <a:rPr lang="en-US" smtClean="0"/>
-              <a:t>1/22/2019</a:t>
+              <a:t>2/8/2019</a:t>
             </a:fld>
             <a:endParaRPr lang="en-US"/>
           </a:p>
@@ -7454,7 +7455,7 @@
           <a:p>
             <a:fld id="{2752348D-B72F-4FC3-A127-851C5E7B3A9E}" type="datetime1">
               <a:rPr lang="en-US" smtClean="0"/>
-              <a:t>1/22/2019</a:t>
+              <a:t>2/8/2019</a:t>
             </a:fld>
             <a:endParaRPr lang="en-US"/>
           </a:p>
@@ -7564,7 +7565,7 @@
           <a:p>
             <a:fld id="{D666EB1B-704A-4D5E-8D5F-456104532486}" type="datetime1">
               <a:rPr lang="en-US" smtClean="0"/>
-              <a:t>1/22/2019</a:t>
+              <a:t>2/8/2019</a:t>
             </a:fld>
             <a:endParaRPr lang="en-US"/>
           </a:p>
@@ -7877,7 +7878,7 @@
           <a:p>
             <a:fld id="{D96AFBEB-CD4D-45C5-9851-D1FF1EB5AB85}" type="datetime1">
               <a:rPr lang="en-US" smtClean="0"/>
-              <a:t>1/22/2019</a:t>
+              <a:t>2/8/2019</a:t>
             </a:fld>
             <a:endParaRPr lang="en-US"/>
           </a:p>
@@ -8125,7 +8126,7 @@
           <a:p>
             <a:fld id="{B285B7EB-0ACD-4247-AA3F-1B0B49109B84}" type="datetime1">
               <a:rPr lang="en-US" smtClean="0"/>
-              <a:t>1/22/2019</a:t>
+              <a:t>2/8/2019</a:t>
             </a:fld>
             <a:endParaRPr lang="en-US"/>
           </a:p>
@@ -8425,7 +8426,7 @@
             <a:fld id="{8254F2F0-E062-4E41-9176-AEE9734E64AC}" type="datetime1">
               <a:rPr lang="en-US" smtClean="0"/>
               <a:pPr/>
-              <a:t>1/22/2019</a:t>
+              <a:t>2/8/2019</a:t>
             </a:fld>
             <a:endParaRPr lang="en-US" dirty="0"/>
           </a:p>
@@ -9779,12 +9780,47 @@
           <a:chExt cx="0" cy="0"/>
         </a:xfrm>
       </p:grpSpPr>
+      <p:pic>
+        <p:nvPicPr>
+          <p:cNvPr id="5" name="Content Placeholder 4" descr="A fish swimming under water&#10;&#10;Description automatically generated">
+            <a:extLst>
+              <a:ext uri="{FF2B5EF4-FFF2-40B4-BE49-F238E27FC236}">
+                <a16:creationId xmlns:a16="http://schemas.microsoft.com/office/drawing/2014/main" id="{5280B814-7442-4D0D-838D-26520D7AC77E}"/>
+              </a:ext>
+            </a:extLst>
+          </p:cNvPr>
+          <p:cNvPicPr>
+            <a:picLocks noGrp="1" noChangeAspect="1"/>
+          </p:cNvPicPr>
+          <p:nvPr>
+            <p:ph sz="quarter" idx="13"/>
+          </p:nvPr>
+        </p:nvPicPr>
+        <p:blipFill>
+          <a:blip r:embed="rId2">
+            <a:extLst>
+              <a:ext uri="{28A0092B-C50C-407E-A947-70E740481C1C}">
+                <a14:useLocalDpi xmlns:a14="http://schemas.microsoft.com/office/drawing/2010/main" val="0"/>
+              </a:ext>
+            </a:extLst>
+          </a:blip>
+          <a:stretch>
+            <a:fillRect/>
+          </a:stretch>
+        </p:blipFill>
+        <p:spPr>
+          <a:xfrm>
+            <a:off x="-37514" y="29893"/>
+            <a:ext cx="12229514" cy="6879101"/>
+          </a:xfrm>
+        </p:spPr>
+      </p:pic>
       <p:sp>
         <p:nvSpPr>
-          <p:cNvPr id="7" name="Title 1">
+          <p:cNvPr id="6" name="Title 1">
             <a:extLst>
               <a:ext uri="{FF2B5EF4-FFF2-40B4-BE49-F238E27FC236}">
-                <a16:creationId xmlns:a16="http://schemas.microsoft.com/office/drawing/2014/main" id="{D8A6AE9F-15C6-4D86-8B6F-FC975BD3ED10}"/>
+                <a16:creationId xmlns:a16="http://schemas.microsoft.com/office/drawing/2014/main" id="{5BD26419-6ECA-4238-A456-25E98A3FC68A}"/>
               </a:ext>
             </a:extLst>
           </p:cNvPr>
@@ -9795,7 +9831,7 @@
         </p:nvSpPr>
         <p:spPr>
           <a:xfrm>
-            <a:off x="802972" y="2236169"/>
+            <a:off x="1126529" y="3234974"/>
             <a:ext cx="10566400" cy="802002"/>
           </a:xfrm>
           <a:prstGeom prst="rect">
@@ -9883,7 +9919,11 @@
           </a:lstStyle>
           <a:p>
             <a:r>
-              <a:rPr lang="en-US" dirty="0"/>
+              <a:rPr lang="en-US" dirty="0">
+                <a:solidFill>
+                  <a:srgbClr val="FF0000"/>
+                </a:solidFill>
+              </a:rPr>
               <a:t>Demo</a:t>
             </a:r>
           </a:p>
@@ -9892,7 +9932,7 @@
     </p:spTree>
     <p:extLst>
       <p:ext uri="{BB962C8B-B14F-4D97-AF65-F5344CB8AC3E}">
-        <p14:creationId xmlns:p14="http://schemas.microsoft.com/office/powerpoint/2010/main" val="4279752589"/>
+        <p14:creationId xmlns:p14="http://schemas.microsoft.com/office/powerpoint/2010/main" val="694436517"/>
       </p:ext>
     </p:extLst>
   </p:cSld>
@@ -10262,10 +10302,120 @@
           <a:chExt cx="0" cy="0"/>
         </a:xfrm>
       </p:grpSpPr>
+      <p:sp>
+        <p:nvSpPr>
+          <p:cNvPr id="7" name="Title 1">
+            <a:extLst>
+              <a:ext uri="{FF2B5EF4-FFF2-40B4-BE49-F238E27FC236}">
+                <a16:creationId xmlns:a16="http://schemas.microsoft.com/office/drawing/2014/main" id="{D8A6AE9F-15C6-4D86-8B6F-FC975BD3ED10}"/>
+              </a:ext>
+            </a:extLst>
+          </p:cNvPr>
+          <p:cNvSpPr txBox="1">
+            <a:spLocks/>
+          </p:cNvSpPr>
+          <p:nvPr/>
+        </p:nvSpPr>
+        <p:spPr>
+          <a:xfrm>
+            <a:off x="802972" y="2236169"/>
+            <a:ext cx="10566400" cy="802002"/>
+          </a:xfrm>
+          <a:prstGeom prst="rect">
+            <a:avLst/>
+          </a:prstGeom>
+        </p:spPr>
+        <p:txBody>
+          <a:bodyPr vert="horz" lIns="91440" tIns="45720" rIns="91440" bIns="45720" rtlCol="0" anchor="b" anchorCtr="0">
+            <a:noAutofit/>
+          </a:bodyPr>
+          <a:lstStyle>
+            <a:lvl1pPr algn="ctr" defTabSz="914400" rtl="0" eaLnBrk="1" latinLnBrk="0" hangingPunct="1">
+              <a:spcBef>
+                <a:spcPct val="0"/>
+              </a:spcBef>
+              <a:buNone/>
+              <a:defRPr sz="4400" b="1" kern="1200" cap="all" spc="50" baseline="0">
+                <a:solidFill>
+                  <a:schemeClr val="tx2">
+                    <a:lumMod val="50000"/>
+                  </a:schemeClr>
+                </a:solidFill>
+                <a:effectLst/>
+                <a:latin typeface="+mj-lt"/>
+                <a:ea typeface="+mj-ea"/>
+                <a:cs typeface="+mj-cs"/>
+              </a:defRPr>
+            </a:lvl1pPr>
+            <a:lvl2pPr eaLnBrk="1" hangingPunct="1">
+              <a:defRPr>
+                <a:solidFill>
+                  <a:schemeClr val="tx2"/>
+                </a:solidFill>
+              </a:defRPr>
+            </a:lvl2pPr>
+            <a:lvl3pPr eaLnBrk="1" hangingPunct="1">
+              <a:defRPr>
+                <a:solidFill>
+                  <a:schemeClr val="tx2"/>
+                </a:solidFill>
+              </a:defRPr>
+            </a:lvl3pPr>
+            <a:lvl4pPr eaLnBrk="1" hangingPunct="1">
+              <a:defRPr>
+                <a:solidFill>
+                  <a:schemeClr val="tx2"/>
+                </a:solidFill>
+              </a:defRPr>
+            </a:lvl4pPr>
+            <a:lvl5pPr eaLnBrk="1" hangingPunct="1">
+              <a:defRPr>
+                <a:solidFill>
+                  <a:schemeClr val="tx2"/>
+                </a:solidFill>
+              </a:defRPr>
+            </a:lvl5pPr>
+            <a:lvl6pPr eaLnBrk="1" hangingPunct="1">
+              <a:defRPr>
+                <a:solidFill>
+                  <a:schemeClr val="tx2"/>
+                </a:solidFill>
+              </a:defRPr>
+            </a:lvl6pPr>
+            <a:lvl7pPr eaLnBrk="1" hangingPunct="1">
+              <a:defRPr>
+                <a:solidFill>
+                  <a:schemeClr val="tx2"/>
+                </a:solidFill>
+              </a:defRPr>
+            </a:lvl7pPr>
+            <a:lvl8pPr eaLnBrk="1" hangingPunct="1">
+              <a:defRPr>
+                <a:solidFill>
+                  <a:schemeClr val="tx2"/>
+                </a:solidFill>
+              </a:defRPr>
+            </a:lvl8pPr>
+            <a:lvl9pPr eaLnBrk="1" hangingPunct="1">
+              <a:defRPr>
+                <a:solidFill>
+                  <a:schemeClr val="tx2"/>
+                </a:solidFill>
+              </a:defRPr>
+            </a:lvl9pPr>
+          </a:lstStyle>
+          <a:p>
+            <a:r>
+              <a:rPr lang="en-US" dirty="0"/>
+              <a:t>Demo</a:t>
+            </a:r>
+          </a:p>
+        </p:txBody>
+      </p:sp>
     </p:spTree>
     <p:extLst>
       <p:ext uri="{BB962C8B-B14F-4D97-AF65-F5344CB8AC3E}">
-        <p14:creationId xmlns:p14="http://schemas.microsoft.com/office/powerpoint/2010/main" val="1697413467"/>
+        <p14:creationId xmlns:p14="http://schemas.microsoft.com/office/powerpoint/2010/main" val="4279752589"/>
       </p:ext>
     </p:extLst>
   </p:cSld>
@@ -10304,6 +10454,48 @@
           <a:chExt cx="0" cy="0"/>
         </a:xfrm>
       </p:grpSpPr>
+    </p:spTree>
+    <p:extLst>
+      <p:ext uri="{BB962C8B-B14F-4D97-AF65-F5344CB8AC3E}">
+        <p14:creationId xmlns:p14="http://schemas.microsoft.com/office/powerpoint/2010/main" val="1697413467"/>
+      </p:ext>
+    </p:extLst>
+  </p:cSld>
+  <p:clrMapOvr>
+    <a:masterClrMapping/>
+  </p:clrMapOvr>
+  <mc:AlternateContent xmlns:mc="http://schemas.openxmlformats.org/markup-compatibility/2006" xmlns:p14="http://schemas.microsoft.com/office/powerpoint/2010/main">
+    <mc:Choice Requires="p14">
+      <p:transition spd="med" p14:dur="700">
+        <p:fade/>
+      </p:transition>
+    </mc:Choice>
+    <mc:Fallback xmlns="">
+      <p:transition spd="med">
+        <p:fade/>
+      </p:transition>
+    </mc:Fallback>
+  </mc:AlternateContent>
+</p:sld>
+</file>
+
+<file path=ppt/slides/slide18.xml><?xml version="1.0" encoding="utf-8"?>
+<p:sld xmlns:a="http://schemas.openxmlformats.org/drawingml/2006/main" xmlns:r="http://schemas.openxmlformats.org/officeDocument/2006/relationships" xmlns:p="http://schemas.openxmlformats.org/presentationml/2006/main">
+  <p:cSld>
+    <p:spTree>
+      <p:nvGrpSpPr>
+        <p:cNvPr id="1" name=""/>
+        <p:cNvGrpSpPr/>
+        <p:nvPr/>
+      </p:nvGrpSpPr>
+      <p:grpSpPr>
+        <a:xfrm>
+          <a:off x="0" y="0"/>
+          <a:ext cx="0" cy="0"/>
+          <a:chOff x="0" y="0"/>
+          <a:chExt cx="0" cy="0"/>
+        </a:xfrm>
+      </p:grpSpPr>
       <p:sp>
         <p:nvSpPr>
           <p:cNvPr id="14" name="Content Placeholder 13"/>
@@ -10372,7 +10564,7 @@
 </p:sld>
 </file>
 
-<file path=ppt/slides/slide18.xml><?xml version="1.0" encoding="utf-8"?>
+<file path=ppt/slides/slide19.xml><?xml version="1.0" encoding="utf-8"?>
 <p:sld xmlns:a="http://schemas.openxmlformats.org/drawingml/2006/main" xmlns:r="http://schemas.openxmlformats.org/officeDocument/2006/relationships" xmlns:p="http://schemas.openxmlformats.org/presentationml/2006/main">
   <p:cSld>
     <p:spTree>
@@ -10439,121 +10631,6 @@
     <p:extLst>
       <p:ext uri="{BB962C8B-B14F-4D97-AF65-F5344CB8AC3E}">
         <p14:creationId xmlns:p14="http://schemas.microsoft.com/office/powerpoint/2010/main" val="890818756"/>
-      </p:ext>
-    </p:extLst>
-  </p:cSld>
-  <p:clrMapOvr>
-    <a:masterClrMapping/>
-  </p:clrMapOvr>
-  <mc:AlternateContent xmlns:mc="http://schemas.openxmlformats.org/markup-compatibility/2006" xmlns:p14="http://schemas.microsoft.com/office/powerpoint/2010/main">
-    <mc:Choice Requires="p14">
-      <p:transition spd="med" p14:dur="700">
-        <p:fade/>
-      </p:transition>
-    </mc:Choice>
-    <mc:Fallback xmlns="">
-      <p:transition spd="med">
-        <p:fade/>
-      </p:transition>
-    </mc:Fallback>
-  </mc:AlternateContent>
-</p:sld>
-</file>
-
-<file path=ppt/slides/slide19.xml><?xml version="1.0" encoding="utf-8"?>
-<p:sld xmlns:a="http://schemas.openxmlformats.org/drawingml/2006/main" xmlns:r="http://schemas.openxmlformats.org/officeDocument/2006/relationships" xmlns:p="http://schemas.openxmlformats.org/presentationml/2006/main">
-  <p:cSld>
-    <p:spTree>
-      <p:nvGrpSpPr>
-        <p:cNvPr id="1" name=""/>
-        <p:cNvGrpSpPr/>
-        <p:nvPr/>
-      </p:nvGrpSpPr>
-      <p:grpSpPr>
-        <a:xfrm>
-          <a:off x="0" y="0"/>
-          <a:ext cx="0" cy="0"/>
-          <a:chOff x="0" y="0"/>
-          <a:chExt cx="0" cy="0"/>
-        </a:xfrm>
-      </p:grpSpPr>
-      <p:sp>
-        <p:nvSpPr>
-          <p:cNvPr id="13" name="Title 12"/>
-          <p:cNvSpPr>
-            <a:spLocks noGrp="1"/>
-          </p:cNvSpPr>
-          <p:nvPr>
-            <p:ph type="title"/>
-          </p:nvPr>
-        </p:nvSpPr>
-        <p:spPr/>
-        <p:txBody>
-          <a:bodyPr/>
-          <a:lstStyle/>
-          <a:p>
-            <a:r>
-              <a:rPr lang="en-US" dirty="0"/>
-              <a:t>Title and Content Layout with List</a:t>
-            </a:r>
-          </a:p>
-        </p:txBody>
-      </p:sp>
-      <p:sp>
-        <p:nvSpPr>
-          <p:cNvPr id="14" name="Content Placeholder 13"/>
-          <p:cNvSpPr>
-            <a:spLocks noGrp="1"/>
-          </p:cNvSpPr>
-          <p:nvPr>
-            <p:ph sz="quarter" idx="13"/>
-          </p:nvPr>
-        </p:nvSpPr>
-        <p:spPr/>
-        <p:txBody>
-          <a:bodyPr/>
-          <a:lstStyle/>
-          <a:p>
-            <a:pPr lvl="0"/>
-            <a:r>
-              <a:rPr lang="en-US" dirty="0"/>
-              <a:t>Click to edit Master text styles</a:t>
-            </a:r>
-          </a:p>
-          <a:p>
-            <a:pPr lvl="1"/>
-            <a:r>
-              <a:rPr lang="en-US" dirty="0"/>
-              <a:t>Second level</a:t>
-            </a:r>
-          </a:p>
-          <a:p>
-            <a:pPr lvl="2"/>
-            <a:r>
-              <a:rPr lang="en-US" dirty="0"/>
-              <a:t>Third level</a:t>
-            </a:r>
-          </a:p>
-          <a:p>
-            <a:pPr lvl="3"/>
-            <a:r>
-              <a:rPr lang="en-US" dirty="0"/>
-              <a:t>Fourth level</a:t>
-            </a:r>
-          </a:p>
-          <a:p>
-            <a:pPr lvl="4"/>
-            <a:r>
-              <a:rPr lang="en-US" dirty="0"/>
-              <a:t>Fifth level</a:t>
-            </a:r>
-          </a:p>
-        </p:txBody>
-      </p:sp>
-    </p:spTree>
-    <p:extLst>
-      <p:ext uri="{BB962C8B-B14F-4D97-AF65-F5344CB8AC3E}">
-        <p14:creationId xmlns:p14="http://schemas.microsoft.com/office/powerpoint/2010/main" val="1030499500"/>
       </p:ext>
     </p:extLst>
   </p:cSld>
@@ -10973,6 +11050,121 @@
       </p:grpSpPr>
       <p:sp>
         <p:nvSpPr>
+          <p:cNvPr id="13" name="Title 12"/>
+          <p:cNvSpPr>
+            <a:spLocks noGrp="1"/>
+          </p:cNvSpPr>
+          <p:nvPr>
+            <p:ph type="title"/>
+          </p:nvPr>
+        </p:nvSpPr>
+        <p:spPr/>
+        <p:txBody>
+          <a:bodyPr/>
+          <a:lstStyle/>
+          <a:p>
+            <a:r>
+              <a:rPr lang="en-US" dirty="0"/>
+              <a:t>Title and Content Layout with List</a:t>
+            </a:r>
+          </a:p>
+        </p:txBody>
+      </p:sp>
+      <p:sp>
+        <p:nvSpPr>
+          <p:cNvPr id="14" name="Content Placeholder 13"/>
+          <p:cNvSpPr>
+            <a:spLocks noGrp="1"/>
+          </p:cNvSpPr>
+          <p:nvPr>
+            <p:ph sz="quarter" idx="13"/>
+          </p:nvPr>
+        </p:nvSpPr>
+        <p:spPr/>
+        <p:txBody>
+          <a:bodyPr/>
+          <a:lstStyle/>
+          <a:p>
+            <a:pPr lvl="0"/>
+            <a:r>
+              <a:rPr lang="en-US" dirty="0"/>
+              <a:t>Click to edit Master text styles</a:t>
+            </a:r>
+          </a:p>
+          <a:p>
+            <a:pPr lvl="1"/>
+            <a:r>
+              <a:rPr lang="en-US" dirty="0"/>
+              <a:t>Second level</a:t>
+            </a:r>
+          </a:p>
+          <a:p>
+            <a:pPr lvl="2"/>
+            <a:r>
+              <a:rPr lang="en-US" dirty="0"/>
+              <a:t>Third level</a:t>
+            </a:r>
+          </a:p>
+          <a:p>
+            <a:pPr lvl="3"/>
+            <a:r>
+              <a:rPr lang="en-US" dirty="0"/>
+              <a:t>Fourth level</a:t>
+            </a:r>
+          </a:p>
+          <a:p>
+            <a:pPr lvl="4"/>
+            <a:r>
+              <a:rPr lang="en-US" dirty="0"/>
+              <a:t>Fifth level</a:t>
+            </a:r>
+          </a:p>
+        </p:txBody>
+      </p:sp>
+    </p:spTree>
+    <p:extLst>
+      <p:ext uri="{BB962C8B-B14F-4D97-AF65-F5344CB8AC3E}">
+        <p14:creationId xmlns:p14="http://schemas.microsoft.com/office/powerpoint/2010/main" val="1030499500"/>
+      </p:ext>
+    </p:extLst>
+  </p:cSld>
+  <p:clrMapOvr>
+    <a:masterClrMapping/>
+  </p:clrMapOvr>
+  <mc:AlternateContent xmlns:mc="http://schemas.openxmlformats.org/markup-compatibility/2006" xmlns:p14="http://schemas.microsoft.com/office/powerpoint/2010/main">
+    <mc:Choice Requires="p14">
+      <p:transition spd="med" p14:dur="700">
+        <p:fade/>
+      </p:transition>
+    </mc:Choice>
+    <mc:Fallback xmlns="">
+      <p:transition spd="med">
+        <p:fade/>
+      </p:transition>
+    </mc:Fallback>
+  </mc:AlternateContent>
+</p:sld>
+</file>
+
+<file path=ppt/slides/slide21.xml><?xml version="1.0" encoding="utf-8"?>
+<p:sld xmlns:a="http://schemas.openxmlformats.org/drawingml/2006/main" xmlns:r="http://schemas.openxmlformats.org/officeDocument/2006/relationships" xmlns:p="http://schemas.openxmlformats.org/presentationml/2006/main">
+  <p:cSld>
+    <p:spTree>
+      <p:nvGrpSpPr>
+        <p:cNvPr id="1" name=""/>
+        <p:cNvGrpSpPr/>
+        <p:nvPr/>
+      </p:nvGrpSpPr>
+      <p:grpSpPr>
+        <a:xfrm>
+          <a:off x="0" y="0"/>
+          <a:ext cx="0" cy="0"/>
+          <a:chOff x="0" y="0"/>
+          <a:chExt cx="0" cy="0"/>
+        </a:xfrm>
+      </p:grpSpPr>
+      <p:sp>
+        <p:nvSpPr>
           <p:cNvPr id="2" name="Title 1"/>
           <p:cNvSpPr>
             <a:spLocks noGrp="1"/>
@@ -11043,7 +11235,7 @@
 </p:sld>
 </file>
 
-<file path=ppt/slides/slide21.xml><?xml version="1.0" encoding="utf-8"?>
+<file path=ppt/slides/slide22.xml><?xml version="1.0" encoding="utf-8"?>
 <p:sld xmlns:a="http://schemas.openxmlformats.org/drawingml/2006/main" xmlns:r="http://schemas.openxmlformats.org/officeDocument/2006/relationships" xmlns:p="http://schemas.openxmlformats.org/presentationml/2006/main">
   <p:cSld>
     <p:spTree>
@@ -11386,7 +11578,7 @@
 </p:sld>
 </file>
 
-<file path=ppt/slides/slide22.xml><?xml version="1.0" encoding="utf-8"?>
+<file path=ppt/slides/slide23.xml><?xml version="1.0" encoding="utf-8"?>
 <p:sld xmlns:a="http://schemas.openxmlformats.org/drawingml/2006/main" xmlns:r="http://schemas.openxmlformats.org/officeDocument/2006/relationships" xmlns:p="http://schemas.openxmlformats.org/presentationml/2006/main">
   <p:cSld>
     <p:spTree>
@@ -14214,6 +14406,15 @@
 </file>
 
 <file path=customXml/item1.xml><?xml version="1.0" encoding="utf-8"?>
+<?mso-contentType ?>
+<FormTemplates xmlns="http://schemas.microsoft.com/sharepoint/v3/contenttype/forms">
+  <Display>DocumentLibraryForm</Display>
+  <Edit>DocumentLibraryForm</Edit>
+  <New>DocumentLibraryForm</New>
+</FormTemplates>
+</file>
+
+<file path=customXml/item2.xml><?xml version="1.0" encoding="utf-8"?>
 <p:properties xmlns:p="http://schemas.microsoft.com/office/2006/metadata/properties" xmlns:xsi="http://www.w3.org/2001/XMLSchema-instance" xmlns:pc="http://schemas.microsoft.com/office/infopath/2007/PartnerControls">
   <documentManagement>
     <VSO_x0020_item_x0020_id xmlns="40262f94-9f35-4ac3-9a90-690165a166b7" xsi:nil="true"/>
@@ -14222,15 +14423,6 @@
     <Template_x0020_details xmlns="40262f94-9f35-4ac3-9a90-690165a166b7" xsi:nil="true"/>
   </documentManagement>
 </p:properties>
-</file>
-
-<file path=customXml/item2.xml><?xml version="1.0" encoding="utf-8"?>
-<?mso-contentType ?>
-<FormTemplates xmlns="http://schemas.microsoft.com/sharepoint/v3/contenttype/forms">
-  <Display>DocumentLibraryForm</Display>
-  <Edit>DocumentLibraryForm</Edit>
-  <New>DocumentLibraryForm</New>
-</FormTemplates>
 </file>
 
 <file path=customXml/item3.xml><?xml version="1.0" encoding="utf-8"?>
@@ -14415,6 +14607,14 @@
 </file>
 
 <file path=customXml/itemProps1.xml><?xml version="1.0" encoding="utf-8"?>
+<ds:datastoreItem xmlns:ds="http://schemas.openxmlformats.org/officeDocument/2006/customXml" ds:itemID="{BED6C63E-22D9-40FD-AF90-6F5632A4309F}">
+  <ds:schemaRefs>
+    <ds:schemaRef ds:uri="http://schemas.microsoft.com/sharepoint/v3/contenttype/forms"/>
+  </ds:schemaRefs>
+</ds:datastoreItem>
+</file>
+
+<file path=customXml/itemProps2.xml><?xml version="1.0" encoding="utf-8"?>
 <ds:datastoreItem xmlns:ds="http://schemas.openxmlformats.org/officeDocument/2006/customXml" ds:itemID="{28DC6412-8CE7-4C8A-96E9-2669F16D17E8}">
   <ds:schemaRefs>
     <ds:schemaRef ds:uri="http://schemas.microsoft.com/office/2006/metadata/properties"/>
@@ -14427,14 +14627,6 @@
     <ds:schemaRef ds:uri="a4f35948-e619-41b3-aa29-22878b09cfd2"/>
     <ds:schemaRef ds:uri="http://www.w3.org/XML/1998/namespace"/>
     <ds:schemaRef ds:uri="http://purl.org/dc/dcmitype/"/>
-  </ds:schemaRefs>
-</ds:datastoreItem>
-</file>
-
-<file path=customXml/itemProps2.xml><?xml version="1.0" encoding="utf-8"?>
-<ds:datastoreItem xmlns:ds="http://schemas.openxmlformats.org/officeDocument/2006/customXml" ds:itemID="{BED6C63E-22D9-40FD-AF90-6F5632A4309F}">
-  <ds:schemaRefs>
-    <ds:schemaRef ds:uri="http://schemas.microsoft.com/sharepoint/v3/contenttype/forms"/>
   </ds:schemaRefs>
 </ds:datastoreItem>
 </file>

--- a/jaws.pptx
+++ b/jaws.pptx
@@ -4382,7 +4382,7 @@
           <a:p>
             <a:fld id="{50FABAFA-9D90-4B6C-95A1-503043E46FAB}" type="datetimeFigureOut">
               <a:rPr lang="en-US" smtClean="0"/>
-              <a:t>2/8/2019</a:t>
+              <a:t>2/26/2019</a:t>
             </a:fld>
             <a:endParaRPr lang="en-US"/>
           </a:p>
@@ -4547,7 +4547,7 @@
           <a:p>
             <a:fld id="{AC15EB1F-8DE4-48C3-A804-A05846A4049F}" type="datetimeFigureOut">
               <a:rPr lang="en-US" smtClean="0"/>
-              <a:t>2/8/2019</a:t>
+              <a:t>2/26/2019</a:t>
             </a:fld>
             <a:endParaRPr lang="en-US"/>
           </a:p>
@@ -5307,7 +5307,7 @@
           <a:p>
             <a:fld id="{CE5E0A0C-FFF2-4105-9F07-796FCC3D8DE3}" type="datetime1">
               <a:rPr lang="en-US" smtClean="0"/>
-              <a:t>2/8/2019</a:t>
+              <a:t>2/26/2019</a:t>
             </a:fld>
             <a:endParaRPr lang="en-US"/>
           </a:p>
@@ -5533,7 +5533,7 @@
           <a:p>
             <a:fld id="{4A5D68D4-D432-4190-8060-492B59F98A87}" type="datetime1">
               <a:rPr lang="en-US" smtClean="0"/>
-              <a:t>2/8/2019</a:t>
+              <a:t>2/26/2019</a:t>
             </a:fld>
             <a:endParaRPr lang="en-US"/>
           </a:p>
@@ -5769,7 +5769,7 @@
           <a:p>
             <a:fld id="{5AF4EF83-7D73-495D-9915-41737B990DFC}" type="datetime1">
               <a:rPr lang="en-US" smtClean="0"/>
-              <a:t>2/8/2019</a:t>
+              <a:t>2/26/2019</a:t>
             </a:fld>
             <a:endParaRPr lang="en-US"/>
           </a:p>
@@ -6106,7 +6106,7 @@
           <a:p>
             <a:fld id="{73DF2905-D7E2-4171-961B-8EB802C66F9A}" type="datetime1">
               <a:rPr lang="en-US" smtClean="0"/>
-              <a:t>2/8/2019</a:t>
+              <a:t>2/26/2019</a:t>
             </a:fld>
             <a:endParaRPr lang="en-US"/>
           </a:p>
@@ -6369,7 +6369,7 @@
           <a:p>
             <a:fld id="{82C1B47C-16BC-4A9F-9E6E-9D1F33DC8ABD}" type="datetime1">
               <a:rPr lang="en-US" smtClean="0"/>
-              <a:t>2/8/2019</a:t>
+              <a:t>2/26/2019</a:t>
             </a:fld>
             <a:endParaRPr lang="en-US"/>
           </a:p>
@@ -6785,7 +6785,7 @@
           <a:p>
             <a:fld id="{0C073DF2-DD31-447B-89F4-CEF82A94D7A7}" type="datetime1">
               <a:rPr lang="en-US" smtClean="0"/>
-              <a:t>2/8/2019</a:t>
+              <a:t>2/26/2019</a:t>
             </a:fld>
             <a:endParaRPr lang="en-US"/>
           </a:p>
@@ -7317,7 +7317,7 @@
           <a:p>
             <a:fld id="{1551BB0C-CFA8-4A1F-9AAE-D6B32E8256E7}" type="datetime1">
               <a:rPr lang="en-US" smtClean="0"/>
-              <a:t>2/8/2019</a:t>
+              <a:t>2/26/2019</a:t>
             </a:fld>
             <a:endParaRPr lang="en-US"/>
           </a:p>
@@ -7455,7 +7455,7 @@
           <a:p>
             <a:fld id="{2752348D-B72F-4FC3-A127-851C5E7B3A9E}" type="datetime1">
               <a:rPr lang="en-US" smtClean="0"/>
-              <a:t>2/8/2019</a:t>
+              <a:t>2/26/2019</a:t>
             </a:fld>
             <a:endParaRPr lang="en-US"/>
           </a:p>
@@ -7565,7 +7565,7 @@
           <a:p>
             <a:fld id="{D666EB1B-704A-4D5E-8D5F-456104532486}" type="datetime1">
               <a:rPr lang="en-US" smtClean="0"/>
-              <a:t>2/8/2019</a:t>
+              <a:t>2/26/2019</a:t>
             </a:fld>
             <a:endParaRPr lang="en-US"/>
           </a:p>
@@ -7878,7 +7878,7 @@
           <a:p>
             <a:fld id="{D96AFBEB-CD4D-45C5-9851-D1FF1EB5AB85}" type="datetime1">
               <a:rPr lang="en-US" smtClean="0"/>
-              <a:t>2/8/2019</a:t>
+              <a:t>2/26/2019</a:t>
             </a:fld>
             <a:endParaRPr lang="en-US"/>
           </a:p>
@@ -8126,7 +8126,7 @@
           <a:p>
             <a:fld id="{B285B7EB-0ACD-4247-AA3F-1B0B49109B84}" type="datetime1">
               <a:rPr lang="en-US" smtClean="0"/>
-              <a:t>2/8/2019</a:t>
+              <a:t>2/26/2019</a:t>
             </a:fld>
             <a:endParaRPr lang="en-US"/>
           </a:p>
@@ -8426,7 +8426,7 @@
             <a:fld id="{8254F2F0-E062-4E41-9176-AEE9734E64AC}" type="datetime1">
               <a:rPr lang="en-US" smtClean="0"/>
               <a:pPr/>
-              <a:t>2/8/2019</a:t>
+              <a:t>2/26/2019</a:t>
             </a:fld>
             <a:endParaRPr lang="en-US" dirty="0"/>
           </a:p>
@@ -9924,7 +9924,7 @@
                   <a:srgbClr val="FF0000"/>
                 </a:solidFill>
               </a:rPr>
-              <a:t>Demo</a:t>
+              <a:t>     Demo</a:t>
             </a:r>
           </a:p>
         </p:txBody>
@@ -14406,15 +14406,6 @@
 </file>
 
 <file path=customXml/item1.xml><?xml version="1.0" encoding="utf-8"?>
-<?mso-contentType ?>
-<FormTemplates xmlns="http://schemas.microsoft.com/sharepoint/v3/contenttype/forms">
-  <Display>DocumentLibraryForm</Display>
-  <Edit>DocumentLibraryForm</Edit>
-  <New>DocumentLibraryForm</New>
-</FormTemplates>
-</file>
-
-<file path=customXml/item2.xml><?xml version="1.0" encoding="utf-8"?>
 <p:properties xmlns:p="http://schemas.microsoft.com/office/2006/metadata/properties" xmlns:xsi="http://www.w3.org/2001/XMLSchema-instance" xmlns:pc="http://schemas.microsoft.com/office/infopath/2007/PartnerControls">
   <documentManagement>
     <VSO_x0020_item_x0020_id xmlns="40262f94-9f35-4ac3-9a90-690165a166b7" xsi:nil="true"/>
@@ -14423,6 +14414,15 @@
     <Template_x0020_details xmlns="40262f94-9f35-4ac3-9a90-690165a166b7" xsi:nil="true"/>
   </documentManagement>
 </p:properties>
+</file>
+
+<file path=customXml/item2.xml><?xml version="1.0" encoding="utf-8"?>
+<?mso-contentType ?>
+<FormTemplates xmlns="http://schemas.microsoft.com/sharepoint/v3/contenttype/forms">
+  <Display>DocumentLibraryForm</Display>
+  <Edit>DocumentLibraryForm</Edit>
+  <New>DocumentLibraryForm</New>
+</FormTemplates>
 </file>
 
 <file path=customXml/item3.xml><?xml version="1.0" encoding="utf-8"?>
@@ -14607,14 +14607,6 @@
 </file>
 
 <file path=customXml/itemProps1.xml><?xml version="1.0" encoding="utf-8"?>
-<ds:datastoreItem xmlns:ds="http://schemas.openxmlformats.org/officeDocument/2006/customXml" ds:itemID="{BED6C63E-22D9-40FD-AF90-6F5632A4309F}">
-  <ds:schemaRefs>
-    <ds:schemaRef ds:uri="http://schemas.microsoft.com/sharepoint/v3/contenttype/forms"/>
-  </ds:schemaRefs>
-</ds:datastoreItem>
-</file>
-
-<file path=customXml/itemProps2.xml><?xml version="1.0" encoding="utf-8"?>
 <ds:datastoreItem xmlns:ds="http://schemas.openxmlformats.org/officeDocument/2006/customXml" ds:itemID="{28DC6412-8CE7-4C8A-96E9-2669F16D17E8}">
   <ds:schemaRefs>
     <ds:schemaRef ds:uri="http://schemas.microsoft.com/office/2006/metadata/properties"/>
@@ -14627,6 +14619,14 @@
     <ds:schemaRef ds:uri="a4f35948-e619-41b3-aa29-22878b09cfd2"/>
     <ds:schemaRef ds:uri="http://www.w3.org/XML/1998/namespace"/>
     <ds:schemaRef ds:uri="http://purl.org/dc/dcmitype/"/>
+  </ds:schemaRefs>
+</ds:datastoreItem>
+</file>
+
+<file path=customXml/itemProps2.xml><?xml version="1.0" encoding="utf-8"?>
+<ds:datastoreItem xmlns:ds="http://schemas.openxmlformats.org/officeDocument/2006/customXml" ds:itemID="{BED6C63E-22D9-40FD-AF90-6F5632A4309F}">
+  <ds:schemaRefs>
+    <ds:schemaRef ds:uri="http://schemas.microsoft.com/sharepoint/v3/contenttype/forms"/>
   </ds:schemaRefs>
 </ds:datastoreItem>
 </file>

--- a/jaws.pptx
+++ b/jaws.pptx
@@ -5,10 +5,10 @@
     <p:sldMasterId id="2147483756" r:id="rId4"/>
   </p:sldMasterIdLst>
   <p:notesMasterIdLst>
-    <p:notesMasterId r:id="rId28"/>
+    <p:notesMasterId r:id="rId29"/>
   </p:notesMasterIdLst>
   <p:handoutMasterIdLst>
-    <p:handoutMasterId r:id="rId29"/>
+    <p:handoutMasterId r:id="rId30"/>
   </p:handoutMasterIdLst>
   <p:sldIdLst>
     <p:sldId id="259" r:id="rId5"/>
@@ -19,21 +19,22 @@
     <p:sldId id="273" r:id="rId10"/>
     <p:sldId id="268" r:id="rId11"/>
     <p:sldId id="265" r:id="rId12"/>
-    <p:sldId id="266" r:id="rId13"/>
-    <p:sldId id="267" r:id="rId14"/>
-    <p:sldId id="276" r:id="rId15"/>
-    <p:sldId id="283" r:id="rId16"/>
-    <p:sldId id="285" r:id="rId17"/>
-    <p:sldId id="284" r:id="rId18"/>
-    <p:sldId id="278" r:id="rId19"/>
-    <p:sldId id="270" r:id="rId20"/>
-    <p:sldId id="279" r:id="rId21"/>
-    <p:sldId id="272" r:id="rId22"/>
-    <p:sldId id="271" r:id="rId23"/>
-    <p:sldId id="269" r:id="rId24"/>
-    <p:sldId id="261" r:id="rId25"/>
-    <p:sldId id="262" r:id="rId26"/>
-    <p:sldId id="263" r:id="rId27"/>
+    <p:sldId id="286" r:id="rId13"/>
+    <p:sldId id="266" r:id="rId14"/>
+    <p:sldId id="267" r:id="rId15"/>
+    <p:sldId id="276" r:id="rId16"/>
+    <p:sldId id="283" r:id="rId17"/>
+    <p:sldId id="285" r:id="rId18"/>
+    <p:sldId id="284" r:id="rId19"/>
+    <p:sldId id="278" r:id="rId20"/>
+    <p:sldId id="270" r:id="rId21"/>
+    <p:sldId id="279" r:id="rId22"/>
+    <p:sldId id="272" r:id="rId23"/>
+    <p:sldId id="271" r:id="rId24"/>
+    <p:sldId id="269" r:id="rId25"/>
+    <p:sldId id="261" r:id="rId26"/>
+    <p:sldId id="262" r:id="rId27"/>
+    <p:sldId id="263" r:id="rId28"/>
   </p:sldIdLst>
   <p:sldSz cx="12192000" cy="6858000"/>
   <p:notesSz cx="6858000" cy="9144000"/>
@@ -4382,7 +4383,7 @@
           <a:p>
             <a:fld id="{50FABAFA-9D90-4B6C-95A1-503043E46FAB}" type="datetimeFigureOut">
               <a:rPr lang="en-US" smtClean="0"/>
-              <a:t>2/26/2019</a:t>
+              <a:t>2/28/2019</a:t>
             </a:fld>
             <a:endParaRPr lang="en-US"/>
           </a:p>
@@ -4547,7 +4548,7 @@
           <a:p>
             <a:fld id="{AC15EB1F-8DE4-48C3-A804-A05846A4049F}" type="datetimeFigureOut">
               <a:rPr lang="en-US" smtClean="0"/>
-              <a:t>2/26/2019</a:t>
+              <a:t>2/28/2019</a:t>
             </a:fld>
             <a:endParaRPr lang="en-US"/>
           </a:p>
@@ -4963,7 +4964,7 @@
           <a:p>
             <a:fld id="{8AD115C9-E24C-4512-AA8B-319BB49F77B5}" type="slidenum">
               <a:rPr lang="en-US" smtClean="0"/>
-              <a:t>14</a:t>
+              <a:t>15</a:t>
             </a:fld>
             <a:endParaRPr lang="en-US"/>
           </a:p>
@@ -5047,7 +5048,7 @@
           <a:p>
             <a:fld id="{8AD115C9-E24C-4512-AA8B-319BB49F77B5}" type="slidenum">
               <a:rPr lang="en-US" smtClean="0"/>
-              <a:t>16</a:t>
+              <a:t>17</a:t>
             </a:fld>
             <a:endParaRPr lang="en-US"/>
           </a:p>
@@ -5307,7 +5308,7 @@
           <a:p>
             <a:fld id="{CE5E0A0C-FFF2-4105-9F07-796FCC3D8DE3}" type="datetime1">
               <a:rPr lang="en-US" smtClean="0"/>
-              <a:t>2/26/2019</a:t>
+              <a:t>2/28/2019</a:t>
             </a:fld>
             <a:endParaRPr lang="en-US"/>
           </a:p>
@@ -5533,7 +5534,7 @@
           <a:p>
             <a:fld id="{4A5D68D4-D432-4190-8060-492B59F98A87}" type="datetime1">
               <a:rPr lang="en-US" smtClean="0"/>
-              <a:t>2/26/2019</a:t>
+              <a:t>2/28/2019</a:t>
             </a:fld>
             <a:endParaRPr lang="en-US"/>
           </a:p>
@@ -5769,7 +5770,7 @@
           <a:p>
             <a:fld id="{5AF4EF83-7D73-495D-9915-41737B990DFC}" type="datetime1">
               <a:rPr lang="en-US" smtClean="0"/>
-              <a:t>2/26/2019</a:t>
+              <a:t>2/28/2019</a:t>
             </a:fld>
             <a:endParaRPr lang="en-US"/>
           </a:p>
@@ -6106,7 +6107,7 @@
           <a:p>
             <a:fld id="{73DF2905-D7E2-4171-961B-8EB802C66F9A}" type="datetime1">
               <a:rPr lang="en-US" smtClean="0"/>
-              <a:t>2/26/2019</a:t>
+              <a:t>2/28/2019</a:t>
             </a:fld>
             <a:endParaRPr lang="en-US"/>
           </a:p>
@@ -6369,7 +6370,7 @@
           <a:p>
             <a:fld id="{82C1B47C-16BC-4A9F-9E6E-9D1F33DC8ABD}" type="datetime1">
               <a:rPr lang="en-US" smtClean="0"/>
-              <a:t>2/26/2019</a:t>
+              <a:t>2/28/2019</a:t>
             </a:fld>
             <a:endParaRPr lang="en-US"/>
           </a:p>
@@ -6785,7 +6786,7 @@
           <a:p>
             <a:fld id="{0C073DF2-DD31-447B-89F4-CEF82A94D7A7}" type="datetime1">
               <a:rPr lang="en-US" smtClean="0"/>
-              <a:t>2/26/2019</a:t>
+              <a:t>2/28/2019</a:t>
             </a:fld>
             <a:endParaRPr lang="en-US"/>
           </a:p>
@@ -7317,7 +7318,7 @@
           <a:p>
             <a:fld id="{1551BB0C-CFA8-4A1F-9AAE-D6B32E8256E7}" type="datetime1">
               <a:rPr lang="en-US" smtClean="0"/>
-              <a:t>2/26/2019</a:t>
+              <a:t>2/28/2019</a:t>
             </a:fld>
             <a:endParaRPr lang="en-US"/>
           </a:p>
@@ -7455,7 +7456,7 @@
           <a:p>
             <a:fld id="{2752348D-B72F-4FC3-A127-851C5E7B3A9E}" type="datetime1">
               <a:rPr lang="en-US" smtClean="0"/>
-              <a:t>2/26/2019</a:t>
+              <a:t>2/28/2019</a:t>
             </a:fld>
             <a:endParaRPr lang="en-US"/>
           </a:p>
@@ -7565,7 +7566,7 @@
           <a:p>
             <a:fld id="{D666EB1B-704A-4D5E-8D5F-456104532486}" type="datetime1">
               <a:rPr lang="en-US" smtClean="0"/>
-              <a:t>2/26/2019</a:t>
+              <a:t>2/28/2019</a:t>
             </a:fld>
             <a:endParaRPr lang="en-US"/>
           </a:p>
@@ -7878,7 +7879,7 @@
           <a:p>
             <a:fld id="{D96AFBEB-CD4D-45C5-9851-D1FF1EB5AB85}" type="datetime1">
               <a:rPr lang="en-US" smtClean="0"/>
-              <a:t>2/26/2019</a:t>
+              <a:t>2/28/2019</a:t>
             </a:fld>
             <a:endParaRPr lang="en-US"/>
           </a:p>
@@ -8126,7 +8127,7 @@
           <a:p>
             <a:fld id="{B285B7EB-0ACD-4247-AA3F-1B0B49109B84}" type="datetime1">
               <a:rPr lang="en-US" smtClean="0"/>
-              <a:t>2/26/2019</a:t>
+              <a:t>2/28/2019</a:t>
             </a:fld>
             <a:endParaRPr lang="en-US"/>
           </a:p>
@@ -8426,7 +8427,7 @@
             <a:fld id="{8254F2F0-E062-4E41-9176-AEE9734E64AC}" type="datetime1">
               <a:rPr lang="en-US" smtClean="0"/>
               <a:pPr/>
-              <a:t>2/26/2019</a:t>
+              <a:t>2/28/2019</a:t>
             </a:fld>
             <a:endParaRPr lang="en-US" dirty="0"/>
           </a:p>
@@ -9034,6 +9035,334 @@
           <a:chExt cx="0" cy="0"/>
         </a:xfrm>
       </p:grpSpPr>
+      <p:sp>
+        <p:nvSpPr>
+          <p:cNvPr id="3" name="Subtitle 2">
+            <a:extLst>
+              <a:ext uri="{FF2B5EF4-FFF2-40B4-BE49-F238E27FC236}">
+                <a16:creationId xmlns:a16="http://schemas.microsoft.com/office/drawing/2014/main" id="{19E06513-8389-4331-B215-C3E27506DEC1}"/>
+              </a:ext>
+            </a:extLst>
+          </p:cNvPr>
+          <p:cNvSpPr txBox="1">
+            <a:spLocks/>
+          </p:cNvSpPr>
+          <p:nvPr/>
+        </p:nvSpPr>
+        <p:spPr>
+          <a:xfrm>
+            <a:off x="1421171" y="3168445"/>
+            <a:ext cx="8534400" cy="1073355"/>
+          </a:xfrm>
+          <a:prstGeom prst="rect">
+            <a:avLst/>
+          </a:prstGeom>
+        </p:spPr>
+        <p:txBody>
+          <a:bodyPr/>
+          <a:lstStyle>
+            <a:lvl1pPr marL="342900" indent="-342900" algn="l" defTabSz="914400" rtl="0" eaLnBrk="1" latinLnBrk="0" hangingPunct="1">
+              <a:lnSpc>
+                <a:spcPct val="100000"/>
+              </a:lnSpc>
+              <a:spcBef>
+                <a:spcPct val="20000"/>
+              </a:spcBef>
+              <a:spcAft>
+                <a:spcPts val="600"/>
+              </a:spcAft>
+              <a:buClr>
+                <a:schemeClr val="tx1"/>
+              </a:buClr>
+              <a:buFont typeface="Arial" pitchFamily="34" charset="0"/>
+              <a:buChar char="•"/>
+              <a:defRPr sz="2000" kern="1200" spc="30" baseline="0">
+                <a:solidFill>
+                  <a:schemeClr val="tx2">
+                    <a:lumMod val="50000"/>
+                  </a:schemeClr>
+                </a:solidFill>
+                <a:latin typeface="+mn-lt"/>
+                <a:ea typeface="+mn-ea"/>
+                <a:cs typeface="+mn-cs"/>
+              </a:defRPr>
+            </a:lvl1pPr>
+            <a:lvl2pPr marL="742950" indent="-285750" algn="l" defTabSz="914400" rtl="0" eaLnBrk="1" latinLnBrk="0" hangingPunct="1">
+              <a:lnSpc>
+                <a:spcPct val="100000"/>
+              </a:lnSpc>
+              <a:spcBef>
+                <a:spcPct val="20000"/>
+              </a:spcBef>
+              <a:spcAft>
+                <a:spcPts val="600"/>
+              </a:spcAft>
+              <a:buClr>
+                <a:schemeClr val="tx1"/>
+              </a:buClr>
+              <a:buFont typeface="Arial" pitchFamily="34" charset="0"/>
+              <a:buChar char="•"/>
+              <a:defRPr sz="2000" kern="1200" spc="30" baseline="0">
+                <a:solidFill>
+                  <a:schemeClr val="tx2">
+                    <a:lumMod val="50000"/>
+                  </a:schemeClr>
+                </a:solidFill>
+                <a:latin typeface="+mn-lt"/>
+                <a:ea typeface="+mn-ea"/>
+                <a:cs typeface="+mn-cs"/>
+              </a:defRPr>
+            </a:lvl2pPr>
+            <a:lvl3pPr marL="1143000" indent="-228600" algn="l" defTabSz="914400" rtl="0" eaLnBrk="1" latinLnBrk="0" hangingPunct="1">
+              <a:lnSpc>
+                <a:spcPct val="100000"/>
+              </a:lnSpc>
+              <a:spcBef>
+                <a:spcPct val="20000"/>
+              </a:spcBef>
+              <a:spcAft>
+                <a:spcPts val="600"/>
+              </a:spcAft>
+              <a:buClr>
+                <a:schemeClr val="tx2">
+                  <a:lumMod val="50000"/>
+                </a:schemeClr>
+              </a:buClr>
+              <a:buFont typeface="Arial" pitchFamily="34" charset="0"/>
+              <a:buChar char="•"/>
+              <a:defRPr sz="2000" kern="1200" spc="30" baseline="0">
+                <a:solidFill>
+                  <a:schemeClr val="tx2">
+                    <a:lumMod val="50000"/>
+                  </a:schemeClr>
+                </a:solidFill>
+                <a:latin typeface="+mn-lt"/>
+                <a:ea typeface="+mn-ea"/>
+                <a:cs typeface="+mn-cs"/>
+              </a:defRPr>
+            </a:lvl3pPr>
+            <a:lvl4pPr marL="1600200" indent="-228600" algn="l" defTabSz="914400" rtl="0" eaLnBrk="1" latinLnBrk="0" hangingPunct="1">
+              <a:lnSpc>
+                <a:spcPct val="100000"/>
+              </a:lnSpc>
+              <a:spcBef>
+                <a:spcPct val="20000"/>
+              </a:spcBef>
+              <a:spcAft>
+                <a:spcPts val="600"/>
+              </a:spcAft>
+              <a:buClr>
+                <a:schemeClr val="tx1"/>
+              </a:buClr>
+              <a:buFont typeface="Arial" pitchFamily="34" charset="0"/>
+              <a:buChar char="•"/>
+              <a:defRPr sz="2000" kern="1200" spc="30" baseline="0">
+                <a:solidFill>
+                  <a:schemeClr val="tx2">
+                    <a:lumMod val="50000"/>
+                  </a:schemeClr>
+                </a:solidFill>
+                <a:latin typeface="+mn-lt"/>
+                <a:ea typeface="+mn-ea"/>
+                <a:cs typeface="+mn-cs"/>
+              </a:defRPr>
+            </a:lvl4pPr>
+            <a:lvl5pPr marL="2057400" indent="-228600" algn="l" defTabSz="914400" rtl="0" eaLnBrk="1" latinLnBrk="0" hangingPunct="1">
+              <a:lnSpc>
+                <a:spcPct val="100000"/>
+              </a:lnSpc>
+              <a:spcBef>
+                <a:spcPct val="20000"/>
+              </a:spcBef>
+              <a:spcAft>
+                <a:spcPts val="600"/>
+              </a:spcAft>
+              <a:buClr>
+                <a:schemeClr val="tx1"/>
+              </a:buClr>
+              <a:buFont typeface="Arial" pitchFamily="34" charset="0"/>
+              <a:buChar char="•"/>
+              <a:defRPr sz="2000" kern="1200" spc="30" baseline="0">
+                <a:solidFill>
+                  <a:schemeClr val="tx2">
+                    <a:lumMod val="50000"/>
+                  </a:schemeClr>
+                </a:solidFill>
+                <a:latin typeface="+mn-lt"/>
+                <a:ea typeface="+mn-ea"/>
+                <a:cs typeface="+mn-cs"/>
+              </a:defRPr>
+            </a:lvl5pPr>
+            <a:lvl6pPr marL="2514600" indent="-228600" algn="l" defTabSz="914400" rtl="0" eaLnBrk="1" latinLnBrk="0" hangingPunct="1">
+              <a:lnSpc>
+                <a:spcPct val="100000"/>
+              </a:lnSpc>
+              <a:spcBef>
+                <a:spcPct val="20000"/>
+              </a:spcBef>
+              <a:spcAft>
+                <a:spcPts val="600"/>
+              </a:spcAft>
+              <a:buClr>
+                <a:schemeClr val="tx2">
+                  <a:lumMod val="50000"/>
+                </a:schemeClr>
+              </a:buClr>
+              <a:buFont typeface="Arial" pitchFamily="34" charset="0"/>
+              <a:buChar char="•"/>
+              <a:defRPr sz="1700" kern="1200">
+                <a:solidFill>
+                  <a:schemeClr val="tx2">
+                    <a:lumMod val="50000"/>
+                  </a:schemeClr>
+                </a:solidFill>
+                <a:latin typeface="+mn-lt"/>
+                <a:ea typeface="+mn-ea"/>
+                <a:cs typeface="+mn-cs"/>
+              </a:defRPr>
+            </a:lvl6pPr>
+            <a:lvl7pPr marL="2971800" indent="-228600" algn="l" defTabSz="914400" rtl="0" eaLnBrk="1" latinLnBrk="0" hangingPunct="1">
+              <a:lnSpc>
+                <a:spcPct val="100000"/>
+              </a:lnSpc>
+              <a:spcBef>
+                <a:spcPct val="20000"/>
+              </a:spcBef>
+              <a:spcAft>
+                <a:spcPts val="600"/>
+              </a:spcAft>
+              <a:buClr>
+                <a:schemeClr val="tx2">
+                  <a:lumMod val="50000"/>
+                </a:schemeClr>
+              </a:buClr>
+              <a:buFont typeface="Arial" pitchFamily="34" charset="0"/>
+              <a:buChar char="•"/>
+              <a:defRPr sz="1700" kern="1200">
+                <a:solidFill>
+                  <a:schemeClr val="tx2">
+                    <a:lumMod val="50000"/>
+                  </a:schemeClr>
+                </a:solidFill>
+                <a:latin typeface="+mn-lt"/>
+                <a:ea typeface="+mn-ea"/>
+                <a:cs typeface="+mn-cs"/>
+              </a:defRPr>
+            </a:lvl7pPr>
+            <a:lvl8pPr marL="3429000" indent="-228600" algn="l" defTabSz="914400" rtl="0" eaLnBrk="1" latinLnBrk="0" hangingPunct="1">
+              <a:lnSpc>
+                <a:spcPct val="100000"/>
+              </a:lnSpc>
+              <a:spcBef>
+                <a:spcPct val="20000"/>
+              </a:spcBef>
+              <a:spcAft>
+                <a:spcPts val="600"/>
+              </a:spcAft>
+              <a:buClr>
+                <a:schemeClr val="tx2">
+                  <a:lumMod val="50000"/>
+                </a:schemeClr>
+              </a:buClr>
+              <a:buFont typeface="Arial" pitchFamily="34" charset="0"/>
+              <a:buChar char="•"/>
+              <a:defRPr sz="1700" kern="1200">
+                <a:solidFill>
+                  <a:schemeClr val="tx2">
+                    <a:lumMod val="50000"/>
+                  </a:schemeClr>
+                </a:solidFill>
+                <a:latin typeface="+mn-lt"/>
+                <a:ea typeface="+mn-ea"/>
+                <a:cs typeface="+mn-cs"/>
+              </a:defRPr>
+            </a:lvl8pPr>
+            <a:lvl9pPr marL="3886200" indent="-228600" algn="l" defTabSz="914400" rtl="0" eaLnBrk="1" latinLnBrk="0" hangingPunct="1">
+              <a:lnSpc>
+                <a:spcPct val="100000"/>
+              </a:lnSpc>
+              <a:spcBef>
+                <a:spcPct val="20000"/>
+              </a:spcBef>
+              <a:spcAft>
+                <a:spcPts val="600"/>
+              </a:spcAft>
+              <a:buClr>
+                <a:schemeClr val="tx2">
+                  <a:lumMod val="50000"/>
+                </a:schemeClr>
+              </a:buClr>
+              <a:buFont typeface="Arial" pitchFamily="34" charset="0"/>
+              <a:buChar char="•"/>
+              <a:defRPr sz="1700" kern="1200">
+                <a:solidFill>
+                  <a:schemeClr val="tx2">
+                    <a:lumMod val="50000"/>
+                  </a:schemeClr>
+                </a:solidFill>
+                <a:latin typeface="+mn-lt"/>
+                <a:ea typeface="+mn-ea"/>
+                <a:cs typeface="+mn-cs"/>
+              </a:defRPr>
+            </a:lvl9pPr>
+          </a:lstStyle>
+          <a:p>
+            <a:pPr marL="0" indent="0" algn="ctr">
+              <a:buNone/>
+            </a:pPr>
+            <a:r>
+              <a:rPr lang="en-US" sz="3600" dirty="0">
+                <a:solidFill>
+                  <a:schemeClr val="tx1"/>
+                </a:solidFill>
+              </a:rPr>
+              <a:t>Jonathan + AWS = ?</a:t>
+            </a:r>
+          </a:p>
+        </p:txBody>
+      </p:sp>
+    </p:spTree>
+    <p:extLst>
+      <p:ext uri="{BB962C8B-B14F-4D97-AF65-F5344CB8AC3E}">
+        <p14:creationId xmlns:p14="http://schemas.microsoft.com/office/powerpoint/2010/main" val="1171821818"/>
+      </p:ext>
+    </p:extLst>
+  </p:cSld>
+  <p:clrMapOvr>
+    <a:masterClrMapping/>
+  </p:clrMapOvr>
+  <mc:AlternateContent xmlns:mc="http://schemas.openxmlformats.org/markup-compatibility/2006" xmlns:p14="http://schemas.microsoft.com/office/powerpoint/2010/main">
+    <mc:Choice Requires="p14">
+      <p:transition spd="med" p14:dur="700">
+        <p:fade/>
+      </p:transition>
+    </mc:Choice>
+    <mc:Fallback xmlns="">
+      <p:transition spd="med">
+        <p:fade/>
+      </p:transition>
+    </mc:Fallback>
+  </mc:AlternateContent>
+</p:sld>
+</file>
+
+<file path=ppt/slides/slide11.xml><?xml version="1.0" encoding="utf-8"?>
+<p:sld xmlns:a="http://schemas.openxmlformats.org/drawingml/2006/main" xmlns:r="http://schemas.openxmlformats.org/officeDocument/2006/relationships" xmlns:p="http://schemas.openxmlformats.org/presentationml/2006/main">
+  <p:cSld>
+    <p:spTree>
+      <p:nvGrpSpPr>
+        <p:cNvPr id="1" name=""/>
+        <p:cNvGrpSpPr/>
+        <p:nvPr/>
+      </p:nvGrpSpPr>
+      <p:grpSpPr>
+        <a:xfrm>
+          <a:off x="0" y="0"/>
+          <a:ext cx="0" cy="0"/>
+          <a:chOff x="0" y="0"/>
+          <a:chExt cx="0" cy="0"/>
+        </a:xfrm>
+      </p:grpSpPr>
       <p:pic>
         <p:nvPicPr>
           <p:cNvPr id="5" name="Picture 4" descr="A picture containing nature&#10;&#10;Description automatically generated">
@@ -9210,7 +9539,7 @@
 </p:sld>
 </file>
 
-<file path=ppt/slides/slide11.xml><?xml version="1.0" encoding="utf-8"?>
+<file path=ppt/slides/slide12.xml><?xml version="1.0" encoding="utf-8"?>
 <p:sld xmlns:a="http://schemas.openxmlformats.org/drawingml/2006/main" xmlns:r="http://schemas.openxmlformats.org/officeDocument/2006/relationships" xmlns:p="http://schemas.openxmlformats.org/presentationml/2006/main">
   <p:cSld>
     <p:spTree>
@@ -9372,7 +9701,7 @@
 </p:sld>
 </file>
 
-<file path=ppt/slides/slide12.xml><?xml version="1.0" encoding="utf-8"?>
+<file path=ppt/slides/slide13.xml><?xml version="1.0" encoding="utf-8"?>
 <p:sld xmlns:a="http://schemas.openxmlformats.org/drawingml/2006/main" xmlns:r="http://schemas.openxmlformats.org/officeDocument/2006/relationships" xmlns:p="http://schemas.openxmlformats.org/presentationml/2006/main">
   <p:cSld>
     <p:spTree>
@@ -9763,7 +10092,7 @@
 </p:sld>
 </file>
 
-<file path=ppt/slides/slide13.xml><?xml version="1.0" encoding="utf-8"?>
+<file path=ppt/slides/slide14.xml><?xml version="1.0" encoding="utf-8"?>
 <p:sld xmlns:a="http://schemas.openxmlformats.org/drawingml/2006/main" xmlns:r="http://schemas.openxmlformats.org/officeDocument/2006/relationships" xmlns:p="http://schemas.openxmlformats.org/presentationml/2006/main">
   <p:cSld>
     <p:spTree>
@@ -9954,7 +10283,7 @@
 </p:sld>
 </file>
 
-<file path=ppt/slides/slide14.xml><?xml version="1.0" encoding="utf-8"?>
+<file path=ppt/slides/slide15.xml><?xml version="1.0" encoding="utf-8"?>
 <p:sld xmlns:a="http://schemas.openxmlformats.org/drawingml/2006/main" xmlns:r="http://schemas.openxmlformats.org/officeDocument/2006/relationships" xmlns:p="http://schemas.openxmlformats.org/presentationml/2006/main">
   <p:cSld>
     <p:spTree>
@@ -10243,7 +10572,7 @@
 </p:sld>
 </file>
 
-<file path=ppt/slides/slide15.xml><?xml version="1.0" encoding="utf-8"?>
+<file path=ppt/slides/slide16.xml><?xml version="1.0" encoding="utf-8"?>
 <p:sld xmlns:a="http://schemas.openxmlformats.org/drawingml/2006/main" xmlns:r="http://schemas.openxmlformats.org/officeDocument/2006/relationships" xmlns:p="http://schemas.openxmlformats.org/presentationml/2006/main">
   <p:cSld>
     <p:spTree>
@@ -10285,7 +10614,7 @@
 </p:sld>
 </file>
 
-<file path=ppt/slides/slide16.xml><?xml version="1.0" encoding="utf-8"?>
+<file path=ppt/slides/slide17.xml><?xml version="1.0" encoding="utf-8"?>
 <p:sld xmlns:a="http://schemas.openxmlformats.org/drawingml/2006/main" xmlns:r="http://schemas.openxmlformats.org/officeDocument/2006/relationships" xmlns:p="http://schemas.openxmlformats.org/presentationml/2006/main">
   <p:cSld>
     <p:spTree>
@@ -10437,7 +10766,7 @@
 </p:sld>
 </file>
 
-<file path=ppt/slides/slide17.xml><?xml version="1.0" encoding="utf-8"?>
+<file path=ppt/slides/slide18.xml><?xml version="1.0" encoding="utf-8"?>
 <p:sld xmlns:a="http://schemas.openxmlformats.org/drawingml/2006/main" xmlns:r="http://schemas.openxmlformats.org/officeDocument/2006/relationships" xmlns:p="http://schemas.openxmlformats.org/presentationml/2006/main">
   <p:cSld>
     <p:spTree>
@@ -10479,7 +10808,7 @@
 </p:sld>
 </file>
 
-<file path=ppt/slides/slide18.xml><?xml version="1.0" encoding="utf-8"?>
+<file path=ppt/slides/slide19.xml><?xml version="1.0" encoding="utf-8"?>
 <p:sld xmlns:a="http://schemas.openxmlformats.org/drawingml/2006/main" xmlns:r="http://schemas.openxmlformats.org/officeDocument/2006/relationships" xmlns:p="http://schemas.openxmlformats.org/presentationml/2006/main">
   <p:cSld>
     <p:spTree>
@@ -10543,94 +10872,6 @@
     <p:extLst>
       <p:ext uri="{BB962C8B-B14F-4D97-AF65-F5344CB8AC3E}">
         <p14:creationId xmlns:p14="http://schemas.microsoft.com/office/powerpoint/2010/main" val="632758202"/>
-      </p:ext>
-    </p:extLst>
-  </p:cSld>
-  <p:clrMapOvr>
-    <a:masterClrMapping/>
-  </p:clrMapOvr>
-  <mc:AlternateContent xmlns:mc="http://schemas.openxmlformats.org/markup-compatibility/2006" xmlns:p14="http://schemas.microsoft.com/office/powerpoint/2010/main">
-    <mc:Choice Requires="p14">
-      <p:transition spd="med" p14:dur="700">
-        <p:fade/>
-      </p:transition>
-    </mc:Choice>
-    <mc:Fallback xmlns="">
-      <p:transition spd="med">
-        <p:fade/>
-      </p:transition>
-    </mc:Fallback>
-  </mc:AlternateContent>
-</p:sld>
-</file>
-
-<file path=ppt/slides/slide19.xml><?xml version="1.0" encoding="utf-8"?>
-<p:sld xmlns:a="http://schemas.openxmlformats.org/drawingml/2006/main" xmlns:r="http://schemas.openxmlformats.org/officeDocument/2006/relationships" xmlns:p="http://schemas.openxmlformats.org/presentationml/2006/main">
-  <p:cSld>
-    <p:spTree>
-      <p:nvGrpSpPr>
-        <p:cNvPr id="1" name=""/>
-        <p:cNvGrpSpPr/>
-        <p:nvPr/>
-      </p:nvGrpSpPr>
-      <p:grpSpPr>
-        <a:xfrm>
-          <a:off x="0" y="0"/>
-          <a:ext cx="0" cy="0"/>
-          <a:chOff x="0" y="0"/>
-          <a:chExt cx="0" cy="0"/>
-        </a:xfrm>
-      </p:grpSpPr>
-      <p:sp>
-        <p:nvSpPr>
-          <p:cNvPr id="3" name="Content Placeholder 2">
-            <a:extLst>
-              <a:ext uri="{FF2B5EF4-FFF2-40B4-BE49-F238E27FC236}">
-                <a16:creationId xmlns:a16="http://schemas.microsoft.com/office/drawing/2014/main" id="{A3BBF652-E1AD-4B4D-93B0-853AE3C72523}"/>
-              </a:ext>
-            </a:extLst>
-          </p:cNvPr>
-          <p:cNvSpPr>
-            <a:spLocks noGrp="1"/>
-          </p:cNvSpPr>
-          <p:nvPr>
-            <p:ph sz="quarter" idx="13"/>
-          </p:nvPr>
-        </p:nvSpPr>
-        <p:spPr>
-          <a:xfrm>
-            <a:off x="812800" y="1600200"/>
-            <a:ext cx="10566400" cy="4114800"/>
-          </a:xfrm>
-        </p:spPr>
-        <p:txBody>
-          <a:bodyPr>
-            <a:normAutofit/>
-          </a:bodyPr>
-          <a:lstStyle/>
-          <a:p>
-            <a:pPr marL="0" indent="0">
-              <a:buNone/>
-            </a:pPr>
-            <a:r>
-              <a:rPr lang="en-US" sz="3600" dirty="0"/>
-              <a:t>I studied Terraform and AWS CLI. I find Terraform syntax to be a little alien. The only reason to use Terraform as far as I can tell is because it works on Azure, whereas AWS CLI does not. Well we're not using Azure. Are we? Seems like most people working at Dev </a:t>
-            </a:r>
-            <a:r>
-              <a:rPr lang="en-US" sz="3600"/>
-              <a:t>use Terraform.</a:t>
-            </a:r>
-            <a:endParaRPr lang="en-US" sz="3600" dirty="0"/>
-          </a:p>
-          <a:p>
-            <a:endParaRPr lang="en-US" sz="3600" dirty="0"/>
-          </a:p>
-        </p:txBody>
-      </p:sp>
-    </p:spTree>
-    <p:extLst>
-      <p:ext uri="{BB962C8B-B14F-4D97-AF65-F5344CB8AC3E}">
-        <p14:creationId xmlns:p14="http://schemas.microsoft.com/office/powerpoint/2010/main" val="890818756"/>
       </p:ext>
     </p:extLst>
   </p:cSld>
@@ -11050,6 +11291,94 @@
       </p:grpSpPr>
       <p:sp>
         <p:nvSpPr>
+          <p:cNvPr id="3" name="Content Placeholder 2">
+            <a:extLst>
+              <a:ext uri="{FF2B5EF4-FFF2-40B4-BE49-F238E27FC236}">
+                <a16:creationId xmlns:a16="http://schemas.microsoft.com/office/drawing/2014/main" id="{A3BBF652-E1AD-4B4D-93B0-853AE3C72523}"/>
+              </a:ext>
+            </a:extLst>
+          </p:cNvPr>
+          <p:cNvSpPr>
+            <a:spLocks noGrp="1"/>
+          </p:cNvSpPr>
+          <p:nvPr>
+            <p:ph sz="quarter" idx="13"/>
+          </p:nvPr>
+        </p:nvSpPr>
+        <p:spPr>
+          <a:xfrm>
+            <a:off x="812800" y="1600200"/>
+            <a:ext cx="10566400" cy="4114800"/>
+          </a:xfrm>
+        </p:spPr>
+        <p:txBody>
+          <a:bodyPr>
+            <a:normAutofit/>
+          </a:bodyPr>
+          <a:lstStyle/>
+          <a:p>
+            <a:pPr marL="0" indent="0">
+              <a:buNone/>
+            </a:pPr>
+            <a:r>
+              <a:rPr lang="en-US" sz="3600" dirty="0"/>
+              <a:t>I studied Terraform and AWS CLI. I find Terraform syntax to be a little alien. The only reason to use Terraform as far as I can tell is because it works on Azure, whereas AWS CLI does not. Well we're not using Azure. Are we? Seems like most people working at Dev </a:t>
+            </a:r>
+            <a:r>
+              <a:rPr lang="en-US" sz="3600"/>
+              <a:t>use Terraform.</a:t>
+            </a:r>
+            <a:endParaRPr lang="en-US" sz="3600" dirty="0"/>
+          </a:p>
+          <a:p>
+            <a:endParaRPr lang="en-US" sz="3600" dirty="0"/>
+          </a:p>
+        </p:txBody>
+      </p:sp>
+    </p:spTree>
+    <p:extLst>
+      <p:ext uri="{BB962C8B-B14F-4D97-AF65-F5344CB8AC3E}">
+        <p14:creationId xmlns:p14="http://schemas.microsoft.com/office/powerpoint/2010/main" val="890818756"/>
+      </p:ext>
+    </p:extLst>
+  </p:cSld>
+  <p:clrMapOvr>
+    <a:masterClrMapping/>
+  </p:clrMapOvr>
+  <mc:AlternateContent xmlns:mc="http://schemas.openxmlformats.org/markup-compatibility/2006" xmlns:p14="http://schemas.microsoft.com/office/powerpoint/2010/main">
+    <mc:Choice Requires="p14">
+      <p:transition spd="med" p14:dur="700">
+        <p:fade/>
+      </p:transition>
+    </mc:Choice>
+    <mc:Fallback xmlns="">
+      <p:transition spd="med">
+        <p:fade/>
+      </p:transition>
+    </mc:Fallback>
+  </mc:AlternateContent>
+</p:sld>
+</file>
+
+<file path=ppt/slides/slide21.xml><?xml version="1.0" encoding="utf-8"?>
+<p:sld xmlns:a="http://schemas.openxmlformats.org/drawingml/2006/main" xmlns:r="http://schemas.openxmlformats.org/officeDocument/2006/relationships" xmlns:p="http://schemas.openxmlformats.org/presentationml/2006/main">
+  <p:cSld>
+    <p:spTree>
+      <p:nvGrpSpPr>
+        <p:cNvPr id="1" name=""/>
+        <p:cNvGrpSpPr/>
+        <p:nvPr/>
+      </p:nvGrpSpPr>
+      <p:grpSpPr>
+        <a:xfrm>
+          <a:off x="0" y="0"/>
+          <a:ext cx="0" cy="0"/>
+          <a:chOff x="0" y="0"/>
+          <a:chExt cx="0" cy="0"/>
+        </a:xfrm>
+      </p:grpSpPr>
+      <p:sp>
+        <p:nvSpPr>
           <p:cNvPr id="13" name="Title 12"/>
           <p:cNvSpPr>
             <a:spLocks noGrp="1"/>
@@ -11146,7 +11475,7 @@
 </p:sld>
 </file>
 
-<file path=ppt/slides/slide21.xml><?xml version="1.0" encoding="utf-8"?>
+<file path=ppt/slides/slide22.xml><?xml version="1.0" encoding="utf-8"?>
 <p:sld xmlns:a="http://schemas.openxmlformats.org/drawingml/2006/main" xmlns:r="http://schemas.openxmlformats.org/officeDocument/2006/relationships" xmlns:p="http://schemas.openxmlformats.org/presentationml/2006/main">
   <p:cSld>
     <p:spTree>
@@ -11235,7 +11564,7 @@
 </p:sld>
 </file>
 
-<file path=ppt/slides/slide22.xml><?xml version="1.0" encoding="utf-8"?>
+<file path=ppt/slides/slide23.xml><?xml version="1.0" encoding="utf-8"?>
 <p:sld xmlns:a="http://schemas.openxmlformats.org/drawingml/2006/main" xmlns:r="http://schemas.openxmlformats.org/officeDocument/2006/relationships" xmlns:p="http://schemas.openxmlformats.org/presentationml/2006/main">
   <p:cSld>
     <p:spTree>
@@ -11578,7 +11907,7 @@
 </p:sld>
 </file>
 
-<file path=ppt/slides/slide23.xml><?xml version="1.0" encoding="utf-8"?>
+<file path=ppt/slides/slide24.xml><?xml version="1.0" encoding="utf-8"?>
 <p:sld xmlns:a="http://schemas.openxmlformats.org/drawingml/2006/main" xmlns:r="http://schemas.openxmlformats.org/officeDocument/2006/relationships" xmlns:p="http://schemas.openxmlformats.org/presentationml/2006/main">
   <p:cSld>
     <p:spTree>
@@ -13223,296 +13552,40 @@
           <a:chExt cx="0" cy="0"/>
         </a:xfrm>
       </p:grpSpPr>
-      <p:sp>
-        <p:nvSpPr>
-          <p:cNvPr id="3" name="Subtitle 2">
+      <p:pic>
+        <p:nvPicPr>
+          <p:cNvPr id="2" name="Picture 1">
             <a:extLst>
               <a:ext uri="{FF2B5EF4-FFF2-40B4-BE49-F238E27FC236}">
-                <a16:creationId xmlns:a16="http://schemas.microsoft.com/office/drawing/2014/main" id="{19E06513-8389-4331-B215-C3E27506DEC1}"/>
+                <a16:creationId xmlns:a16="http://schemas.microsoft.com/office/drawing/2014/main" id="{979F42A1-0B9B-4B67-BCE0-3D84E00C9390}"/>
               </a:ext>
             </a:extLst>
           </p:cNvPr>
-          <p:cNvSpPr txBox="1">
-            <a:spLocks/>
-          </p:cNvSpPr>
+          <p:cNvPicPr>
+            <a:picLocks noChangeAspect="1"/>
+          </p:cNvPicPr>
           <p:nvPr/>
-        </p:nvSpPr>
+        </p:nvPicPr>
+        <p:blipFill>
+          <a:blip r:embed="rId2"/>
+          <a:stretch>
+            <a:fillRect/>
+          </a:stretch>
+        </p:blipFill>
         <p:spPr>
           <a:xfrm>
-            <a:off x="1421171" y="3168445"/>
-            <a:ext cx="8534400" cy="1073355"/>
+            <a:off x="2871994" y="0"/>
+            <a:ext cx="6448011" cy="6858000"/>
           </a:xfrm>
           <a:prstGeom prst="rect">
             <a:avLst/>
           </a:prstGeom>
         </p:spPr>
-        <p:txBody>
-          <a:bodyPr/>
-          <a:lstStyle>
-            <a:lvl1pPr marL="342900" indent="-342900" algn="l" defTabSz="914400" rtl="0" eaLnBrk="1" latinLnBrk="0" hangingPunct="1">
-              <a:lnSpc>
-                <a:spcPct val="100000"/>
-              </a:lnSpc>
-              <a:spcBef>
-                <a:spcPct val="20000"/>
-              </a:spcBef>
-              <a:spcAft>
-                <a:spcPts val="600"/>
-              </a:spcAft>
-              <a:buClr>
-                <a:schemeClr val="tx1"/>
-              </a:buClr>
-              <a:buFont typeface="Arial" pitchFamily="34" charset="0"/>
-              <a:buChar char="•"/>
-              <a:defRPr sz="2000" kern="1200" spc="30" baseline="0">
-                <a:solidFill>
-                  <a:schemeClr val="tx2">
-                    <a:lumMod val="50000"/>
-                  </a:schemeClr>
-                </a:solidFill>
-                <a:latin typeface="+mn-lt"/>
-                <a:ea typeface="+mn-ea"/>
-                <a:cs typeface="+mn-cs"/>
-              </a:defRPr>
-            </a:lvl1pPr>
-            <a:lvl2pPr marL="742950" indent="-285750" algn="l" defTabSz="914400" rtl="0" eaLnBrk="1" latinLnBrk="0" hangingPunct="1">
-              <a:lnSpc>
-                <a:spcPct val="100000"/>
-              </a:lnSpc>
-              <a:spcBef>
-                <a:spcPct val="20000"/>
-              </a:spcBef>
-              <a:spcAft>
-                <a:spcPts val="600"/>
-              </a:spcAft>
-              <a:buClr>
-                <a:schemeClr val="tx1"/>
-              </a:buClr>
-              <a:buFont typeface="Arial" pitchFamily="34" charset="0"/>
-              <a:buChar char="•"/>
-              <a:defRPr sz="2000" kern="1200" spc="30" baseline="0">
-                <a:solidFill>
-                  <a:schemeClr val="tx2">
-                    <a:lumMod val="50000"/>
-                  </a:schemeClr>
-                </a:solidFill>
-                <a:latin typeface="+mn-lt"/>
-                <a:ea typeface="+mn-ea"/>
-                <a:cs typeface="+mn-cs"/>
-              </a:defRPr>
-            </a:lvl2pPr>
-            <a:lvl3pPr marL="1143000" indent="-228600" algn="l" defTabSz="914400" rtl="0" eaLnBrk="1" latinLnBrk="0" hangingPunct="1">
-              <a:lnSpc>
-                <a:spcPct val="100000"/>
-              </a:lnSpc>
-              <a:spcBef>
-                <a:spcPct val="20000"/>
-              </a:spcBef>
-              <a:spcAft>
-                <a:spcPts val="600"/>
-              </a:spcAft>
-              <a:buClr>
-                <a:schemeClr val="tx2">
-                  <a:lumMod val="50000"/>
-                </a:schemeClr>
-              </a:buClr>
-              <a:buFont typeface="Arial" pitchFamily="34" charset="0"/>
-              <a:buChar char="•"/>
-              <a:defRPr sz="2000" kern="1200" spc="30" baseline="0">
-                <a:solidFill>
-                  <a:schemeClr val="tx2">
-                    <a:lumMod val="50000"/>
-                  </a:schemeClr>
-                </a:solidFill>
-                <a:latin typeface="+mn-lt"/>
-                <a:ea typeface="+mn-ea"/>
-                <a:cs typeface="+mn-cs"/>
-              </a:defRPr>
-            </a:lvl3pPr>
-            <a:lvl4pPr marL="1600200" indent="-228600" algn="l" defTabSz="914400" rtl="0" eaLnBrk="1" latinLnBrk="0" hangingPunct="1">
-              <a:lnSpc>
-                <a:spcPct val="100000"/>
-              </a:lnSpc>
-              <a:spcBef>
-                <a:spcPct val="20000"/>
-              </a:spcBef>
-              <a:spcAft>
-                <a:spcPts val="600"/>
-              </a:spcAft>
-              <a:buClr>
-                <a:schemeClr val="tx1"/>
-              </a:buClr>
-              <a:buFont typeface="Arial" pitchFamily="34" charset="0"/>
-              <a:buChar char="•"/>
-              <a:defRPr sz="2000" kern="1200" spc="30" baseline="0">
-                <a:solidFill>
-                  <a:schemeClr val="tx2">
-                    <a:lumMod val="50000"/>
-                  </a:schemeClr>
-                </a:solidFill>
-                <a:latin typeface="+mn-lt"/>
-                <a:ea typeface="+mn-ea"/>
-                <a:cs typeface="+mn-cs"/>
-              </a:defRPr>
-            </a:lvl4pPr>
-            <a:lvl5pPr marL="2057400" indent="-228600" algn="l" defTabSz="914400" rtl="0" eaLnBrk="1" latinLnBrk="0" hangingPunct="1">
-              <a:lnSpc>
-                <a:spcPct val="100000"/>
-              </a:lnSpc>
-              <a:spcBef>
-                <a:spcPct val="20000"/>
-              </a:spcBef>
-              <a:spcAft>
-                <a:spcPts val="600"/>
-              </a:spcAft>
-              <a:buClr>
-                <a:schemeClr val="tx1"/>
-              </a:buClr>
-              <a:buFont typeface="Arial" pitchFamily="34" charset="0"/>
-              <a:buChar char="•"/>
-              <a:defRPr sz="2000" kern="1200" spc="30" baseline="0">
-                <a:solidFill>
-                  <a:schemeClr val="tx2">
-                    <a:lumMod val="50000"/>
-                  </a:schemeClr>
-                </a:solidFill>
-                <a:latin typeface="+mn-lt"/>
-                <a:ea typeface="+mn-ea"/>
-                <a:cs typeface="+mn-cs"/>
-              </a:defRPr>
-            </a:lvl5pPr>
-            <a:lvl6pPr marL="2514600" indent="-228600" algn="l" defTabSz="914400" rtl="0" eaLnBrk="1" latinLnBrk="0" hangingPunct="1">
-              <a:lnSpc>
-                <a:spcPct val="100000"/>
-              </a:lnSpc>
-              <a:spcBef>
-                <a:spcPct val="20000"/>
-              </a:spcBef>
-              <a:spcAft>
-                <a:spcPts val="600"/>
-              </a:spcAft>
-              <a:buClr>
-                <a:schemeClr val="tx2">
-                  <a:lumMod val="50000"/>
-                </a:schemeClr>
-              </a:buClr>
-              <a:buFont typeface="Arial" pitchFamily="34" charset="0"/>
-              <a:buChar char="•"/>
-              <a:defRPr sz="1700" kern="1200">
-                <a:solidFill>
-                  <a:schemeClr val="tx2">
-                    <a:lumMod val="50000"/>
-                  </a:schemeClr>
-                </a:solidFill>
-                <a:latin typeface="+mn-lt"/>
-                <a:ea typeface="+mn-ea"/>
-                <a:cs typeface="+mn-cs"/>
-              </a:defRPr>
-            </a:lvl6pPr>
-            <a:lvl7pPr marL="2971800" indent="-228600" algn="l" defTabSz="914400" rtl="0" eaLnBrk="1" latinLnBrk="0" hangingPunct="1">
-              <a:lnSpc>
-                <a:spcPct val="100000"/>
-              </a:lnSpc>
-              <a:spcBef>
-                <a:spcPct val="20000"/>
-              </a:spcBef>
-              <a:spcAft>
-                <a:spcPts val="600"/>
-              </a:spcAft>
-              <a:buClr>
-                <a:schemeClr val="tx2">
-                  <a:lumMod val="50000"/>
-                </a:schemeClr>
-              </a:buClr>
-              <a:buFont typeface="Arial" pitchFamily="34" charset="0"/>
-              <a:buChar char="•"/>
-              <a:defRPr sz="1700" kern="1200">
-                <a:solidFill>
-                  <a:schemeClr val="tx2">
-                    <a:lumMod val="50000"/>
-                  </a:schemeClr>
-                </a:solidFill>
-                <a:latin typeface="+mn-lt"/>
-                <a:ea typeface="+mn-ea"/>
-                <a:cs typeface="+mn-cs"/>
-              </a:defRPr>
-            </a:lvl7pPr>
-            <a:lvl8pPr marL="3429000" indent="-228600" algn="l" defTabSz="914400" rtl="0" eaLnBrk="1" latinLnBrk="0" hangingPunct="1">
-              <a:lnSpc>
-                <a:spcPct val="100000"/>
-              </a:lnSpc>
-              <a:spcBef>
-                <a:spcPct val="20000"/>
-              </a:spcBef>
-              <a:spcAft>
-                <a:spcPts val="600"/>
-              </a:spcAft>
-              <a:buClr>
-                <a:schemeClr val="tx2">
-                  <a:lumMod val="50000"/>
-                </a:schemeClr>
-              </a:buClr>
-              <a:buFont typeface="Arial" pitchFamily="34" charset="0"/>
-              <a:buChar char="•"/>
-              <a:defRPr sz="1700" kern="1200">
-                <a:solidFill>
-                  <a:schemeClr val="tx2">
-                    <a:lumMod val="50000"/>
-                  </a:schemeClr>
-                </a:solidFill>
-                <a:latin typeface="+mn-lt"/>
-                <a:ea typeface="+mn-ea"/>
-                <a:cs typeface="+mn-cs"/>
-              </a:defRPr>
-            </a:lvl8pPr>
-            <a:lvl9pPr marL="3886200" indent="-228600" algn="l" defTabSz="914400" rtl="0" eaLnBrk="1" latinLnBrk="0" hangingPunct="1">
-              <a:lnSpc>
-                <a:spcPct val="100000"/>
-              </a:lnSpc>
-              <a:spcBef>
-                <a:spcPct val="20000"/>
-              </a:spcBef>
-              <a:spcAft>
-                <a:spcPts val="600"/>
-              </a:spcAft>
-              <a:buClr>
-                <a:schemeClr val="tx2">
-                  <a:lumMod val="50000"/>
-                </a:schemeClr>
-              </a:buClr>
-              <a:buFont typeface="Arial" pitchFamily="34" charset="0"/>
-              <a:buChar char="•"/>
-              <a:defRPr sz="1700" kern="1200">
-                <a:solidFill>
-                  <a:schemeClr val="tx2">
-                    <a:lumMod val="50000"/>
-                  </a:schemeClr>
-                </a:solidFill>
-                <a:latin typeface="+mn-lt"/>
-                <a:ea typeface="+mn-ea"/>
-                <a:cs typeface="+mn-cs"/>
-              </a:defRPr>
-            </a:lvl9pPr>
-          </a:lstStyle>
-          <a:p>
-            <a:pPr marL="0" indent="0" algn="ctr">
-              <a:buNone/>
-            </a:pPr>
-            <a:r>
-              <a:rPr lang="en-US" sz="3600" dirty="0">
-                <a:solidFill>
-                  <a:schemeClr val="tx1"/>
-                </a:solidFill>
-              </a:rPr>
-              <a:t>Jonathan + AWS = ?</a:t>
-            </a:r>
-          </a:p>
-        </p:txBody>
-      </p:sp>
+      </p:pic>
     </p:spTree>
     <p:extLst>
       <p:ext uri="{BB962C8B-B14F-4D97-AF65-F5344CB8AC3E}">
-        <p14:creationId xmlns:p14="http://schemas.microsoft.com/office/powerpoint/2010/main" val="1171821818"/>
+        <p14:creationId xmlns:p14="http://schemas.microsoft.com/office/powerpoint/2010/main" val="2525496970"/>
       </p:ext>
     </p:extLst>
   </p:cSld>
@@ -14406,6 +14479,15 @@
 </file>
 
 <file path=customXml/item1.xml><?xml version="1.0" encoding="utf-8"?>
+<?mso-contentType ?>
+<FormTemplates xmlns="http://schemas.microsoft.com/sharepoint/v3/contenttype/forms">
+  <Display>DocumentLibraryForm</Display>
+  <Edit>DocumentLibraryForm</Edit>
+  <New>DocumentLibraryForm</New>
+</FormTemplates>
+</file>
+
+<file path=customXml/item2.xml><?xml version="1.0" encoding="utf-8"?>
 <p:properties xmlns:p="http://schemas.microsoft.com/office/2006/metadata/properties" xmlns:xsi="http://www.w3.org/2001/XMLSchema-instance" xmlns:pc="http://schemas.microsoft.com/office/infopath/2007/PartnerControls">
   <documentManagement>
     <VSO_x0020_item_x0020_id xmlns="40262f94-9f35-4ac3-9a90-690165a166b7" xsi:nil="true"/>
@@ -14414,15 +14496,6 @@
     <Template_x0020_details xmlns="40262f94-9f35-4ac3-9a90-690165a166b7" xsi:nil="true"/>
   </documentManagement>
 </p:properties>
-</file>
-
-<file path=customXml/item2.xml><?xml version="1.0" encoding="utf-8"?>
-<?mso-contentType ?>
-<FormTemplates xmlns="http://schemas.microsoft.com/sharepoint/v3/contenttype/forms">
-  <Display>DocumentLibraryForm</Display>
-  <Edit>DocumentLibraryForm</Edit>
-  <New>DocumentLibraryForm</New>
-</FormTemplates>
 </file>
 
 <file path=customXml/item3.xml><?xml version="1.0" encoding="utf-8"?>
@@ -14607,6 +14680,14 @@
 </file>
 
 <file path=customXml/itemProps1.xml><?xml version="1.0" encoding="utf-8"?>
+<ds:datastoreItem xmlns:ds="http://schemas.openxmlformats.org/officeDocument/2006/customXml" ds:itemID="{BED6C63E-22D9-40FD-AF90-6F5632A4309F}">
+  <ds:schemaRefs>
+    <ds:schemaRef ds:uri="http://schemas.microsoft.com/sharepoint/v3/contenttype/forms"/>
+  </ds:schemaRefs>
+</ds:datastoreItem>
+</file>
+
+<file path=customXml/itemProps2.xml><?xml version="1.0" encoding="utf-8"?>
 <ds:datastoreItem xmlns:ds="http://schemas.openxmlformats.org/officeDocument/2006/customXml" ds:itemID="{28DC6412-8CE7-4C8A-96E9-2669F16D17E8}">
   <ds:schemaRefs>
     <ds:schemaRef ds:uri="http://schemas.microsoft.com/office/2006/metadata/properties"/>
@@ -14619,14 +14700,6 @@
     <ds:schemaRef ds:uri="a4f35948-e619-41b3-aa29-22878b09cfd2"/>
     <ds:schemaRef ds:uri="http://www.w3.org/XML/1998/namespace"/>
     <ds:schemaRef ds:uri="http://purl.org/dc/dcmitype/"/>
-  </ds:schemaRefs>
-</ds:datastoreItem>
-</file>
-
-<file path=customXml/itemProps2.xml><?xml version="1.0" encoding="utf-8"?>
-<ds:datastoreItem xmlns:ds="http://schemas.openxmlformats.org/officeDocument/2006/customXml" ds:itemID="{BED6C63E-22D9-40FD-AF90-6F5632A4309F}">
-  <ds:schemaRefs>
-    <ds:schemaRef ds:uri="http://schemas.microsoft.com/sharepoint/v3/contenttype/forms"/>
   </ds:schemaRefs>
 </ds:datastoreItem>
 </file>

--- a/jaws.pptx
+++ b/jaws.pptx
@@ -5,10 +5,10 @@
     <p:sldMasterId id="2147483756" r:id="rId4"/>
   </p:sldMasterIdLst>
   <p:notesMasterIdLst>
-    <p:notesMasterId r:id="rId29"/>
+    <p:notesMasterId r:id="rId30"/>
   </p:notesMasterIdLst>
   <p:handoutMasterIdLst>
-    <p:handoutMasterId r:id="rId30"/>
+    <p:handoutMasterId r:id="rId31"/>
   </p:handoutMasterIdLst>
   <p:sldIdLst>
     <p:sldId id="259" r:id="rId5"/>
@@ -27,14 +27,15 @@
     <p:sldId id="285" r:id="rId18"/>
     <p:sldId id="284" r:id="rId19"/>
     <p:sldId id="278" r:id="rId20"/>
-    <p:sldId id="270" r:id="rId21"/>
-    <p:sldId id="279" r:id="rId22"/>
-    <p:sldId id="272" r:id="rId23"/>
-    <p:sldId id="271" r:id="rId24"/>
-    <p:sldId id="269" r:id="rId25"/>
-    <p:sldId id="261" r:id="rId26"/>
-    <p:sldId id="262" r:id="rId27"/>
-    <p:sldId id="263" r:id="rId28"/>
+    <p:sldId id="287" r:id="rId21"/>
+    <p:sldId id="270" r:id="rId22"/>
+    <p:sldId id="279" r:id="rId23"/>
+    <p:sldId id="272" r:id="rId24"/>
+    <p:sldId id="271" r:id="rId25"/>
+    <p:sldId id="269" r:id="rId26"/>
+    <p:sldId id="261" r:id="rId27"/>
+    <p:sldId id="262" r:id="rId28"/>
+    <p:sldId id="263" r:id="rId29"/>
   </p:sldIdLst>
   <p:sldSz cx="12192000" cy="6858000"/>
   <p:notesSz cx="6858000" cy="9144000"/>
@@ -5048,7 +5049,7 @@
           <a:p>
             <a:fld id="{8AD115C9-E24C-4512-AA8B-319BB49F77B5}" type="slidenum">
               <a:rPr lang="en-US" smtClean="0"/>
-              <a:t>17</a:t>
+              <a:t>18</a:t>
             </a:fld>
             <a:endParaRPr lang="en-US"/>
           </a:p>
@@ -9609,8 +9610,12 @@
               <a:buNone/>
             </a:pPr>
             <a:r>
+              <a:rPr lang="en-US" sz="3200"/>
+              <a:t>This </a:t>
+            </a:r>
+            <a:r>
               <a:rPr lang="en-US" sz="3200" dirty="0"/>
-              <a:t>This Slide Deck:</a:t>
+              <a:t>Slide Deck:</a:t>
             </a:r>
           </a:p>
           <a:p>
@@ -9637,7 +9642,7 @@
             </a:pPr>
             <a:r>
               <a:rPr lang="en-US" sz="3200" dirty="0"/>
-              <a:t>AWS CLI Demoed Code:</a:t>
+              <a:t>Demoed Code:</a:t>
             </a:r>
           </a:p>
           <a:p>
@@ -10631,6 +10636,48 @@
           <a:chExt cx="0" cy="0"/>
         </a:xfrm>
       </p:grpSpPr>
+    </p:spTree>
+    <p:extLst>
+      <p:ext uri="{BB962C8B-B14F-4D97-AF65-F5344CB8AC3E}">
+        <p14:creationId xmlns:p14="http://schemas.microsoft.com/office/powerpoint/2010/main" val="2424483550"/>
+      </p:ext>
+    </p:extLst>
+  </p:cSld>
+  <p:clrMapOvr>
+    <a:masterClrMapping/>
+  </p:clrMapOvr>
+  <mc:AlternateContent xmlns:mc="http://schemas.openxmlformats.org/markup-compatibility/2006" xmlns:p14="http://schemas.microsoft.com/office/powerpoint/2010/main">
+    <mc:Choice Requires="p14">
+      <p:transition spd="med" p14:dur="700">
+        <p:fade/>
+      </p:transition>
+    </mc:Choice>
+    <mc:Fallback xmlns="">
+      <p:transition spd="med">
+        <p:fade/>
+      </p:transition>
+    </mc:Fallback>
+  </mc:AlternateContent>
+</p:sld>
+</file>
+
+<file path=ppt/slides/slide18.xml><?xml version="1.0" encoding="utf-8"?>
+<p:sld xmlns:a="http://schemas.openxmlformats.org/drawingml/2006/main" xmlns:r="http://schemas.openxmlformats.org/officeDocument/2006/relationships" xmlns:p="http://schemas.openxmlformats.org/presentationml/2006/main">
+  <p:cSld>
+    <p:spTree>
+      <p:nvGrpSpPr>
+        <p:cNvPr id="1" name=""/>
+        <p:cNvGrpSpPr/>
+        <p:nvPr/>
+      </p:nvGrpSpPr>
+      <p:grpSpPr>
+        <a:xfrm>
+          <a:off x="0" y="0"/>
+          <a:ext cx="0" cy="0"/>
+          <a:chOff x="0" y="0"/>
+          <a:chExt cx="0" cy="0"/>
+        </a:xfrm>
+      </p:grpSpPr>
       <p:sp>
         <p:nvSpPr>
           <p:cNvPr id="7" name="Title 1">
@@ -10766,7 +10813,7 @@
 </p:sld>
 </file>
 
-<file path=ppt/slides/slide18.xml><?xml version="1.0" encoding="utf-8"?>
+<file path=ppt/slides/slide19.xml><?xml version="1.0" encoding="utf-8"?>
 <p:sld xmlns:a="http://schemas.openxmlformats.org/drawingml/2006/main" xmlns:r="http://schemas.openxmlformats.org/officeDocument/2006/relationships" xmlns:p="http://schemas.openxmlformats.org/presentationml/2006/main">
   <p:cSld>
     <p:spTree>
@@ -10787,91 +10834,6 @@
     <p:extLst>
       <p:ext uri="{BB962C8B-B14F-4D97-AF65-F5344CB8AC3E}">
         <p14:creationId xmlns:p14="http://schemas.microsoft.com/office/powerpoint/2010/main" val="1697413467"/>
-      </p:ext>
-    </p:extLst>
-  </p:cSld>
-  <p:clrMapOvr>
-    <a:masterClrMapping/>
-  </p:clrMapOvr>
-  <mc:AlternateContent xmlns:mc="http://schemas.openxmlformats.org/markup-compatibility/2006" xmlns:p14="http://schemas.microsoft.com/office/powerpoint/2010/main">
-    <mc:Choice Requires="p14">
-      <p:transition spd="med" p14:dur="700">
-        <p:fade/>
-      </p:transition>
-    </mc:Choice>
-    <mc:Fallback xmlns="">
-      <p:transition spd="med">
-        <p:fade/>
-      </p:transition>
-    </mc:Fallback>
-  </mc:AlternateContent>
-</p:sld>
-</file>
-
-<file path=ppt/slides/slide19.xml><?xml version="1.0" encoding="utf-8"?>
-<p:sld xmlns:a="http://schemas.openxmlformats.org/drawingml/2006/main" xmlns:r="http://schemas.openxmlformats.org/officeDocument/2006/relationships" xmlns:p="http://schemas.openxmlformats.org/presentationml/2006/main">
-  <p:cSld>
-    <p:spTree>
-      <p:nvGrpSpPr>
-        <p:cNvPr id="1" name=""/>
-        <p:cNvGrpSpPr/>
-        <p:nvPr/>
-      </p:nvGrpSpPr>
-      <p:grpSpPr>
-        <a:xfrm>
-          <a:off x="0" y="0"/>
-          <a:ext cx="0" cy="0"/>
-          <a:chOff x="0" y="0"/>
-          <a:chExt cx="0" cy="0"/>
-        </a:xfrm>
-      </p:grpSpPr>
-      <p:sp>
-        <p:nvSpPr>
-          <p:cNvPr id="14" name="Content Placeholder 13"/>
-          <p:cNvSpPr>
-            <a:spLocks noGrp="1"/>
-          </p:cNvSpPr>
-          <p:nvPr>
-            <p:ph sz="quarter" idx="13"/>
-          </p:nvPr>
-        </p:nvSpPr>
-        <p:spPr>
-          <a:xfrm>
-            <a:off x="427702" y="2352366"/>
-            <a:ext cx="11636479" cy="2352368"/>
-          </a:xfrm>
-        </p:spPr>
-        <p:txBody>
-          <a:bodyPr>
-            <a:normAutofit/>
-          </a:bodyPr>
-          <a:lstStyle/>
-          <a:p>
-            <a:pPr lvl="0"/>
-            <a:r>
-              <a:rPr lang="en-US" sz="2400" dirty="0"/>
-              <a:t>So instead of you having to copy anything down or me having to type much,  I've already put the entire presentation in a batch file which you can get from here:</a:t>
-            </a:r>
-          </a:p>
-          <a:p>
-            <a:pPr lvl="0"/>
-            <a:endParaRPr lang="en-US" sz="2400" dirty="0"/>
-          </a:p>
-          <a:p>
-            <a:pPr marL="0" lvl="0" indent="0">
-              <a:buNone/>
-            </a:pPr>
-            <a:r>
-              <a:rPr lang="en-US" sz="2400" dirty="0"/>
-              <a:t>https://github.com/jonathan-r-jones/Composable-Batch-Files/blob/master/jaws.bat</a:t>
-            </a:r>
-          </a:p>
-        </p:txBody>
-      </p:sp>
-    </p:spTree>
-    <p:extLst>
-      <p:ext uri="{BB962C8B-B14F-4D97-AF65-F5344CB8AC3E}">
-        <p14:creationId xmlns:p14="http://schemas.microsoft.com/office/powerpoint/2010/main" val="632758202"/>
       </p:ext>
     </p:extLst>
   </p:cSld>
@@ -11291,13 +11253,7 @@
       </p:grpSpPr>
       <p:sp>
         <p:nvSpPr>
-          <p:cNvPr id="3" name="Content Placeholder 2">
-            <a:extLst>
-              <a:ext uri="{FF2B5EF4-FFF2-40B4-BE49-F238E27FC236}">
-                <a16:creationId xmlns:a16="http://schemas.microsoft.com/office/drawing/2014/main" id="{A3BBF652-E1AD-4B4D-93B0-853AE3C72523}"/>
-              </a:ext>
-            </a:extLst>
-          </p:cNvPr>
+          <p:cNvPr id="14" name="Content Placeholder 13"/>
           <p:cNvSpPr>
             <a:spLocks noGrp="1"/>
           </p:cNvSpPr>
@@ -11307,8 +11263,8 @@
         </p:nvSpPr>
         <p:spPr>
           <a:xfrm>
-            <a:off x="812800" y="1600200"/>
-            <a:ext cx="10566400" cy="4114800"/>
+            <a:off x="427702" y="2352366"/>
+            <a:ext cx="11636479" cy="2352368"/>
           </a:xfrm>
         </p:spPr>
         <p:txBody>
@@ -11317,28 +11273,31 @@
           </a:bodyPr>
           <a:lstStyle/>
           <a:p>
-            <a:pPr marL="0" indent="0">
+            <a:pPr lvl="0"/>
+            <a:r>
+              <a:rPr lang="en-US" sz="2400" dirty="0"/>
+              <a:t>So instead of you having to copy anything down or me having to type much,  I've already put the entire presentation in a batch file which you can get from here:</a:t>
+            </a:r>
+          </a:p>
+          <a:p>
+            <a:pPr lvl="0"/>
+            <a:endParaRPr lang="en-US" sz="2400" dirty="0"/>
+          </a:p>
+          <a:p>
+            <a:pPr marL="0" lvl="0" indent="0">
               <a:buNone/>
             </a:pPr>
             <a:r>
-              <a:rPr lang="en-US" sz="3600" dirty="0"/>
-              <a:t>I studied Terraform and AWS CLI. I find Terraform syntax to be a little alien. The only reason to use Terraform as far as I can tell is because it works on Azure, whereas AWS CLI does not. Well we're not using Azure. Are we? Seems like most people working at Dev </a:t>
-            </a:r>
-            <a:r>
-              <a:rPr lang="en-US" sz="3600"/>
-              <a:t>use Terraform.</a:t>
-            </a:r>
-            <a:endParaRPr lang="en-US" sz="3600" dirty="0"/>
-          </a:p>
-          <a:p>
-            <a:endParaRPr lang="en-US" sz="3600" dirty="0"/>
+              <a:rPr lang="en-US" sz="2400" dirty="0"/>
+              <a:t>https://github.com/jonathan-r-jones/Composable-Batch-Files/blob/master/jaws.bat</a:t>
+            </a:r>
           </a:p>
         </p:txBody>
       </p:sp>
     </p:spTree>
     <p:extLst>
       <p:ext uri="{BB962C8B-B14F-4D97-AF65-F5344CB8AC3E}">
-        <p14:creationId xmlns:p14="http://schemas.microsoft.com/office/powerpoint/2010/main" val="890818756"/>
+        <p14:creationId xmlns:p14="http://schemas.microsoft.com/office/powerpoint/2010/main" val="632758202"/>
       </p:ext>
     </p:extLst>
   </p:cSld>
@@ -11379,6 +11338,94 @@
       </p:grpSpPr>
       <p:sp>
         <p:nvSpPr>
+          <p:cNvPr id="3" name="Content Placeholder 2">
+            <a:extLst>
+              <a:ext uri="{FF2B5EF4-FFF2-40B4-BE49-F238E27FC236}">
+                <a16:creationId xmlns:a16="http://schemas.microsoft.com/office/drawing/2014/main" id="{A3BBF652-E1AD-4B4D-93B0-853AE3C72523}"/>
+              </a:ext>
+            </a:extLst>
+          </p:cNvPr>
+          <p:cNvSpPr>
+            <a:spLocks noGrp="1"/>
+          </p:cNvSpPr>
+          <p:nvPr>
+            <p:ph sz="quarter" idx="13"/>
+          </p:nvPr>
+        </p:nvSpPr>
+        <p:spPr>
+          <a:xfrm>
+            <a:off x="812800" y="1600200"/>
+            <a:ext cx="10566400" cy="4114800"/>
+          </a:xfrm>
+        </p:spPr>
+        <p:txBody>
+          <a:bodyPr>
+            <a:normAutofit/>
+          </a:bodyPr>
+          <a:lstStyle/>
+          <a:p>
+            <a:pPr marL="0" indent="0">
+              <a:buNone/>
+            </a:pPr>
+            <a:r>
+              <a:rPr lang="en-US" sz="3600" dirty="0"/>
+              <a:t>I studied Terraform and AWS CLI. I find Terraform syntax to be a little alien. The only reason to use Terraform as far as I can tell is because it works on Azure, whereas AWS CLI does not. Well we're not using Azure. Are we? Seems like most people working at Dev </a:t>
+            </a:r>
+            <a:r>
+              <a:rPr lang="en-US" sz="3600"/>
+              <a:t>use Terraform.</a:t>
+            </a:r>
+            <a:endParaRPr lang="en-US" sz="3600" dirty="0"/>
+          </a:p>
+          <a:p>
+            <a:endParaRPr lang="en-US" sz="3600" dirty="0"/>
+          </a:p>
+        </p:txBody>
+      </p:sp>
+    </p:spTree>
+    <p:extLst>
+      <p:ext uri="{BB962C8B-B14F-4D97-AF65-F5344CB8AC3E}">
+        <p14:creationId xmlns:p14="http://schemas.microsoft.com/office/powerpoint/2010/main" val="890818756"/>
+      </p:ext>
+    </p:extLst>
+  </p:cSld>
+  <p:clrMapOvr>
+    <a:masterClrMapping/>
+  </p:clrMapOvr>
+  <mc:AlternateContent xmlns:mc="http://schemas.openxmlformats.org/markup-compatibility/2006" xmlns:p14="http://schemas.microsoft.com/office/powerpoint/2010/main">
+    <mc:Choice Requires="p14">
+      <p:transition spd="med" p14:dur="700">
+        <p:fade/>
+      </p:transition>
+    </mc:Choice>
+    <mc:Fallback xmlns="">
+      <p:transition spd="med">
+        <p:fade/>
+      </p:transition>
+    </mc:Fallback>
+  </mc:AlternateContent>
+</p:sld>
+</file>
+
+<file path=ppt/slides/slide22.xml><?xml version="1.0" encoding="utf-8"?>
+<p:sld xmlns:a="http://schemas.openxmlformats.org/drawingml/2006/main" xmlns:r="http://schemas.openxmlformats.org/officeDocument/2006/relationships" xmlns:p="http://schemas.openxmlformats.org/presentationml/2006/main">
+  <p:cSld>
+    <p:spTree>
+      <p:nvGrpSpPr>
+        <p:cNvPr id="1" name=""/>
+        <p:cNvGrpSpPr/>
+        <p:nvPr/>
+      </p:nvGrpSpPr>
+      <p:grpSpPr>
+        <a:xfrm>
+          <a:off x="0" y="0"/>
+          <a:ext cx="0" cy="0"/>
+          <a:chOff x="0" y="0"/>
+          <a:chExt cx="0" cy="0"/>
+        </a:xfrm>
+      </p:grpSpPr>
+      <p:sp>
+        <p:nvSpPr>
           <p:cNvPr id="13" name="Title 12"/>
           <p:cNvSpPr>
             <a:spLocks noGrp="1"/>
@@ -11475,7 +11522,7 @@
 </p:sld>
 </file>
 
-<file path=ppt/slides/slide22.xml><?xml version="1.0" encoding="utf-8"?>
+<file path=ppt/slides/slide23.xml><?xml version="1.0" encoding="utf-8"?>
 <p:sld xmlns:a="http://schemas.openxmlformats.org/drawingml/2006/main" xmlns:r="http://schemas.openxmlformats.org/officeDocument/2006/relationships" xmlns:p="http://schemas.openxmlformats.org/presentationml/2006/main">
   <p:cSld>
     <p:spTree>
@@ -11564,7 +11611,7 @@
 </p:sld>
 </file>
 
-<file path=ppt/slides/slide23.xml><?xml version="1.0" encoding="utf-8"?>
+<file path=ppt/slides/slide24.xml><?xml version="1.0" encoding="utf-8"?>
 <p:sld xmlns:a="http://schemas.openxmlformats.org/drawingml/2006/main" xmlns:r="http://schemas.openxmlformats.org/officeDocument/2006/relationships" xmlns:p="http://schemas.openxmlformats.org/presentationml/2006/main">
   <p:cSld>
     <p:spTree>
@@ -11907,7 +11954,7 @@
 </p:sld>
 </file>
 
-<file path=ppt/slides/slide24.xml><?xml version="1.0" encoding="utf-8"?>
+<file path=ppt/slides/slide25.xml><?xml version="1.0" encoding="utf-8"?>
 <p:sld xmlns:a="http://schemas.openxmlformats.org/drawingml/2006/main" xmlns:r="http://schemas.openxmlformats.org/officeDocument/2006/relationships" xmlns:p="http://schemas.openxmlformats.org/presentationml/2006/main">
   <p:cSld>
     <p:spTree>

--- a/jaws.pptx
+++ b/jaws.pptx
@@ -5,10 +5,10 @@
     <p:sldMasterId id="2147483756" r:id="rId4"/>
   </p:sldMasterIdLst>
   <p:notesMasterIdLst>
-    <p:notesMasterId r:id="rId30"/>
+    <p:notesMasterId r:id="rId31"/>
   </p:notesMasterIdLst>
   <p:handoutMasterIdLst>
-    <p:handoutMasterId r:id="rId31"/>
+    <p:handoutMasterId r:id="rId32"/>
   </p:handoutMasterIdLst>
   <p:sldIdLst>
     <p:sldId id="259" r:id="rId5"/>
@@ -19,23 +19,24 @@
     <p:sldId id="273" r:id="rId10"/>
     <p:sldId id="268" r:id="rId11"/>
     <p:sldId id="265" r:id="rId12"/>
-    <p:sldId id="286" r:id="rId13"/>
-    <p:sldId id="266" r:id="rId14"/>
-    <p:sldId id="267" r:id="rId15"/>
-    <p:sldId id="276" r:id="rId16"/>
-    <p:sldId id="283" r:id="rId17"/>
+    <p:sldId id="283" r:id="rId13"/>
+    <p:sldId id="286" r:id="rId14"/>
+    <p:sldId id="266" r:id="rId15"/>
+    <p:sldId id="267" r:id="rId16"/>
+    <p:sldId id="276" r:id="rId17"/>
     <p:sldId id="285" r:id="rId18"/>
     <p:sldId id="284" r:id="rId19"/>
-    <p:sldId id="278" r:id="rId20"/>
-    <p:sldId id="287" r:id="rId21"/>
-    <p:sldId id="270" r:id="rId22"/>
-    <p:sldId id="279" r:id="rId23"/>
-    <p:sldId id="272" r:id="rId24"/>
-    <p:sldId id="271" r:id="rId25"/>
-    <p:sldId id="269" r:id="rId26"/>
-    <p:sldId id="261" r:id="rId27"/>
-    <p:sldId id="262" r:id="rId28"/>
-    <p:sldId id="263" r:id="rId29"/>
+    <p:sldId id="288" r:id="rId20"/>
+    <p:sldId id="278" r:id="rId21"/>
+    <p:sldId id="287" r:id="rId22"/>
+    <p:sldId id="270" r:id="rId23"/>
+    <p:sldId id="279" r:id="rId24"/>
+    <p:sldId id="272" r:id="rId25"/>
+    <p:sldId id="271" r:id="rId26"/>
+    <p:sldId id="269" r:id="rId27"/>
+    <p:sldId id="261" r:id="rId28"/>
+    <p:sldId id="262" r:id="rId29"/>
+    <p:sldId id="263" r:id="rId30"/>
   </p:sldIdLst>
   <p:sldSz cx="12192000" cy="6858000"/>
   <p:notesSz cx="6858000" cy="9144000"/>
@@ -4384,7 +4385,7 @@
           <a:p>
             <a:fld id="{50FABAFA-9D90-4B6C-95A1-503043E46FAB}" type="datetimeFigureOut">
               <a:rPr lang="en-US" smtClean="0"/>
-              <a:t>2/28/2019</a:t>
+              <a:t>3/18/2019</a:t>
             </a:fld>
             <a:endParaRPr lang="en-US"/>
           </a:p>
@@ -4549,7 +4550,7 @@
           <a:p>
             <a:fld id="{AC15EB1F-8DE4-48C3-A804-A05846A4049F}" type="datetimeFigureOut">
               <a:rPr lang="en-US" smtClean="0"/>
-              <a:t>2/28/2019</a:t>
+              <a:t>3/18/2019</a:t>
             </a:fld>
             <a:endParaRPr lang="en-US"/>
           </a:p>
@@ -5049,7 +5050,7 @@
           <a:p>
             <a:fld id="{8AD115C9-E24C-4512-AA8B-319BB49F77B5}" type="slidenum">
               <a:rPr lang="en-US" smtClean="0"/>
-              <a:t>18</a:t>
+              <a:t>19</a:t>
             </a:fld>
             <a:endParaRPr lang="en-US"/>
           </a:p>
@@ -5309,7 +5310,7 @@
           <a:p>
             <a:fld id="{CE5E0A0C-FFF2-4105-9F07-796FCC3D8DE3}" type="datetime1">
               <a:rPr lang="en-US" smtClean="0"/>
-              <a:t>2/28/2019</a:t>
+              <a:t>3/18/2019</a:t>
             </a:fld>
             <a:endParaRPr lang="en-US"/>
           </a:p>
@@ -5535,7 +5536,7 @@
           <a:p>
             <a:fld id="{4A5D68D4-D432-4190-8060-492B59F98A87}" type="datetime1">
               <a:rPr lang="en-US" smtClean="0"/>
-              <a:t>2/28/2019</a:t>
+              <a:t>3/18/2019</a:t>
             </a:fld>
             <a:endParaRPr lang="en-US"/>
           </a:p>
@@ -5771,7 +5772,7 @@
           <a:p>
             <a:fld id="{5AF4EF83-7D73-495D-9915-41737B990DFC}" type="datetime1">
               <a:rPr lang="en-US" smtClean="0"/>
-              <a:t>2/28/2019</a:t>
+              <a:t>3/18/2019</a:t>
             </a:fld>
             <a:endParaRPr lang="en-US"/>
           </a:p>
@@ -6108,7 +6109,7 @@
           <a:p>
             <a:fld id="{73DF2905-D7E2-4171-961B-8EB802C66F9A}" type="datetime1">
               <a:rPr lang="en-US" smtClean="0"/>
-              <a:t>2/28/2019</a:t>
+              <a:t>3/18/2019</a:t>
             </a:fld>
             <a:endParaRPr lang="en-US"/>
           </a:p>
@@ -6371,7 +6372,7 @@
           <a:p>
             <a:fld id="{82C1B47C-16BC-4A9F-9E6E-9D1F33DC8ABD}" type="datetime1">
               <a:rPr lang="en-US" smtClean="0"/>
-              <a:t>2/28/2019</a:t>
+              <a:t>3/18/2019</a:t>
             </a:fld>
             <a:endParaRPr lang="en-US"/>
           </a:p>
@@ -6787,7 +6788,7 @@
           <a:p>
             <a:fld id="{0C073DF2-DD31-447B-89F4-CEF82A94D7A7}" type="datetime1">
               <a:rPr lang="en-US" smtClean="0"/>
-              <a:t>2/28/2019</a:t>
+              <a:t>3/18/2019</a:t>
             </a:fld>
             <a:endParaRPr lang="en-US"/>
           </a:p>
@@ -7319,7 +7320,7 @@
           <a:p>
             <a:fld id="{1551BB0C-CFA8-4A1F-9AAE-D6B32E8256E7}" type="datetime1">
               <a:rPr lang="en-US" smtClean="0"/>
-              <a:t>2/28/2019</a:t>
+              <a:t>3/18/2019</a:t>
             </a:fld>
             <a:endParaRPr lang="en-US"/>
           </a:p>
@@ -7457,7 +7458,7 @@
           <a:p>
             <a:fld id="{2752348D-B72F-4FC3-A127-851C5E7B3A9E}" type="datetime1">
               <a:rPr lang="en-US" smtClean="0"/>
-              <a:t>2/28/2019</a:t>
+              <a:t>3/18/2019</a:t>
             </a:fld>
             <a:endParaRPr lang="en-US"/>
           </a:p>
@@ -7567,7 +7568,7 @@
           <a:p>
             <a:fld id="{D666EB1B-704A-4D5E-8D5F-456104532486}" type="datetime1">
               <a:rPr lang="en-US" smtClean="0"/>
-              <a:t>2/28/2019</a:t>
+              <a:t>3/18/2019</a:t>
             </a:fld>
             <a:endParaRPr lang="en-US"/>
           </a:p>
@@ -7880,7 +7881,7 @@
           <a:p>
             <a:fld id="{D96AFBEB-CD4D-45C5-9851-D1FF1EB5AB85}" type="datetime1">
               <a:rPr lang="en-US" smtClean="0"/>
-              <a:t>2/28/2019</a:t>
+              <a:t>3/18/2019</a:t>
             </a:fld>
             <a:endParaRPr lang="en-US"/>
           </a:p>
@@ -8128,7 +8129,7 @@
           <a:p>
             <a:fld id="{B285B7EB-0ACD-4247-AA3F-1B0B49109B84}" type="datetime1">
               <a:rPr lang="en-US" smtClean="0"/>
-              <a:t>2/28/2019</a:t>
+              <a:t>3/18/2019</a:t>
             </a:fld>
             <a:endParaRPr lang="en-US"/>
           </a:p>
@@ -8428,7 +8429,7 @@
             <a:fld id="{8254F2F0-E062-4E41-9176-AEE9734E64AC}" type="datetime1">
               <a:rPr lang="en-US" smtClean="0"/>
               <a:pPr/>
-              <a:t>2/28/2019</a:t>
+              <a:t>3/18/2019</a:t>
             </a:fld>
             <a:endParaRPr lang="en-US" dirty="0"/>
           </a:p>
@@ -9036,6 +9037,78 @@
           <a:chExt cx="0" cy="0"/>
         </a:xfrm>
       </p:grpSpPr>
+      <p:pic>
+        <p:nvPicPr>
+          <p:cNvPr id="7" name="Picture 6">
+            <a:extLst>
+              <a:ext uri="{FF2B5EF4-FFF2-40B4-BE49-F238E27FC236}">
+                <a16:creationId xmlns:a16="http://schemas.microsoft.com/office/drawing/2014/main" id="{5BE9184F-F843-4C6D-AE39-07D006F3862A}"/>
+              </a:ext>
+            </a:extLst>
+          </p:cNvPr>
+          <p:cNvPicPr>
+            <a:picLocks noChangeAspect="1"/>
+          </p:cNvPicPr>
+          <p:nvPr/>
+        </p:nvPicPr>
+        <p:blipFill>
+          <a:blip r:embed="rId2"/>
+          <a:stretch>
+            <a:fillRect/>
+          </a:stretch>
+        </p:blipFill>
+        <p:spPr>
+          <a:xfrm>
+            <a:off x="1068737" y="0"/>
+            <a:ext cx="10054525" cy="6858000"/>
+          </a:xfrm>
+          <a:prstGeom prst="rect">
+            <a:avLst/>
+          </a:prstGeom>
+        </p:spPr>
+      </p:pic>
+    </p:spTree>
+    <p:extLst>
+      <p:ext uri="{BB962C8B-B14F-4D97-AF65-F5344CB8AC3E}">
+        <p14:creationId xmlns:p14="http://schemas.microsoft.com/office/powerpoint/2010/main" val="2525496970"/>
+      </p:ext>
+    </p:extLst>
+  </p:cSld>
+  <p:clrMapOvr>
+    <a:masterClrMapping/>
+  </p:clrMapOvr>
+  <mc:AlternateContent xmlns:mc="http://schemas.openxmlformats.org/markup-compatibility/2006" xmlns:p14="http://schemas.microsoft.com/office/powerpoint/2010/main">
+    <mc:Choice Requires="p14">
+      <p:transition spd="med" p14:dur="700">
+        <p:fade/>
+      </p:transition>
+    </mc:Choice>
+    <mc:Fallback xmlns="">
+      <p:transition spd="med">
+        <p:fade/>
+      </p:transition>
+    </mc:Fallback>
+  </mc:AlternateContent>
+</p:sld>
+</file>
+
+<file path=ppt/slides/slide11.xml><?xml version="1.0" encoding="utf-8"?>
+<p:sld xmlns:a="http://schemas.openxmlformats.org/drawingml/2006/main" xmlns:r="http://schemas.openxmlformats.org/officeDocument/2006/relationships" xmlns:p="http://schemas.openxmlformats.org/presentationml/2006/main">
+  <p:cSld>
+    <p:spTree>
+      <p:nvGrpSpPr>
+        <p:cNvPr id="1" name=""/>
+        <p:cNvGrpSpPr/>
+        <p:nvPr/>
+      </p:nvGrpSpPr>
+      <p:grpSpPr>
+        <a:xfrm>
+          <a:off x="0" y="0"/>
+          <a:ext cx="0" cy="0"/>
+          <a:chOff x="0" y="0"/>
+          <a:chExt cx="0" cy="0"/>
+        </a:xfrm>
+      </p:grpSpPr>
       <p:sp>
         <p:nvSpPr>
           <p:cNvPr id="3" name="Subtitle 2">
@@ -9347,7 +9420,7 @@
 </p:sld>
 </file>
 
-<file path=ppt/slides/slide11.xml><?xml version="1.0" encoding="utf-8"?>
+<file path=ppt/slides/slide12.xml><?xml version="1.0" encoding="utf-8"?>
 <p:sld xmlns:a="http://schemas.openxmlformats.org/drawingml/2006/main" xmlns:r="http://schemas.openxmlformats.org/officeDocument/2006/relationships" xmlns:p="http://schemas.openxmlformats.org/presentationml/2006/main">
   <p:cSld>
     <p:spTree>
@@ -9540,7 +9613,7 @@
 </p:sld>
 </file>
 
-<file path=ppt/slides/slide12.xml><?xml version="1.0" encoding="utf-8"?>
+<file path=ppt/slides/slide13.xml><?xml version="1.0" encoding="utf-8"?>
 <p:sld xmlns:a="http://schemas.openxmlformats.org/drawingml/2006/main" xmlns:r="http://schemas.openxmlformats.org/officeDocument/2006/relationships" xmlns:p="http://schemas.openxmlformats.org/presentationml/2006/main">
   <p:cSld>
     <p:spTree>
@@ -9685,397 +9758,6 @@
     <p:extLst>
       <p:ext uri="{BB962C8B-B14F-4D97-AF65-F5344CB8AC3E}">
         <p14:creationId xmlns:p14="http://schemas.microsoft.com/office/powerpoint/2010/main" val="3846270424"/>
-      </p:ext>
-    </p:extLst>
-  </p:cSld>
-  <p:clrMapOvr>
-    <a:masterClrMapping/>
-  </p:clrMapOvr>
-  <mc:AlternateContent xmlns:mc="http://schemas.openxmlformats.org/markup-compatibility/2006" xmlns:p14="http://schemas.microsoft.com/office/powerpoint/2010/main">
-    <mc:Choice Requires="p14">
-      <p:transition spd="med" p14:dur="700">
-        <p:fade/>
-      </p:transition>
-    </mc:Choice>
-    <mc:Fallback xmlns="">
-      <p:transition spd="med">
-        <p:fade/>
-      </p:transition>
-    </mc:Fallback>
-  </mc:AlternateContent>
-</p:sld>
-</file>
-
-<file path=ppt/slides/slide13.xml><?xml version="1.0" encoding="utf-8"?>
-<p:sld xmlns:a="http://schemas.openxmlformats.org/drawingml/2006/main" xmlns:r="http://schemas.openxmlformats.org/officeDocument/2006/relationships" xmlns:p="http://schemas.openxmlformats.org/presentationml/2006/main">
-  <p:cSld>
-    <p:spTree>
-      <p:nvGrpSpPr>
-        <p:cNvPr id="1" name=""/>
-        <p:cNvGrpSpPr/>
-        <p:nvPr/>
-      </p:nvGrpSpPr>
-      <p:grpSpPr>
-        <a:xfrm>
-          <a:off x="0" y="0"/>
-          <a:ext cx="0" cy="0"/>
-          <a:chOff x="0" y="0"/>
-          <a:chExt cx="0" cy="0"/>
-        </a:xfrm>
-      </p:grpSpPr>
-      <p:sp>
-        <p:nvSpPr>
-          <p:cNvPr id="2" name="Title 1">
-            <a:extLst>
-              <a:ext uri="{FF2B5EF4-FFF2-40B4-BE49-F238E27FC236}">
-                <a16:creationId xmlns:a16="http://schemas.microsoft.com/office/drawing/2014/main" id="{C17BA615-E3C3-4579-9EC2-CFCE37CF9604}"/>
-              </a:ext>
-            </a:extLst>
-          </p:cNvPr>
-          <p:cNvSpPr>
-            <a:spLocks noGrp="1"/>
-          </p:cNvSpPr>
-          <p:nvPr>
-            <p:ph type="title"/>
-          </p:nvPr>
-        </p:nvSpPr>
-        <p:spPr>
-          <a:xfrm>
-            <a:off x="802972" y="628595"/>
-            <a:ext cx="10566400" cy="802002"/>
-          </a:xfrm>
-        </p:spPr>
-        <p:txBody>
-          <a:bodyPr/>
-          <a:lstStyle/>
-          <a:p>
-            <a:pPr algn="ctr"/>
-            <a:r>
-              <a:rPr lang="en-US" dirty="0"/>
-              <a:t>Creating a key pair</a:t>
-            </a:r>
-          </a:p>
-        </p:txBody>
-      </p:sp>
-      <p:sp>
-        <p:nvSpPr>
-          <p:cNvPr id="9" name="Content Placeholder 2">
-            <a:extLst>
-              <a:ext uri="{FF2B5EF4-FFF2-40B4-BE49-F238E27FC236}">
-                <a16:creationId xmlns:a16="http://schemas.microsoft.com/office/drawing/2014/main" id="{82D45AB6-E6C4-4696-A3FA-C1356B6D4A13}"/>
-              </a:ext>
-            </a:extLst>
-          </p:cNvPr>
-          <p:cNvSpPr txBox="1">
-            <a:spLocks/>
-          </p:cNvSpPr>
-          <p:nvPr/>
-        </p:nvSpPr>
-        <p:spPr>
-          <a:xfrm>
-            <a:off x="847216" y="1887795"/>
-            <a:ext cx="10566400" cy="4223626"/>
-          </a:xfrm>
-          <a:prstGeom prst="rect">
-            <a:avLst/>
-          </a:prstGeom>
-        </p:spPr>
-        <p:txBody>
-          <a:bodyPr vert="horz" lIns="91440" tIns="45720" rIns="91440" bIns="45720" rtlCol="0">
-            <a:normAutofit/>
-          </a:bodyPr>
-          <a:lstStyle>
-            <a:lvl1pPr marL="342900" indent="-342900" algn="l" defTabSz="914400" rtl="0" eaLnBrk="1" latinLnBrk="0" hangingPunct="1">
-              <a:lnSpc>
-                <a:spcPct val="100000"/>
-              </a:lnSpc>
-              <a:spcBef>
-                <a:spcPct val="20000"/>
-              </a:spcBef>
-              <a:spcAft>
-                <a:spcPts val="600"/>
-              </a:spcAft>
-              <a:buClr>
-                <a:schemeClr val="tx2">
-                  <a:lumMod val="50000"/>
-                </a:schemeClr>
-              </a:buClr>
-              <a:buFont typeface="Arial" pitchFamily="34" charset="0"/>
-              <a:buChar char="•"/>
-              <a:defRPr sz="2000" kern="1200" spc="30" baseline="0">
-                <a:solidFill>
-                  <a:schemeClr val="tx2">
-                    <a:lumMod val="50000"/>
-                  </a:schemeClr>
-                </a:solidFill>
-                <a:latin typeface="+mn-lt"/>
-                <a:ea typeface="+mn-ea"/>
-                <a:cs typeface="+mn-cs"/>
-              </a:defRPr>
-            </a:lvl1pPr>
-            <a:lvl2pPr marL="742950" indent="-285750" algn="l" defTabSz="914400" rtl="0" eaLnBrk="1" latinLnBrk="0" hangingPunct="1">
-              <a:lnSpc>
-                <a:spcPct val="100000"/>
-              </a:lnSpc>
-              <a:spcBef>
-                <a:spcPct val="20000"/>
-              </a:spcBef>
-              <a:spcAft>
-                <a:spcPts val="600"/>
-              </a:spcAft>
-              <a:buClr>
-                <a:schemeClr val="tx2">
-                  <a:lumMod val="50000"/>
-                </a:schemeClr>
-              </a:buClr>
-              <a:buFont typeface="Arial" pitchFamily="34" charset="0"/>
-              <a:buChar char="•"/>
-              <a:defRPr sz="2000" kern="1200" spc="30" baseline="0">
-                <a:solidFill>
-                  <a:schemeClr val="tx2">
-                    <a:lumMod val="50000"/>
-                  </a:schemeClr>
-                </a:solidFill>
-                <a:latin typeface="+mn-lt"/>
-                <a:ea typeface="+mn-ea"/>
-                <a:cs typeface="+mn-cs"/>
-              </a:defRPr>
-            </a:lvl2pPr>
-            <a:lvl3pPr marL="1143000" indent="-228600" algn="l" defTabSz="914400" rtl="0" eaLnBrk="1" latinLnBrk="0" hangingPunct="1">
-              <a:lnSpc>
-                <a:spcPct val="100000"/>
-              </a:lnSpc>
-              <a:spcBef>
-                <a:spcPct val="20000"/>
-              </a:spcBef>
-              <a:spcAft>
-                <a:spcPts val="600"/>
-              </a:spcAft>
-              <a:buClr>
-                <a:schemeClr val="tx2">
-                  <a:lumMod val="50000"/>
-                </a:schemeClr>
-              </a:buClr>
-              <a:buFont typeface="Arial" pitchFamily="34" charset="0"/>
-              <a:buChar char="•"/>
-              <a:defRPr sz="2000" kern="1200" spc="30" baseline="0">
-                <a:solidFill>
-                  <a:schemeClr val="tx2">
-                    <a:lumMod val="50000"/>
-                  </a:schemeClr>
-                </a:solidFill>
-                <a:latin typeface="+mn-lt"/>
-                <a:ea typeface="+mn-ea"/>
-                <a:cs typeface="+mn-cs"/>
-              </a:defRPr>
-            </a:lvl3pPr>
-            <a:lvl4pPr marL="1600200" indent="-228600" algn="l" defTabSz="914400" rtl="0" eaLnBrk="1" latinLnBrk="0" hangingPunct="1">
-              <a:lnSpc>
-                <a:spcPct val="100000"/>
-              </a:lnSpc>
-              <a:spcBef>
-                <a:spcPct val="20000"/>
-              </a:spcBef>
-              <a:spcAft>
-                <a:spcPts val="600"/>
-              </a:spcAft>
-              <a:buClr>
-                <a:schemeClr val="tx2">
-                  <a:lumMod val="50000"/>
-                </a:schemeClr>
-              </a:buClr>
-              <a:buFont typeface="Arial" pitchFamily="34" charset="0"/>
-              <a:buChar char="•"/>
-              <a:defRPr sz="2000" kern="1200" spc="30" baseline="0">
-                <a:solidFill>
-                  <a:schemeClr val="tx2">
-                    <a:lumMod val="50000"/>
-                  </a:schemeClr>
-                </a:solidFill>
-                <a:latin typeface="+mn-lt"/>
-                <a:ea typeface="+mn-ea"/>
-                <a:cs typeface="+mn-cs"/>
-              </a:defRPr>
-            </a:lvl4pPr>
-            <a:lvl5pPr marL="2057400" indent="-228600" algn="l" defTabSz="914400" rtl="0" eaLnBrk="1" latinLnBrk="0" hangingPunct="1">
-              <a:lnSpc>
-                <a:spcPct val="100000"/>
-              </a:lnSpc>
-              <a:spcBef>
-                <a:spcPct val="20000"/>
-              </a:spcBef>
-              <a:spcAft>
-                <a:spcPts val="600"/>
-              </a:spcAft>
-              <a:buClr>
-                <a:schemeClr val="tx2">
-                  <a:lumMod val="50000"/>
-                </a:schemeClr>
-              </a:buClr>
-              <a:buFont typeface="Arial" pitchFamily="34" charset="0"/>
-              <a:buChar char="•"/>
-              <a:defRPr sz="2000" kern="1200" spc="30" baseline="0">
-                <a:solidFill>
-                  <a:schemeClr val="tx2">
-                    <a:lumMod val="50000"/>
-                  </a:schemeClr>
-                </a:solidFill>
-                <a:latin typeface="+mn-lt"/>
-                <a:ea typeface="+mn-ea"/>
-                <a:cs typeface="+mn-cs"/>
-              </a:defRPr>
-            </a:lvl5pPr>
-            <a:lvl6pPr marL="2514600" indent="-228600" algn="l" defTabSz="914400" rtl="0" eaLnBrk="1" latinLnBrk="0" hangingPunct="1">
-              <a:lnSpc>
-                <a:spcPct val="100000"/>
-              </a:lnSpc>
-              <a:spcBef>
-                <a:spcPct val="20000"/>
-              </a:spcBef>
-              <a:spcAft>
-                <a:spcPts val="600"/>
-              </a:spcAft>
-              <a:buClr>
-                <a:schemeClr val="tx2">
-                  <a:lumMod val="50000"/>
-                </a:schemeClr>
-              </a:buClr>
-              <a:buFont typeface="Arial" pitchFamily="34" charset="0"/>
-              <a:buChar char="•"/>
-              <a:defRPr sz="1700" kern="1200">
-                <a:solidFill>
-                  <a:schemeClr val="tx2">
-                    <a:lumMod val="50000"/>
-                  </a:schemeClr>
-                </a:solidFill>
-                <a:latin typeface="+mn-lt"/>
-                <a:ea typeface="+mn-ea"/>
-                <a:cs typeface="+mn-cs"/>
-              </a:defRPr>
-            </a:lvl6pPr>
-            <a:lvl7pPr marL="2971800" indent="-228600" algn="l" defTabSz="914400" rtl="0" eaLnBrk="1" latinLnBrk="0" hangingPunct="1">
-              <a:lnSpc>
-                <a:spcPct val="100000"/>
-              </a:lnSpc>
-              <a:spcBef>
-                <a:spcPct val="20000"/>
-              </a:spcBef>
-              <a:spcAft>
-                <a:spcPts val="600"/>
-              </a:spcAft>
-              <a:buClr>
-                <a:schemeClr val="tx2">
-                  <a:lumMod val="50000"/>
-                </a:schemeClr>
-              </a:buClr>
-              <a:buFont typeface="Arial" pitchFamily="34" charset="0"/>
-              <a:buChar char="•"/>
-              <a:defRPr sz="1700" kern="1200">
-                <a:solidFill>
-                  <a:schemeClr val="tx2">
-                    <a:lumMod val="50000"/>
-                  </a:schemeClr>
-                </a:solidFill>
-                <a:latin typeface="+mn-lt"/>
-                <a:ea typeface="+mn-ea"/>
-                <a:cs typeface="+mn-cs"/>
-              </a:defRPr>
-            </a:lvl7pPr>
-            <a:lvl8pPr marL="3429000" indent="-228600" algn="l" defTabSz="914400" rtl="0" eaLnBrk="1" latinLnBrk="0" hangingPunct="1">
-              <a:lnSpc>
-                <a:spcPct val="100000"/>
-              </a:lnSpc>
-              <a:spcBef>
-                <a:spcPct val="20000"/>
-              </a:spcBef>
-              <a:spcAft>
-                <a:spcPts val="600"/>
-              </a:spcAft>
-              <a:buClr>
-                <a:schemeClr val="tx2">
-                  <a:lumMod val="50000"/>
-                </a:schemeClr>
-              </a:buClr>
-              <a:buFont typeface="Arial" pitchFamily="34" charset="0"/>
-              <a:buChar char="•"/>
-              <a:defRPr sz="1700" kern="1200">
-                <a:solidFill>
-                  <a:schemeClr val="tx2">
-                    <a:lumMod val="50000"/>
-                  </a:schemeClr>
-                </a:solidFill>
-                <a:latin typeface="+mn-lt"/>
-                <a:ea typeface="+mn-ea"/>
-                <a:cs typeface="+mn-cs"/>
-              </a:defRPr>
-            </a:lvl8pPr>
-            <a:lvl9pPr marL="3886200" indent="-228600" algn="l" defTabSz="914400" rtl="0" eaLnBrk="1" latinLnBrk="0" hangingPunct="1">
-              <a:lnSpc>
-                <a:spcPct val="100000"/>
-              </a:lnSpc>
-              <a:spcBef>
-                <a:spcPct val="20000"/>
-              </a:spcBef>
-              <a:spcAft>
-                <a:spcPts val="600"/>
-              </a:spcAft>
-              <a:buClr>
-                <a:schemeClr val="tx2">
-                  <a:lumMod val="50000"/>
-                </a:schemeClr>
-              </a:buClr>
-              <a:buFont typeface="Arial" pitchFamily="34" charset="0"/>
-              <a:buChar char="•"/>
-              <a:defRPr sz="1700" kern="1200">
-                <a:solidFill>
-                  <a:schemeClr val="tx2">
-                    <a:lumMod val="50000"/>
-                  </a:schemeClr>
-                </a:solidFill>
-                <a:latin typeface="+mn-lt"/>
-                <a:ea typeface="+mn-ea"/>
-                <a:cs typeface="+mn-cs"/>
-              </a:defRPr>
-            </a:lvl9pPr>
-          </a:lstStyle>
-          <a:p>
-            <a:pPr marL="0" indent="0">
-              <a:buNone/>
-            </a:pPr>
-            <a:r>
-              <a:rPr lang="en-US" sz="3600" dirty="0"/>
-              <a:t>In order to create a machine instance, you need to create a key pair. Go to the EC2 dashboard and click on “Key Pairs” in the left sidebar.</a:t>
-            </a:r>
-            <a:endParaRPr lang="en-US" sz="3600" dirty="0">
-              <a:solidFill>
-                <a:srgbClr val="FF0000"/>
-              </a:solidFill>
-            </a:endParaRPr>
-          </a:p>
-          <a:p>
-            <a:pPr marL="0" indent="0">
-              <a:buNone/>
-            </a:pPr>
-            <a:endParaRPr lang="en-US" sz="3600" dirty="0"/>
-          </a:p>
-          <a:p>
-            <a:pPr marL="0" indent="0">
-              <a:buNone/>
-            </a:pPr>
-            <a:endParaRPr lang="en-US" sz="3600" dirty="0"/>
-          </a:p>
-          <a:p>
-            <a:pPr marL="0" indent="0">
-              <a:buNone/>
-            </a:pPr>
-            <a:endParaRPr lang="en-US" sz="3600" dirty="0"/>
-          </a:p>
-        </p:txBody>
-      </p:sp>
-    </p:spTree>
-    <p:extLst>
-      <p:ext uri="{BB962C8B-B14F-4D97-AF65-F5344CB8AC3E}">
-        <p14:creationId xmlns:p14="http://schemas.microsoft.com/office/powerpoint/2010/main" val="4073827153"/>
       </p:ext>
     </p:extLst>
   </p:cSld>
@@ -10594,10 +10276,134 @@
           <a:chExt cx="0" cy="0"/>
         </a:xfrm>
       </p:grpSpPr>
+      <p:sp>
+        <p:nvSpPr>
+          <p:cNvPr id="14" name="Content Placeholder 13"/>
+          <p:cNvSpPr>
+            <a:spLocks noGrp="1"/>
+          </p:cNvSpPr>
+          <p:nvPr>
+            <p:ph sz="quarter" idx="13"/>
+          </p:nvPr>
+        </p:nvSpPr>
+        <p:spPr>
+          <a:xfrm>
+            <a:off x="427702" y="901700"/>
+            <a:ext cx="11636479" cy="5003800"/>
+          </a:xfrm>
+        </p:spPr>
+        <p:txBody>
+          <a:bodyPr>
+            <a:normAutofit fontScale="92500" lnSpcReduction="20000"/>
+          </a:bodyPr>
+          <a:lstStyle/>
+          <a:p>
+            <a:pPr marL="0" lvl="0" indent="0">
+              <a:buNone/>
+            </a:pPr>
+            <a:r>
+              <a:rPr lang="en-US" sz="3200" dirty="0"/>
+              <a:t>AWS CLI Command Reference:</a:t>
+            </a:r>
+          </a:p>
+          <a:p>
+            <a:pPr marL="0" lvl="0" indent="0">
+              <a:buNone/>
+            </a:pPr>
+            <a:r>
+              <a:rPr lang="en-US" sz="3200" dirty="0">
+                <a:hlinkClick r:id="rId2"/>
+              </a:rPr>
+              <a:t>https://docs.aws.amazon.com/cli/latest/reference/index.html</a:t>
+            </a:r>
+            <a:endParaRPr lang="en-US" sz="3200" dirty="0"/>
+          </a:p>
+          <a:p>
+            <a:pPr marL="0" lvl="0" indent="0">
+              <a:buNone/>
+            </a:pPr>
+            <a:endParaRPr lang="en-US" sz="3200" dirty="0"/>
+          </a:p>
+          <a:p>
+            <a:pPr marL="0" lvl="0" indent="0">
+              <a:buNone/>
+            </a:pPr>
+            <a:r>
+              <a:rPr lang="en-US" sz="3200"/>
+              <a:t>This </a:t>
+            </a:r>
+            <a:r>
+              <a:rPr lang="en-US" sz="3200" dirty="0"/>
+              <a:t>Slide Deck:</a:t>
+            </a:r>
+          </a:p>
+          <a:p>
+            <a:pPr marL="0" indent="0">
+              <a:buNone/>
+            </a:pPr>
+            <a:r>
+              <a:rPr lang="en-US" sz="3200" dirty="0">
+                <a:hlinkClick r:id="rId3"/>
+              </a:rPr>
+              <a:t>https://github.com/jonathan-r-jones/Composable-Batch-Files/raw/master/jaws.pptx</a:t>
+            </a:r>
+            <a:endParaRPr lang="en-US" sz="3200" dirty="0"/>
+          </a:p>
+          <a:p>
+            <a:pPr marL="0" indent="0">
+              <a:buNone/>
+            </a:pPr>
+            <a:endParaRPr lang="en-US" sz="3200" dirty="0"/>
+          </a:p>
+          <a:p>
+            <a:pPr marL="0" indent="0">
+              <a:buNone/>
+            </a:pPr>
+            <a:r>
+              <a:rPr lang="en-US" sz="3200" dirty="0"/>
+              <a:t>Demoed Code:</a:t>
+            </a:r>
+          </a:p>
+          <a:p>
+            <a:pPr marL="0" indent="0">
+              <a:buNone/>
+            </a:pPr>
+            <a:r>
+              <a:rPr lang="en-US" sz="3200" dirty="0">
+                <a:hlinkClick r:id="rId4"/>
+              </a:rPr>
+              <a:t>https://github.com/jonathan-r-jones/Composable-Batch-Files/blob/master/jaws.bat</a:t>
+            </a:r>
+            <a:endParaRPr lang="en-US" sz="3200" dirty="0"/>
+          </a:p>
+          <a:p>
+            <a:pPr marL="0" indent="0">
+              <a:buNone/>
+            </a:pPr>
+            <a:endParaRPr lang="en-US" sz="3200" dirty="0"/>
+          </a:p>
+          <a:p>
+            <a:pPr marL="0" indent="0">
+              <a:buNone/>
+            </a:pPr>
+            <a:endParaRPr lang="en-US" sz="3200" dirty="0"/>
+          </a:p>
+          <a:p>
+            <a:pPr marL="0" lvl="0" indent="0">
+              <a:buNone/>
+            </a:pPr>
+            <a:endParaRPr lang="en-US" sz="3200" dirty="0"/>
+          </a:p>
+          <a:p>
+            <a:pPr lvl="0"/>
+            <a:endParaRPr lang="en-US" sz="3200" dirty="0"/>
+          </a:p>
+        </p:txBody>
+      </p:sp>
     </p:spTree>
     <p:extLst>
       <p:ext uri="{BB962C8B-B14F-4D97-AF65-F5344CB8AC3E}">
-        <p14:creationId xmlns:p14="http://schemas.microsoft.com/office/powerpoint/2010/main" val="1237991964"/>
+        <p14:creationId xmlns:p14="http://schemas.microsoft.com/office/powerpoint/2010/main" val="2573704277"/>
       </p:ext>
     </p:extLst>
   </p:cSld>
@@ -10639,6 +10445,48 @@
     </p:spTree>
     <p:extLst>
       <p:ext uri="{BB962C8B-B14F-4D97-AF65-F5344CB8AC3E}">
+        <p14:creationId xmlns:p14="http://schemas.microsoft.com/office/powerpoint/2010/main" val="1237991964"/>
+      </p:ext>
+    </p:extLst>
+  </p:cSld>
+  <p:clrMapOvr>
+    <a:masterClrMapping/>
+  </p:clrMapOvr>
+  <mc:AlternateContent xmlns:mc="http://schemas.openxmlformats.org/markup-compatibility/2006" xmlns:p14="http://schemas.microsoft.com/office/powerpoint/2010/main">
+    <mc:Choice Requires="p14">
+      <p:transition spd="med" p14:dur="700">
+        <p:fade/>
+      </p:transition>
+    </mc:Choice>
+    <mc:Fallback xmlns="">
+      <p:transition spd="med">
+        <p:fade/>
+      </p:transition>
+    </mc:Fallback>
+  </mc:AlternateContent>
+</p:sld>
+</file>
+
+<file path=ppt/slides/slide18.xml><?xml version="1.0" encoding="utf-8"?>
+<p:sld xmlns:a="http://schemas.openxmlformats.org/drawingml/2006/main" xmlns:r="http://schemas.openxmlformats.org/officeDocument/2006/relationships" xmlns:p="http://schemas.openxmlformats.org/presentationml/2006/main">
+  <p:cSld>
+    <p:spTree>
+      <p:nvGrpSpPr>
+        <p:cNvPr id="1" name=""/>
+        <p:cNvGrpSpPr/>
+        <p:nvPr/>
+      </p:nvGrpSpPr>
+      <p:grpSpPr>
+        <a:xfrm>
+          <a:off x="0" y="0"/>
+          <a:ext cx="0" cy="0"/>
+          <a:chOff x="0" y="0"/>
+          <a:chExt cx="0" cy="0"/>
+        </a:xfrm>
+      </p:grpSpPr>
+    </p:spTree>
+    <p:extLst>
+      <p:ext uri="{BB962C8B-B14F-4D97-AF65-F5344CB8AC3E}">
         <p14:creationId xmlns:p14="http://schemas.microsoft.com/office/powerpoint/2010/main" val="2424483550"/>
       </p:ext>
     </p:extLst>
@@ -10661,7 +10509,7 @@
 </p:sld>
 </file>
 
-<file path=ppt/slides/slide18.xml><?xml version="1.0" encoding="utf-8"?>
+<file path=ppt/slides/slide19.xml><?xml version="1.0" encoding="utf-8"?>
 <p:sld xmlns:a="http://schemas.openxmlformats.org/drawingml/2006/main" xmlns:r="http://schemas.openxmlformats.org/officeDocument/2006/relationships" xmlns:p="http://schemas.openxmlformats.org/presentationml/2006/main">
   <p:cSld>
     <p:spTree>
@@ -10792,48 +10640,6 @@
     <p:extLst>
       <p:ext uri="{BB962C8B-B14F-4D97-AF65-F5344CB8AC3E}">
         <p14:creationId xmlns:p14="http://schemas.microsoft.com/office/powerpoint/2010/main" val="4279752589"/>
-      </p:ext>
-    </p:extLst>
-  </p:cSld>
-  <p:clrMapOvr>
-    <a:masterClrMapping/>
-  </p:clrMapOvr>
-  <mc:AlternateContent xmlns:mc="http://schemas.openxmlformats.org/markup-compatibility/2006" xmlns:p14="http://schemas.microsoft.com/office/powerpoint/2010/main">
-    <mc:Choice Requires="p14">
-      <p:transition spd="med" p14:dur="700">
-        <p:fade/>
-      </p:transition>
-    </mc:Choice>
-    <mc:Fallback xmlns="">
-      <p:transition spd="med">
-        <p:fade/>
-      </p:transition>
-    </mc:Fallback>
-  </mc:AlternateContent>
-</p:sld>
-</file>
-
-<file path=ppt/slides/slide19.xml><?xml version="1.0" encoding="utf-8"?>
-<p:sld xmlns:a="http://schemas.openxmlformats.org/drawingml/2006/main" xmlns:r="http://schemas.openxmlformats.org/officeDocument/2006/relationships" xmlns:p="http://schemas.openxmlformats.org/presentationml/2006/main">
-  <p:cSld>
-    <p:spTree>
-      <p:nvGrpSpPr>
-        <p:cNvPr id="1" name=""/>
-        <p:cNvGrpSpPr/>
-        <p:nvPr/>
-      </p:nvGrpSpPr>
-      <p:grpSpPr>
-        <a:xfrm>
-          <a:off x="0" y="0"/>
-          <a:ext cx="0" cy="0"/>
-          <a:chOff x="0" y="0"/>
-          <a:chExt cx="0" cy="0"/>
-        </a:xfrm>
-      </p:grpSpPr>
-    </p:spTree>
-    <p:extLst>
-      <p:ext uri="{BB962C8B-B14F-4D97-AF65-F5344CB8AC3E}">
-        <p14:creationId xmlns:p14="http://schemas.microsoft.com/office/powerpoint/2010/main" val="1697413467"/>
       </p:ext>
     </p:extLst>
   </p:cSld>
@@ -11251,6 +11057,48 @@
           <a:chExt cx="0" cy="0"/>
         </a:xfrm>
       </p:grpSpPr>
+    </p:spTree>
+    <p:extLst>
+      <p:ext uri="{BB962C8B-B14F-4D97-AF65-F5344CB8AC3E}">
+        <p14:creationId xmlns:p14="http://schemas.microsoft.com/office/powerpoint/2010/main" val="1697413467"/>
+      </p:ext>
+    </p:extLst>
+  </p:cSld>
+  <p:clrMapOvr>
+    <a:masterClrMapping/>
+  </p:clrMapOvr>
+  <mc:AlternateContent xmlns:mc="http://schemas.openxmlformats.org/markup-compatibility/2006" xmlns:p14="http://schemas.microsoft.com/office/powerpoint/2010/main">
+    <mc:Choice Requires="p14">
+      <p:transition spd="med" p14:dur="700">
+        <p:fade/>
+      </p:transition>
+    </mc:Choice>
+    <mc:Fallback xmlns="">
+      <p:transition spd="med">
+        <p:fade/>
+      </p:transition>
+    </mc:Fallback>
+  </mc:AlternateContent>
+</p:sld>
+</file>
+
+<file path=ppt/slides/slide21.xml><?xml version="1.0" encoding="utf-8"?>
+<p:sld xmlns:a="http://schemas.openxmlformats.org/drawingml/2006/main" xmlns:r="http://schemas.openxmlformats.org/officeDocument/2006/relationships" xmlns:p="http://schemas.openxmlformats.org/presentationml/2006/main">
+  <p:cSld>
+    <p:spTree>
+      <p:nvGrpSpPr>
+        <p:cNvPr id="1" name=""/>
+        <p:cNvGrpSpPr/>
+        <p:nvPr/>
+      </p:nvGrpSpPr>
+      <p:grpSpPr>
+        <a:xfrm>
+          <a:off x="0" y="0"/>
+          <a:ext cx="0" cy="0"/>
+          <a:chOff x="0" y="0"/>
+          <a:chExt cx="0" cy="0"/>
+        </a:xfrm>
+      </p:grpSpPr>
       <p:sp>
         <p:nvSpPr>
           <p:cNvPr id="14" name="Content Placeholder 13"/>
@@ -11319,7 +11167,7 @@
 </p:sld>
 </file>
 
-<file path=ppt/slides/slide21.xml><?xml version="1.0" encoding="utf-8"?>
+<file path=ppt/slides/slide22.xml><?xml version="1.0" encoding="utf-8"?>
 <p:sld xmlns:a="http://schemas.openxmlformats.org/drawingml/2006/main" xmlns:r="http://schemas.openxmlformats.org/officeDocument/2006/relationships" xmlns:p="http://schemas.openxmlformats.org/presentationml/2006/main">
   <p:cSld>
     <p:spTree>
@@ -11407,7 +11255,7 @@
 </p:sld>
 </file>
 
-<file path=ppt/slides/slide22.xml><?xml version="1.0" encoding="utf-8"?>
+<file path=ppt/slides/slide23.xml><?xml version="1.0" encoding="utf-8"?>
 <p:sld xmlns:a="http://schemas.openxmlformats.org/drawingml/2006/main" xmlns:r="http://schemas.openxmlformats.org/officeDocument/2006/relationships" xmlns:p="http://schemas.openxmlformats.org/presentationml/2006/main">
   <p:cSld>
     <p:spTree>
@@ -11522,7 +11370,7 @@
 </p:sld>
 </file>
 
-<file path=ppt/slides/slide23.xml><?xml version="1.0" encoding="utf-8"?>
+<file path=ppt/slides/slide24.xml><?xml version="1.0" encoding="utf-8"?>
 <p:sld xmlns:a="http://schemas.openxmlformats.org/drawingml/2006/main" xmlns:r="http://schemas.openxmlformats.org/officeDocument/2006/relationships" xmlns:p="http://schemas.openxmlformats.org/presentationml/2006/main">
   <p:cSld>
     <p:spTree>
@@ -11611,7 +11459,7 @@
 </p:sld>
 </file>
 
-<file path=ppt/slides/slide24.xml><?xml version="1.0" encoding="utf-8"?>
+<file path=ppt/slides/slide25.xml><?xml version="1.0" encoding="utf-8"?>
 <p:sld xmlns:a="http://schemas.openxmlformats.org/drawingml/2006/main" xmlns:r="http://schemas.openxmlformats.org/officeDocument/2006/relationships" xmlns:p="http://schemas.openxmlformats.org/presentationml/2006/main">
   <p:cSld>
     <p:spTree>
@@ -11954,7 +11802,7 @@
 </p:sld>
 </file>
 
-<file path=ppt/slides/slide25.xml><?xml version="1.0" encoding="utf-8"?>
+<file path=ppt/slides/slide26.xml><?xml version="1.0" encoding="utf-8"?>
 <p:sld xmlns:a="http://schemas.openxmlformats.org/drawingml/2006/main" xmlns:r="http://schemas.openxmlformats.org/officeDocument/2006/relationships" xmlns:p="http://schemas.openxmlformats.org/presentationml/2006/main">
   <p:cSld>
     <p:spTree>
@@ -13599,40 +13447,359 @@
           <a:chExt cx="0" cy="0"/>
         </a:xfrm>
       </p:grpSpPr>
-      <p:pic>
-        <p:nvPicPr>
-          <p:cNvPr id="2" name="Picture 1">
+      <p:sp>
+        <p:nvSpPr>
+          <p:cNvPr id="2" name="Title 1">
             <a:extLst>
               <a:ext uri="{FF2B5EF4-FFF2-40B4-BE49-F238E27FC236}">
-                <a16:creationId xmlns:a16="http://schemas.microsoft.com/office/drawing/2014/main" id="{979F42A1-0B9B-4B67-BCE0-3D84E00C9390}"/>
+                <a16:creationId xmlns:a16="http://schemas.microsoft.com/office/drawing/2014/main" id="{C17BA615-E3C3-4579-9EC2-CFCE37CF9604}"/>
               </a:ext>
             </a:extLst>
           </p:cNvPr>
-          <p:cNvPicPr>
-            <a:picLocks noChangeAspect="1"/>
-          </p:cNvPicPr>
-          <p:nvPr/>
-        </p:nvPicPr>
-        <p:blipFill>
-          <a:blip r:embed="rId2"/>
-          <a:stretch>
-            <a:fillRect/>
-          </a:stretch>
-        </p:blipFill>
+          <p:cNvSpPr>
+            <a:spLocks noGrp="1"/>
+          </p:cNvSpPr>
+          <p:nvPr>
+            <p:ph type="title"/>
+          </p:nvPr>
+        </p:nvSpPr>
         <p:spPr>
           <a:xfrm>
-            <a:off x="2871994" y="0"/>
-            <a:ext cx="6448011" cy="6858000"/>
+            <a:off x="802972" y="628595"/>
+            <a:ext cx="10566400" cy="802002"/>
+          </a:xfrm>
+        </p:spPr>
+        <p:txBody>
+          <a:bodyPr/>
+          <a:lstStyle/>
+          <a:p>
+            <a:pPr algn="ctr"/>
+            <a:r>
+              <a:rPr lang="en-US" dirty="0"/>
+              <a:t>Creating a key pair</a:t>
+            </a:r>
+          </a:p>
+        </p:txBody>
+      </p:sp>
+      <p:sp>
+        <p:nvSpPr>
+          <p:cNvPr id="9" name="Content Placeholder 2">
+            <a:extLst>
+              <a:ext uri="{FF2B5EF4-FFF2-40B4-BE49-F238E27FC236}">
+                <a16:creationId xmlns:a16="http://schemas.microsoft.com/office/drawing/2014/main" id="{82D45AB6-E6C4-4696-A3FA-C1356B6D4A13}"/>
+              </a:ext>
+            </a:extLst>
+          </p:cNvPr>
+          <p:cNvSpPr txBox="1">
+            <a:spLocks/>
+          </p:cNvSpPr>
+          <p:nvPr/>
+        </p:nvSpPr>
+        <p:spPr>
+          <a:xfrm>
+            <a:off x="847216" y="1887795"/>
+            <a:ext cx="10566400" cy="4223626"/>
           </a:xfrm>
           <a:prstGeom prst="rect">
             <a:avLst/>
           </a:prstGeom>
         </p:spPr>
-      </p:pic>
+        <p:txBody>
+          <a:bodyPr vert="horz" lIns="91440" tIns="45720" rIns="91440" bIns="45720" rtlCol="0">
+            <a:normAutofit/>
+          </a:bodyPr>
+          <a:lstStyle>
+            <a:lvl1pPr marL="342900" indent="-342900" algn="l" defTabSz="914400" rtl="0" eaLnBrk="1" latinLnBrk="0" hangingPunct="1">
+              <a:lnSpc>
+                <a:spcPct val="100000"/>
+              </a:lnSpc>
+              <a:spcBef>
+                <a:spcPct val="20000"/>
+              </a:spcBef>
+              <a:spcAft>
+                <a:spcPts val="600"/>
+              </a:spcAft>
+              <a:buClr>
+                <a:schemeClr val="tx2">
+                  <a:lumMod val="50000"/>
+                </a:schemeClr>
+              </a:buClr>
+              <a:buFont typeface="Arial" pitchFamily="34" charset="0"/>
+              <a:buChar char="•"/>
+              <a:defRPr sz="2000" kern="1200" spc="30" baseline="0">
+                <a:solidFill>
+                  <a:schemeClr val="tx2">
+                    <a:lumMod val="50000"/>
+                  </a:schemeClr>
+                </a:solidFill>
+                <a:latin typeface="+mn-lt"/>
+                <a:ea typeface="+mn-ea"/>
+                <a:cs typeface="+mn-cs"/>
+              </a:defRPr>
+            </a:lvl1pPr>
+            <a:lvl2pPr marL="742950" indent="-285750" algn="l" defTabSz="914400" rtl="0" eaLnBrk="1" latinLnBrk="0" hangingPunct="1">
+              <a:lnSpc>
+                <a:spcPct val="100000"/>
+              </a:lnSpc>
+              <a:spcBef>
+                <a:spcPct val="20000"/>
+              </a:spcBef>
+              <a:spcAft>
+                <a:spcPts val="600"/>
+              </a:spcAft>
+              <a:buClr>
+                <a:schemeClr val="tx2">
+                  <a:lumMod val="50000"/>
+                </a:schemeClr>
+              </a:buClr>
+              <a:buFont typeface="Arial" pitchFamily="34" charset="0"/>
+              <a:buChar char="•"/>
+              <a:defRPr sz="2000" kern="1200" spc="30" baseline="0">
+                <a:solidFill>
+                  <a:schemeClr val="tx2">
+                    <a:lumMod val="50000"/>
+                  </a:schemeClr>
+                </a:solidFill>
+                <a:latin typeface="+mn-lt"/>
+                <a:ea typeface="+mn-ea"/>
+                <a:cs typeface="+mn-cs"/>
+              </a:defRPr>
+            </a:lvl2pPr>
+            <a:lvl3pPr marL="1143000" indent="-228600" algn="l" defTabSz="914400" rtl="0" eaLnBrk="1" latinLnBrk="0" hangingPunct="1">
+              <a:lnSpc>
+                <a:spcPct val="100000"/>
+              </a:lnSpc>
+              <a:spcBef>
+                <a:spcPct val="20000"/>
+              </a:spcBef>
+              <a:spcAft>
+                <a:spcPts val="600"/>
+              </a:spcAft>
+              <a:buClr>
+                <a:schemeClr val="tx2">
+                  <a:lumMod val="50000"/>
+                </a:schemeClr>
+              </a:buClr>
+              <a:buFont typeface="Arial" pitchFamily="34" charset="0"/>
+              <a:buChar char="•"/>
+              <a:defRPr sz="2000" kern="1200" spc="30" baseline="0">
+                <a:solidFill>
+                  <a:schemeClr val="tx2">
+                    <a:lumMod val="50000"/>
+                  </a:schemeClr>
+                </a:solidFill>
+                <a:latin typeface="+mn-lt"/>
+                <a:ea typeface="+mn-ea"/>
+                <a:cs typeface="+mn-cs"/>
+              </a:defRPr>
+            </a:lvl3pPr>
+            <a:lvl4pPr marL="1600200" indent="-228600" algn="l" defTabSz="914400" rtl="0" eaLnBrk="1" latinLnBrk="0" hangingPunct="1">
+              <a:lnSpc>
+                <a:spcPct val="100000"/>
+              </a:lnSpc>
+              <a:spcBef>
+                <a:spcPct val="20000"/>
+              </a:spcBef>
+              <a:spcAft>
+                <a:spcPts val="600"/>
+              </a:spcAft>
+              <a:buClr>
+                <a:schemeClr val="tx2">
+                  <a:lumMod val="50000"/>
+                </a:schemeClr>
+              </a:buClr>
+              <a:buFont typeface="Arial" pitchFamily="34" charset="0"/>
+              <a:buChar char="•"/>
+              <a:defRPr sz="2000" kern="1200" spc="30" baseline="0">
+                <a:solidFill>
+                  <a:schemeClr val="tx2">
+                    <a:lumMod val="50000"/>
+                  </a:schemeClr>
+                </a:solidFill>
+                <a:latin typeface="+mn-lt"/>
+                <a:ea typeface="+mn-ea"/>
+                <a:cs typeface="+mn-cs"/>
+              </a:defRPr>
+            </a:lvl4pPr>
+            <a:lvl5pPr marL="2057400" indent="-228600" algn="l" defTabSz="914400" rtl="0" eaLnBrk="1" latinLnBrk="0" hangingPunct="1">
+              <a:lnSpc>
+                <a:spcPct val="100000"/>
+              </a:lnSpc>
+              <a:spcBef>
+                <a:spcPct val="20000"/>
+              </a:spcBef>
+              <a:spcAft>
+                <a:spcPts val="600"/>
+              </a:spcAft>
+              <a:buClr>
+                <a:schemeClr val="tx2">
+                  <a:lumMod val="50000"/>
+                </a:schemeClr>
+              </a:buClr>
+              <a:buFont typeface="Arial" pitchFamily="34" charset="0"/>
+              <a:buChar char="•"/>
+              <a:defRPr sz="2000" kern="1200" spc="30" baseline="0">
+                <a:solidFill>
+                  <a:schemeClr val="tx2">
+                    <a:lumMod val="50000"/>
+                  </a:schemeClr>
+                </a:solidFill>
+                <a:latin typeface="+mn-lt"/>
+                <a:ea typeface="+mn-ea"/>
+                <a:cs typeface="+mn-cs"/>
+              </a:defRPr>
+            </a:lvl5pPr>
+            <a:lvl6pPr marL="2514600" indent="-228600" algn="l" defTabSz="914400" rtl="0" eaLnBrk="1" latinLnBrk="0" hangingPunct="1">
+              <a:lnSpc>
+                <a:spcPct val="100000"/>
+              </a:lnSpc>
+              <a:spcBef>
+                <a:spcPct val="20000"/>
+              </a:spcBef>
+              <a:spcAft>
+                <a:spcPts val="600"/>
+              </a:spcAft>
+              <a:buClr>
+                <a:schemeClr val="tx2">
+                  <a:lumMod val="50000"/>
+                </a:schemeClr>
+              </a:buClr>
+              <a:buFont typeface="Arial" pitchFamily="34" charset="0"/>
+              <a:buChar char="•"/>
+              <a:defRPr sz="1700" kern="1200">
+                <a:solidFill>
+                  <a:schemeClr val="tx2">
+                    <a:lumMod val="50000"/>
+                  </a:schemeClr>
+                </a:solidFill>
+                <a:latin typeface="+mn-lt"/>
+                <a:ea typeface="+mn-ea"/>
+                <a:cs typeface="+mn-cs"/>
+              </a:defRPr>
+            </a:lvl6pPr>
+            <a:lvl7pPr marL="2971800" indent="-228600" algn="l" defTabSz="914400" rtl="0" eaLnBrk="1" latinLnBrk="0" hangingPunct="1">
+              <a:lnSpc>
+                <a:spcPct val="100000"/>
+              </a:lnSpc>
+              <a:spcBef>
+                <a:spcPct val="20000"/>
+              </a:spcBef>
+              <a:spcAft>
+                <a:spcPts val="600"/>
+              </a:spcAft>
+              <a:buClr>
+                <a:schemeClr val="tx2">
+                  <a:lumMod val="50000"/>
+                </a:schemeClr>
+              </a:buClr>
+              <a:buFont typeface="Arial" pitchFamily="34" charset="0"/>
+              <a:buChar char="•"/>
+              <a:defRPr sz="1700" kern="1200">
+                <a:solidFill>
+                  <a:schemeClr val="tx2">
+                    <a:lumMod val="50000"/>
+                  </a:schemeClr>
+                </a:solidFill>
+                <a:latin typeface="+mn-lt"/>
+                <a:ea typeface="+mn-ea"/>
+                <a:cs typeface="+mn-cs"/>
+              </a:defRPr>
+            </a:lvl7pPr>
+            <a:lvl8pPr marL="3429000" indent="-228600" algn="l" defTabSz="914400" rtl="0" eaLnBrk="1" latinLnBrk="0" hangingPunct="1">
+              <a:lnSpc>
+                <a:spcPct val="100000"/>
+              </a:lnSpc>
+              <a:spcBef>
+                <a:spcPct val="20000"/>
+              </a:spcBef>
+              <a:spcAft>
+                <a:spcPts val="600"/>
+              </a:spcAft>
+              <a:buClr>
+                <a:schemeClr val="tx2">
+                  <a:lumMod val="50000"/>
+                </a:schemeClr>
+              </a:buClr>
+              <a:buFont typeface="Arial" pitchFamily="34" charset="0"/>
+              <a:buChar char="•"/>
+              <a:defRPr sz="1700" kern="1200">
+                <a:solidFill>
+                  <a:schemeClr val="tx2">
+                    <a:lumMod val="50000"/>
+                  </a:schemeClr>
+                </a:solidFill>
+                <a:latin typeface="+mn-lt"/>
+                <a:ea typeface="+mn-ea"/>
+                <a:cs typeface="+mn-cs"/>
+              </a:defRPr>
+            </a:lvl8pPr>
+            <a:lvl9pPr marL="3886200" indent="-228600" algn="l" defTabSz="914400" rtl="0" eaLnBrk="1" latinLnBrk="0" hangingPunct="1">
+              <a:lnSpc>
+                <a:spcPct val="100000"/>
+              </a:lnSpc>
+              <a:spcBef>
+                <a:spcPct val="20000"/>
+              </a:spcBef>
+              <a:spcAft>
+                <a:spcPts val="600"/>
+              </a:spcAft>
+              <a:buClr>
+                <a:schemeClr val="tx2">
+                  <a:lumMod val="50000"/>
+                </a:schemeClr>
+              </a:buClr>
+              <a:buFont typeface="Arial" pitchFamily="34" charset="0"/>
+              <a:buChar char="•"/>
+              <a:defRPr sz="1700" kern="1200">
+                <a:solidFill>
+                  <a:schemeClr val="tx2">
+                    <a:lumMod val="50000"/>
+                  </a:schemeClr>
+                </a:solidFill>
+                <a:latin typeface="+mn-lt"/>
+                <a:ea typeface="+mn-ea"/>
+                <a:cs typeface="+mn-cs"/>
+              </a:defRPr>
+            </a:lvl9pPr>
+          </a:lstStyle>
+          <a:p>
+            <a:pPr marL="0" indent="0">
+              <a:buNone/>
+            </a:pPr>
+            <a:r>
+              <a:rPr lang="en-US" sz="3600" dirty="0"/>
+              <a:t>In order to create a machine instance, you need to create a key pair. Go to the EC2 dashboard and click on “Key Pairs” in the left sidebar.</a:t>
+            </a:r>
+            <a:endParaRPr lang="en-US" sz="3600" dirty="0">
+              <a:solidFill>
+                <a:srgbClr val="FF0000"/>
+              </a:solidFill>
+            </a:endParaRPr>
+          </a:p>
+          <a:p>
+            <a:pPr marL="0" indent="0">
+              <a:buNone/>
+            </a:pPr>
+            <a:endParaRPr lang="en-US" sz="3600" dirty="0"/>
+          </a:p>
+          <a:p>
+            <a:pPr marL="0" indent="0">
+              <a:buNone/>
+            </a:pPr>
+            <a:endParaRPr lang="en-US" sz="3600" dirty="0"/>
+          </a:p>
+          <a:p>
+            <a:pPr marL="0" indent="0">
+              <a:buNone/>
+            </a:pPr>
+            <a:endParaRPr lang="en-US" sz="3600" dirty="0"/>
+          </a:p>
+        </p:txBody>
+      </p:sp>
     </p:spTree>
     <p:extLst>
       <p:ext uri="{BB962C8B-B14F-4D97-AF65-F5344CB8AC3E}">
-        <p14:creationId xmlns:p14="http://schemas.microsoft.com/office/powerpoint/2010/main" val="2525496970"/>
+        <p14:creationId xmlns:p14="http://schemas.microsoft.com/office/powerpoint/2010/main" val="4073827153"/>
       </p:ext>
     </p:extLst>
   </p:cSld>
@@ -14526,15 +14693,6 @@
 </file>
 
 <file path=customXml/item1.xml><?xml version="1.0" encoding="utf-8"?>
-<?mso-contentType ?>
-<FormTemplates xmlns="http://schemas.microsoft.com/sharepoint/v3/contenttype/forms">
-  <Display>DocumentLibraryForm</Display>
-  <Edit>DocumentLibraryForm</Edit>
-  <New>DocumentLibraryForm</New>
-</FormTemplates>
-</file>
-
-<file path=customXml/item2.xml><?xml version="1.0" encoding="utf-8"?>
 <p:properties xmlns:p="http://schemas.microsoft.com/office/2006/metadata/properties" xmlns:xsi="http://www.w3.org/2001/XMLSchema-instance" xmlns:pc="http://schemas.microsoft.com/office/infopath/2007/PartnerControls">
   <documentManagement>
     <VSO_x0020_item_x0020_id xmlns="40262f94-9f35-4ac3-9a90-690165a166b7" xsi:nil="true"/>
@@ -14543,6 +14701,15 @@
     <Template_x0020_details xmlns="40262f94-9f35-4ac3-9a90-690165a166b7" xsi:nil="true"/>
   </documentManagement>
 </p:properties>
+</file>
+
+<file path=customXml/item2.xml><?xml version="1.0" encoding="utf-8"?>
+<?mso-contentType ?>
+<FormTemplates xmlns="http://schemas.microsoft.com/sharepoint/v3/contenttype/forms">
+  <Display>DocumentLibraryForm</Display>
+  <Edit>DocumentLibraryForm</Edit>
+  <New>DocumentLibraryForm</New>
+</FormTemplates>
 </file>
 
 <file path=customXml/item3.xml><?xml version="1.0" encoding="utf-8"?>
@@ -14727,26 +14894,26 @@
 </file>
 
 <file path=customXml/itemProps1.xml><?xml version="1.0" encoding="utf-8"?>
-<ds:datastoreItem xmlns:ds="http://schemas.openxmlformats.org/officeDocument/2006/customXml" ds:itemID="{BED6C63E-22D9-40FD-AF90-6F5632A4309F}">
+<ds:datastoreItem xmlns:ds="http://schemas.openxmlformats.org/officeDocument/2006/customXml" ds:itemID="{28DC6412-8CE7-4C8A-96E9-2669F16D17E8}">
   <ds:schemaRefs>
-    <ds:schemaRef ds:uri="http://schemas.microsoft.com/sharepoint/v3/contenttype/forms"/>
+    <ds:schemaRef ds:uri="http://schemas.microsoft.com/office/2006/documentManagement/types"/>
+    <ds:schemaRef ds:uri="http://purl.org/dc/terms/"/>
+    <ds:schemaRef ds:uri="http://purl.org/dc/elements/1.1/"/>
+    <ds:schemaRef ds:uri="http://purl.org/dc/dcmitype/"/>
+    <ds:schemaRef ds:uri="http://schemas.microsoft.com/office/2006/metadata/properties"/>
+    <ds:schemaRef ds:uri="a4f35948-e619-41b3-aa29-22878b09cfd2"/>
+    <ds:schemaRef ds:uri="http://schemas.microsoft.com/office/infopath/2007/PartnerControls"/>
+    <ds:schemaRef ds:uri="http://schemas.openxmlformats.org/package/2006/metadata/core-properties"/>
+    <ds:schemaRef ds:uri="40262f94-9f35-4ac3-9a90-690165a166b7"/>
+    <ds:schemaRef ds:uri="http://www.w3.org/XML/1998/namespace"/>
   </ds:schemaRefs>
 </ds:datastoreItem>
 </file>
 
 <file path=customXml/itemProps2.xml><?xml version="1.0" encoding="utf-8"?>
-<ds:datastoreItem xmlns:ds="http://schemas.openxmlformats.org/officeDocument/2006/customXml" ds:itemID="{28DC6412-8CE7-4C8A-96E9-2669F16D17E8}">
+<ds:datastoreItem xmlns:ds="http://schemas.openxmlformats.org/officeDocument/2006/customXml" ds:itemID="{BED6C63E-22D9-40FD-AF90-6F5632A4309F}">
   <ds:schemaRefs>
-    <ds:schemaRef ds:uri="http://schemas.microsoft.com/office/2006/metadata/properties"/>
-    <ds:schemaRef ds:uri="40262f94-9f35-4ac3-9a90-690165a166b7"/>
-    <ds:schemaRef ds:uri="http://purl.org/dc/elements/1.1/"/>
-    <ds:schemaRef ds:uri="http://schemas.openxmlformats.org/package/2006/metadata/core-properties"/>
-    <ds:schemaRef ds:uri="http://schemas.microsoft.com/office/2006/documentManagement/types"/>
-    <ds:schemaRef ds:uri="http://schemas.microsoft.com/office/infopath/2007/PartnerControls"/>
-    <ds:schemaRef ds:uri="http://purl.org/dc/terms/"/>
-    <ds:schemaRef ds:uri="a4f35948-e619-41b3-aa29-22878b09cfd2"/>
-    <ds:schemaRef ds:uri="http://www.w3.org/XML/1998/namespace"/>
-    <ds:schemaRef ds:uri="http://purl.org/dc/dcmitype/"/>
+    <ds:schemaRef ds:uri="http://schemas.microsoft.com/sharepoint/v3/contenttype/forms"/>
   </ds:schemaRefs>
 </ds:datastoreItem>
 </file>

--- a/jaws.pptx
+++ b/jaws.pptx
@@ -12958,7 +12958,19 @@
             </a:r>
             <a:r>
               <a:rPr lang="en-US" sz="3600" dirty="0"/>
-              <a:t>”, like bookends. The body of can be a chain of commands. </a:t>
+              <a:t>”, like bookends. The body of can be a chain of commands in shown here in </a:t>
+            </a:r>
+            <a:r>
+              <a:rPr lang="en-US" sz="3600" dirty="0">
+                <a:solidFill>
+                  <a:srgbClr val="2BF530"/>
+                </a:solidFill>
+              </a:rPr>
+              <a:t>green</a:t>
+            </a:r>
+            <a:r>
+              <a:rPr lang="en-US" sz="3600" dirty="0"/>
+              <a:t>.</a:t>
             </a:r>
           </a:p>
           <a:p>
@@ -12984,7 +12996,19 @@
             </a:r>
             <a:r>
               <a:rPr lang="en-US" sz="3600" dirty="0"/>
-              <a:t> ec2 </a:t>
+              <a:t> </a:t>
+            </a:r>
+            <a:r>
+              <a:rPr lang="en-US" sz="3600" dirty="0">
+                <a:solidFill>
+                  <a:srgbClr val="2BF530"/>
+                </a:solidFill>
+              </a:rPr>
+              <a:t>ec2</a:t>
+            </a:r>
+            <a:r>
+              <a:rPr lang="en-US" sz="3600" dirty="0"/>
+              <a:t> </a:t>
             </a:r>
             <a:r>
               <a:rPr lang="en-US" sz="3600" dirty="0">
@@ -13018,7 +13042,19 @@
             </a:r>
             <a:r>
               <a:rPr lang="en-US" sz="3600" dirty="0"/>
-              <a:t> ec2 create-security-group </a:t>
+              <a:t> </a:t>
+            </a:r>
+            <a:r>
+              <a:rPr lang="en-US" sz="3600" dirty="0">
+                <a:solidFill>
+                  <a:srgbClr val="2BF530"/>
+                </a:solidFill>
+              </a:rPr>
+              <a:t>ec2 create-security-group</a:t>
+            </a:r>
+            <a:r>
+              <a:rPr lang="en-US" sz="3600" dirty="0"/>
+              <a:t> </a:t>
             </a:r>
             <a:r>
               <a:rPr lang="en-US" sz="3600" dirty="0">
